--- a/Презентация1.pptx
+++ b/Презентация1.pptx
@@ -5,13 +5,16 @@
     <p:sldMasterId id="2147483717" r:id="rId4"/>
   </p:sldMasterIdLst>
   <p:notesMasterIdLst>
-    <p:notesMasterId r:id="rId6"/>
+    <p:notesMasterId r:id="rId9"/>
   </p:notesMasterIdLst>
   <p:handoutMasterIdLst>
-    <p:handoutMasterId r:id="rId7"/>
+    <p:handoutMasterId r:id="rId10"/>
   </p:handoutMasterIdLst>
   <p:sldIdLst>
     <p:sldId id="348" r:id="rId5"/>
+    <p:sldId id="349" r:id="rId6"/>
+    <p:sldId id="350" r:id="rId7"/>
+    <p:sldId id="351" r:id="rId8"/>
   </p:sldIdLst>
   <p:sldSz cx="12192000" cy="6858000"/>
   <p:notesSz cx="6858000" cy="9144000"/>
@@ -7859,6 +7862,430 @@
     <p:extLst>
       <p:ext uri="{BB962C8B-B14F-4D97-AF65-F5344CB8AC3E}">
         <p14:creationId xmlns:p14="http://schemas.microsoft.com/office/powerpoint/2010/main" val="3827693486"/>
+      </p:ext>
+    </p:extLst>
+  </p:cSld>
+  <p:clrMapOvr>
+    <a:masterClrMapping/>
+  </p:clrMapOvr>
+</p:sld>
+</file>
+
+<file path=ppt/slides/slide2.xml><?xml version="1.0" encoding="utf-8"?>
+<p:sld xmlns:a="http://schemas.openxmlformats.org/drawingml/2006/main" xmlns:r="http://schemas.openxmlformats.org/officeDocument/2006/relationships" xmlns:p="http://schemas.openxmlformats.org/presentationml/2006/main">
+  <p:cSld>
+    <p:spTree>
+      <p:nvGrpSpPr>
+        <p:cNvPr id="1" name=""/>
+        <p:cNvGrpSpPr/>
+        <p:nvPr/>
+      </p:nvGrpSpPr>
+      <p:grpSpPr>
+        <a:xfrm>
+          <a:off x="0" y="0"/>
+          <a:ext cx="0" cy="0"/>
+          <a:chOff x="0" y="0"/>
+          <a:chExt cx="0" cy="0"/>
+        </a:xfrm>
+      </p:grpSpPr>
+      <p:sp>
+        <p:nvSpPr>
+          <p:cNvPr id="2" name="Объект 1">
+            <a:extLst>
+              <a:ext uri="{FF2B5EF4-FFF2-40B4-BE49-F238E27FC236}">
+                <a16:creationId xmlns:a16="http://schemas.microsoft.com/office/drawing/2014/main" id="{F0C2A369-1122-BF40-94AA-E9EBD9D7B151}"/>
+              </a:ext>
+            </a:extLst>
+          </p:cNvPr>
+          <p:cNvSpPr>
+            <a:spLocks noGrp="1"/>
+          </p:cNvSpPr>
+          <p:nvPr>
+            <p:ph idx="1"/>
+          </p:nvPr>
+        </p:nvSpPr>
+        <p:spPr/>
+        <p:txBody>
+          <a:bodyPr>
+            <a:normAutofit fontScale="92500"/>
+          </a:bodyPr>
+          <a:lstStyle/>
+          <a:p>
+            <a:r>
+              <a:rPr lang="ru-RU" dirty="0" err="1"/>
+              <a:t>Рабдологический</a:t>
+            </a:r>
+            <a:r>
+              <a:rPr lang="ru-RU" dirty="0"/>
+              <a:t> абак – суммирующая машина, изобретенная Клодом Перро, братом знаменитого сказочника Шарля Перро. Впервые, упоминание об этом изобретении встречается в 1700 году в книге «Сборник большого числа машин собственного сочинения», изданной Клодом Перро посмертно.</a:t>
+            </a:r>
+          </a:p>
+          <a:p>
+            <a:r>
+              <a:rPr lang="ru-RU" dirty="0"/>
+              <a:t>Счетная машина, действительно, представляла собой пластину в палец толщиной, примерно 30 сантиметров высотой и 14 – шириной. На лицевой стороне машины было вырезано два окошка для отображения результатов. В верхнем окошке показывался результат вычитания, а в нижнем – сложения.</a:t>
+            </a:r>
+          </a:p>
+          <a:p>
+            <a:r>
+              <a:rPr lang="ru-RU" dirty="0"/>
+              <a:t>В нижней части лицевой стороны была выгравирована таблица умножения.</a:t>
+            </a:r>
+          </a:p>
+          <a:p>
+            <a:endParaRPr lang="ru-UA" dirty="0"/>
+          </a:p>
+        </p:txBody>
+      </p:sp>
+      <p:sp>
+        <p:nvSpPr>
+          <p:cNvPr id="3" name="Заголовок 2">
+            <a:extLst>
+              <a:ext uri="{FF2B5EF4-FFF2-40B4-BE49-F238E27FC236}">
+                <a16:creationId xmlns:a16="http://schemas.microsoft.com/office/drawing/2014/main" id="{7A55D852-1206-1841-884B-592351A6F3CA}"/>
+              </a:ext>
+            </a:extLst>
+          </p:cNvPr>
+          <p:cNvSpPr>
+            <a:spLocks noGrp="1"/>
+          </p:cNvSpPr>
+          <p:nvPr>
+            <p:ph type="title"/>
+          </p:nvPr>
+        </p:nvSpPr>
+        <p:spPr>
+          <a:xfrm>
+            <a:off x="1769309" y="421816"/>
+            <a:ext cx="10058400" cy="1369074"/>
+          </a:xfrm>
+        </p:spPr>
+        <p:txBody>
+          <a:bodyPr/>
+          <a:lstStyle/>
+          <a:p>
+            <a:r>
+              <a:rPr lang="ru-UA" dirty="0"/>
+              <a:t>Про Устройстов</a:t>
+            </a:r>
+            <a:r>
+              <a:rPr lang="uk-UA" dirty="0"/>
+              <a:t>о</a:t>
+            </a:r>
+            <a:endParaRPr lang="ru-UA" dirty="0"/>
+          </a:p>
+        </p:txBody>
+      </p:sp>
+      <p:pic>
+        <p:nvPicPr>
+          <p:cNvPr id="1028" name="Picture 4" descr="Клод Перро ">
+            <a:extLst>
+              <a:ext uri="{FF2B5EF4-FFF2-40B4-BE49-F238E27FC236}">
+                <a16:creationId xmlns:a16="http://schemas.microsoft.com/office/drawing/2014/main" id="{8AD46CB6-3DD7-0140-AAB0-E8C701827E6B}"/>
+              </a:ext>
+            </a:extLst>
+          </p:cNvPr>
+          <p:cNvPicPr>
+            <a:picLocks noChangeAspect="1" noChangeArrowheads="1"/>
+          </p:cNvPicPr>
+          <p:nvPr/>
+        </p:nvPicPr>
+        <p:blipFill>
+          <a:blip r:embed="rId2">
+            <a:extLst>
+              <a:ext uri="{28A0092B-C50C-407E-A947-70E740481C1C}">
+                <a14:useLocalDpi xmlns:a14="http://schemas.microsoft.com/office/drawing/2010/main" val="0"/>
+              </a:ext>
+            </a:extLst>
+          </a:blip>
+          <a:srcRect/>
+          <a:stretch>
+            <a:fillRect/>
+          </a:stretch>
+        </p:blipFill>
+        <p:spPr bwMode="auto">
+          <a:xfrm>
+            <a:off x="187287" y="165686"/>
+            <a:ext cx="1400994" cy="1881335"/>
+          </a:xfrm>
+          <a:prstGeom prst="rect">
+            <a:avLst/>
+          </a:prstGeom>
+          <a:noFill/>
+          <a:extLst>
+            <a:ext uri="{909E8E84-426E-40DD-AFC4-6F175D3DCCD1}">
+              <a14:hiddenFill xmlns:a14="http://schemas.microsoft.com/office/drawing/2010/main">
+                <a:solidFill>
+                  <a:srgbClr val="FFFFFF"/>
+                </a:solidFill>
+              </a14:hiddenFill>
+            </a:ext>
+          </a:extLst>
+        </p:spPr>
+      </p:pic>
+    </p:spTree>
+    <p:extLst>
+      <p:ext uri="{BB962C8B-B14F-4D97-AF65-F5344CB8AC3E}">
+        <p14:creationId xmlns:p14="http://schemas.microsoft.com/office/powerpoint/2010/main" val="2368414149"/>
+      </p:ext>
+    </p:extLst>
+  </p:cSld>
+  <p:clrMapOvr>
+    <a:masterClrMapping/>
+  </p:clrMapOvr>
+</p:sld>
+</file>
+
+<file path=ppt/slides/slide3.xml><?xml version="1.0" encoding="utf-8"?>
+<p:sld xmlns:a="http://schemas.openxmlformats.org/drawingml/2006/main" xmlns:r="http://schemas.openxmlformats.org/officeDocument/2006/relationships" xmlns:p="http://schemas.openxmlformats.org/presentationml/2006/main">
+  <p:cSld>
+    <p:spTree>
+      <p:nvGrpSpPr>
+        <p:cNvPr id="1" name=""/>
+        <p:cNvGrpSpPr/>
+        <p:nvPr/>
+      </p:nvGrpSpPr>
+      <p:grpSpPr>
+        <a:xfrm>
+          <a:off x="0" y="0"/>
+          <a:ext cx="0" cy="0"/>
+          <a:chOff x="0" y="0"/>
+          <a:chExt cx="0" cy="0"/>
+        </a:xfrm>
+      </p:grpSpPr>
+      <p:sp>
+        <p:nvSpPr>
+          <p:cNvPr id="2" name="Объект 1">
+            <a:extLst>
+              <a:ext uri="{FF2B5EF4-FFF2-40B4-BE49-F238E27FC236}">
+                <a16:creationId xmlns:a16="http://schemas.microsoft.com/office/drawing/2014/main" id="{259D92BD-231B-014E-9650-0A3B37AF4E0E}"/>
+              </a:ext>
+            </a:extLst>
+          </p:cNvPr>
+          <p:cNvSpPr>
+            <a:spLocks noGrp="1"/>
+          </p:cNvSpPr>
+          <p:nvPr>
+            <p:ph idx="1"/>
+          </p:nvPr>
+        </p:nvSpPr>
+        <p:spPr/>
+        <p:txBody>
+          <a:bodyPr/>
+          <a:lstStyle/>
+          <a:p>
+            <a:endParaRPr lang="ru-UA" dirty="0"/>
+          </a:p>
+        </p:txBody>
+      </p:sp>
+      <p:sp>
+        <p:nvSpPr>
+          <p:cNvPr id="3" name="Заголовок 2">
+            <a:extLst>
+              <a:ext uri="{FF2B5EF4-FFF2-40B4-BE49-F238E27FC236}">
+                <a16:creationId xmlns:a16="http://schemas.microsoft.com/office/drawing/2014/main" id="{DCB06251-69A7-8A47-88C6-E0A926A3C16A}"/>
+              </a:ext>
+            </a:extLst>
+          </p:cNvPr>
+          <p:cNvSpPr>
+            <a:spLocks noGrp="1"/>
+          </p:cNvSpPr>
+          <p:nvPr>
+            <p:ph type="title"/>
+          </p:nvPr>
+        </p:nvSpPr>
+        <p:spPr/>
+        <p:txBody>
+          <a:bodyPr/>
+          <a:lstStyle/>
+          <a:p>
+            <a:endParaRPr lang="ru-UA" dirty="0"/>
+          </a:p>
+        </p:txBody>
+      </p:sp>
+      <p:pic>
+        <p:nvPicPr>
+          <p:cNvPr id="2052" name="Picture 4" descr="Рабдологический абак Клода Перро / Блог компании ua-hosting.company / Хабр">
+            <a:extLst>
+              <a:ext uri="{FF2B5EF4-FFF2-40B4-BE49-F238E27FC236}">
+                <a16:creationId xmlns:a16="http://schemas.microsoft.com/office/drawing/2014/main" id="{59C9C4D0-4C38-9448-B2BF-3A1515F859A4}"/>
+              </a:ext>
+            </a:extLst>
+          </p:cNvPr>
+          <p:cNvPicPr>
+            <a:picLocks noChangeAspect="1" noChangeArrowheads="1"/>
+          </p:cNvPicPr>
+          <p:nvPr/>
+        </p:nvPicPr>
+        <p:blipFill>
+          <a:blip r:embed="rId2">
+            <a:extLst>
+              <a:ext uri="{28A0092B-C50C-407E-A947-70E740481C1C}">
+                <a14:useLocalDpi xmlns:a14="http://schemas.microsoft.com/office/drawing/2010/main" val="0"/>
+              </a:ext>
+            </a:extLst>
+          </a:blip>
+          <a:srcRect/>
+          <a:stretch>
+            <a:fillRect/>
+          </a:stretch>
+        </p:blipFill>
+        <p:spPr bwMode="auto">
+          <a:xfrm>
+            <a:off x="28512" y="-1"/>
+            <a:ext cx="8241412" cy="6857999"/>
+          </a:xfrm>
+          <a:prstGeom prst="rect">
+            <a:avLst/>
+          </a:prstGeom>
+          <a:noFill/>
+          <a:extLst>
+            <a:ext uri="{909E8E84-426E-40DD-AFC4-6F175D3DCCD1}">
+              <a14:hiddenFill xmlns:a14="http://schemas.microsoft.com/office/drawing/2010/main">
+                <a:solidFill>
+                  <a:srgbClr val="FFFFFF"/>
+                </a:solidFill>
+              </a14:hiddenFill>
+            </a:ext>
+          </a:extLst>
+        </p:spPr>
+      </p:pic>
+      <p:pic>
+        <p:nvPicPr>
+          <p:cNvPr id="2054" name="Picture 6" descr="Рабдологический абак. Вид сверху.">
+            <a:extLst>
+              <a:ext uri="{FF2B5EF4-FFF2-40B4-BE49-F238E27FC236}">
+                <a16:creationId xmlns:a16="http://schemas.microsoft.com/office/drawing/2014/main" id="{FA93DA59-4F39-3F49-9396-2E3C60E9D965}"/>
+              </a:ext>
+            </a:extLst>
+          </p:cNvPr>
+          <p:cNvPicPr>
+            <a:picLocks noChangeAspect="1" noChangeArrowheads="1"/>
+          </p:cNvPicPr>
+          <p:nvPr/>
+        </p:nvPicPr>
+        <p:blipFill>
+          <a:blip r:embed="rId3">
+            <a:extLst>
+              <a:ext uri="{28A0092B-C50C-407E-A947-70E740481C1C}">
+                <a14:useLocalDpi xmlns:a14="http://schemas.microsoft.com/office/drawing/2010/main" val="0"/>
+              </a:ext>
+            </a:extLst>
+          </a:blip>
+          <a:srcRect/>
+          <a:stretch>
+            <a:fillRect/>
+          </a:stretch>
+        </p:blipFill>
+        <p:spPr bwMode="auto">
+          <a:xfrm>
+            <a:off x="8208963" y="0"/>
+            <a:ext cx="3983037" cy="6858000"/>
+          </a:xfrm>
+          <a:prstGeom prst="rect">
+            <a:avLst/>
+          </a:prstGeom>
+          <a:noFill/>
+          <a:extLst>
+            <a:ext uri="{909E8E84-426E-40DD-AFC4-6F175D3DCCD1}">
+              <a14:hiddenFill xmlns:a14="http://schemas.microsoft.com/office/drawing/2010/main">
+                <a:solidFill>
+                  <a:srgbClr val="FFFFFF"/>
+                </a:solidFill>
+              </a14:hiddenFill>
+            </a:ext>
+          </a:extLst>
+        </p:spPr>
+      </p:pic>
+    </p:spTree>
+    <p:extLst>
+      <p:ext uri="{BB962C8B-B14F-4D97-AF65-F5344CB8AC3E}">
+        <p14:creationId xmlns:p14="http://schemas.microsoft.com/office/powerpoint/2010/main" val="1301888304"/>
+      </p:ext>
+    </p:extLst>
+  </p:cSld>
+  <p:clrMapOvr>
+    <a:masterClrMapping/>
+  </p:clrMapOvr>
+</p:sld>
+</file>
+
+<file path=ppt/slides/slide4.xml><?xml version="1.0" encoding="utf-8"?>
+<p:sld xmlns:a="http://schemas.openxmlformats.org/drawingml/2006/main" xmlns:r="http://schemas.openxmlformats.org/officeDocument/2006/relationships" xmlns:p="http://schemas.openxmlformats.org/presentationml/2006/main">
+  <p:cSld>
+    <p:spTree>
+      <p:nvGrpSpPr>
+        <p:cNvPr id="1" name=""/>
+        <p:cNvGrpSpPr/>
+        <p:nvPr/>
+      </p:nvGrpSpPr>
+      <p:grpSpPr>
+        <a:xfrm>
+          <a:off x="0" y="0"/>
+          <a:ext cx="0" cy="0"/>
+          <a:chOff x="0" y="0"/>
+          <a:chExt cx="0" cy="0"/>
+        </a:xfrm>
+      </p:grpSpPr>
+      <p:sp>
+        <p:nvSpPr>
+          <p:cNvPr id="2" name="Объект 1">
+            <a:extLst>
+              <a:ext uri="{FF2B5EF4-FFF2-40B4-BE49-F238E27FC236}">
+                <a16:creationId xmlns:a16="http://schemas.microsoft.com/office/drawing/2014/main" id="{3AB8C1B9-50B4-B84D-97B4-E40CFBC06CE8}"/>
+              </a:ext>
+            </a:extLst>
+          </p:cNvPr>
+          <p:cNvSpPr>
+            <a:spLocks noGrp="1"/>
+          </p:cNvSpPr>
+          <p:nvPr>
+            <p:ph idx="1"/>
+          </p:nvPr>
+        </p:nvSpPr>
+        <p:spPr/>
+        <p:txBody>
+          <a:bodyPr/>
+          <a:lstStyle/>
+          <a:p>
+            <a:r>
+              <a:rPr lang="ru-UA"/>
+              <a:t>Передача данных происходит следущим образом: сначала</a:t>
+            </a:r>
+          </a:p>
+        </p:txBody>
+      </p:sp>
+      <p:sp>
+        <p:nvSpPr>
+          <p:cNvPr id="3" name="Заголовок 2">
+            <a:extLst>
+              <a:ext uri="{FF2B5EF4-FFF2-40B4-BE49-F238E27FC236}">
+                <a16:creationId xmlns:a16="http://schemas.microsoft.com/office/drawing/2014/main" id="{E445C835-2940-5143-8E0A-F37402D98722}"/>
+              </a:ext>
+            </a:extLst>
+          </p:cNvPr>
+          <p:cNvSpPr>
+            <a:spLocks noGrp="1"/>
+          </p:cNvSpPr>
+          <p:nvPr>
+            <p:ph type="title"/>
+          </p:nvPr>
+        </p:nvSpPr>
+        <p:spPr/>
+        <p:txBody>
+          <a:bodyPr/>
+          <a:lstStyle/>
+          <a:p>
+            <a:r>
+              <a:rPr lang="ru-UA" dirty="0"/>
+              <a:t>Работа механической ИС</a:t>
+            </a:r>
+          </a:p>
+        </p:txBody>
+      </p:sp>
+    </p:spTree>
+    <p:extLst>
+      <p:ext uri="{BB962C8B-B14F-4D97-AF65-F5344CB8AC3E}">
+        <p14:creationId xmlns:p14="http://schemas.microsoft.com/office/powerpoint/2010/main" val="2068964197"/>
       </p:ext>
     </p:extLst>
   </p:cSld>

--- a/Презентация1.pptx
+++ b/Презентация1.pptx
@@ -2,27 +2,29 @@
 <file path=ppt/presentation.xml><?xml version="1.0" encoding="utf-8"?>
 <p:presentation xmlns:a="http://schemas.openxmlformats.org/drawingml/2006/main" xmlns:r="http://schemas.openxmlformats.org/officeDocument/2006/relationships" xmlns:p="http://schemas.openxmlformats.org/presentationml/2006/main" saveSubsetFonts="1" autoCompressPictures="0">
   <p:sldMasterIdLst>
-    <p:sldMasterId id="2147483717" r:id="rId4"/>
+    <p:sldMasterId id="2147483725" r:id="rId4"/>
   </p:sldMasterIdLst>
   <p:notesMasterIdLst>
-    <p:notesMasterId r:id="rId9"/>
+    <p:notesMasterId r:id="rId11"/>
   </p:notesMasterIdLst>
   <p:handoutMasterIdLst>
-    <p:handoutMasterId r:id="rId10"/>
+    <p:handoutMasterId r:id="rId12"/>
   </p:handoutMasterIdLst>
   <p:sldIdLst>
     <p:sldId id="348" r:id="rId5"/>
     <p:sldId id="349" r:id="rId6"/>
     <p:sldId id="350" r:id="rId7"/>
     <p:sldId id="351" r:id="rId8"/>
+    <p:sldId id="352" r:id="rId9"/>
+    <p:sldId id="353" r:id="rId10"/>
   </p:sldIdLst>
   <p:sldSz cx="12192000" cy="6858000"/>
   <p:notesSz cx="6858000" cy="9144000"/>
   <p:defaultTextStyle>
-    <a:defPPr rtl="0">
-      <a:defRPr lang="ru-ru"/>
+    <a:defPPr>
+      <a:defRPr lang="en-US"/>
     </a:defPPr>
-    <a:lvl1pPr marL="0" algn="l" defTabSz="914400" rtl="0" eaLnBrk="1" latinLnBrk="0" hangingPunct="1">
+    <a:lvl1pPr marL="0" algn="l" defTabSz="457200" rtl="0" eaLnBrk="1" latinLnBrk="0" hangingPunct="1">
       <a:defRPr sz="1800" kern="1200">
         <a:solidFill>
           <a:schemeClr val="tx1"/>
@@ -32,7 +34,7 @@
         <a:cs typeface="+mn-cs"/>
       </a:defRPr>
     </a:lvl1pPr>
-    <a:lvl2pPr marL="457200" algn="l" defTabSz="914400" rtl="0" eaLnBrk="1" latinLnBrk="0" hangingPunct="1">
+    <a:lvl2pPr marL="457200" algn="l" defTabSz="457200" rtl="0" eaLnBrk="1" latinLnBrk="0" hangingPunct="1">
       <a:defRPr sz="1800" kern="1200">
         <a:solidFill>
           <a:schemeClr val="tx1"/>
@@ -42,7 +44,7 @@
         <a:cs typeface="+mn-cs"/>
       </a:defRPr>
     </a:lvl2pPr>
-    <a:lvl3pPr marL="914400" algn="l" defTabSz="914400" rtl="0" eaLnBrk="1" latinLnBrk="0" hangingPunct="1">
+    <a:lvl3pPr marL="914400" algn="l" defTabSz="457200" rtl="0" eaLnBrk="1" latinLnBrk="0" hangingPunct="1">
       <a:defRPr sz="1800" kern="1200">
         <a:solidFill>
           <a:schemeClr val="tx1"/>
@@ -52,7 +54,7 @@
         <a:cs typeface="+mn-cs"/>
       </a:defRPr>
     </a:lvl3pPr>
-    <a:lvl4pPr marL="1371600" algn="l" defTabSz="914400" rtl="0" eaLnBrk="1" latinLnBrk="0" hangingPunct="1">
+    <a:lvl4pPr marL="1371600" algn="l" defTabSz="457200" rtl="0" eaLnBrk="1" latinLnBrk="0" hangingPunct="1">
       <a:defRPr sz="1800" kern="1200">
         <a:solidFill>
           <a:schemeClr val="tx1"/>
@@ -62,7 +64,7 @@
         <a:cs typeface="+mn-cs"/>
       </a:defRPr>
     </a:lvl4pPr>
-    <a:lvl5pPr marL="1828800" algn="l" defTabSz="914400" rtl="0" eaLnBrk="1" latinLnBrk="0" hangingPunct="1">
+    <a:lvl5pPr marL="1828800" algn="l" defTabSz="457200" rtl="0" eaLnBrk="1" latinLnBrk="0" hangingPunct="1">
       <a:defRPr sz="1800" kern="1200">
         <a:solidFill>
           <a:schemeClr val="tx1"/>
@@ -72,7 +74,7 @@
         <a:cs typeface="+mn-cs"/>
       </a:defRPr>
     </a:lvl5pPr>
-    <a:lvl6pPr marL="2286000" algn="l" defTabSz="914400" rtl="0" eaLnBrk="1" latinLnBrk="0" hangingPunct="1">
+    <a:lvl6pPr marL="2286000" algn="l" defTabSz="457200" rtl="0" eaLnBrk="1" latinLnBrk="0" hangingPunct="1">
       <a:defRPr sz="1800" kern="1200">
         <a:solidFill>
           <a:schemeClr val="tx1"/>
@@ -82,7 +84,7 @@
         <a:cs typeface="+mn-cs"/>
       </a:defRPr>
     </a:lvl6pPr>
-    <a:lvl7pPr marL="2743200" algn="l" defTabSz="914400" rtl="0" eaLnBrk="1" latinLnBrk="0" hangingPunct="1">
+    <a:lvl7pPr marL="2743200" algn="l" defTabSz="457200" rtl="0" eaLnBrk="1" latinLnBrk="0" hangingPunct="1">
       <a:defRPr sz="1800" kern="1200">
         <a:solidFill>
           <a:schemeClr val="tx1"/>
@@ -92,7 +94,7 @@
         <a:cs typeface="+mn-cs"/>
       </a:defRPr>
     </a:lvl7pPr>
-    <a:lvl8pPr marL="3200400" algn="l" defTabSz="914400" rtl="0" eaLnBrk="1" latinLnBrk="0" hangingPunct="1">
+    <a:lvl8pPr marL="3200400" algn="l" defTabSz="457200" rtl="0" eaLnBrk="1" latinLnBrk="0" hangingPunct="1">
       <a:defRPr sz="1800" kern="1200">
         <a:solidFill>
           <a:schemeClr val="tx1"/>
@@ -102,7 +104,7 @@
         <a:cs typeface="+mn-cs"/>
       </a:defRPr>
     </a:lvl8pPr>
-    <a:lvl9pPr marL="3657600" algn="l" defTabSz="914400" rtl="0" eaLnBrk="1" latinLnBrk="0" hangingPunct="1">
+    <a:lvl9pPr marL="3657600" algn="l" defTabSz="457200" rtl="0" eaLnBrk="1" latinLnBrk="0" hangingPunct="1">
       <a:defRPr sz="1800" kern="1200">
         <a:solidFill>
           <a:schemeClr val="tx1"/>
@@ -208,7 +210,7 @@
             <a:pPr rtl="0"/>
             <a:fld id="{8EB596BA-F330-4785-8461-F74708FFCA50}" type="datetime1">
               <a:rPr lang="ru-RU" smtClean="0"/>
-              <a:t>22.02.2021</a:t>
+              <a:t>27.02.2021</a:t>
             </a:fld>
             <a:endParaRPr lang="ru-RU" dirty="0"/>
           </a:p>
@@ -377,7 +379,7 @@
             <a:fld id="{75E7E9F4-7ED8-495D-B52D-5485A5BC0ACA}" type="datetime1">
               <a:rPr lang="ru-RU" noProof="0" smtClean="0"/>
               <a:pPr/>
-              <a:t>22.02.2021</a:t>
+              <a:t>27.02.2021</a:t>
             </a:fld>
             <a:endParaRPr lang="ru-RU" noProof="0" dirty="0"/>
           </a:p>
@@ -736,6 +738,14 @@
 <file path=ppt/slideLayouts/slideLayout1.xml><?xml version="1.0" encoding="utf-8"?>
 <p:sldLayout xmlns:a="http://schemas.openxmlformats.org/drawingml/2006/main" xmlns:r="http://schemas.openxmlformats.org/officeDocument/2006/relationships" xmlns:p="http://schemas.openxmlformats.org/presentationml/2006/main" showMasterSp="0" type="title" preserve="1">
   <p:cSld name="Титульный слайд">
+    <p:bg>
+      <p:bgPr>
+        <a:solidFill>
+          <a:schemeClr val="bg2"/>
+        </a:solidFill>
+        <a:effectLst/>
+      </p:bgPr>
+    </p:bg>
     <p:spTree>
       <p:nvGrpSpPr>
         <p:cNvPr id="1" name=""/>
@@ -752,7 +762,7 @@
       </p:grpSpPr>
       <p:sp>
         <p:nvSpPr>
-          <p:cNvPr id="2" name="Заголовок 1"/>
+          <p:cNvPr id="2" name="Title 1"/>
           <p:cNvSpPr>
             <a:spLocks noGrp="1"/>
           </p:cNvSpPr>
@@ -762,45 +772,35 @@
         </p:nvSpPr>
         <p:spPr>
           <a:xfrm>
-            <a:off x="1097280" y="758952"/>
-            <a:ext cx="10058400" cy="3566160"/>
+            <a:off x="1915128" y="1788454"/>
+            <a:ext cx="8361229" cy="2098226"/>
           </a:xfrm>
-          <a:prstGeom prst="rect">
-            <a:avLst/>
-          </a:prstGeom>
         </p:spPr>
         <p:txBody>
-          <a:bodyPr rtlCol="0" anchor="b">
-            <a:normAutofit/>
+          <a:bodyPr anchor="b">
+            <a:noAutofit/>
           </a:bodyPr>
           <a:lstStyle>
-            <a:lvl1pPr algn="l">
-              <a:lnSpc>
-                <a:spcPct val="90000"/>
-              </a:lnSpc>
-              <a:defRPr sz="8000" spc="-50" baseline="0">
+            <a:lvl1pPr algn="ctr">
+              <a:defRPr sz="7200" cap="all" baseline="0">
                 <a:solidFill>
-                  <a:schemeClr val="tx1">
-                    <a:lumMod val="85000"/>
-                    <a:lumOff val="15000"/>
-                  </a:schemeClr>
+                  <a:schemeClr val="tx2"/>
                 </a:solidFill>
               </a:defRPr>
             </a:lvl1pPr>
           </a:lstStyle>
           <a:p>
-            <a:pPr rtl="0"/>
-            <a:r>
-              <a:rPr lang="ru-RU" noProof="0"/>
+            <a:r>
+              <a:rPr lang="ru-RU"/>
               <a:t>Образец заголовка</a:t>
             </a:r>
-            <a:endParaRPr lang="ru-RU" noProof="0" dirty="0"/>
-          </a:p>
-        </p:txBody>
-      </p:sp>
-      <p:sp>
-        <p:nvSpPr>
-          <p:cNvPr id="3" name="Подзаголовок 2"/>
+            <a:endParaRPr lang="en-US" dirty="0"/>
+          </a:p>
+        </p:txBody>
+      </p:sp>
+      <p:sp>
+        <p:nvSpPr>
+          <p:cNvPr id="3" name="Subtitle 2"/>
           <p:cNvSpPr>
             <a:spLocks noGrp="1"/>
           </p:cNvSpPr>
@@ -810,120 +810,73 @@
         </p:nvSpPr>
         <p:spPr>
           <a:xfrm>
-            <a:off x="1100051" y="4645152"/>
-            <a:ext cx="10058400" cy="1143000"/>
+            <a:off x="2679906" y="3956279"/>
+            <a:ext cx="6831673" cy="1086237"/>
           </a:xfrm>
         </p:spPr>
         <p:txBody>
-          <a:bodyPr lIns="91440" rIns="91440" rtlCol="0">
+          <a:bodyPr>
             <a:normAutofit/>
           </a:bodyPr>
           <a:lstStyle>
-            <a:lvl1pPr marL="0" indent="0" algn="l">
+            <a:lvl1pPr marL="0" indent="0" algn="ctr">
+              <a:lnSpc>
+                <a:spcPct val="112000"/>
+              </a:lnSpc>
+              <a:spcBef>
+                <a:spcPts val="0"/>
+              </a:spcBef>
+              <a:spcAft>
+                <a:spcPts val="0"/>
+              </a:spcAft>
               <a:buNone/>
-              <a:defRPr sz="2400" cap="all" spc="200" baseline="0">
-                <a:solidFill>
-                  <a:schemeClr val="tx1"/>
-                </a:solidFill>
-                <a:latin typeface="+mn-lt"/>
-              </a:defRPr>
+              <a:defRPr sz="2300"/>
             </a:lvl1pPr>
             <a:lvl2pPr marL="457200" indent="0" algn="ctr">
               <a:buNone/>
-              <a:defRPr sz="2400"/>
+              <a:defRPr sz="2000"/>
             </a:lvl2pPr>
             <a:lvl3pPr marL="914400" indent="0" algn="ctr">
               <a:buNone/>
-              <a:defRPr sz="2400"/>
+              <a:defRPr sz="1800"/>
             </a:lvl3pPr>
             <a:lvl4pPr marL="1371600" indent="0" algn="ctr">
               <a:buNone/>
-              <a:defRPr sz="2000"/>
+              <a:defRPr sz="1600"/>
             </a:lvl4pPr>
             <a:lvl5pPr marL="1828800" indent="0" algn="ctr">
               <a:buNone/>
-              <a:defRPr sz="2000"/>
+              <a:defRPr sz="1600"/>
             </a:lvl5pPr>
             <a:lvl6pPr marL="2286000" indent="0" algn="ctr">
               <a:buNone/>
-              <a:defRPr sz="2000"/>
+              <a:defRPr sz="1600"/>
             </a:lvl6pPr>
             <a:lvl7pPr marL="2743200" indent="0" algn="ctr">
               <a:buNone/>
-              <a:defRPr sz="2000"/>
+              <a:defRPr sz="1600"/>
             </a:lvl7pPr>
             <a:lvl8pPr marL="3200400" indent="0" algn="ctr">
               <a:buNone/>
-              <a:defRPr sz="2000"/>
+              <a:defRPr sz="1600"/>
             </a:lvl8pPr>
             <a:lvl9pPr marL="3657600" indent="0" algn="ctr">
               <a:buNone/>
-              <a:defRPr sz="2000"/>
+              <a:defRPr sz="1600"/>
             </a:lvl9pPr>
           </a:lstStyle>
           <a:p>
-            <a:pPr rtl="0"/>
-            <a:r>
-              <a:rPr lang="ru-RU" noProof="0"/>
+            <a:r>
+              <a:rPr lang="ru-RU"/>
               <a:t>Образец подзаголовка</a:t>
             </a:r>
-            <a:endParaRPr lang="ru-RU" noProof="0" dirty="0"/>
-          </a:p>
-        </p:txBody>
-      </p:sp>
-      <p:cxnSp>
-        <p:nvCxnSpPr>
-          <p:cNvPr id="9" name="Прямая соединительная линия 8">
-            <a:extLst>
-              <a:ext uri="{FF2B5EF4-FFF2-40B4-BE49-F238E27FC236}">
-                <a16:creationId xmlns:a16="http://schemas.microsoft.com/office/drawing/2014/main" id="{1F5DC8C3-BA5F-4EED-BB9A-A14272BD82A1}"/>
-              </a:ext>
-            </a:extLst>
-          </p:cNvPr>
-          <p:cNvCxnSpPr/>
-          <p:nvPr/>
-        </p:nvCxnSpPr>
-        <p:spPr>
-          <a:xfrm>
-            <a:off x="1207658" y="4474741"/>
-            <a:ext cx="9130004" cy="0"/>
-          </a:xfrm>
-          <a:prstGeom prst="line">
-            <a:avLst/>
-          </a:prstGeom>
-          <a:ln w="12700">
-            <a:solidFill>
-              <a:schemeClr val="tx1">
-                <a:lumMod val="75000"/>
-                <a:lumOff val="25000"/>
-              </a:schemeClr>
-            </a:solidFill>
-          </a:ln>
-        </p:spPr>
-        <p:style>
-          <a:lnRef idx="1">
-            <a:schemeClr val="accent1"/>
-          </a:lnRef>
-          <a:fillRef idx="0">
-            <a:schemeClr val="accent1"/>
-          </a:fillRef>
-          <a:effectRef idx="0">
-            <a:schemeClr val="accent1"/>
-          </a:effectRef>
-          <a:fontRef idx="minor">
-            <a:schemeClr val="tx1"/>
-          </a:fontRef>
-        </p:style>
-      </p:cxnSp>
-      <p:sp>
-        <p:nvSpPr>
-          <p:cNvPr id="4" name="Дата 3">
-            <a:extLst>
-              <a:ext uri="{FF2B5EF4-FFF2-40B4-BE49-F238E27FC236}">
-                <a16:creationId xmlns:a16="http://schemas.microsoft.com/office/drawing/2014/main" id="{9925CCF1-92C0-4AF3-BFAF-4921631915AB}"/>
-              </a:ext>
-            </a:extLst>
-          </p:cNvPr>
+            <a:endParaRPr lang="en-US" dirty="0"/>
+          </a:p>
+        </p:txBody>
+      </p:sp>
+      <p:sp>
+        <p:nvSpPr>
+          <p:cNvPr id="4" name="Date Placeholder 3"/>
           <p:cNvSpPr>
             <a:spLocks noGrp="1"/>
           </p:cNvSpPr>
@@ -931,15 +884,28 @@
             <p:ph type="dt" sz="half" idx="10"/>
           </p:nvPr>
         </p:nvSpPr>
-        <p:spPr/>
-        <p:txBody>
-          <a:bodyPr rtlCol="0"/>
-          <a:lstStyle/>
+        <p:spPr>
+          <a:xfrm>
+            <a:off x="752858" y="6453386"/>
+            <a:ext cx="1607944" cy="404614"/>
+          </a:xfrm>
+        </p:spPr>
+        <p:txBody>
+          <a:bodyPr/>
+          <a:lstStyle>
+            <a:lvl1pPr>
+              <a:defRPr baseline="0">
+                <a:solidFill>
+                  <a:schemeClr val="tx2"/>
+                </a:solidFill>
+              </a:defRPr>
+            </a:lvl1pPr>
+          </a:lstStyle>
           <a:p>
             <a:pPr rtl="0"/>
             <a:fld id="{42F2DED7-F6AC-4866-8138-11B328ED7527}" type="datetime1">
               <a:rPr lang="ru-RU" noProof="0" smtClean="0"/>
-              <a:t>22.02.2021</a:t>
+              <a:t>27.02.2021</a:t>
             </a:fld>
             <a:endParaRPr lang="ru-RU" noProof="0" dirty="0"/>
           </a:p>
@@ -947,13 +913,7 @@
       </p:sp>
       <p:sp>
         <p:nvSpPr>
-          <p:cNvPr id="5" name="Нижний колонтитул 4">
-            <a:extLst>
-              <a:ext uri="{FF2B5EF4-FFF2-40B4-BE49-F238E27FC236}">
-                <a16:creationId xmlns:a16="http://schemas.microsoft.com/office/drawing/2014/main" id="{051A78A9-3DFF-4937-A9F2-5D8CF495F367}"/>
-              </a:ext>
-            </a:extLst>
-          </p:cNvPr>
+          <p:cNvPr id="5" name="Footer Placeholder 4"/>
           <p:cNvSpPr>
             <a:spLocks noGrp="1"/>
           </p:cNvSpPr>
@@ -961,10 +921,23 @@
             <p:ph type="ftr" sz="quarter" idx="11"/>
           </p:nvPr>
         </p:nvSpPr>
-        <p:spPr/>
-        <p:txBody>
-          <a:bodyPr rtlCol="0"/>
-          <a:lstStyle/>
+        <p:spPr>
+          <a:xfrm>
+            <a:off x="2584054" y="6453386"/>
+            <a:ext cx="7023377" cy="404614"/>
+          </a:xfrm>
+        </p:spPr>
+        <p:txBody>
+          <a:bodyPr/>
+          <a:lstStyle>
+            <a:lvl1pPr algn="ctr">
+              <a:defRPr baseline="0">
+                <a:solidFill>
+                  <a:schemeClr val="tx2"/>
+                </a:solidFill>
+              </a:defRPr>
+            </a:lvl1pPr>
+          </a:lstStyle>
           <a:p>
             <a:pPr rtl="0"/>
             <a:endParaRPr lang="ru-RU" noProof="0" dirty="0"/>
@@ -973,13 +946,7 @@
       </p:sp>
       <p:sp>
         <p:nvSpPr>
-          <p:cNvPr id="6" name="Номер слайда 5">
-            <a:extLst>
-              <a:ext uri="{FF2B5EF4-FFF2-40B4-BE49-F238E27FC236}">
-                <a16:creationId xmlns:a16="http://schemas.microsoft.com/office/drawing/2014/main" id="{5FAEB271-5CC0-4759-BC6E-8BE53AB227C0}"/>
-              </a:ext>
-            </a:extLst>
-          </p:cNvPr>
+          <p:cNvPr id="6" name="Slide Number Placeholder 5"/>
           <p:cNvSpPr>
             <a:spLocks noGrp="1"/>
           </p:cNvSpPr>
@@ -987,10 +954,23 @@
             <p:ph type="sldNum" sz="quarter" idx="12"/>
           </p:nvPr>
         </p:nvSpPr>
-        <p:spPr/>
-        <p:txBody>
-          <a:bodyPr rtlCol="0"/>
-          <a:lstStyle/>
+        <p:spPr>
+          <a:xfrm>
+            <a:off x="9830683" y="6453386"/>
+            <a:ext cx="1596292" cy="404614"/>
+          </a:xfrm>
+        </p:spPr>
+        <p:txBody>
+          <a:bodyPr/>
+          <a:lstStyle>
+            <a:lvl1pPr>
+              <a:defRPr baseline="0">
+                <a:solidFill>
+                  <a:schemeClr val="tx2"/>
+                </a:solidFill>
+              </a:defRPr>
+            </a:lvl1pPr>
+          </a:lstStyle>
           <a:p>
             <a:pPr rtl="0"/>
             <a:fld id="{3A98EE3D-8CD1-4C3F-BD1C-C98C9596463C}" type="slidenum">
@@ -1001,12 +981,141 @@
           </a:p>
         </p:txBody>
       </p:sp>
-      <p:sp>
-        <p:nvSpPr>
-          <p:cNvPr id="11" name="Овал 10">
+      <p:grpSp>
+        <p:nvGrpSpPr>
+          <p:cNvPr id="7" name="Group 6"/>
+          <p:cNvGrpSpPr/>
+          <p:nvPr/>
+        </p:nvGrpSpPr>
+        <p:grpSpPr>
+          <a:xfrm>
+            <a:off x="752858" y="744469"/>
+            <a:ext cx="10674117" cy="5349671"/>
+            <a:chOff x="752858" y="744469"/>
+            <a:chExt cx="10674117" cy="5349671"/>
+          </a:xfrm>
+        </p:grpSpPr>
+        <p:sp>
+          <p:nvSpPr>
+            <p:cNvPr id="11" name="Freeform 6"/>
+            <p:cNvSpPr/>
+            <p:nvPr/>
+          </p:nvSpPr>
+          <p:spPr bwMode="auto">
+            <a:xfrm>
+              <a:off x="8151962" y="1685652"/>
+              <a:ext cx="3275013" cy="4408488"/>
+            </a:xfrm>
+            <a:custGeom>
+              <a:avLst/>
+              <a:gdLst/>
+              <a:ahLst/>
+              <a:cxnLst/>
+              <a:rect l="l" t="t" r="r" b="b"/>
+              <a:pathLst>
+                <a:path w="10000" h="10000">
+                  <a:moveTo>
+                    <a:pt x="8761" y="0"/>
+                  </a:moveTo>
+                  <a:lnTo>
+                    <a:pt x="10000" y="0"/>
+                  </a:lnTo>
+                  <a:lnTo>
+                    <a:pt x="10000" y="10000"/>
+                  </a:lnTo>
+                  <a:lnTo>
+                    <a:pt x="0" y="10000"/>
+                  </a:lnTo>
+                  <a:lnTo>
+                    <a:pt x="0" y="9126"/>
+                  </a:lnTo>
+                  <a:lnTo>
+                    <a:pt x="8761" y="9127"/>
+                  </a:lnTo>
+                  <a:lnTo>
+                    <a:pt x="8761" y="0"/>
+                  </a:lnTo>
+                  <a:close/>
+                </a:path>
+              </a:pathLst>
+            </a:custGeom>
+            <a:solidFill>
+              <a:schemeClr val="tx2"/>
+            </a:solidFill>
+            <a:ln w="0">
+              <a:noFill/>
+              <a:prstDash val="solid"/>
+              <a:round/>
+              <a:headEnd/>
+              <a:tailEnd/>
+            </a:ln>
+          </p:spPr>
+        </p:sp>
+        <p:sp>
+          <p:nvSpPr>
+            <p:cNvPr id="14" name="Freeform 6"/>
+            <p:cNvSpPr/>
+            <p:nvPr/>
+          </p:nvSpPr>
+          <p:spPr bwMode="auto">
+            <a:xfrm flipH="1" flipV="1">
+              <a:off x="752858" y="744469"/>
+              <a:ext cx="3275668" cy="4408488"/>
+            </a:xfrm>
+            <a:custGeom>
+              <a:avLst/>
+              <a:gdLst/>
+              <a:ahLst/>
+              <a:cxnLst/>
+              <a:rect l="l" t="t" r="r" b="b"/>
+              <a:pathLst>
+                <a:path w="10002" h="10000">
+                  <a:moveTo>
+                    <a:pt x="8763" y="0"/>
+                  </a:moveTo>
+                  <a:lnTo>
+                    <a:pt x="10002" y="0"/>
+                  </a:lnTo>
+                  <a:lnTo>
+                    <a:pt x="10002" y="10000"/>
+                  </a:lnTo>
+                  <a:lnTo>
+                    <a:pt x="2" y="10000"/>
+                  </a:lnTo>
+                  <a:cubicBezTo>
+                    <a:pt x="-2" y="9698"/>
+                    <a:pt x="4" y="9427"/>
+                    <a:pt x="0" y="9125"/>
+                  </a:cubicBezTo>
+                  <a:lnTo>
+                    <a:pt x="8763" y="9128"/>
+                  </a:lnTo>
+                  <a:lnTo>
+                    <a:pt x="8763" y="0"/>
+                  </a:lnTo>
+                  <a:close/>
+                </a:path>
+              </a:pathLst>
+            </a:custGeom>
+            <a:solidFill>
+              <a:schemeClr val="tx2"/>
+            </a:solidFill>
+            <a:ln w="0">
+              <a:noFill/>
+              <a:prstDash val="solid"/>
+              <a:round/>
+              <a:headEnd/>
+              <a:tailEnd/>
+            </a:ln>
+          </p:spPr>
+        </p:sp>
+      </p:grpSp>
+      <p:sp>
+        <p:nvSpPr>
+          <p:cNvPr id="10" name="Овал 9">
             <a:extLst>
               <a:ext uri="{FF2B5EF4-FFF2-40B4-BE49-F238E27FC236}">
-                <a16:creationId xmlns:a16="http://schemas.microsoft.com/office/drawing/2014/main" id="{68EC5FC9-F7D0-0141-850B-7623CA81A775}"/>
+                <a16:creationId xmlns:a16="http://schemas.microsoft.com/office/drawing/2014/main" id="{4230EDF6-6980-2744-8795-420FF0A96E39}"/>
               </a:ext>
             </a:extLst>
           </p:cNvPr>
@@ -1059,7 +1168,7 @@
           <p:cNvPr id="12" name="Овал 11">
             <a:extLst>
               <a:ext uri="{FF2B5EF4-FFF2-40B4-BE49-F238E27FC236}">
-                <a16:creationId xmlns:a16="http://schemas.microsoft.com/office/drawing/2014/main" id="{B8F839E6-7F1F-6E4D-B83C-F5DA99E98229}"/>
+                <a16:creationId xmlns:a16="http://schemas.microsoft.com/office/drawing/2014/main" id="{32DA263A-E46B-FE43-B28C-5692F336ED7D}"/>
               </a:ext>
             </a:extLst>
           </p:cNvPr>
@@ -1111,7 +1220,7 @@
           <p:cNvPr id="13" name="Овал 12">
             <a:extLst>
               <a:ext uri="{FF2B5EF4-FFF2-40B4-BE49-F238E27FC236}">
-                <a16:creationId xmlns:a16="http://schemas.microsoft.com/office/drawing/2014/main" id="{5EACA50E-A3A8-9D41-B30C-03B00FB2DEF0}"/>
+                <a16:creationId xmlns:a16="http://schemas.microsoft.com/office/drawing/2014/main" id="{9170FE6D-8B4A-4047-B4AB-E4183548056C}"/>
               </a:ext>
             </a:extLst>
           </p:cNvPr>
@@ -1160,10 +1269,10 @@
       </p:sp>
       <p:sp>
         <p:nvSpPr>
-          <p:cNvPr id="14" name="Овал 13">
+          <p:cNvPr id="15" name="Овал 14">
             <a:extLst>
               <a:ext uri="{FF2B5EF4-FFF2-40B4-BE49-F238E27FC236}">
-                <a16:creationId xmlns:a16="http://schemas.microsoft.com/office/drawing/2014/main" id="{EA92073B-F20B-034A-BC3A-9B993F0DD0BA}"/>
+                <a16:creationId xmlns:a16="http://schemas.microsoft.com/office/drawing/2014/main" id="{EF3A7992-3172-0842-B3B7-F1CA941A4444}"/>
               </a:ext>
             </a:extLst>
           </p:cNvPr>
@@ -1212,10 +1321,10 @@
       </p:sp>
       <p:sp>
         <p:nvSpPr>
-          <p:cNvPr id="15" name="Овал 14">
+          <p:cNvPr id="16" name="Овал 15">
             <a:extLst>
               <a:ext uri="{FF2B5EF4-FFF2-40B4-BE49-F238E27FC236}">
-                <a16:creationId xmlns:a16="http://schemas.microsoft.com/office/drawing/2014/main" id="{C4091F50-D240-B145-B0B1-DAEDDFDE34AD}"/>
+                <a16:creationId xmlns:a16="http://schemas.microsoft.com/office/drawing/2014/main" id="{2C15EFAF-447A-2441-A2A8-47A022289617}"/>
               </a:ext>
             </a:extLst>
           </p:cNvPr>
@@ -1266,19 +1375,19 @@
     </p:spTree>
     <p:extLst>
       <p:ext uri="{BB962C8B-B14F-4D97-AF65-F5344CB8AC3E}">
-        <p14:creationId xmlns:p14="http://schemas.microsoft.com/office/powerpoint/2010/main" val="672700581"/>
+        <p14:creationId xmlns:p14="http://schemas.microsoft.com/office/powerpoint/2010/main" val="1215942194"/>
       </p:ext>
     </p:extLst>
   </p:cSld>
   <p:clrMapOvr>
-    <a:masterClrMapping/>
+    <a:overrideClrMapping bg1="lt1" tx1="dk1" bg2="lt2" tx2="dk2" accent1="accent1" accent2="accent2" accent3="accent3" accent4="accent4" accent5="accent5" accent6="accent6" hlink="hlink" folHlink="folHlink"/>
   </p:clrMapOvr>
 </p:sldLayout>
 </file>
 
-<file path=ppt/slideLayouts/slideLayout2.xml><?xml version="1.0" encoding="utf-8"?>
-<p:sldLayout xmlns:a="http://schemas.openxmlformats.org/drawingml/2006/main" xmlns:r="http://schemas.openxmlformats.org/officeDocument/2006/relationships" xmlns:p="http://schemas.openxmlformats.org/presentationml/2006/main" preserve="1" userDrawn="1">
-  <p:cSld name="Заголовок и объект">
+<file path=ppt/slideLayouts/slideLayout10.xml><?xml version="1.0" encoding="utf-8"?>
+<p:sldLayout xmlns:a="http://schemas.openxmlformats.org/drawingml/2006/main" xmlns:r="http://schemas.openxmlformats.org/officeDocument/2006/relationships" xmlns:p="http://schemas.openxmlformats.org/presentationml/2006/main" type="vertTx" preserve="1">
+  <p:cSld name="Заголовок и вертикальный текст">
     <p:spTree>
       <p:nvGrpSpPr>
         <p:cNvPr id="1" name=""/>
@@ -1295,6 +1404,369 @@
       </p:grpSpPr>
       <p:sp>
         <p:nvSpPr>
+          <p:cNvPr id="2" name="Title 1"/>
+          <p:cNvSpPr>
+            <a:spLocks noGrp="1"/>
+          </p:cNvSpPr>
+          <p:nvPr>
+            <p:ph type="title"/>
+          </p:nvPr>
+        </p:nvSpPr>
+        <p:spPr/>
+        <p:txBody>
+          <a:bodyPr/>
+          <a:lstStyle/>
+          <a:p>
+            <a:r>
+              <a:rPr lang="ru-RU"/>
+              <a:t>Образец заголовка</a:t>
+            </a:r>
+            <a:endParaRPr lang="en-US" dirty="0"/>
+          </a:p>
+        </p:txBody>
+      </p:sp>
+      <p:sp>
+        <p:nvSpPr>
+          <p:cNvPr id="3" name="Vertical Text Placeholder 2"/>
+          <p:cNvSpPr>
+            <a:spLocks noGrp="1"/>
+          </p:cNvSpPr>
+          <p:nvPr>
+            <p:ph type="body" orient="vert" idx="1"/>
+          </p:nvPr>
+        </p:nvSpPr>
+        <p:spPr>
+          <a:xfrm>
+            <a:off x="1371600" y="2295525"/>
+            <a:ext cx="9601200" cy="3571875"/>
+          </a:xfrm>
+        </p:spPr>
+        <p:txBody>
+          <a:bodyPr vert="eaVert"/>
+          <a:lstStyle/>
+          <a:p>
+            <a:pPr lvl="0"/>
+            <a:r>
+              <a:rPr lang="ru-RU"/>
+              <a:t>Образец текста</a:t>
+            </a:r>
+          </a:p>
+          <a:p>
+            <a:pPr lvl="1"/>
+            <a:r>
+              <a:rPr lang="ru-RU"/>
+              <a:t>Второй уровень</a:t>
+            </a:r>
+          </a:p>
+          <a:p>
+            <a:pPr lvl="2"/>
+            <a:r>
+              <a:rPr lang="ru-RU"/>
+              <a:t>Третий уровень</a:t>
+            </a:r>
+          </a:p>
+          <a:p>
+            <a:pPr lvl="3"/>
+            <a:r>
+              <a:rPr lang="ru-RU"/>
+              <a:t>Четвертый уровень</a:t>
+            </a:r>
+          </a:p>
+          <a:p>
+            <a:pPr lvl="4"/>
+            <a:r>
+              <a:rPr lang="ru-RU"/>
+              <a:t>Пятый уровень</a:t>
+            </a:r>
+            <a:endParaRPr lang="en-US" dirty="0"/>
+          </a:p>
+        </p:txBody>
+      </p:sp>
+      <p:sp>
+        <p:nvSpPr>
+          <p:cNvPr id="4" name="Date Placeholder 3"/>
+          <p:cNvSpPr>
+            <a:spLocks noGrp="1"/>
+          </p:cNvSpPr>
+          <p:nvPr>
+            <p:ph type="dt" sz="half" idx="10"/>
+          </p:nvPr>
+        </p:nvSpPr>
+        <p:spPr/>
+        <p:txBody>
+          <a:bodyPr/>
+          <a:lstStyle/>
+          <a:p>
+            <a:pPr rtl="0"/>
+            <a:fld id="{AB14CD44-37FB-48CC-A24D-89C3A643DD86}" type="datetime1">
+              <a:rPr lang="ru-RU" noProof="0" smtClean="0"/>
+              <a:t>27.02.2021</a:t>
+            </a:fld>
+            <a:endParaRPr lang="ru-RU" noProof="0" dirty="0"/>
+          </a:p>
+        </p:txBody>
+      </p:sp>
+      <p:sp>
+        <p:nvSpPr>
+          <p:cNvPr id="5" name="Footer Placeholder 4"/>
+          <p:cNvSpPr>
+            <a:spLocks noGrp="1"/>
+          </p:cNvSpPr>
+          <p:nvPr>
+            <p:ph type="ftr" sz="quarter" idx="11"/>
+          </p:nvPr>
+        </p:nvSpPr>
+        <p:spPr/>
+        <p:txBody>
+          <a:bodyPr/>
+          <a:lstStyle/>
+          <a:p>
+            <a:pPr rtl="0"/>
+            <a:endParaRPr lang="ru-RU" noProof="0" dirty="0"/>
+          </a:p>
+        </p:txBody>
+      </p:sp>
+      <p:sp>
+        <p:nvSpPr>
+          <p:cNvPr id="6" name="Slide Number Placeholder 5"/>
+          <p:cNvSpPr>
+            <a:spLocks noGrp="1"/>
+          </p:cNvSpPr>
+          <p:nvPr>
+            <p:ph type="sldNum" sz="quarter" idx="12"/>
+          </p:nvPr>
+        </p:nvSpPr>
+        <p:spPr/>
+        <p:txBody>
+          <a:bodyPr/>
+          <a:lstStyle/>
+          <a:p>
+            <a:pPr rtl="0"/>
+            <a:fld id="{3A98EE3D-8CD1-4C3F-BD1C-C98C9596463C}" type="slidenum">
+              <a:rPr lang="ru-RU" noProof="0" smtClean="0"/>
+              <a:t>‹#›</a:t>
+            </a:fld>
+            <a:endParaRPr lang="ru-RU" noProof="0" dirty="0"/>
+          </a:p>
+        </p:txBody>
+      </p:sp>
+    </p:spTree>
+    <p:extLst>
+      <p:ext uri="{BB962C8B-B14F-4D97-AF65-F5344CB8AC3E}">
+        <p14:creationId xmlns:p14="http://schemas.microsoft.com/office/powerpoint/2010/main" val="1005803089"/>
+      </p:ext>
+    </p:extLst>
+  </p:cSld>
+  <p:clrMapOvr>
+    <a:masterClrMapping/>
+  </p:clrMapOvr>
+  <p:hf sldNum="0" hdr="0" ftr="0" dt="0"/>
+</p:sldLayout>
+</file>
+
+<file path=ppt/slideLayouts/slideLayout11.xml><?xml version="1.0" encoding="utf-8"?>
+<p:sldLayout xmlns:a="http://schemas.openxmlformats.org/drawingml/2006/main" xmlns:r="http://schemas.openxmlformats.org/officeDocument/2006/relationships" xmlns:p="http://schemas.openxmlformats.org/presentationml/2006/main" type="vertTitleAndTx" preserve="1">
+  <p:cSld name="Вертикальный заголовок и текст">
+    <p:spTree>
+      <p:nvGrpSpPr>
+        <p:cNvPr id="1" name=""/>
+        <p:cNvGrpSpPr/>
+        <p:nvPr/>
+      </p:nvGrpSpPr>
+      <p:grpSpPr>
+        <a:xfrm>
+          <a:off x="0" y="0"/>
+          <a:ext cx="0" cy="0"/>
+          <a:chOff x="0" y="0"/>
+          <a:chExt cx="0" cy="0"/>
+        </a:xfrm>
+      </p:grpSpPr>
+      <p:sp>
+        <p:nvSpPr>
+          <p:cNvPr id="2" name="Vertical Title 1"/>
+          <p:cNvSpPr>
+            <a:spLocks noGrp="1"/>
+          </p:cNvSpPr>
+          <p:nvPr>
+            <p:ph type="title" orient="vert"/>
+          </p:nvPr>
+        </p:nvSpPr>
+        <p:spPr>
+          <a:xfrm>
+            <a:off x="9596561" y="624156"/>
+            <a:ext cx="1565766" cy="5243244"/>
+          </a:xfrm>
+        </p:spPr>
+        <p:txBody>
+          <a:bodyPr vert="eaVert"/>
+          <a:lstStyle/>
+          <a:p>
+            <a:r>
+              <a:rPr lang="ru-RU"/>
+              <a:t>Образец заголовка</a:t>
+            </a:r>
+            <a:endParaRPr lang="en-US" dirty="0"/>
+          </a:p>
+        </p:txBody>
+      </p:sp>
+      <p:sp>
+        <p:nvSpPr>
+          <p:cNvPr id="3" name="Vertical Text Placeholder 2"/>
+          <p:cNvSpPr>
+            <a:spLocks noGrp="1"/>
+          </p:cNvSpPr>
+          <p:nvPr>
+            <p:ph type="body" orient="vert" idx="1"/>
+          </p:nvPr>
+        </p:nvSpPr>
+        <p:spPr>
+          <a:xfrm>
+            <a:off x="1371600" y="624156"/>
+            <a:ext cx="8179641" cy="5243244"/>
+          </a:xfrm>
+        </p:spPr>
+        <p:txBody>
+          <a:bodyPr vert="eaVert"/>
+          <a:lstStyle/>
+          <a:p>
+            <a:pPr lvl="0"/>
+            <a:r>
+              <a:rPr lang="ru-RU"/>
+              <a:t>Образец текста</a:t>
+            </a:r>
+          </a:p>
+          <a:p>
+            <a:pPr lvl="1"/>
+            <a:r>
+              <a:rPr lang="ru-RU"/>
+              <a:t>Второй уровень</a:t>
+            </a:r>
+          </a:p>
+          <a:p>
+            <a:pPr lvl="2"/>
+            <a:r>
+              <a:rPr lang="ru-RU"/>
+              <a:t>Третий уровень</a:t>
+            </a:r>
+          </a:p>
+          <a:p>
+            <a:pPr lvl="3"/>
+            <a:r>
+              <a:rPr lang="ru-RU"/>
+              <a:t>Четвертый уровень</a:t>
+            </a:r>
+          </a:p>
+          <a:p>
+            <a:pPr lvl="4"/>
+            <a:r>
+              <a:rPr lang="ru-RU"/>
+              <a:t>Пятый уровень</a:t>
+            </a:r>
+            <a:endParaRPr lang="en-US" dirty="0"/>
+          </a:p>
+        </p:txBody>
+      </p:sp>
+      <p:sp>
+        <p:nvSpPr>
+          <p:cNvPr id="4" name="Date Placeholder 3"/>
+          <p:cNvSpPr>
+            <a:spLocks noGrp="1"/>
+          </p:cNvSpPr>
+          <p:nvPr>
+            <p:ph type="dt" sz="half" idx="10"/>
+          </p:nvPr>
+        </p:nvSpPr>
+        <p:spPr/>
+        <p:txBody>
+          <a:bodyPr/>
+          <a:lstStyle/>
+          <a:p>
+            <a:pPr rtl="0"/>
+            <a:fld id="{AB14CD44-37FB-48CC-A24D-89C3A643DD86}" type="datetime1">
+              <a:rPr lang="ru-RU" noProof="0" smtClean="0"/>
+              <a:t>27.02.2021</a:t>
+            </a:fld>
+            <a:endParaRPr lang="ru-RU" noProof="0" dirty="0"/>
+          </a:p>
+        </p:txBody>
+      </p:sp>
+      <p:sp>
+        <p:nvSpPr>
+          <p:cNvPr id="5" name="Footer Placeholder 4"/>
+          <p:cNvSpPr>
+            <a:spLocks noGrp="1"/>
+          </p:cNvSpPr>
+          <p:nvPr>
+            <p:ph type="ftr" sz="quarter" idx="11"/>
+          </p:nvPr>
+        </p:nvSpPr>
+        <p:spPr/>
+        <p:txBody>
+          <a:bodyPr/>
+          <a:lstStyle/>
+          <a:p>
+            <a:pPr rtl="0"/>
+            <a:endParaRPr lang="ru-RU" noProof="0" dirty="0"/>
+          </a:p>
+        </p:txBody>
+      </p:sp>
+      <p:sp>
+        <p:nvSpPr>
+          <p:cNvPr id="6" name="Slide Number Placeholder 5"/>
+          <p:cNvSpPr>
+            <a:spLocks noGrp="1"/>
+          </p:cNvSpPr>
+          <p:nvPr>
+            <p:ph type="sldNum" sz="quarter" idx="12"/>
+          </p:nvPr>
+        </p:nvSpPr>
+        <p:spPr/>
+        <p:txBody>
+          <a:bodyPr/>
+          <a:lstStyle/>
+          <a:p>
+            <a:pPr rtl="0"/>
+            <a:fld id="{3A98EE3D-8CD1-4C3F-BD1C-C98C9596463C}" type="slidenum">
+              <a:rPr lang="ru-RU" noProof="0" smtClean="0"/>
+              <a:t>‹#›</a:t>
+            </a:fld>
+            <a:endParaRPr lang="ru-RU" noProof="0" dirty="0"/>
+          </a:p>
+        </p:txBody>
+      </p:sp>
+    </p:spTree>
+    <p:extLst>
+      <p:ext uri="{BB962C8B-B14F-4D97-AF65-F5344CB8AC3E}">
+        <p14:creationId xmlns:p14="http://schemas.microsoft.com/office/powerpoint/2010/main" val="881928758"/>
+      </p:ext>
+    </p:extLst>
+  </p:cSld>
+  <p:clrMapOvr>
+    <a:masterClrMapping/>
+  </p:clrMapOvr>
+  <p:hf sldNum="0" hdr="0" ftr="0" dt="0"/>
+</p:sldLayout>
+</file>
+
+<file path=ppt/slideLayouts/slideLayout12.xml><?xml version="1.0" encoding="utf-8"?>
+<p:sldLayout xmlns:a="http://schemas.openxmlformats.org/drawingml/2006/main" xmlns:r="http://schemas.openxmlformats.org/officeDocument/2006/relationships" xmlns:p="http://schemas.openxmlformats.org/presentationml/2006/main" preserve="1" userDrawn="1">
+  <p:cSld name="1_Заголовок и объект">
+    <p:spTree>
+      <p:nvGrpSpPr>
+        <p:cNvPr id="1" name=""/>
+        <p:cNvGrpSpPr/>
+        <p:nvPr/>
+      </p:nvGrpSpPr>
+      <p:grpSpPr>
+        <a:xfrm>
+          <a:off x="0" y="0"/>
+          <a:ext cx="0" cy="0"/>
+          <a:chOff x="0" y="0"/>
+          <a:chExt cx="0" cy="0"/>
+        </a:xfrm>
+      </p:grpSpPr>
+      <p:sp>
+        <p:nvSpPr>
           <p:cNvPr id="3" name="Объект 2"/>
           <p:cNvSpPr>
             <a:spLocks noGrp="1"/>
@@ -1369,7 +1841,7 @@
             <a:pPr rtl="0"/>
             <a:fld id="{2DD0CC0D-F4E8-4EB2-A425-24C0A08BF2ED}" type="datetime1">
               <a:rPr lang="ru-RU" noProof="0" smtClean="0"/>
-              <a:t>22.02.2021</a:t>
+              <a:t>27.02.2021</a:t>
             </a:fld>
             <a:endParaRPr lang="ru-RU" noProof="0" dirty="0"/>
           </a:p>
@@ -2029,9 +2501,9 @@
 </p:sldLayout>
 </file>
 
-<file path=ppt/slideLayouts/slideLayout3.xml><?xml version="1.0" encoding="utf-8"?>
+<file path=ppt/slideLayouts/slideLayout13.xml><?xml version="1.0" encoding="utf-8"?>
 <p:sldLayout xmlns:a="http://schemas.openxmlformats.org/drawingml/2006/main" xmlns:r="http://schemas.openxmlformats.org/officeDocument/2006/relationships" xmlns:p="http://schemas.openxmlformats.org/presentationml/2006/main" preserve="1" userDrawn="1">
-  <p:cSld name="1_Заголовок и объект">
+  <p:cSld name="2_Заголовок и объект">
     <p:spTree>
       <p:nvGrpSpPr>
         <p:cNvPr id="1" name=""/>
@@ -2070,7 +2542,7 @@
             <a:pPr rtl="0"/>
             <a:fld id="{11D365CB-744A-4AFA-AFC9-892345BE9421}" type="datetime1">
               <a:rPr lang="ru-RU" noProof="0" smtClean="0"/>
-              <a:t>22.02.2021</a:t>
+              <a:t>27.02.2021</a:t>
             </a:fld>
             <a:endParaRPr lang="ru-RU" noProof="0" dirty="0"/>
           </a:p>
@@ -2902,9 +3374,9 @@
 </p:sldLayout>
 </file>
 
-<file path=ppt/slideLayouts/slideLayout4.xml><?xml version="1.0" encoding="utf-8"?>
+<file path=ppt/slideLayouts/slideLayout14.xml><?xml version="1.0" encoding="utf-8"?>
 <p:sldLayout xmlns:a="http://schemas.openxmlformats.org/drawingml/2006/main" xmlns:r="http://schemas.openxmlformats.org/officeDocument/2006/relationships" xmlns:p="http://schemas.openxmlformats.org/presentationml/2006/main" showMasterSp="0" preserve="1" userDrawn="1">
-  <p:cSld name="Заголовок раздела">
+  <p:cSld name="1_Заголовок раздела">
     <p:bg>
       <p:bgPr>
         <a:solidFill>
@@ -3157,7 +3629,7 @@
             <a:pPr rtl="0"/>
             <a:fld id="{4B5B89D9-0013-4DF9-B570-27DC755C2F3F}" type="datetime1">
               <a:rPr lang="ru-RU" noProof="0" smtClean="0"/>
-              <a:t>22.02.2021</a:t>
+              <a:t>27.02.2021</a:t>
             </a:fld>
             <a:endParaRPr lang="ru-RU" noProof="0" dirty="0"/>
           </a:p>
@@ -3833,9 +4305,9 @@
 </p:sldLayout>
 </file>
 
-<file path=ppt/slideLayouts/slideLayout5.xml><?xml version="1.0" encoding="utf-8"?>
+<file path=ppt/slideLayouts/slideLayout15.xml><?xml version="1.0" encoding="utf-8"?>
 <p:sldLayout xmlns:a="http://schemas.openxmlformats.org/drawingml/2006/main" xmlns:r="http://schemas.openxmlformats.org/officeDocument/2006/relationships" xmlns:p="http://schemas.openxmlformats.org/presentationml/2006/main" preserve="1" userDrawn="1">
-  <p:cSld name="Два объекта">
+  <p:cSld name="1_Два объекта">
     <p:spTree>
       <p:nvGrpSpPr>
         <p:cNvPr id="1" name=""/>
@@ -3988,7 +4460,7 @@
             <a:pPr rtl="0"/>
             <a:fld id="{17A79461-147E-4321-BCEB-239C620C895A}" type="datetime1">
               <a:rPr lang="ru-RU" noProof="0" smtClean="0"/>
-              <a:t>22.02.2021</a:t>
+              <a:t>27.02.2021</a:t>
             </a:fld>
             <a:endParaRPr lang="ru-RU" noProof="0" dirty="0"/>
           </a:p>
@@ -4648,9 +5120,9 @@
 </p:sldLayout>
 </file>
 
-<file path=ppt/slideLayouts/slideLayout6.xml><?xml version="1.0" encoding="utf-8"?>
+<file path=ppt/slideLayouts/slideLayout16.xml><?xml version="1.0" encoding="utf-8"?>
 <p:sldLayout xmlns:a="http://schemas.openxmlformats.org/drawingml/2006/main" xmlns:r="http://schemas.openxmlformats.org/officeDocument/2006/relationships" xmlns:p="http://schemas.openxmlformats.org/presentationml/2006/main" preserve="1" userDrawn="1">
-  <p:cSld name="Сравнение">
+  <p:cSld name="1_Сравнение">
     <p:spTree>
       <p:nvGrpSpPr>
         <p:cNvPr id="1" name=""/>
@@ -4945,7 +5417,7 @@
             <a:pPr rtl="0"/>
             <a:fld id="{0C74DA27-089F-41DB-9018-6804069C0386}" type="datetime1">
               <a:rPr lang="ru-RU" noProof="0" smtClean="0"/>
-              <a:t>22.02.2021</a:t>
+              <a:t>27.02.2021</a:t>
             </a:fld>
             <a:endParaRPr lang="ru-RU" noProof="0" dirty="0"/>
           </a:p>
@@ -5605,9 +6077,9 @@
 </p:sldLayout>
 </file>
 
-<file path=ppt/slideLayouts/slideLayout7.xml><?xml version="1.0" encoding="utf-8"?>
+<file path=ppt/slideLayouts/slideLayout17.xml><?xml version="1.0" encoding="utf-8"?>
 <p:sldLayout xmlns:a="http://schemas.openxmlformats.org/drawingml/2006/main" xmlns:r="http://schemas.openxmlformats.org/officeDocument/2006/relationships" xmlns:p="http://schemas.openxmlformats.org/presentationml/2006/main" preserve="1" userDrawn="1">
-  <p:cSld name="Только заголовок">
+  <p:cSld name="1_Только заголовок">
     <p:spTree>
       <p:nvGrpSpPr>
         <p:cNvPr id="1" name=""/>
@@ -5646,7 +6118,7 @@
             <a:pPr rtl="0"/>
             <a:fld id="{4CF5337F-F302-414C-9999-654EC56929E7}" type="datetime1">
               <a:rPr lang="ru-RU" noProof="0" smtClean="0"/>
-              <a:t>22.02.2021</a:t>
+              <a:t>27.02.2021</a:t>
             </a:fld>
             <a:endParaRPr lang="ru-RU" noProof="0" dirty="0"/>
           </a:p>
@@ -6306,9 +6778,9 @@
 </p:sldLayout>
 </file>
 
-<file path=ppt/slideLayouts/slideLayout8.xml><?xml version="1.0" encoding="utf-8"?>
+<file path=ppt/slideLayouts/slideLayout18.xml><?xml version="1.0" encoding="utf-8"?>
 <p:sldLayout xmlns:a="http://schemas.openxmlformats.org/drawingml/2006/main" xmlns:r="http://schemas.openxmlformats.org/officeDocument/2006/relationships" xmlns:p="http://schemas.openxmlformats.org/presentationml/2006/main" preserve="1" userDrawn="1">
-  <p:cSld name="1_Только заголовок">
+  <p:cSld name="2_Только заголовок">
     <p:spTree>
       <p:nvGrpSpPr>
         <p:cNvPr id="1" name=""/>
@@ -6347,7 +6819,7 @@
             <a:pPr rtl="0"/>
             <a:fld id="{FF63DE5C-7286-415E-BD66-0312B5E1AB50}" type="datetime1">
               <a:rPr lang="ru-RU" noProof="0" smtClean="0"/>
-              <a:t>22.02.2021</a:t>
+              <a:t>27.02.2021</a:t>
             </a:fld>
             <a:endParaRPr lang="ru-RU" noProof="0" dirty="0"/>
           </a:p>
@@ -7018,9 +7490,9 @@
 </p:sldLayout>
 </file>
 
-<file path=ppt/slideLayouts/slideLayout9.xml><?xml version="1.0" encoding="utf-8"?>
-<p:sldLayout xmlns:a="http://schemas.openxmlformats.org/drawingml/2006/main" xmlns:r="http://schemas.openxmlformats.org/officeDocument/2006/relationships" xmlns:p="http://schemas.openxmlformats.org/presentationml/2006/main" showMasterSp="0" type="blank" preserve="1">
-  <p:cSld name="Пустой слайд">
+<file path=ppt/slideLayouts/slideLayout2.xml><?xml version="1.0" encoding="utf-8"?>
+<p:sldLayout xmlns:a="http://schemas.openxmlformats.org/drawingml/2006/main" xmlns:r="http://schemas.openxmlformats.org/officeDocument/2006/relationships" xmlns:p="http://schemas.openxmlformats.org/presentationml/2006/main" type="obj" preserve="1">
+  <p:cSld name="Заголовок и объект">
     <p:spTree>
       <p:nvGrpSpPr>
         <p:cNvPr id="1" name=""/>
@@ -7037,13 +7509,82 @@
       </p:grpSpPr>
       <p:sp>
         <p:nvSpPr>
-          <p:cNvPr id="2" name="Дата 1">
-            <a:extLst>
-              <a:ext uri="{FF2B5EF4-FFF2-40B4-BE49-F238E27FC236}">
-                <a16:creationId xmlns:a16="http://schemas.microsoft.com/office/drawing/2014/main" id="{94E9223F-721F-47BF-9FD5-0F8D12FF0DE1}"/>
-              </a:ext>
-            </a:extLst>
-          </p:cNvPr>
+          <p:cNvPr id="2" name="Title 1"/>
+          <p:cNvSpPr>
+            <a:spLocks noGrp="1"/>
+          </p:cNvSpPr>
+          <p:nvPr>
+            <p:ph type="title"/>
+          </p:nvPr>
+        </p:nvSpPr>
+        <p:spPr/>
+        <p:txBody>
+          <a:bodyPr/>
+          <a:lstStyle/>
+          <a:p>
+            <a:r>
+              <a:rPr lang="ru-RU"/>
+              <a:t>Образец заголовка</a:t>
+            </a:r>
+            <a:endParaRPr lang="en-US" dirty="0"/>
+          </a:p>
+        </p:txBody>
+      </p:sp>
+      <p:sp>
+        <p:nvSpPr>
+          <p:cNvPr id="3" name="Content Placeholder 2"/>
+          <p:cNvSpPr>
+            <a:spLocks noGrp="1"/>
+          </p:cNvSpPr>
+          <p:nvPr>
+            <p:ph idx="1"/>
+          </p:nvPr>
+        </p:nvSpPr>
+        <p:spPr/>
+        <p:txBody>
+          <a:bodyPr/>
+          <a:lstStyle/>
+          <a:p>
+            <a:pPr lvl="0"/>
+            <a:r>
+              <a:rPr lang="ru-RU"/>
+              <a:t>Образец текста</a:t>
+            </a:r>
+          </a:p>
+          <a:p>
+            <a:pPr lvl="1"/>
+            <a:r>
+              <a:rPr lang="ru-RU"/>
+              <a:t>Второй уровень</a:t>
+            </a:r>
+          </a:p>
+          <a:p>
+            <a:pPr lvl="2"/>
+            <a:r>
+              <a:rPr lang="ru-RU"/>
+              <a:t>Третий уровень</a:t>
+            </a:r>
+          </a:p>
+          <a:p>
+            <a:pPr lvl="3"/>
+            <a:r>
+              <a:rPr lang="ru-RU"/>
+              <a:t>Четвертый уровень</a:t>
+            </a:r>
+          </a:p>
+          <a:p>
+            <a:pPr lvl="4"/>
+            <a:r>
+              <a:rPr lang="ru-RU"/>
+              <a:t>Пятый уровень</a:t>
+            </a:r>
+            <a:endParaRPr lang="en-US" dirty="0"/>
+          </a:p>
+        </p:txBody>
+      </p:sp>
+      <p:sp>
+        <p:nvSpPr>
+          <p:cNvPr id="4" name="Date Placeholder 3"/>
           <p:cNvSpPr>
             <a:spLocks noGrp="1"/>
           </p:cNvSpPr>
@@ -7053,13 +7594,13 @@
         </p:nvSpPr>
         <p:spPr/>
         <p:txBody>
-          <a:bodyPr rtlCol="0"/>
+          <a:bodyPr/>
           <a:lstStyle/>
           <a:p>
             <a:pPr rtl="0"/>
-            <a:fld id="{05F888F6-BA81-4650-96F1-E4BE1E5DDAE1}" type="datetime1">
+            <a:fld id="{2DD0CC0D-F4E8-4EB2-A425-24C0A08BF2ED}" type="datetime1">
               <a:rPr lang="ru-RU" noProof="0" smtClean="0"/>
-              <a:t>22.02.2021</a:t>
+              <a:t>27.02.2021</a:t>
             </a:fld>
             <a:endParaRPr lang="ru-RU" noProof="0" dirty="0"/>
           </a:p>
@@ -7067,13 +7608,7 @@
       </p:sp>
       <p:sp>
         <p:nvSpPr>
-          <p:cNvPr id="3" name="Нижний колонтитул 2">
-            <a:extLst>
-              <a:ext uri="{FF2B5EF4-FFF2-40B4-BE49-F238E27FC236}">
-                <a16:creationId xmlns:a16="http://schemas.microsoft.com/office/drawing/2014/main" id="{05915714-6BBA-4593-8591-4E26F7D58D9F}"/>
-              </a:ext>
-            </a:extLst>
-          </p:cNvPr>
+          <p:cNvPr id="5" name="Footer Placeholder 4"/>
           <p:cNvSpPr>
             <a:spLocks noGrp="1"/>
           </p:cNvSpPr>
@@ -7083,7 +7618,7 @@
         </p:nvSpPr>
         <p:spPr/>
         <p:txBody>
-          <a:bodyPr rtlCol="0"/>
+          <a:bodyPr/>
           <a:lstStyle/>
           <a:p>
             <a:pPr rtl="0"/>
@@ -7093,13 +7628,7 @@
       </p:sp>
       <p:sp>
         <p:nvSpPr>
-          <p:cNvPr id="4" name="Номер слайда 3">
-            <a:extLst>
-              <a:ext uri="{FF2B5EF4-FFF2-40B4-BE49-F238E27FC236}">
-                <a16:creationId xmlns:a16="http://schemas.microsoft.com/office/drawing/2014/main" id="{BE06F857-D2E1-44DD-ABDD-EBB739645B67}"/>
-              </a:ext>
-            </a:extLst>
-          </p:cNvPr>
+          <p:cNvPr id="6" name="Slide Number Placeholder 5"/>
           <p:cNvSpPr>
             <a:spLocks noGrp="1"/>
           </p:cNvSpPr>
@@ -7109,7 +7638,7 @@
         </p:nvSpPr>
         <p:spPr/>
         <p:txBody>
-          <a:bodyPr rtlCol="0"/>
+          <a:bodyPr/>
           <a:lstStyle/>
           <a:p>
             <a:pPr rtl="0"/>
@@ -7121,10 +7650,552 @@
           </a:p>
         </p:txBody>
       </p:sp>
+      <p:grpSp>
+        <p:nvGrpSpPr>
+          <p:cNvPr id="7" name="Группа 6">
+            <a:extLst>
+              <a:ext uri="{FF2B5EF4-FFF2-40B4-BE49-F238E27FC236}">
+                <a16:creationId xmlns:a16="http://schemas.microsoft.com/office/drawing/2014/main" id="{A90FDF40-A715-B844-A62A-1F43B8714523}"/>
+              </a:ext>
+            </a:extLst>
+          </p:cNvPr>
+          <p:cNvGrpSpPr/>
+          <p:nvPr userDrawn="1"/>
+        </p:nvGrpSpPr>
+        <p:grpSpPr>
+          <a:xfrm rot="5400000">
+            <a:off x="-21619" y="1088453"/>
+            <a:ext cx="910099" cy="99010"/>
+            <a:chOff x="622418" y="280927"/>
+            <a:chExt cx="2335705" cy="254101"/>
+          </a:xfrm>
+        </p:grpSpPr>
+        <p:sp>
+          <p:nvSpPr>
+            <p:cNvPr id="8" name="Овал 7">
+              <a:extLst>
+                <a:ext uri="{FF2B5EF4-FFF2-40B4-BE49-F238E27FC236}">
+                  <a16:creationId xmlns:a16="http://schemas.microsoft.com/office/drawing/2014/main" id="{2E4AFE14-70A2-E94D-A627-26EE43A4F12D}"/>
+                </a:ext>
+              </a:extLst>
+            </p:cNvPr>
+            <p:cNvSpPr/>
+            <p:nvPr userDrawn="1"/>
+          </p:nvSpPr>
+          <p:spPr>
+            <a:xfrm>
+              <a:off x="1038739" y="280927"/>
+              <a:ext cx="254101" cy="254101"/>
+            </a:xfrm>
+            <a:prstGeom prst="ellipse">
+              <a:avLst/>
+            </a:prstGeom>
+            <a:solidFill>
+              <a:schemeClr val="accent2"/>
+            </a:solidFill>
+            <a:ln w="38100">
+              <a:noFill/>
+            </a:ln>
+          </p:spPr>
+          <p:style>
+            <a:lnRef idx="2">
+              <a:schemeClr val="accent1">
+                <a:shade val="50000"/>
+              </a:schemeClr>
+            </a:lnRef>
+            <a:fillRef idx="1">
+              <a:schemeClr val="accent1"/>
+            </a:fillRef>
+            <a:effectRef idx="0">
+              <a:schemeClr val="accent1"/>
+            </a:effectRef>
+            <a:fontRef idx="minor">
+              <a:schemeClr val="lt1"/>
+            </a:fontRef>
+          </p:style>
+          <p:txBody>
+            <a:bodyPr rtlCol="0" anchor="ctr"/>
+            <a:lstStyle/>
+            <a:p>
+              <a:pPr algn="ctr" rtl="0"/>
+              <a:endParaRPr lang="ru-RU" noProof="0" dirty="0"/>
+            </a:p>
+          </p:txBody>
+        </p:sp>
+        <p:sp>
+          <p:nvSpPr>
+            <p:cNvPr id="9" name="Овал 8">
+              <a:extLst>
+                <a:ext uri="{FF2B5EF4-FFF2-40B4-BE49-F238E27FC236}">
+                  <a16:creationId xmlns:a16="http://schemas.microsoft.com/office/drawing/2014/main" id="{B7E66DE9-82A5-E043-8222-14D0562279AC}"/>
+                </a:ext>
+              </a:extLst>
+            </p:cNvPr>
+            <p:cNvSpPr/>
+            <p:nvPr userDrawn="1"/>
+          </p:nvSpPr>
+          <p:spPr>
+            <a:xfrm>
+              <a:off x="1455060" y="280927"/>
+              <a:ext cx="254101" cy="254101"/>
+            </a:xfrm>
+            <a:prstGeom prst="ellipse">
+              <a:avLst/>
+            </a:prstGeom>
+            <a:solidFill>
+              <a:schemeClr val="accent3"/>
+            </a:solidFill>
+            <a:ln w="38100">
+              <a:noFill/>
+            </a:ln>
+          </p:spPr>
+          <p:style>
+            <a:lnRef idx="2">
+              <a:schemeClr val="accent1">
+                <a:shade val="50000"/>
+              </a:schemeClr>
+            </a:lnRef>
+            <a:fillRef idx="1">
+              <a:schemeClr val="accent1"/>
+            </a:fillRef>
+            <a:effectRef idx="0">
+              <a:schemeClr val="accent1"/>
+            </a:effectRef>
+            <a:fontRef idx="minor">
+              <a:schemeClr val="lt1"/>
+            </a:fontRef>
+          </p:style>
+          <p:txBody>
+            <a:bodyPr rtlCol="0" anchor="ctr"/>
+            <a:lstStyle/>
+            <a:p>
+              <a:pPr algn="ctr" rtl="0"/>
+              <a:endParaRPr lang="ru-RU" noProof="0" dirty="0"/>
+            </a:p>
+          </p:txBody>
+        </p:sp>
+        <p:sp>
+          <p:nvSpPr>
+            <p:cNvPr id="10" name="Овал 9">
+              <a:extLst>
+                <a:ext uri="{FF2B5EF4-FFF2-40B4-BE49-F238E27FC236}">
+                  <a16:creationId xmlns:a16="http://schemas.microsoft.com/office/drawing/2014/main" id="{804AC7CA-206E-C74D-A618-2582443D2FB6}"/>
+                </a:ext>
+              </a:extLst>
+            </p:cNvPr>
+            <p:cNvSpPr/>
+            <p:nvPr userDrawn="1"/>
+          </p:nvSpPr>
+          <p:spPr>
+            <a:xfrm>
+              <a:off x="1871381" y="280927"/>
+              <a:ext cx="254101" cy="254101"/>
+            </a:xfrm>
+            <a:prstGeom prst="ellipse">
+              <a:avLst/>
+            </a:prstGeom>
+            <a:solidFill>
+              <a:schemeClr val="accent4"/>
+            </a:solidFill>
+            <a:ln w="38100">
+              <a:noFill/>
+            </a:ln>
+          </p:spPr>
+          <p:style>
+            <a:lnRef idx="2">
+              <a:schemeClr val="accent1">
+                <a:shade val="50000"/>
+              </a:schemeClr>
+            </a:lnRef>
+            <a:fillRef idx="1">
+              <a:schemeClr val="accent1"/>
+            </a:fillRef>
+            <a:effectRef idx="0">
+              <a:schemeClr val="accent1"/>
+            </a:effectRef>
+            <a:fontRef idx="minor">
+              <a:schemeClr val="lt1"/>
+            </a:fontRef>
+          </p:style>
+          <p:txBody>
+            <a:bodyPr rtlCol="0" anchor="ctr"/>
+            <a:lstStyle/>
+            <a:p>
+              <a:pPr algn="ctr" rtl="0"/>
+              <a:endParaRPr lang="ru-RU" noProof="0" dirty="0"/>
+            </a:p>
+          </p:txBody>
+        </p:sp>
+        <p:sp>
+          <p:nvSpPr>
+            <p:cNvPr id="11" name="Овал 10">
+              <a:extLst>
+                <a:ext uri="{FF2B5EF4-FFF2-40B4-BE49-F238E27FC236}">
+                  <a16:creationId xmlns:a16="http://schemas.microsoft.com/office/drawing/2014/main" id="{C9F13314-B331-314A-8B9C-F9E0D56E477B}"/>
+                </a:ext>
+              </a:extLst>
+            </p:cNvPr>
+            <p:cNvSpPr/>
+            <p:nvPr userDrawn="1"/>
+          </p:nvSpPr>
+          <p:spPr>
+            <a:xfrm>
+              <a:off x="2287702" y="280927"/>
+              <a:ext cx="254101" cy="254101"/>
+            </a:xfrm>
+            <a:prstGeom prst="ellipse">
+              <a:avLst/>
+            </a:prstGeom>
+            <a:solidFill>
+              <a:schemeClr val="accent5"/>
+            </a:solidFill>
+            <a:ln w="38100">
+              <a:noFill/>
+            </a:ln>
+          </p:spPr>
+          <p:style>
+            <a:lnRef idx="2">
+              <a:schemeClr val="accent1">
+                <a:shade val="50000"/>
+              </a:schemeClr>
+            </a:lnRef>
+            <a:fillRef idx="1">
+              <a:schemeClr val="accent1"/>
+            </a:fillRef>
+            <a:effectRef idx="0">
+              <a:schemeClr val="accent1"/>
+            </a:effectRef>
+            <a:fontRef idx="minor">
+              <a:schemeClr val="lt1"/>
+            </a:fontRef>
+          </p:style>
+          <p:txBody>
+            <a:bodyPr rtlCol="0" anchor="ctr"/>
+            <a:lstStyle/>
+            <a:p>
+              <a:pPr algn="ctr" rtl="0"/>
+              <a:endParaRPr lang="ru-RU" noProof="0" dirty="0"/>
+            </a:p>
+          </p:txBody>
+        </p:sp>
+        <p:sp>
+          <p:nvSpPr>
+            <p:cNvPr id="12" name="Овал 11">
+              <a:extLst>
+                <a:ext uri="{FF2B5EF4-FFF2-40B4-BE49-F238E27FC236}">
+                  <a16:creationId xmlns:a16="http://schemas.microsoft.com/office/drawing/2014/main" id="{F15A573F-5435-8B48-B922-B4F57AE0E6CA}"/>
+                </a:ext>
+              </a:extLst>
+            </p:cNvPr>
+            <p:cNvSpPr/>
+            <p:nvPr userDrawn="1"/>
+          </p:nvSpPr>
+          <p:spPr>
+            <a:xfrm>
+              <a:off x="2704022" y="280927"/>
+              <a:ext cx="254101" cy="254101"/>
+            </a:xfrm>
+            <a:prstGeom prst="ellipse">
+              <a:avLst/>
+            </a:prstGeom>
+            <a:solidFill>
+              <a:schemeClr val="accent6"/>
+            </a:solidFill>
+            <a:ln w="38100">
+              <a:noFill/>
+            </a:ln>
+          </p:spPr>
+          <p:style>
+            <a:lnRef idx="2">
+              <a:schemeClr val="accent1">
+                <a:shade val="50000"/>
+              </a:schemeClr>
+            </a:lnRef>
+            <a:fillRef idx="1">
+              <a:schemeClr val="accent1"/>
+            </a:fillRef>
+            <a:effectRef idx="0">
+              <a:schemeClr val="accent1"/>
+            </a:effectRef>
+            <a:fontRef idx="minor">
+              <a:schemeClr val="lt1"/>
+            </a:fontRef>
+          </p:style>
+          <p:txBody>
+            <a:bodyPr rtlCol="0" anchor="ctr"/>
+            <a:lstStyle/>
+            <a:p>
+              <a:pPr algn="ctr" rtl="0"/>
+              <a:endParaRPr lang="ru-RU" noProof="0" dirty="0"/>
+            </a:p>
+          </p:txBody>
+        </p:sp>
+        <p:sp>
+          <p:nvSpPr>
+            <p:cNvPr id="13" name="Овал 12">
+              <a:extLst>
+                <a:ext uri="{FF2B5EF4-FFF2-40B4-BE49-F238E27FC236}">
+                  <a16:creationId xmlns:a16="http://schemas.microsoft.com/office/drawing/2014/main" id="{A9DEA4FF-1B0E-A24E-9F61-7E03C145649D}"/>
+                </a:ext>
+              </a:extLst>
+            </p:cNvPr>
+            <p:cNvSpPr/>
+            <p:nvPr userDrawn="1"/>
+          </p:nvSpPr>
+          <p:spPr>
+            <a:xfrm>
+              <a:off x="622418" y="280927"/>
+              <a:ext cx="254101" cy="254101"/>
+            </a:xfrm>
+            <a:prstGeom prst="ellipse">
+              <a:avLst/>
+            </a:prstGeom>
+            <a:solidFill>
+              <a:schemeClr val="accent1"/>
+            </a:solidFill>
+            <a:ln w="38100">
+              <a:noFill/>
+            </a:ln>
+          </p:spPr>
+          <p:style>
+            <a:lnRef idx="2">
+              <a:schemeClr val="accent1">
+                <a:shade val="50000"/>
+              </a:schemeClr>
+            </a:lnRef>
+            <a:fillRef idx="1">
+              <a:schemeClr val="accent1"/>
+            </a:fillRef>
+            <a:effectRef idx="0">
+              <a:schemeClr val="accent1"/>
+            </a:effectRef>
+            <a:fontRef idx="minor">
+              <a:schemeClr val="lt1"/>
+            </a:fontRef>
+          </p:style>
+          <p:txBody>
+            <a:bodyPr rtlCol="0" anchor="ctr"/>
+            <a:lstStyle/>
+            <a:p>
+              <a:pPr algn="ctr" rtl="0"/>
+              <a:endParaRPr lang="ru-RU" noProof="0" dirty="0"/>
+            </a:p>
+          </p:txBody>
+        </p:sp>
+      </p:grpSp>
+      <p:sp>
+        <p:nvSpPr>
+          <p:cNvPr id="14" name="Овал 13">
+            <a:extLst>
+              <a:ext uri="{FF2B5EF4-FFF2-40B4-BE49-F238E27FC236}">
+                <a16:creationId xmlns:a16="http://schemas.microsoft.com/office/drawing/2014/main" id="{7AA1E882-B05E-2F4E-B2EE-F71CAED9200C}"/>
+              </a:ext>
+            </a:extLst>
+          </p:cNvPr>
+          <p:cNvSpPr/>
+          <p:nvPr userDrawn="1"/>
+        </p:nvSpPr>
+        <p:spPr>
+          <a:xfrm>
+            <a:off x="10429390" y="360726"/>
+            <a:ext cx="1035859" cy="1035859"/>
+          </a:xfrm>
+          <a:prstGeom prst="ellipse">
+            <a:avLst/>
+          </a:prstGeom>
+          <a:noFill/>
+          <a:ln w="38100">
+            <a:solidFill>
+              <a:schemeClr val="accent3"/>
+            </a:solidFill>
+            <a:prstDash val="dash"/>
+          </a:ln>
+        </p:spPr>
+        <p:style>
+          <a:lnRef idx="2">
+            <a:schemeClr val="accent1">
+              <a:shade val="50000"/>
+            </a:schemeClr>
+          </a:lnRef>
+          <a:fillRef idx="1">
+            <a:schemeClr val="accent1"/>
+          </a:fillRef>
+          <a:effectRef idx="0">
+            <a:schemeClr val="accent1"/>
+          </a:effectRef>
+          <a:fontRef idx="minor">
+            <a:schemeClr val="lt1"/>
+          </a:fontRef>
+        </p:style>
+        <p:txBody>
+          <a:bodyPr rtlCol="0" anchor="ctr"/>
+          <a:lstStyle/>
+          <a:p>
+            <a:pPr algn="ctr" rtl="0"/>
+            <a:endParaRPr lang="ru-RU" noProof="0" dirty="0"/>
+          </a:p>
+        </p:txBody>
+      </p:sp>
+      <p:sp>
+        <p:nvSpPr>
+          <p:cNvPr id="15" name="Овал 14">
+            <a:extLst>
+              <a:ext uri="{FF2B5EF4-FFF2-40B4-BE49-F238E27FC236}">
+                <a16:creationId xmlns:a16="http://schemas.microsoft.com/office/drawing/2014/main" id="{82F34A28-BD40-824C-B05E-CFBD4698CE25}"/>
+              </a:ext>
+            </a:extLst>
+          </p:cNvPr>
+          <p:cNvSpPr/>
+          <p:nvPr userDrawn="1"/>
+        </p:nvSpPr>
+        <p:spPr>
+          <a:xfrm>
+            <a:off x="5664570" y="125360"/>
+            <a:ext cx="176394" cy="176394"/>
+          </a:xfrm>
+          <a:prstGeom prst="ellipse">
+            <a:avLst/>
+          </a:prstGeom>
+          <a:solidFill>
+            <a:schemeClr val="accent6"/>
+          </a:solidFill>
+          <a:ln w="38100">
+            <a:noFill/>
+          </a:ln>
+        </p:spPr>
+        <p:style>
+          <a:lnRef idx="2">
+            <a:schemeClr val="accent1">
+              <a:shade val="50000"/>
+            </a:schemeClr>
+          </a:lnRef>
+          <a:fillRef idx="1">
+            <a:schemeClr val="accent1"/>
+          </a:fillRef>
+          <a:effectRef idx="0">
+            <a:schemeClr val="accent1"/>
+          </a:effectRef>
+          <a:fontRef idx="minor">
+            <a:schemeClr val="lt1"/>
+          </a:fontRef>
+        </p:style>
+        <p:txBody>
+          <a:bodyPr rtlCol="0" anchor="ctr"/>
+          <a:lstStyle/>
+          <a:p>
+            <a:pPr algn="ctr" rtl="0"/>
+            <a:endParaRPr lang="ru-RU" noProof="0" dirty="0"/>
+          </a:p>
+        </p:txBody>
+      </p:sp>
+      <p:sp>
+        <p:nvSpPr>
+          <p:cNvPr id="16" name="Овал 15">
+            <a:extLst>
+              <a:ext uri="{FF2B5EF4-FFF2-40B4-BE49-F238E27FC236}">
+                <a16:creationId xmlns:a16="http://schemas.microsoft.com/office/drawing/2014/main" id="{513373AB-1483-4A4C-AB33-91EABDA001DE}"/>
+              </a:ext>
+            </a:extLst>
+          </p:cNvPr>
+          <p:cNvSpPr/>
+          <p:nvPr userDrawn="1"/>
+        </p:nvSpPr>
+        <p:spPr>
+          <a:xfrm>
+            <a:off x="458087" y="5430446"/>
+            <a:ext cx="99011" cy="99011"/>
+          </a:xfrm>
+          <a:prstGeom prst="ellipse">
+            <a:avLst/>
+          </a:prstGeom>
+          <a:solidFill>
+            <a:schemeClr val="accent4"/>
+          </a:solidFill>
+          <a:ln w="38100">
+            <a:noFill/>
+          </a:ln>
+        </p:spPr>
+        <p:style>
+          <a:lnRef idx="2">
+            <a:schemeClr val="accent1">
+              <a:shade val="50000"/>
+            </a:schemeClr>
+          </a:lnRef>
+          <a:fillRef idx="1">
+            <a:schemeClr val="accent1"/>
+          </a:fillRef>
+          <a:effectRef idx="0">
+            <a:schemeClr val="accent1"/>
+          </a:effectRef>
+          <a:fontRef idx="minor">
+            <a:schemeClr val="lt1"/>
+          </a:fontRef>
+        </p:style>
+        <p:txBody>
+          <a:bodyPr rtlCol="0" anchor="ctr"/>
+          <a:lstStyle/>
+          <a:p>
+            <a:pPr algn="ctr" rtl="0"/>
+            <a:endParaRPr lang="ru-RU" noProof="0" dirty="0"/>
+          </a:p>
+        </p:txBody>
+      </p:sp>
+      <p:sp>
+        <p:nvSpPr>
+          <p:cNvPr id="17" name="Овал 16">
+            <a:extLst>
+              <a:ext uri="{FF2B5EF4-FFF2-40B4-BE49-F238E27FC236}">
+                <a16:creationId xmlns:a16="http://schemas.microsoft.com/office/drawing/2014/main" id="{D0803922-73A1-9945-963C-93C09582BCEB}"/>
+              </a:ext>
+            </a:extLst>
+          </p:cNvPr>
+          <p:cNvSpPr/>
+          <p:nvPr userDrawn="1"/>
+        </p:nvSpPr>
+        <p:spPr>
+          <a:xfrm>
+            <a:off x="11383587" y="6035040"/>
+            <a:ext cx="776923" cy="776923"/>
+          </a:xfrm>
+          <a:prstGeom prst="ellipse">
+            <a:avLst/>
+          </a:prstGeom>
+          <a:noFill/>
+          <a:ln w="38100">
+            <a:solidFill>
+              <a:schemeClr val="accent1"/>
+            </a:solidFill>
+          </a:ln>
+        </p:spPr>
+        <p:style>
+          <a:lnRef idx="2">
+            <a:schemeClr val="accent1">
+              <a:shade val="50000"/>
+            </a:schemeClr>
+          </a:lnRef>
+          <a:fillRef idx="1">
+            <a:schemeClr val="accent1"/>
+          </a:fillRef>
+          <a:effectRef idx="0">
+            <a:schemeClr val="accent1"/>
+          </a:effectRef>
+          <a:fontRef idx="minor">
+            <a:schemeClr val="lt1"/>
+          </a:fontRef>
+        </p:style>
+        <p:txBody>
+          <a:bodyPr rtlCol="0" anchor="ctr"/>
+          <a:lstStyle/>
+          <a:p>
+            <a:pPr algn="ctr" rtl="0"/>
+            <a:endParaRPr lang="ru-RU" noProof="0" dirty="0"/>
+          </a:p>
+        </p:txBody>
+      </p:sp>
     </p:spTree>
     <p:extLst>
       <p:ext uri="{BB962C8B-B14F-4D97-AF65-F5344CB8AC3E}">
-        <p14:creationId xmlns:p14="http://schemas.microsoft.com/office/powerpoint/2010/main" val="3010507315"/>
+        <p14:creationId xmlns:p14="http://schemas.microsoft.com/office/powerpoint/2010/main" val="3429254544"/>
       </p:ext>
     </p:extLst>
   </p:cSld>
@@ -7134,12 +8205,12 @@
 </p:sldLayout>
 </file>
 
-<file path=ppt/slideMasters/slideMaster1.xml><?xml version="1.0" encoding="utf-8"?>
-<p:sldMaster xmlns:a="http://schemas.openxmlformats.org/drawingml/2006/main" xmlns:r="http://schemas.openxmlformats.org/officeDocument/2006/relationships" xmlns:p="http://schemas.openxmlformats.org/presentationml/2006/main">
-  <p:cSld>
+<file path=ppt/slideLayouts/slideLayout3.xml><?xml version="1.0" encoding="utf-8"?>
+<p:sldLayout xmlns:a="http://schemas.openxmlformats.org/drawingml/2006/main" xmlns:r="http://schemas.openxmlformats.org/officeDocument/2006/relationships" xmlns:p="http://schemas.openxmlformats.org/presentationml/2006/main" showMasterSp="0" type="secHead" preserve="1">
+  <p:cSld name="Заголовок раздела">
     <p:bg>
       <p:bgRef idx="1001">
-        <a:schemeClr val="bg1"/>
+        <a:schemeClr val="bg2"/>
       </p:bgRef>
     </p:bg>
     <p:spTree>
@@ -7158,7 +8229,7 @@
       </p:grpSpPr>
       <p:sp>
         <p:nvSpPr>
-          <p:cNvPr id="2" name="Заголовок 1"/>
+          <p:cNvPr id="2" name="Title 1"/>
           <p:cNvSpPr>
             <a:spLocks noGrp="1"/>
           </p:cNvSpPr>
@@ -7168,30 +8239,35 @@
         </p:nvSpPr>
         <p:spPr>
           <a:xfrm>
-            <a:off x="1097280" y="286603"/>
-            <a:ext cx="10058400" cy="1450757"/>
+            <a:off x="765025" y="1301360"/>
+            <a:ext cx="9612971" cy="2852737"/>
           </a:xfrm>
-          <a:prstGeom prst="rect">
-            <a:avLst/>
-          </a:prstGeom>
         </p:spPr>
         <p:txBody>
-          <a:bodyPr vert="horz" lIns="91440" tIns="45720" rIns="91440" bIns="45720" rtlCol="0" anchor="b">
+          <a:bodyPr anchor="b">
             <a:normAutofit/>
           </a:bodyPr>
-          <a:lstStyle/>
-          <a:p>
-            <a:pPr rtl="0"/>
-            <a:r>
-              <a:rPr lang="ru-RU" noProof="0" dirty="0"/>
-              <a:t>Стиль образца заголовка</a:t>
-            </a:r>
-          </a:p>
-        </p:txBody>
-      </p:sp>
-      <p:sp>
-        <p:nvSpPr>
-          <p:cNvPr id="3" name="Текст 2"/>
+          <a:lstStyle>
+            <a:lvl1pPr algn="r">
+              <a:defRPr sz="7200" cap="all" baseline="0">
+                <a:solidFill>
+                  <a:schemeClr val="tx2"/>
+                </a:solidFill>
+              </a:defRPr>
+            </a:lvl1pPr>
+          </a:lstStyle>
+          <a:p>
+            <a:r>
+              <a:rPr lang="ru-RU"/>
+              <a:t>Образец заголовка</a:t>
+            </a:r>
+            <a:endParaRPr lang="en-US" dirty="0"/>
+          </a:p>
+        </p:txBody>
+      </p:sp>
+      <p:sp>
+        <p:nvSpPr>
+          <p:cNvPr id="3" name="Text Placeholder 2"/>
           <p:cNvSpPr>
             <a:spLocks noGrp="1"/>
           </p:cNvSpPr>
@@ -7201,58 +8277,4466 @@
         </p:nvSpPr>
         <p:spPr>
           <a:xfrm>
-            <a:off x="1097280" y="2108201"/>
-            <a:ext cx="10058400" cy="3760891"/>
+            <a:off x="765025" y="4216328"/>
+            <a:ext cx="9612971" cy="1143324"/>
+          </a:xfrm>
+        </p:spPr>
+        <p:txBody>
+          <a:bodyPr/>
+          <a:lstStyle>
+            <a:lvl1pPr marL="0" indent="0" algn="r">
+              <a:lnSpc>
+                <a:spcPct val="112000"/>
+              </a:lnSpc>
+              <a:spcBef>
+                <a:spcPts val="0"/>
+              </a:spcBef>
+              <a:spcAft>
+                <a:spcPts val="0"/>
+              </a:spcAft>
+              <a:buNone/>
+              <a:defRPr sz="2400">
+                <a:solidFill>
+                  <a:schemeClr val="tx2"/>
+                </a:solidFill>
+              </a:defRPr>
+            </a:lvl1pPr>
+            <a:lvl2pPr marL="457200" indent="0">
+              <a:buNone/>
+              <a:defRPr sz="2000">
+                <a:solidFill>
+                  <a:schemeClr val="tx1">
+                    <a:tint val="75000"/>
+                  </a:schemeClr>
+                </a:solidFill>
+              </a:defRPr>
+            </a:lvl2pPr>
+            <a:lvl3pPr marL="914400" indent="0">
+              <a:buNone/>
+              <a:defRPr sz="1800">
+                <a:solidFill>
+                  <a:schemeClr val="tx1">
+                    <a:tint val="75000"/>
+                  </a:schemeClr>
+                </a:solidFill>
+              </a:defRPr>
+            </a:lvl3pPr>
+            <a:lvl4pPr marL="1371600" indent="0">
+              <a:buNone/>
+              <a:defRPr sz="1600">
+                <a:solidFill>
+                  <a:schemeClr val="tx1">
+                    <a:tint val="75000"/>
+                  </a:schemeClr>
+                </a:solidFill>
+              </a:defRPr>
+            </a:lvl4pPr>
+            <a:lvl5pPr marL="1828800" indent="0">
+              <a:buNone/>
+              <a:defRPr sz="1600">
+                <a:solidFill>
+                  <a:schemeClr val="tx1">
+                    <a:tint val="75000"/>
+                  </a:schemeClr>
+                </a:solidFill>
+              </a:defRPr>
+            </a:lvl5pPr>
+            <a:lvl6pPr marL="2286000" indent="0">
+              <a:buNone/>
+              <a:defRPr sz="1600">
+                <a:solidFill>
+                  <a:schemeClr val="tx1">
+                    <a:tint val="75000"/>
+                  </a:schemeClr>
+                </a:solidFill>
+              </a:defRPr>
+            </a:lvl6pPr>
+            <a:lvl7pPr marL="2743200" indent="0">
+              <a:buNone/>
+              <a:defRPr sz="1600">
+                <a:solidFill>
+                  <a:schemeClr val="tx1">
+                    <a:tint val="75000"/>
+                  </a:schemeClr>
+                </a:solidFill>
+              </a:defRPr>
+            </a:lvl7pPr>
+            <a:lvl8pPr marL="3200400" indent="0">
+              <a:buNone/>
+              <a:defRPr sz="1600">
+                <a:solidFill>
+                  <a:schemeClr val="tx1">
+                    <a:tint val="75000"/>
+                  </a:schemeClr>
+                </a:solidFill>
+              </a:defRPr>
+            </a:lvl8pPr>
+            <a:lvl9pPr marL="3657600" indent="0">
+              <a:buNone/>
+              <a:defRPr sz="1600">
+                <a:solidFill>
+                  <a:schemeClr val="tx1">
+                    <a:tint val="75000"/>
+                  </a:schemeClr>
+                </a:solidFill>
+              </a:defRPr>
+            </a:lvl9pPr>
+          </a:lstStyle>
+          <a:p>
+            <a:pPr lvl="0"/>
+            <a:r>
+              <a:rPr lang="ru-RU"/>
+              <a:t>Образец текста</a:t>
+            </a:r>
+          </a:p>
+        </p:txBody>
+      </p:sp>
+      <p:sp>
+        <p:nvSpPr>
+          <p:cNvPr id="4" name="Date Placeholder 3"/>
+          <p:cNvSpPr>
+            <a:spLocks noGrp="1"/>
+          </p:cNvSpPr>
+          <p:nvPr>
+            <p:ph type="dt" sz="half" idx="10"/>
+          </p:nvPr>
+        </p:nvSpPr>
+        <p:spPr>
+          <a:xfrm>
+            <a:off x="738908" y="6453386"/>
+            <a:ext cx="1622409" cy="404614"/>
+          </a:xfrm>
+        </p:spPr>
+        <p:txBody>
+          <a:bodyPr/>
+          <a:lstStyle>
+            <a:lvl1pPr>
+              <a:defRPr>
+                <a:solidFill>
+                  <a:schemeClr val="tx2"/>
+                </a:solidFill>
+              </a:defRPr>
+            </a:lvl1pPr>
+          </a:lstStyle>
+          <a:p>
+            <a:pPr rtl="0"/>
+            <a:fld id="{4B5B89D9-0013-4DF9-B570-27DC755C2F3F}" type="datetime1">
+              <a:rPr lang="ru-RU" noProof="0" smtClean="0"/>
+              <a:t>27.02.2021</a:t>
+            </a:fld>
+            <a:endParaRPr lang="ru-RU" noProof="0" dirty="0"/>
+          </a:p>
+        </p:txBody>
+      </p:sp>
+      <p:sp>
+        <p:nvSpPr>
+          <p:cNvPr id="5" name="Footer Placeholder 4"/>
+          <p:cNvSpPr>
+            <a:spLocks noGrp="1"/>
+          </p:cNvSpPr>
+          <p:nvPr>
+            <p:ph type="ftr" sz="quarter" idx="11"/>
+          </p:nvPr>
+        </p:nvSpPr>
+        <p:spPr>
+          <a:xfrm>
+            <a:off x="2584312" y="6453386"/>
+            <a:ext cx="7023377" cy="404614"/>
+          </a:xfrm>
+        </p:spPr>
+        <p:txBody>
+          <a:bodyPr/>
+          <a:lstStyle>
+            <a:lvl1pPr algn="ctr">
+              <a:defRPr>
+                <a:solidFill>
+                  <a:schemeClr val="tx2"/>
+                </a:solidFill>
+              </a:defRPr>
+            </a:lvl1pPr>
+          </a:lstStyle>
+          <a:p>
+            <a:pPr rtl="0"/>
+            <a:endParaRPr lang="ru-RU" noProof="0" dirty="0"/>
+          </a:p>
+        </p:txBody>
+      </p:sp>
+      <p:sp>
+        <p:nvSpPr>
+          <p:cNvPr id="6" name="Slide Number Placeholder 5"/>
+          <p:cNvSpPr>
+            <a:spLocks noGrp="1"/>
+          </p:cNvSpPr>
+          <p:nvPr>
+            <p:ph type="sldNum" sz="quarter" idx="12"/>
+          </p:nvPr>
+        </p:nvSpPr>
+        <p:spPr>
+          <a:xfrm>
+            <a:off x="9830683" y="6453386"/>
+            <a:ext cx="1596292" cy="404614"/>
+          </a:xfrm>
+        </p:spPr>
+        <p:txBody>
+          <a:bodyPr/>
+          <a:lstStyle>
+            <a:lvl1pPr>
+              <a:defRPr>
+                <a:solidFill>
+                  <a:schemeClr val="tx2"/>
+                </a:solidFill>
+              </a:defRPr>
+            </a:lvl1pPr>
+          </a:lstStyle>
+          <a:p>
+            <a:pPr rtl="0"/>
+            <a:fld id="{3A98EE3D-8CD1-4C3F-BD1C-C98C9596463C}" type="slidenum">
+              <a:rPr lang="ru-RU" noProof="0" smtClean="0"/>
+              <a:t>‹#›</a:t>
+            </a:fld>
+            <a:endParaRPr lang="ru-RU" noProof="0" dirty="0"/>
+          </a:p>
+        </p:txBody>
+      </p:sp>
+      <p:sp>
+        <p:nvSpPr>
+          <p:cNvPr id="7" name="Freeform 6" title="Crop Mark"/>
+          <p:cNvSpPr/>
+          <p:nvPr/>
+        </p:nvSpPr>
+        <p:spPr bwMode="auto">
+          <a:xfrm>
+            <a:off x="8151962" y="1685652"/>
+            <a:ext cx="3275013" cy="4408488"/>
+          </a:xfrm>
+          <a:custGeom>
+            <a:avLst/>
+            <a:gdLst/>
+            <a:ahLst/>
+            <a:cxnLst/>
+            <a:rect l="0" t="0" r="r" b="b"/>
+            <a:pathLst>
+              <a:path w="4125" h="5554">
+                <a:moveTo>
+                  <a:pt x="3614" y="0"/>
+                </a:moveTo>
+                <a:lnTo>
+                  <a:pt x="4125" y="0"/>
+                </a:lnTo>
+                <a:lnTo>
+                  <a:pt x="4125" y="5554"/>
+                </a:lnTo>
+                <a:lnTo>
+                  <a:pt x="0" y="5554"/>
+                </a:lnTo>
+                <a:lnTo>
+                  <a:pt x="0" y="5074"/>
+                </a:lnTo>
+                <a:lnTo>
+                  <a:pt x="3614" y="5074"/>
+                </a:lnTo>
+                <a:lnTo>
+                  <a:pt x="3614" y="0"/>
+                </a:lnTo>
+                <a:close/>
+              </a:path>
+            </a:pathLst>
+          </a:custGeom>
+          <a:solidFill>
+            <a:schemeClr val="tx2"/>
+          </a:solidFill>
+          <a:ln w="0">
+            <a:noFill/>
+            <a:prstDash val="solid"/>
+            <a:round/>
+            <a:headEnd/>
+            <a:tailEnd/>
+          </a:ln>
+        </p:spPr>
+      </p:sp>
+      <p:sp>
+        <p:nvSpPr>
+          <p:cNvPr id="8" name="Овал 7">
+            <a:extLst>
+              <a:ext uri="{FF2B5EF4-FFF2-40B4-BE49-F238E27FC236}">
+                <a16:creationId xmlns:a16="http://schemas.microsoft.com/office/drawing/2014/main" id="{5D893BD7-037B-F94B-AB2E-64604E924EE6}"/>
+              </a:ext>
+            </a:extLst>
+          </p:cNvPr>
+          <p:cNvSpPr/>
+          <p:nvPr userDrawn="1"/>
+        </p:nvSpPr>
+        <p:spPr>
+          <a:xfrm>
+            <a:off x="10429390" y="360726"/>
+            <a:ext cx="1035859" cy="1035859"/>
+          </a:xfrm>
+          <a:prstGeom prst="ellipse">
+            <a:avLst/>
+          </a:prstGeom>
+          <a:noFill/>
+          <a:ln w="38100">
+            <a:solidFill>
+              <a:schemeClr val="accent3"/>
+            </a:solidFill>
+            <a:prstDash val="dash"/>
+          </a:ln>
+        </p:spPr>
+        <p:style>
+          <a:lnRef idx="2">
+            <a:schemeClr val="accent1">
+              <a:shade val="50000"/>
+            </a:schemeClr>
+          </a:lnRef>
+          <a:fillRef idx="1">
+            <a:schemeClr val="accent1"/>
+          </a:fillRef>
+          <a:effectRef idx="0">
+            <a:schemeClr val="accent1"/>
+          </a:effectRef>
+          <a:fontRef idx="minor">
+            <a:schemeClr val="lt1"/>
+          </a:fontRef>
+        </p:style>
+        <p:txBody>
+          <a:bodyPr rtlCol="0" anchor="ctr"/>
+          <a:lstStyle/>
+          <a:p>
+            <a:pPr algn="ctr" rtl="0"/>
+            <a:endParaRPr lang="ru-RU" noProof="0" dirty="0"/>
+          </a:p>
+        </p:txBody>
+      </p:sp>
+      <p:sp>
+        <p:nvSpPr>
+          <p:cNvPr id="9" name="Овал 8">
+            <a:extLst>
+              <a:ext uri="{FF2B5EF4-FFF2-40B4-BE49-F238E27FC236}">
+                <a16:creationId xmlns:a16="http://schemas.microsoft.com/office/drawing/2014/main" id="{82890A5E-E768-9944-B4E6-636EA1CEA5A8}"/>
+              </a:ext>
+            </a:extLst>
+          </p:cNvPr>
+          <p:cNvSpPr/>
+          <p:nvPr userDrawn="1"/>
+        </p:nvSpPr>
+        <p:spPr>
+          <a:xfrm>
+            <a:off x="10337662" y="4398630"/>
+            <a:ext cx="1700492" cy="1700492"/>
+          </a:xfrm>
+          <a:prstGeom prst="ellipse">
+            <a:avLst/>
+          </a:prstGeom>
+          <a:noFill/>
+          <a:ln w="38100">
+            <a:solidFill>
+              <a:schemeClr val="accent1"/>
+            </a:solidFill>
+          </a:ln>
+        </p:spPr>
+        <p:style>
+          <a:lnRef idx="2">
+            <a:schemeClr val="accent1">
+              <a:shade val="50000"/>
+            </a:schemeClr>
+          </a:lnRef>
+          <a:fillRef idx="1">
+            <a:schemeClr val="accent1"/>
+          </a:fillRef>
+          <a:effectRef idx="0">
+            <a:schemeClr val="accent1"/>
+          </a:effectRef>
+          <a:fontRef idx="minor">
+            <a:schemeClr val="lt1"/>
+          </a:fontRef>
+        </p:style>
+        <p:txBody>
+          <a:bodyPr rtlCol="0" anchor="ctr"/>
+          <a:lstStyle/>
+          <a:p>
+            <a:pPr algn="ctr" rtl="0"/>
+            <a:endParaRPr lang="ru-RU" noProof="0" dirty="0"/>
+          </a:p>
+        </p:txBody>
+      </p:sp>
+      <p:sp>
+        <p:nvSpPr>
+          <p:cNvPr id="10" name="Овал 9">
+            <a:extLst>
+              <a:ext uri="{FF2B5EF4-FFF2-40B4-BE49-F238E27FC236}">
+                <a16:creationId xmlns:a16="http://schemas.microsoft.com/office/drawing/2014/main" id="{4A18B61A-7680-314C-BF0D-0466C1981330}"/>
+              </a:ext>
+            </a:extLst>
+          </p:cNvPr>
+          <p:cNvSpPr/>
+          <p:nvPr userDrawn="1"/>
+        </p:nvSpPr>
+        <p:spPr>
+          <a:xfrm>
+            <a:off x="11634902" y="2565781"/>
+            <a:ext cx="283407" cy="283407"/>
+          </a:xfrm>
+          <a:prstGeom prst="ellipse">
+            <a:avLst/>
+          </a:prstGeom>
+          <a:solidFill>
+            <a:schemeClr val="accent2"/>
+          </a:solidFill>
+          <a:ln w="38100">
+            <a:noFill/>
+          </a:ln>
+        </p:spPr>
+        <p:style>
+          <a:lnRef idx="2">
+            <a:schemeClr val="accent1">
+              <a:shade val="50000"/>
+            </a:schemeClr>
+          </a:lnRef>
+          <a:fillRef idx="1">
+            <a:schemeClr val="accent1"/>
+          </a:fillRef>
+          <a:effectRef idx="0">
+            <a:schemeClr val="accent1"/>
+          </a:effectRef>
+          <a:fontRef idx="minor">
+            <a:schemeClr val="lt1"/>
+          </a:fontRef>
+        </p:style>
+        <p:txBody>
+          <a:bodyPr rtlCol="0" anchor="ctr"/>
+          <a:lstStyle/>
+          <a:p>
+            <a:pPr algn="ctr" rtl="0"/>
+            <a:endParaRPr lang="ru-RU" noProof="0" dirty="0"/>
+          </a:p>
+        </p:txBody>
+      </p:sp>
+      <p:sp>
+        <p:nvSpPr>
+          <p:cNvPr id="11" name="Овал 10">
+            <a:extLst>
+              <a:ext uri="{FF2B5EF4-FFF2-40B4-BE49-F238E27FC236}">
+                <a16:creationId xmlns:a16="http://schemas.microsoft.com/office/drawing/2014/main" id="{81C0855C-ECA0-7F4E-B74C-0703AA224FD3}"/>
+              </a:ext>
+            </a:extLst>
+          </p:cNvPr>
+          <p:cNvSpPr/>
+          <p:nvPr userDrawn="1"/>
+        </p:nvSpPr>
+        <p:spPr>
+          <a:xfrm>
+            <a:off x="458087" y="5430446"/>
+            <a:ext cx="99011" cy="99011"/>
+          </a:xfrm>
+          <a:prstGeom prst="ellipse">
+            <a:avLst/>
+          </a:prstGeom>
+          <a:solidFill>
+            <a:schemeClr val="accent4"/>
+          </a:solidFill>
+          <a:ln w="38100">
+            <a:noFill/>
+          </a:ln>
+        </p:spPr>
+        <p:style>
+          <a:lnRef idx="2">
+            <a:schemeClr val="accent1">
+              <a:shade val="50000"/>
+            </a:schemeClr>
+          </a:lnRef>
+          <a:fillRef idx="1">
+            <a:schemeClr val="accent1"/>
+          </a:fillRef>
+          <a:effectRef idx="0">
+            <a:schemeClr val="accent1"/>
+          </a:effectRef>
+          <a:fontRef idx="minor">
+            <a:schemeClr val="lt1"/>
+          </a:fontRef>
+        </p:style>
+        <p:txBody>
+          <a:bodyPr rtlCol="0" anchor="ctr"/>
+          <a:lstStyle/>
+          <a:p>
+            <a:pPr algn="ctr" rtl="0"/>
+            <a:endParaRPr lang="ru-RU" noProof="0" dirty="0"/>
+          </a:p>
+        </p:txBody>
+      </p:sp>
+      <p:sp>
+        <p:nvSpPr>
+          <p:cNvPr id="12" name="Овал 11">
+            <a:extLst>
+              <a:ext uri="{FF2B5EF4-FFF2-40B4-BE49-F238E27FC236}">
+                <a16:creationId xmlns:a16="http://schemas.microsoft.com/office/drawing/2014/main" id="{9E4A1B28-56F6-514F-961A-DF0677911D71}"/>
+              </a:ext>
+            </a:extLst>
+          </p:cNvPr>
+          <p:cNvSpPr/>
+          <p:nvPr userDrawn="1"/>
+        </p:nvSpPr>
+        <p:spPr>
+          <a:xfrm>
+            <a:off x="6135" y="0"/>
+            <a:ext cx="1700492" cy="1700492"/>
+          </a:xfrm>
+          <a:prstGeom prst="ellipse">
+            <a:avLst/>
+          </a:prstGeom>
+          <a:noFill/>
+          <a:ln w="38100">
+            <a:solidFill>
+              <a:schemeClr val="accent5"/>
+            </a:solidFill>
+            <a:prstDash val="dash"/>
+          </a:ln>
+        </p:spPr>
+        <p:style>
+          <a:lnRef idx="2">
+            <a:schemeClr val="accent1">
+              <a:shade val="50000"/>
+            </a:schemeClr>
+          </a:lnRef>
+          <a:fillRef idx="1">
+            <a:schemeClr val="accent1"/>
+          </a:fillRef>
+          <a:effectRef idx="0">
+            <a:schemeClr val="accent1"/>
+          </a:effectRef>
+          <a:fontRef idx="minor">
+            <a:schemeClr val="lt1"/>
+          </a:fontRef>
+        </p:style>
+        <p:txBody>
+          <a:bodyPr rtlCol="0" anchor="ctr"/>
+          <a:lstStyle/>
+          <a:p>
+            <a:pPr algn="ctr" rtl="0"/>
+            <a:endParaRPr lang="ru-RU" noProof="0" dirty="0"/>
+          </a:p>
+        </p:txBody>
+      </p:sp>
+      <p:grpSp>
+        <p:nvGrpSpPr>
+          <p:cNvPr id="13" name="Группа 12">
+            <a:extLst>
+              <a:ext uri="{FF2B5EF4-FFF2-40B4-BE49-F238E27FC236}">
+                <a16:creationId xmlns:a16="http://schemas.microsoft.com/office/drawing/2014/main" id="{67402538-9584-4F4B-8366-838B4E6866C0}"/>
+              </a:ext>
+            </a:extLst>
+          </p:cNvPr>
+          <p:cNvGrpSpPr/>
+          <p:nvPr userDrawn="1"/>
+        </p:nvGrpSpPr>
+        <p:grpSpPr>
+          <a:xfrm>
+            <a:off x="495300" y="0"/>
+            <a:ext cx="11201400" cy="6880860"/>
+            <a:chOff x="495300" y="0"/>
+            <a:chExt cx="11201400" cy="6880860"/>
+          </a:xfrm>
+        </p:grpSpPr>
+        <p:sp>
+          <p:nvSpPr>
+            <p:cNvPr id="14" name="Полилиния 13">
+              <a:extLst>
+                <a:ext uri="{FF2B5EF4-FFF2-40B4-BE49-F238E27FC236}">
+                  <a16:creationId xmlns:a16="http://schemas.microsoft.com/office/drawing/2014/main" id="{D937AA68-856A-BD4D-84C2-64B9A49874CA}"/>
+                </a:ext>
+              </a:extLst>
+            </p:cNvPr>
+            <p:cNvSpPr/>
+            <p:nvPr userDrawn="1"/>
+          </p:nvSpPr>
+          <p:spPr>
+            <a:xfrm>
+              <a:off x="495300" y="0"/>
+              <a:ext cx="1337265" cy="6880860"/>
+            </a:xfrm>
+            <a:custGeom>
+              <a:avLst/>
+              <a:gdLst>
+                <a:gd name="connsiteX0" fmla="*/ 1173967 w 1337265"/>
+                <a:gd name="connsiteY0" fmla="*/ 0 h 6880860"/>
+                <a:gd name="connsiteX1" fmla="*/ 1319300 w 1337265"/>
+                <a:gd name="connsiteY1" fmla="*/ 0 h 6880860"/>
+                <a:gd name="connsiteX2" fmla="*/ 1204253 w 1337265"/>
+                <a:gd name="connsiteY2" fmla="*/ 146399 h 6880860"/>
+                <a:gd name="connsiteX3" fmla="*/ 114300 w 1337265"/>
+                <a:gd name="connsiteY3" fmla="*/ 3429000 h 6880860"/>
+                <a:gd name="connsiteX4" fmla="*/ 1204253 w 1337265"/>
+                <a:gd name="connsiteY4" fmla="*/ 6711601 h 6880860"/>
+                <a:gd name="connsiteX5" fmla="*/ 1337265 w 1337265"/>
+                <a:gd name="connsiteY5" fmla="*/ 6880860 h 6880860"/>
+                <a:gd name="connsiteX6" fmla="*/ 1191931 w 1337265"/>
+                <a:gd name="connsiteY6" fmla="*/ 6880860 h 6880860"/>
+                <a:gd name="connsiteX7" fmla="*/ 1112661 w 1337265"/>
+                <a:gd name="connsiteY7" fmla="*/ 6779988 h 6880860"/>
+                <a:gd name="connsiteX8" fmla="*/ 0 w 1337265"/>
+                <a:gd name="connsiteY8" fmla="*/ 3429000 h 6880860"/>
+                <a:gd name="connsiteX9" fmla="*/ 1112661 w 1337265"/>
+                <a:gd name="connsiteY9" fmla="*/ 78012 h 6880860"/>
+                <a:gd name="connsiteX10" fmla="*/ 1173967 w 1337265"/>
+                <a:gd name="connsiteY10" fmla="*/ 0 h 6880860"/>
+              </a:gdLst>
+              <a:ahLst/>
+              <a:cxnLst>
+                <a:cxn ang="0">
+                  <a:pos x="connsiteX0" y="connsiteY0"/>
+                </a:cxn>
+                <a:cxn ang="0">
+                  <a:pos x="connsiteX1" y="connsiteY1"/>
+                </a:cxn>
+                <a:cxn ang="0">
+                  <a:pos x="connsiteX2" y="connsiteY2"/>
+                </a:cxn>
+                <a:cxn ang="0">
+                  <a:pos x="connsiteX3" y="connsiteY3"/>
+                </a:cxn>
+                <a:cxn ang="0">
+                  <a:pos x="connsiteX4" y="connsiteY4"/>
+                </a:cxn>
+                <a:cxn ang="0">
+                  <a:pos x="connsiteX5" y="connsiteY5"/>
+                </a:cxn>
+                <a:cxn ang="0">
+                  <a:pos x="connsiteX6" y="connsiteY6"/>
+                </a:cxn>
+                <a:cxn ang="0">
+                  <a:pos x="connsiteX7" y="connsiteY7"/>
+                </a:cxn>
+                <a:cxn ang="0">
+                  <a:pos x="connsiteX8" y="connsiteY8"/>
+                </a:cxn>
+                <a:cxn ang="0">
+                  <a:pos x="connsiteX9" y="connsiteY9"/>
+                </a:cxn>
+                <a:cxn ang="0">
+                  <a:pos x="connsiteX10" y="connsiteY10"/>
+                </a:cxn>
+              </a:cxnLst>
+              <a:rect l="l" t="t" r="r" b="b"/>
+              <a:pathLst>
+                <a:path w="1337265" h="6880860">
+                  <a:moveTo>
+                    <a:pt x="1173967" y="0"/>
+                  </a:moveTo>
+                  <a:lnTo>
+                    <a:pt x="1319300" y="0"/>
+                  </a:lnTo>
+                  <a:lnTo>
+                    <a:pt x="1204253" y="146399"/>
+                  </a:lnTo>
+                  <a:cubicBezTo>
+                    <a:pt x="519693" y="1061765"/>
+                    <a:pt x="114300" y="2198040"/>
+                    <a:pt x="114300" y="3429000"/>
+                  </a:cubicBezTo>
+                  <a:cubicBezTo>
+                    <a:pt x="114300" y="4659960"/>
+                    <a:pt x="519693" y="5796235"/>
+                    <a:pt x="1204253" y="6711601"/>
+                  </a:cubicBezTo>
+                  <a:lnTo>
+                    <a:pt x="1337265" y="6880860"/>
+                  </a:lnTo>
+                  <a:lnTo>
+                    <a:pt x="1191931" y="6880860"/>
+                  </a:lnTo>
+                  <a:lnTo>
+                    <a:pt x="1112661" y="6779988"/>
+                  </a:lnTo>
+                  <a:cubicBezTo>
+                    <a:pt x="413839" y="5845552"/>
+                    <a:pt x="0" y="4685605"/>
+                    <a:pt x="0" y="3429000"/>
+                  </a:cubicBezTo>
+                  <a:cubicBezTo>
+                    <a:pt x="0" y="2172395"/>
+                    <a:pt x="413839" y="1012448"/>
+                    <a:pt x="1112661" y="78012"/>
+                  </a:cubicBezTo>
+                  <a:lnTo>
+                    <a:pt x="1173967" y="0"/>
+                  </a:lnTo>
+                  <a:close/>
+                </a:path>
+              </a:pathLst>
+            </a:custGeom>
+            <a:solidFill>
+              <a:schemeClr val="accent6"/>
+            </a:solidFill>
+            <a:ln>
+              <a:noFill/>
+            </a:ln>
+          </p:spPr>
+          <p:style>
+            <a:lnRef idx="2">
+              <a:schemeClr val="accent1">
+                <a:shade val="50000"/>
+              </a:schemeClr>
+            </a:lnRef>
+            <a:fillRef idx="1">
+              <a:schemeClr val="accent1"/>
+            </a:fillRef>
+            <a:effectRef idx="0">
+              <a:schemeClr val="accent1"/>
+            </a:effectRef>
+            <a:fontRef idx="minor">
+              <a:schemeClr val="lt1"/>
+            </a:fontRef>
+          </p:style>
+          <p:txBody>
+            <a:bodyPr rtlCol="0" anchor="ctr"/>
+            <a:lstStyle/>
+            <a:p>
+              <a:pPr algn="ctr" rtl="0"/>
+              <a:endParaRPr lang="ru-RU" noProof="0" dirty="0"/>
+            </a:p>
+          </p:txBody>
+        </p:sp>
+        <p:sp>
+          <p:nvSpPr>
+            <p:cNvPr id="15" name="Полилиния 14">
+              <a:extLst>
+                <a:ext uri="{FF2B5EF4-FFF2-40B4-BE49-F238E27FC236}">
+                  <a16:creationId xmlns:a16="http://schemas.microsoft.com/office/drawing/2014/main" id="{97B9FD8A-7E40-4043-8359-E475C51676BD}"/>
+                </a:ext>
+              </a:extLst>
+            </p:cNvPr>
+            <p:cNvSpPr/>
+            <p:nvPr userDrawn="1"/>
+          </p:nvSpPr>
+          <p:spPr>
+            <a:xfrm>
+              <a:off x="10359435" y="0"/>
+              <a:ext cx="1337265" cy="6880860"/>
+            </a:xfrm>
+            <a:custGeom>
+              <a:avLst/>
+              <a:gdLst>
+                <a:gd name="connsiteX0" fmla="*/ 17965 w 1337265"/>
+                <a:gd name="connsiteY0" fmla="*/ 0 h 6880860"/>
+                <a:gd name="connsiteX1" fmla="*/ 163299 w 1337265"/>
+                <a:gd name="connsiteY1" fmla="*/ 0 h 6880860"/>
+                <a:gd name="connsiteX2" fmla="*/ 224604 w 1337265"/>
+                <a:gd name="connsiteY2" fmla="*/ 78012 h 6880860"/>
+                <a:gd name="connsiteX3" fmla="*/ 1337265 w 1337265"/>
+                <a:gd name="connsiteY3" fmla="*/ 3429000 h 6880860"/>
+                <a:gd name="connsiteX4" fmla="*/ 224604 w 1337265"/>
+                <a:gd name="connsiteY4" fmla="*/ 6779988 h 6880860"/>
+                <a:gd name="connsiteX5" fmla="*/ 145334 w 1337265"/>
+                <a:gd name="connsiteY5" fmla="*/ 6880860 h 6880860"/>
+                <a:gd name="connsiteX6" fmla="*/ 0 w 1337265"/>
+                <a:gd name="connsiteY6" fmla="*/ 6880860 h 6880860"/>
+                <a:gd name="connsiteX7" fmla="*/ 133012 w 1337265"/>
+                <a:gd name="connsiteY7" fmla="*/ 6711601 h 6880860"/>
+                <a:gd name="connsiteX8" fmla="*/ 1222965 w 1337265"/>
+                <a:gd name="connsiteY8" fmla="*/ 3429000 h 6880860"/>
+                <a:gd name="connsiteX9" fmla="*/ 133012 w 1337265"/>
+                <a:gd name="connsiteY9" fmla="*/ 146399 h 6880860"/>
+                <a:gd name="connsiteX10" fmla="*/ 17965 w 1337265"/>
+                <a:gd name="connsiteY10" fmla="*/ 0 h 6880860"/>
+              </a:gdLst>
+              <a:ahLst/>
+              <a:cxnLst>
+                <a:cxn ang="0">
+                  <a:pos x="connsiteX0" y="connsiteY0"/>
+                </a:cxn>
+                <a:cxn ang="0">
+                  <a:pos x="connsiteX1" y="connsiteY1"/>
+                </a:cxn>
+                <a:cxn ang="0">
+                  <a:pos x="connsiteX2" y="connsiteY2"/>
+                </a:cxn>
+                <a:cxn ang="0">
+                  <a:pos x="connsiteX3" y="connsiteY3"/>
+                </a:cxn>
+                <a:cxn ang="0">
+                  <a:pos x="connsiteX4" y="connsiteY4"/>
+                </a:cxn>
+                <a:cxn ang="0">
+                  <a:pos x="connsiteX5" y="connsiteY5"/>
+                </a:cxn>
+                <a:cxn ang="0">
+                  <a:pos x="connsiteX6" y="connsiteY6"/>
+                </a:cxn>
+                <a:cxn ang="0">
+                  <a:pos x="connsiteX7" y="connsiteY7"/>
+                </a:cxn>
+                <a:cxn ang="0">
+                  <a:pos x="connsiteX8" y="connsiteY8"/>
+                </a:cxn>
+                <a:cxn ang="0">
+                  <a:pos x="connsiteX9" y="connsiteY9"/>
+                </a:cxn>
+                <a:cxn ang="0">
+                  <a:pos x="connsiteX10" y="connsiteY10"/>
+                </a:cxn>
+              </a:cxnLst>
+              <a:rect l="l" t="t" r="r" b="b"/>
+              <a:pathLst>
+                <a:path w="1337265" h="6880860">
+                  <a:moveTo>
+                    <a:pt x="17965" y="0"/>
+                  </a:moveTo>
+                  <a:lnTo>
+                    <a:pt x="163299" y="0"/>
+                  </a:lnTo>
+                  <a:lnTo>
+                    <a:pt x="224604" y="78012"/>
+                  </a:lnTo>
+                  <a:cubicBezTo>
+                    <a:pt x="923426" y="1012448"/>
+                    <a:pt x="1337265" y="2172395"/>
+                    <a:pt x="1337265" y="3429000"/>
+                  </a:cubicBezTo>
+                  <a:cubicBezTo>
+                    <a:pt x="1337265" y="4685605"/>
+                    <a:pt x="923426" y="5845552"/>
+                    <a:pt x="224604" y="6779988"/>
+                  </a:cubicBezTo>
+                  <a:lnTo>
+                    <a:pt x="145334" y="6880860"/>
+                  </a:lnTo>
+                  <a:lnTo>
+                    <a:pt x="0" y="6880860"/>
+                  </a:lnTo>
+                  <a:lnTo>
+                    <a:pt x="133012" y="6711601"/>
+                  </a:lnTo>
+                  <a:cubicBezTo>
+                    <a:pt x="817572" y="5796235"/>
+                    <a:pt x="1222965" y="4659960"/>
+                    <a:pt x="1222965" y="3429000"/>
+                  </a:cubicBezTo>
+                  <a:cubicBezTo>
+                    <a:pt x="1222965" y="2198040"/>
+                    <a:pt x="817572" y="1061765"/>
+                    <a:pt x="133012" y="146399"/>
+                  </a:cubicBezTo>
+                  <a:lnTo>
+                    <a:pt x="17965" y="0"/>
+                  </a:lnTo>
+                  <a:close/>
+                </a:path>
+              </a:pathLst>
+            </a:custGeom>
+            <a:solidFill>
+              <a:schemeClr val="accent6"/>
+            </a:solidFill>
+            <a:ln>
+              <a:noFill/>
+            </a:ln>
+          </p:spPr>
+          <p:style>
+            <a:lnRef idx="2">
+              <a:schemeClr val="accent1">
+                <a:shade val="50000"/>
+              </a:schemeClr>
+            </a:lnRef>
+            <a:fillRef idx="1">
+              <a:schemeClr val="accent1"/>
+            </a:fillRef>
+            <a:effectRef idx="0">
+              <a:schemeClr val="accent1"/>
+            </a:effectRef>
+            <a:fontRef idx="minor">
+              <a:schemeClr val="lt1"/>
+            </a:fontRef>
+          </p:style>
+          <p:txBody>
+            <a:bodyPr rtlCol="0" anchor="ctr"/>
+            <a:lstStyle/>
+            <a:p>
+              <a:pPr algn="ctr" rtl="0"/>
+              <a:endParaRPr lang="ru-RU" noProof="0" dirty="0"/>
+            </a:p>
+          </p:txBody>
+        </p:sp>
+      </p:grpSp>
+    </p:spTree>
+    <p:extLst>
+      <p:ext uri="{BB962C8B-B14F-4D97-AF65-F5344CB8AC3E}">
+        <p14:creationId xmlns:p14="http://schemas.microsoft.com/office/powerpoint/2010/main" val="3530783541"/>
+      </p:ext>
+    </p:extLst>
+  </p:cSld>
+  <p:clrMapOvr>
+    <a:overrideClrMapping bg1="dk1" tx1="lt1" bg2="dk2" tx2="lt2" accent1="accent1" accent2="accent2" accent3="accent3" accent4="accent4" accent5="accent5" accent6="accent6" hlink="hlink" folHlink="folHlink"/>
+  </p:clrMapOvr>
+</p:sldLayout>
+</file>
+
+<file path=ppt/slideLayouts/slideLayout4.xml><?xml version="1.0" encoding="utf-8"?>
+<p:sldLayout xmlns:a="http://schemas.openxmlformats.org/drawingml/2006/main" xmlns:r="http://schemas.openxmlformats.org/officeDocument/2006/relationships" xmlns:p="http://schemas.openxmlformats.org/presentationml/2006/main" type="twoObj" preserve="1">
+  <p:cSld name="Два объекта">
+    <p:spTree>
+      <p:nvGrpSpPr>
+        <p:cNvPr id="1" name=""/>
+        <p:cNvGrpSpPr/>
+        <p:nvPr/>
+      </p:nvGrpSpPr>
+      <p:grpSpPr>
+        <a:xfrm>
+          <a:off x="0" y="0"/>
+          <a:ext cx="0" cy="0"/>
+          <a:chOff x="0" y="0"/>
+          <a:chExt cx="0" cy="0"/>
+        </a:xfrm>
+      </p:grpSpPr>
+      <p:sp>
+        <p:nvSpPr>
+          <p:cNvPr id="2" name="Title 1"/>
+          <p:cNvSpPr>
+            <a:spLocks noGrp="1"/>
+          </p:cNvSpPr>
+          <p:nvPr>
+            <p:ph type="title"/>
+          </p:nvPr>
+        </p:nvSpPr>
+        <p:spPr/>
+        <p:txBody>
+          <a:bodyPr/>
+          <a:lstStyle>
+            <a:lvl1pPr>
+              <a:defRPr>
+                <a:solidFill>
+                  <a:schemeClr val="tx2"/>
+                </a:solidFill>
+              </a:defRPr>
+            </a:lvl1pPr>
+          </a:lstStyle>
+          <a:p>
+            <a:r>
+              <a:rPr lang="ru-RU"/>
+              <a:t>Образец заголовка</a:t>
+            </a:r>
+            <a:endParaRPr lang="en-US" dirty="0"/>
+          </a:p>
+        </p:txBody>
+      </p:sp>
+      <p:sp>
+        <p:nvSpPr>
+          <p:cNvPr id="3" name="Content Placeholder 2"/>
+          <p:cNvSpPr>
+            <a:spLocks noGrp="1"/>
+          </p:cNvSpPr>
+          <p:nvPr>
+            <p:ph sz="half" idx="1"/>
+          </p:nvPr>
+        </p:nvSpPr>
+        <p:spPr>
+          <a:xfrm>
+            <a:off x="1371600" y="2285999"/>
+            <a:ext cx="4447786" cy="3581401"/>
+          </a:xfrm>
+        </p:spPr>
+        <p:txBody>
+          <a:bodyPr/>
+          <a:lstStyle>
+            <a:lvl1pPr>
+              <a:defRPr baseline="0">
+                <a:solidFill>
+                  <a:schemeClr val="tx2"/>
+                </a:solidFill>
+              </a:defRPr>
+            </a:lvl1pPr>
+            <a:lvl2pPr>
+              <a:defRPr baseline="0">
+                <a:solidFill>
+                  <a:schemeClr val="tx2"/>
+                </a:solidFill>
+              </a:defRPr>
+            </a:lvl2pPr>
+            <a:lvl3pPr>
+              <a:defRPr baseline="0">
+                <a:solidFill>
+                  <a:schemeClr val="tx2"/>
+                </a:solidFill>
+              </a:defRPr>
+            </a:lvl3pPr>
+            <a:lvl4pPr>
+              <a:defRPr baseline="0">
+                <a:solidFill>
+                  <a:schemeClr val="tx2"/>
+                </a:solidFill>
+              </a:defRPr>
+            </a:lvl4pPr>
+            <a:lvl5pPr>
+              <a:defRPr baseline="0">
+                <a:solidFill>
+                  <a:schemeClr val="tx2"/>
+                </a:solidFill>
+              </a:defRPr>
+            </a:lvl5pPr>
+          </a:lstStyle>
+          <a:p>
+            <a:pPr lvl="0"/>
+            <a:r>
+              <a:rPr lang="ru-RU"/>
+              <a:t>Образец текста</a:t>
+            </a:r>
+          </a:p>
+          <a:p>
+            <a:pPr lvl="1"/>
+            <a:r>
+              <a:rPr lang="ru-RU"/>
+              <a:t>Второй уровень</a:t>
+            </a:r>
+          </a:p>
+          <a:p>
+            <a:pPr lvl="2"/>
+            <a:r>
+              <a:rPr lang="ru-RU"/>
+              <a:t>Третий уровень</a:t>
+            </a:r>
+          </a:p>
+          <a:p>
+            <a:pPr lvl="3"/>
+            <a:r>
+              <a:rPr lang="ru-RU"/>
+              <a:t>Четвертый уровень</a:t>
+            </a:r>
+          </a:p>
+          <a:p>
+            <a:pPr lvl="4"/>
+            <a:r>
+              <a:rPr lang="ru-RU"/>
+              <a:t>Пятый уровень</a:t>
+            </a:r>
+            <a:endParaRPr lang="en-US" dirty="0"/>
+          </a:p>
+        </p:txBody>
+      </p:sp>
+      <p:sp>
+        <p:nvSpPr>
+          <p:cNvPr id="4" name="Content Placeholder 3"/>
+          <p:cNvSpPr>
+            <a:spLocks noGrp="1"/>
+          </p:cNvSpPr>
+          <p:nvPr>
+            <p:ph sz="half" idx="2"/>
+          </p:nvPr>
+        </p:nvSpPr>
+        <p:spPr>
+          <a:xfrm>
+            <a:off x="6525403" y="2285999"/>
+            <a:ext cx="4447786" cy="3581401"/>
+          </a:xfrm>
+        </p:spPr>
+        <p:txBody>
+          <a:bodyPr/>
+          <a:lstStyle>
+            <a:lvl1pPr>
+              <a:defRPr>
+                <a:solidFill>
+                  <a:schemeClr val="tx2"/>
+                </a:solidFill>
+              </a:defRPr>
+            </a:lvl1pPr>
+            <a:lvl2pPr>
+              <a:defRPr>
+                <a:solidFill>
+                  <a:schemeClr val="tx2"/>
+                </a:solidFill>
+              </a:defRPr>
+            </a:lvl2pPr>
+            <a:lvl3pPr>
+              <a:defRPr>
+                <a:solidFill>
+                  <a:schemeClr val="tx2"/>
+                </a:solidFill>
+              </a:defRPr>
+            </a:lvl3pPr>
+            <a:lvl4pPr>
+              <a:defRPr>
+                <a:solidFill>
+                  <a:schemeClr val="tx2"/>
+                </a:solidFill>
+              </a:defRPr>
+            </a:lvl4pPr>
+            <a:lvl5pPr>
+              <a:defRPr>
+                <a:solidFill>
+                  <a:schemeClr val="tx2"/>
+                </a:solidFill>
+              </a:defRPr>
+            </a:lvl5pPr>
+          </a:lstStyle>
+          <a:p>
+            <a:pPr lvl="0"/>
+            <a:r>
+              <a:rPr lang="ru-RU"/>
+              <a:t>Образец текста</a:t>
+            </a:r>
+          </a:p>
+          <a:p>
+            <a:pPr lvl="1"/>
+            <a:r>
+              <a:rPr lang="ru-RU"/>
+              <a:t>Второй уровень</a:t>
+            </a:r>
+          </a:p>
+          <a:p>
+            <a:pPr lvl="2"/>
+            <a:r>
+              <a:rPr lang="ru-RU"/>
+              <a:t>Третий уровень</a:t>
+            </a:r>
+          </a:p>
+          <a:p>
+            <a:pPr lvl="3"/>
+            <a:r>
+              <a:rPr lang="ru-RU"/>
+              <a:t>Четвертый уровень</a:t>
+            </a:r>
+          </a:p>
+          <a:p>
+            <a:pPr lvl="4"/>
+            <a:r>
+              <a:rPr lang="ru-RU"/>
+              <a:t>Пятый уровень</a:t>
+            </a:r>
+            <a:endParaRPr lang="en-US" dirty="0"/>
+          </a:p>
+        </p:txBody>
+      </p:sp>
+      <p:sp>
+        <p:nvSpPr>
+          <p:cNvPr id="5" name="Date Placeholder 4"/>
+          <p:cNvSpPr>
+            <a:spLocks noGrp="1"/>
+          </p:cNvSpPr>
+          <p:nvPr>
+            <p:ph type="dt" sz="half" idx="10"/>
+          </p:nvPr>
+        </p:nvSpPr>
+        <p:spPr/>
+        <p:txBody>
+          <a:bodyPr/>
+          <a:lstStyle/>
+          <a:p>
+            <a:pPr rtl="0"/>
+            <a:fld id="{17A79461-147E-4321-BCEB-239C620C895A}" type="datetime1">
+              <a:rPr lang="ru-RU" noProof="0" smtClean="0"/>
+              <a:t>27.02.2021</a:t>
+            </a:fld>
+            <a:endParaRPr lang="ru-RU" noProof="0" dirty="0"/>
+          </a:p>
+        </p:txBody>
+      </p:sp>
+      <p:sp>
+        <p:nvSpPr>
+          <p:cNvPr id="6" name="Footer Placeholder 5"/>
+          <p:cNvSpPr>
+            <a:spLocks noGrp="1"/>
+          </p:cNvSpPr>
+          <p:nvPr>
+            <p:ph type="ftr" sz="quarter" idx="11"/>
+          </p:nvPr>
+        </p:nvSpPr>
+        <p:spPr/>
+        <p:txBody>
+          <a:bodyPr/>
+          <a:lstStyle/>
+          <a:p>
+            <a:pPr rtl="0"/>
+            <a:endParaRPr lang="ru-RU" noProof="0" dirty="0"/>
+          </a:p>
+        </p:txBody>
+      </p:sp>
+      <p:sp>
+        <p:nvSpPr>
+          <p:cNvPr id="7" name="Slide Number Placeholder 6"/>
+          <p:cNvSpPr>
+            <a:spLocks noGrp="1"/>
+          </p:cNvSpPr>
+          <p:nvPr>
+            <p:ph type="sldNum" sz="quarter" idx="12"/>
+          </p:nvPr>
+        </p:nvSpPr>
+        <p:spPr/>
+        <p:txBody>
+          <a:bodyPr/>
+          <a:lstStyle/>
+          <a:p>
+            <a:pPr rtl="0"/>
+            <a:fld id="{3A98EE3D-8CD1-4C3F-BD1C-C98C9596463C}" type="slidenum">
+              <a:rPr lang="ru-RU" noProof="0" smtClean="0"/>
+              <a:t>‹#›</a:t>
+            </a:fld>
+            <a:endParaRPr lang="ru-RU" noProof="0" dirty="0"/>
+          </a:p>
+        </p:txBody>
+      </p:sp>
+      <p:grpSp>
+        <p:nvGrpSpPr>
+          <p:cNvPr id="8" name="Группа 7">
+            <a:extLst>
+              <a:ext uri="{FF2B5EF4-FFF2-40B4-BE49-F238E27FC236}">
+                <a16:creationId xmlns:a16="http://schemas.microsoft.com/office/drawing/2014/main" id="{727FF3FB-2A90-1A4B-A366-CE0AE155220B}"/>
+              </a:ext>
+            </a:extLst>
+          </p:cNvPr>
+          <p:cNvGrpSpPr/>
+          <p:nvPr userDrawn="1"/>
+        </p:nvGrpSpPr>
+        <p:grpSpPr>
+          <a:xfrm rot="5400000">
+            <a:off x="-21619" y="1088453"/>
+            <a:ext cx="910099" cy="99010"/>
+            <a:chOff x="622418" y="280927"/>
+            <a:chExt cx="2335705" cy="254101"/>
+          </a:xfrm>
+        </p:grpSpPr>
+        <p:sp>
+          <p:nvSpPr>
+            <p:cNvPr id="9" name="Овал 8">
+              <a:extLst>
+                <a:ext uri="{FF2B5EF4-FFF2-40B4-BE49-F238E27FC236}">
+                  <a16:creationId xmlns:a16="http://schemas.microsoft.com/office/drawing/2014/main" id="{F24709A5-4858-A44D-B821-F42146DF53B8}"/>
+                </a:ext>
+              </a:extLst>
+            </p:cNvPr>
+            <p:cNvSpPr/>
+            <p:nvPr userDrawn="1"/>
+          </p:nvSpPr>
+          <p:spPr>
+            <a:xfrm>
+              <a:off x="1038739" y="280927"/>
+              <a:ext cx="254101" cy="254101"/>
+            </a:xfrm>
+            <a:prstGeom prst="ellipse">
+              <a:avLst/>
+            </a:prstGeom>
+            <a:solidFill>
+              <a:schemeClr val="accent2"/>
+            </a:solidFill>
+            <a:ln w="38100">
+              <a:noFill/>
+            </a:ln>
+          </p:spPr>
+          <p:style>
+            <a:lnRef idx="2">
+              <a:schemeClr val="accent1">
+                <a:shade val="50000"/>
+              </a:schemeClr>
+            </a:lnRef>
+            <a:fillRef idx="1">
+              <a:schemeClr val="accent1"/>
+            </a:fillRef>
+            <a:effectRef idx="0">
+              <a:schemeClr val="accent1"/>
+            </a:effectRef>
+            <a:fontRef idx="minor">
+              <a:schemeClr val="lt1"/>
+            </a:fontRef>
+          </p:style>
+          <p:txBody>
+            <a:bodyPr rtlCol="0" anchor="ctr"/>
+            <a:lstStyle/>
+            <a:p>
+              <a:pPr algn="ctr" rtl="0"/>
+              <a:endParaRPr lang="ru-RU" noProof="0" dirty="0"/>
+            </a:p>
+          </p:txBody>
+        </p:sp>
+        <p:sp>
+          <p:nvSpPr>
+            <p:cNvPr id="10" name="Овал 9">
+              <a:extLst>
+                <a:ext uri="{FF2B5EF4-FFF2-40B4-BE49-F238E27FC236}">
+                  <a16:creationId xmlns:a16="http://schemas.microsoft.com/office/drawing/2014/main" id="{82EE531F-0012-974F-BA6C-E1D2238DF0BA}"/>
+                </a:ext>
+              </a:extLst>
+            </p:cNvPr>
+            <p:cNvSpPr/>
+            <p:nvPr userDrawn="1"/>
+          </p:nvSpPr>
+          <p:spPr>
+            <a:xfrm>
+              <a:off x="1455060" y="280927"/>
+              <a:ext cx="254101" cy="254101"/>
+            </a:xfrm>
+            <a:prstGeom prst="ellipse">
+              <a:avLst/>
+            </a:prstGeom>
+            <a:solidFill>
+              <a:schemeClr val="accent3"/>
+            </a:solidFill>
+            <a:ln w="38100">
+              <a:noFill/>
+            </a:ln>
+          </p:spPr>
+          <p:style>
+            <a:lnRef idx="2">
+              <a:schemeClr val="accent1">
+                <a:shade val="50000"/>
+              </a:schemeClr>
+            </a:lnRef>
+            <a:fillRef idx="1">
+              <a:schemeClr val="accent1"/>
+            </a:fillRef>
+            <a:effectRef idx="0">
+              <a:schemeClr val="accent1"/>
+            </a:effectRef>
+            <a:fontRef idx="minor">
+              <a:schemeClr val="lt1"/>
+            </a:fontRef>
+          </p:style>
+          <p:txBody>
+            <a:bodyPr rtlCol="0" anchor="ctr"/>
+            <a:lstStyle/>
+            <a:p>
+              <a:pPr algn="ctr" rtl="0"/>
+              <a:endParaRPr lang="ru-RU" noProof="0" dirty="0"/>
+            </a:p>
+          </p:txBody>
+        </p:sp>
+        <p:sp>
+          <p:nvSpPr>
+            <p:cNvPr id="11" name="Овал 10">
+              <a:extLst>
+                <a:ext uri="{FF2B5EF4-FFF2-40B4-BE49-F238E27FC236}">
+                  <a16:creationId xmlns:a16="http://schemas.microsoft.com/office/drawing/2014/main" id="{291C91FA-D611-4348-88C8-DD69ADD1C188}"/>
+                </a:ext>
+              </a:extLst>
+            </p:cNvPr>
+            <p:cNvSpPr/>
+            <p:nvPr userDrawn="1"/>
+          </p:nvSpPr>
+          <p:spPr>
+            <a:xfrm>
+              <a:off x="1871381" y="280927"/>
+              <a:ext cx="254101" cy="254101"/>
+            </a:xfrm>
+            <a:prstGeom prst="ellipse">
+              <a:avLst/>
+            </a:prstGeom>
+            <a:solidFill>
+              <a:schemeClr val="accent4"/>
+            </a:solidFill>
+            <a:ln w="38100">
+              <a:noFill/>
+            </a:ln>
+          </p:spPr>
+          <p:style>
+            <a:lnRef idx="2">
+              <a:schemeClr val="accent1">
+                <a:shade val="50000"/>
+              </a:schemeClr>
+            </a:lnRef>
+            <a:fillRef idx="1">
+              <a:schemeClr val="accent1"/>
+            </a:fillRef>
+            <a:effectRef idx="0">
+              <a:schemeClr val="accent1"/>
+            </a:effectRef>
+            <a:fontRef idx="minor">
+              <a:schemeClr val="lt1"/>
+            </a:fontRef>
+          </p:style>
+          <p:txBody>
+            <a:bodyPr rtlCol="0" anchor="ctr"/>
+            <a:lstStyle/>
+            <a:p>
+              <a:pPr algn="ctr" rtl="0"/>
+              <a:endParaRPr lang="ru-RU" noProof="0" dirty="0"/>
+            </a:p>
+          </p:txBody>
+        </p:sp>
+        <p:sp>
+          <p:nvSpPr>
+            <p:cNvPr id="12" name="Овал 11">
+              <a:extLst>
+                <a:ext uri="{FF2B5EF4-FFF2-40B4-BE49-F238E27FC236}">
+                  <a16:creationId xmlns:a16="http://schemas.microsoft.com/office/drawing/2014/main" id="{993D64C8-E05E-CC43-8636-B4F2A985FFA7}"/>
+                </a:ext>
+              </a:extLst>
+            </p:cNvPr>
+            <p:cNvSpPr/>
+            <p:nvPr userDrawn="1"/>
+          </p:nvSpPr>
+          <p:spPr>
+            <a:xfrm>
+              <a:off x="2287702" y="280927"/>
+              <a:ext cx="254101" cy="254101"/>
+            </a:xfrm>
+            <a:prstGeom prst="ellipse">
+              <a:avLst/>
+            </a:prstGeom>
+            <a:solidFill>
+              <a:schemeClr val="accent5"/>
+            </a:solidFill>
+            <a:ln w="38100">
+              <a:noFill/>
+            </a:ln>
+          </p:spPr>
+          <p:style>
+            <a:lnRef idx="2">
+              <a:schemeClr val="accent1">
+                <a:shade val="50000"/>
+              </a:schemeClr>
+            </a:lnRef>
+            <a:fillRef idx="1">
+              <a:schemeClr val="accent1"/>
+            </a:fillRef>
+            <a:effectRef idx="0">
+              <a:schemeClr val="accent1"/>
+            </a:effectRef>
+            <a:fontRef idx="minor">
+              <a:schemeClr val="lt1"/>
+            </a:fontRef>
+          </p:style>
+          <p:txBody>
+            <a:bodyPr rtlCol="0" anchor="ctr"/>
+            <a:lstStyle/>
+            <a:p>
+              <a:pPr algn="ctr" rtl="0"/>
+              <a:endParaRPr lang="ru-RU" noProof="0" dirty="0"/>
+            </a:p>
+          </p:txBody>
+        </p:sp>
+        <p:sp>
+          <p:nvSpPr>
+            <p:cNvPr id="13" name="Овал 12">
+              <a:extLst>
+                <a:ext uri="{FF2B5EF4-FFF2-40B4-BE49-F238E27FC236}">
+                  <a16:creationId xmlns:a16="http://schemas.microsoft.com/office/drawing/2014/main" id="{8D134293-73DD-BC4D-AA4A-BCA40FCED06E}"/>
+                </a:ext>
+              </a:extLst>
+            </p:cNvPr>
+            <p:cNvSpPr/>
+            <p:nvPr userDrawn="1"/>
+          </p:nvSpPr>
+          <p:spPr>
+            <a:xfrm>
+              <a:off x="2704022" y="280927"/>
+              <a:ext cx="254101" cy="254101"/>
+            </a:xfrm>
+            <a:prstGeom prst="ellipse">
+              <a:avLst/>
+            </a:prstGeom>
+            <a:solidFill>
+              <a:schemeClr val="accent6"/>
+            </a:solidFill>
+            <a:ln w="38100">
+              <a:noFill/>
+            </a:ln>
+          </p:spPr>
+          <p:style>
+            <a:lnRef idx="2">
+              <a:schemeClr val="accent1">
+                <a:shade val="50000"/>
+              </a:schemeClr>
+            </a:lnRef>
+            <a:fillRef idx="1">
+              <a:schemeClr val="accent1"/>
+            </a:fillRef>
+            <a:effectRef idx="0">
+              <a:schemeClr val="accent1"/>
+            </a:effectRef>
+            <a:fontRef idx="minor">
+              <a:schemeClr val="lt1"/>
+            </a:fontRef>
+          </p:style>
+          <p:txBody>
+            <a:bodyPr rtlCol="0" anchor="ctr"/>
+            <a:lstStyle/>
+            <a:p>
+              <a:pPr algn="ctr" rtl="0"/>
+              <a:endParaRPr lang="ru-RU" noProof="0" dirty="0"/>
+            </a:p>
+          </p:txBody>
+        </p:sp>
+        <p:sp>
+          <p:nvSpPr>
+            <p:cNvPr id="14" name="Овал 13">
+              <a:extLst>
+                <a:ext uri="{FF2B5EF4-FFF2-40B4-BE49-F238E27FC236}">
+                  <a16:creationId xmlns:a16="http://schemas.microsoft.com/office/drawing/2014/main" id="{E041830B-2483-0443-88F8-B37D1054063A}"/>
+                </a:ext>
+              </a:extLst>
+            </p:cNvPr>
+            <p:cNvSpPr/>
+            <p:nvPr userDrawn="1"/>
+          </p:nvSpPr>
+          <p:spPr>
+            <a:xfrm>
+              <a:off x="622418" y="280927"/>
+              <a:ext cx="254101" cy="254101"/>
+            </a:xfrm>
+            <a:prstGeom prst="ellipse">
+              <a:avLst/>
+            </a:prstGeom>
+            <a:solidFill>
+              <a:schemeClr val="accent1"/>
+            </a:solidFill>
+            <a:ln w="38100">
+              <a:noFill/>
+            </a:ln>
+          </p:spPr>
+          <p:style>
+            <a:lnRef idx="2">
+              <a:schemeClr val="accent1">
+                <a:shade val="50000"/>
+              </a:schemeClr>
+            </a:lnRef>
+            <a:fillRef idx="1">
+              <a:schemeClr val="accent1"/>
+            </a:fillRef>
+            <a:effectRef idx="0">
+              <a:schemeClr val="accent1"/>
+            </a:effectRef>
+            <a:fontRef idx="minor">
+              <a:schemeClr val="lt1"/>
+            </a:fontRef>
+          </p:style>
+          <p:txBody>
+            <a:bodyPr rtlCol="0" anchor="ctr"/>
+            <a:lstStyle/>
+            <a:p>
+              <a:pPr algn="ctr" rtl="0"/>
+              <a:endParaRPr lang="ru-RU" noProof="0" dirty="0"/>
+            </a:p>
+          </p:txBody>
+        </p:sp>
+      </p:grpSp>
+      <p:sp>
+        <p:nvSpPr>
+          <p:cNvPr id="15" name="Овал 14">
+            <a:extLst>
+              <a:ext uri="{FF2B5EF4-FFF2-40B4-BE49-F238E27FC236}">
+                <a16:creationId xmlns:a16="http://schemas.microsoft.com/office/drawing/2014/main" id="{547A531A-D45F-C049-8CA1-BA194A11F991}"/>
+              </a:ext>
+            </a:extLst>
+          </p:cNvPr>
+          <p:cNvSpPr/>
+          <p:nvPr userDrawn="1"/>
+        </p:nvSpPr>
+        <p:spPr>
+          <a:xfrm>
+            <a:off x="10429390" y="360726"/>
+            <a:ext cx="1035859" cy="1035859"/>
+          </a:xfrm>
+          <a:prstGeom prst="ellipse">
+            <a:avLst/>
+          </a:prstGeom>
+          <a:noFill/>
+          <a:ln w="38100">
+            <a:solidFill>
+              <a:schemeClr val="accent3"/>
+            </a:solidFill>
+            <a:prstDash val="dash"/>
+          </a:ln>
+        </p:spPr>
+        <p:style>
+          <a:lnRef idx="2">
+            <a:schemeClr val="accent1">
+              <a:shade val="50000"/>
+            </a:schemeClr>
+          </a:lnRef>
+          <a:fillRef idx="1">
+            <a:schemeClr val="accent1"/>
+          </a:fillRef>
+          <a:effectRef idx="0">
+            <a:schemeClr val="accent1"/>
+          </a:effectRef>
+          <a:fontRef idx="minor">
+            <a:schemeClr val="lt1"/>
+          </a:fontRef>
+        </p:style>
+        <p:txBody>
+          <a:bodyPr rtlCol="0" anchor="ctr"/>
+          <a:lstStyle/>
+          <a:p>
+            <a:pPr algn="ctr" rtl="0"/>
+            <a:endParaRPr lang="ru-RU" noProof="0" dirty="0"/>
+          </a:p>
+        </p:txBody>
+      </p:sp>
+      <p:sp>
+        <p:nvSpPr>
+          <p:cNvPr id="16" name="Овал 15">
+            <a:extLst>
+              <a:ext uri="{FF2B5EF4-FFF2-40B4-BE49-F238E27FC236}">
+                <a16:creationId xmlns:a16="http://schemas.microsoft.com/office/drawing/2014/main" id="{8B7E10FF-D6E3-044D-93B0-89FEEC432B63}"/>
+              </a:ext>
+            </a:extLst>
+          </p:cNvPr>
+          <p:cNvSpPr/>
+          <p:nvPr userDrawn="1"/>
+        </p:nvSpPr>
+        <p:spPr>
+          <a:xfrm>
+            <a:off x="458087" y="5430446"/>
+            <a:ext cx="99011" cy="99011"/>
+          </a:xfrm>
+          <a:prstGeom prst="ellipse">
+            <a:avLst/>
+          </a:prstGeom>
+          <a:solidFill>
+            <a:schemeClr val="accent4"/>
+          </a:solidFill>
+          <a:ln w="38100">
+            <a:noFill/>
+          </a:ln>
+        </p:spPr>
+        <p:style>
+          <a:lnRef idx="2">
+            <a:schemeClr val="accent1">
+              <a:shade val="50000"/>
+            </a:schemeClr>
+          </a:lnRef>
+          <a:fillRef idx="1">
+            <a:schemeClr val="accent1"/>
+          </a:fillRef>
+          <a:effectRef idx="0">
+            <a:schemeClr val="accent1"/>
+          </a:effectRef>
+          <a:fontRef idx="minor">
+            <a:schemeClr val="lt1"/>
+          </a:fontRef>
+        </p:style>
+        <p:txBody>
+          <a:bodyPr rtlCol="0" anchor="ctr"/>
+          <a:lstStyle/>
+          <a:p>
+            <a:pPr algn="ctr" rtl="0"/>
+            <a:endParaRPr lang="ru-RU" noProof="0" dirty="0"/>
+          </a:p>
+        </p:txBody>
+      </p:sp>
+      <p:sp>
+        <p:nvSpPr>
+          <p:cNvPr id="17" name="Овал 16">
+            <a:extLst>
+              <a:ext uri="{FF2B5EF4-FFF2-40B4-BE49-F238E27FC236}">
+                <a16:creationId xmlns:a16="http://schemas.microsoft.com/office/drawing/2014/main" id="{03F32321-05B2-8342-866C-4F542D05CF0C}"/>
+              </a:ext>
+            </a:extLst>
+          </p:cNvPr>
+          <p:cNvSpPr/>
+          <p:nvPr userDrawn="1"/>
+        </p:nvSpPr>
+        <p:spPr>
+          <a:xfrm>
+            <a:off x="5664570" y="125360"/>
+            <a:ext cx="176394" cy="176394"/>
+          </a:xfrm>
+          <a:prstGeom prst="ellipse">
+            <a:avLst/>
+          </a:prstGeom>
+          <a:solidFill>
+            <a:schemeClr val="accent6"/>
+          </a:solidFill>
+          <a:ln w="38100">
+            <a:noFill/>
+          </a:ln>
+        </p:spPr>
+        <p:style>
+          <a:lnRef idx="2">
+            <a:schemeClr val="accent1">
+              <a:shade val="50000"/>
+            </a:schemeClr>
+          </a:lnRef>
+          <a:fillRef idx="1">
+            <a:schemeClr val="accent1"/>
+          </a:fillRef>
+          <a:effectRef idx="0">
+            <a:schemeClr val="accent1"/>
+          </a:effectRef>
+          <a:fontRef idx="minor">
+            <a:schemeClr val="lt1"/>
+          </a:fontRef>
+        </p:style>
+        <p:txBody>
+          <a:bodyPr rtlCol="0" anchor="ctr"/>
+          <a:lstStyle/>
+          <a:p>
+            <a:pPr algn="ctr" rtl="0"/>
+            <a:endParaRPr lang="ru-RU" noProof="0" dirty="0"/>
+          </a:p>
+        </p:txBody>
+      </p:sp>
+      <p:sp>
+        <p:nvSpPr>
+          <p:cNvPr id="18" name="Овал 17">
+            <a:extLst>
+              <a:ext uri="{FF2B5EF4-FFF2-40B4-BE49-F238E27FC236}">
+                <a16:creationId xmlns:a16="http://schemas.microsoft.com/office/drawing/2014/main" id="{C0529271-E450-EF46-A480-CB57E754CF64}"/>
+              </a:ext>
+            </a:extLst>
+          </p:cNvPr>
+          <p:cNvSpPr/>
+          <p:nvPr userDrawn="1"/>
+        </p:nvSpPr>
+        <p:spPr>
+          <a:xfrm>
+            <a:off x="11383587" y="6035040"/>
+            <a:ext cx="776923" cy="776923"/>
+          </a:xfrm>
+          <a:prstGeom prst="ellipse">
+            <a:avLst/>
+          </a:prstGeom>
+          <a:noFill/>
+          <a:ln w="38100">
+            <a:solidFill>
+              <a:schemeClr val="accent1"/>
+            </a:solidFill>
+          </a:ln>
+        </p:spPr>
+        <p:style>
+          <a:lnRef idx="2">
+            <a:schemeClr val="accent1">
+              <a:shade val="50000"/>
+            </a:schemeClr>
+          </a:lnRef>
+          <a:fillRef idx="1">
+            <a:schemeClr val="accent1"/>
+          </a:fillRef>
+          <a:effectRef idx="0">
+            <a:schemeClr val="accent1"/>
+          </a:effectRef>
+          <a:fontRef idx="minor">
+            <a:schemeClr val="lt1"/>
+          </a:fontRef>
+        </p:style>
+        <p:txBody>
+          <a:bodyPr rtlCol="0" anchor="ctr"/>
+          <a:lstStyle/>
+          <a:p>
+            <a:pPr algn="ctr" rtl="0"/>
+            <a:endParaRPr lang="ru-RU" noProof="0" dirty="0"/>
+          </a:p>
+        </p:txBody>
+      </p:sp>
+    </p:spTree>
+    <p:extLst>
+      <p:ext uri="{BB962C8B-B14F-4D97-AF65-F5344CB8AC3E}">
+        <p14:creationId xmlns:p14="http://schemas.microsoft.com/office/powerpoint/2010/main" val="488379138"/>
+      </p:ext>
+    </p:extLst>
+  </p:cSld>
+  <p:clrMapOvr>
+    <a:masterClrMapping/>
+  </p:clrMapOvr>
+</p:sldLayout>
+</file>
+
+<file path=ppt/slideLayouts/slideLayout5.xml><?xml version="1.0" encoding="utf-8"?>
+<p:sldLayout xmlns:a="http://schemas.openxmlformats.org/drawingml/2006/main" xmlns:r="http://schemas.openxmlformats.org/officeDocument/2006/relationships" xmlns:p="http://schemas.openxmlformats.org/presentationml/2006/main" type="twoTxTwoObj" preserve="1">
+  <p:cSld name="Сравнение">
+    <p:spTree>
+      <p:nvGrpSpPr>
+        <p:cNvPr id="1" name=""/>
+        <p:cNvGrpSpPr/>
+        <p:nvPr/>
+      </p:nvGrpSpPr>
+      <p:grpSpPr>
+        <a:xfrm>
+          <a:off x="0" y="0"/>
+          <a:ext cx="0" cy="0"/>
+          <a:chOff x="0" y="0"/>
+          <a:chExt cx="0" cy="0"/>
+        </a:xfrm>
+      </p:grpSpPr>
+      <p:sp>
+        <p:nvSpPr>
+          <p:cNvPr id="2" name="Title 1"/>
+          <p:cNvSpPr>
+            <a:spLocks noGrp="1"/>
+          </p:cNvSpPr>
+          <p:nvPr>
+            <p:ph type="title"/>
+          </p:nvPr>
+        </p:nvSpPr>
+        <p:spPr>
+          <a:xfrm>
+            <a:off x="1371600" y="685800"/>
+            <a:ext cx="9601200" cy="1485900"/>
+          </a:xfrm>
+        </p:spPr>
+        <p:txBody>
+          <a:bodyPr/>
+          <a:lstStyle>
+            <a:lvl1pPr>
+              <a:defRPr>
+                <a:solidFill>
+                  <a:schemeClr val="tx2"/>
+                </a:solidFill>
+              </a:defRPr>
+            </a:lvl1pPr>
+          </a:lstStyle>
+          <a:p>
+            <a:r>
+              <a:rPr lang="ru-RU"/>
+              <a:t>Образец заголовка</a:t>
+            </a:r>
+            <a:endParaRPr lang="en-US" dirty="0"/>
+          </a:p>
+        </p:txBody>
+      </p:sp>
+      <p:sp>
+        <p:nvSpPr>
+          <p:cNvPr id="3" name="Text Placeholder 2"/>
+          <p:cNvSpPr>
+            <a:spLocks noGrp="1"/>
+          </p:cNvSpPr>
+          <p:nvPr>
+            <p:ph type="body" idx="1"/>
+          </p:nvPr>
+        </p:nvSpPr>
+        <p:spPr>
+          <a:xfrm>
+            <a:off x="1371600" y="2340864"/>
+            <a:ext cx="4443984" cy="823912"/>
+          </a:xfrm>
+        </p:spPr>
+        <p:txBody>
+          <a:bodyPr anchor="b">
+            <a:noAutofit/>
+          </a:bodyPr>
+          <a:lstStyle>
+            <a:lvl1pPr marL="0" indent="0">
+              <a:lnSpc>
+                <a:spcPct val="84000"/>
+              </a:lnSpc>
+              <a:spcBef>
+                <a:spcPts val="0"/>
+              </a:spcBef>
+              <a:spcAft>
+                <a:spcPts val="0"/>
+              </a:spcAft>
+              <a:buNone/>
+              <a:defRPr sz="3000" b="0" baseline="0">
+                <a:solidFill>
+                  <a:schemeClr val="tx2"/>
+                </a:solidFill>
+              </a:defRPr>
+            </a:lvl1pPr>
+            <a:lvl2pPr marL="457200" indent="0">
+              <a:buNone/>
+              <a:defRPr sz="2000" b="1"/>
+            </a:lvl2pPr>
+            <a:lvl3pPr marL="914400" indent="0">
+              <a:buNone/>
+              <a:defRPr sz="1800" b="1"/>
+            </a:lvl3pPr>
+            <a:lvl4pPr marL="1371600" indent="0">
+              <a:buNone/>
+              <a:defRPr sz="1600" b="1"/>
+            </a:lvl4pPr>
+            <a:lvl5pPr marL="1828800" indent="0">
+              <a:buNone/>
+              <a:defRPr sz="1600" b="1"/>
+            </a:lvl5pPr>
+            <a:lvl6pPr marL="2286000" indent="0">
+              <a:buNone/>
+              <a:defRPr sz="1600" b="1"/>
+            </a:lvl6pPr>
+            <a:lvl7pPr marL="2743200" indent="0">
+              <a:buNone/>
+              <a:defRPr sz="1600" b="1"/>
+            </a:lvl7pPr>
+            <a:lvl8pPr marL="3200400" indent="0">
+              <a:buNone/>
+              <a:defRPr sz="1600" b="1"/>
+            </a:lvl8pPr>
+            <a:lvl9pPr marL="3657600" indent="0">
+              <a:buNone/>
+              <a:defRPr sz="1600" b="1"/>
+            </a:lvl9pPr>
+          </a:lstStyle>
+          <a:p>
+            <a:pPr lvl="0"/>
+            <a:r>
+              <a:rPr lang="ru-RU"/>
+              <a:t>Образец текста</a:t>
+            </a:r>
+          </a:p>
+        </p:txBody>
+      </p:sp>
+      <p:sp>
+        <p:nvSpPr>
+          <p:cNvPr id="4" name="Content Placeholder 3"/>
+          <p:cNvSpPr>
+            <a:spLocks noGrp="1"/>
+          </p:cNvSpPr>
+          <p:nvPr>
+            <p:ph sz="half" idx="2"/>
+          </p:nvPr>
+        </p:nvSpPr>
+        <p:spPr>
+          <a:xfrm>
+            <a:off x="1371600" y="3305207"/>
+            <a:ext cx="4443984" cy="2562193"/>
+          </a:xfrm>
+        </p:spPr>
+        <p:txBody>
+          <a:bodyPr/>
+          <a:lstStyle>
+            <a:lvl1pPr>
+              <a:defRPr baseline="0">
+                <a:solidFill>
+                  <a:schemeClr val="tx2"/>
+                </a:solidFill>
+              </a:defRPr>
+            </a:lvl1pPr>
+            <a:lvl2pPr>
+              <a:defRPr baseline="0">
+                <a:solidFill>
+                  <a:schemeClr val="tx2"/>
+                </a:solidFill>
+              </a:defRPr>
+            </a:lvl2pPr>
+            <a:lvl3pPr>
+              <a:defRPr baseline="0">
+                <a:solidFill>
+                  <a:schemeClr val="tx2"/>
+                </a:solidFill>
+              </a:defRPr>
+            </a:lvl3pPr>
+            <a:lvl4pPr>
+              <a:defRPr baseline="0">
+                <a:solidFill>
+                  <a:schemeClr val="tx2"/>
+                </a:solidFill>
+              </a:defRPr>
+            </a:lvl4pPr>
+            <a:lvl5pPr>
+              <a:defRPr baseline="0">
+                <a:solidFill>
+                  <a:schemeClr val="tx2"/>
+                </a:solidFill>
+              </a:defRPr>
+            </a:lvl5pPr>
+          </a:lstStyle>
+          <a:p>
+            <a:pPr lvl="0"/>
+            <a:r>
+              <a:rPr lang="ru-RU"/>
+              <a:t>Образец текста</a:t>
+            </a:r>
+          </a:p>
+          <a:p>
+            <a:pPr lvl="1"/>
+            <a:r>
+              <a:rPr lang="ru-RU"/>
+              <a:t>Второй уровень</a:t>
+            </a:r>
+          </a:p>
+          <a:p>
+            <a:pPr lvl="2"/>
+            <a:r>
+              <a:rPr lang="ru-RU"/>
+              <a:t>Третий уровень</a:t>
+            </a:r>
+          </a:p>
+          <a:p>
+            <a:pPr lvl="3"/>
+            <a:r>
+              <a:rPr lang="ru-RU"/>
+              <a:t>Четвертый уровень</a:t>
+            </a:r>
+          </a:p>
+          <a:p>
+            <a:pPr lvl="4"/>
+            <a:r>
+              <a:rPr lang="ru-RU"/>
+              <a:t>Пятый уровень</a:t>
+            </a:r>
+            <a:endParaRPr lang="en-US" dirty="0"/>
+          </a:p>
+        </p:txBody>
+      </p:sp>
+      <p:sp>
+        <p:nvSpPr>
+          <p:cNvPr id="5" name="Text Placeholder 4"/>
+          <p:cNvSpPr>
+            <a:spLocks noGrp="1"/>
+          </p:cNvSpPr>
+          <p:nvPr>
+            <p:ph type="body" sz="quarter" idx="3"/>
+          </p:nvPr>
+        </p:nvSpPr>
+        <p:spPr>
+          <a:xfrm>
+            <a:off x="6525014" y="2340864"/>
+            <a:ext cx="4443984" cy="823912"/>
+          </a:xfrm>
+        </p:spPr>
+        <p:txBody>
+          <a:bodyPr anchor="b">
+            <a:noAutofit/>
+          </a:bodyPr>
+          <a:lstStyle>
+            <a:lvl1pPr marL="0" indent="0">
+              <a:lnSpc>
+                <a:spcPct val="84000"/>
+              </a:lnSpc>
+              <a:spcBef>
+                <a:spcPts val="0"/>
+              </a:spcBef>
+              <a:spcAft>
+                <a:spcPts val="0"/>
+              </a:spcAft>
+              <a:buNone/>
+              <a:defRPr sz="3000" b="0" baseline="0">
+                <a:solidFill>
+                  <a:schemeClr val="tx2"/>
+                </a:solidFill>
+              </a:defRPr>
+            </a:lvl1pPr>
+            <a:lvl2pPr marL="457200" indent="0">
+              <a:buNone/>
+              <a:defRPr sz="2000" b="1"/>
+            </a:lvl2pPr>
+            <a:lvl3pPr marL="914400" indent="0">
+              <a:buNone/>
+              <a:defRPr sz="1800" b="1"/>
+            </a:lvl3pPr>
+            <a:lvl4pPr marL="1371600" indent="0">
+              <a:buNone/>
+              <a:defRPr sz="1600" b="1"/>
+            </a:lvl4pPr>
+            <a:lvl5pPr marL="1828800" indent="0">
+              <a:buNone/>
+              <a:defRPr sz="1600" b="1"/>
+            </a:lvl5pPr>
+            <a:lvl6pPr marL="2286000" indent="0">
+              <a:buNone/>
+              <a:defRPr sz="1600" b="1"/>
+            </a:lvl6pPr>
+            <a:lvl7pPr marL="2743200" indent="0">
+              <a:buNone/>
+              <a:defRPr sz="1600" b="1"/>
+            </a:lvl7pPr>
+            <a:lvl8pPr marL="3200400" indent="0">
+              <a:buNone/>
+              <a:defRPr sz="1600" b="1"/>
+            </a:lvl8pPr>
+            <a:lvl9pPr marL="3657600" indent="0">
+              <a:buNone/>
+              <a:defRPr sz="1600" b="1"/>
+            </a:lvl9pPr>
+          </a:lstStyle>
+          <a:p>
+            <a:pPr lvl="0"/>
+            <a:r>
+              <a:rPr lang="ru-RU"/>
+              <a:t>Образец текста</a:t>
+            </a:r>
+          </a:p>
+        </p:txBody>
+      </p:sp>
+      <p:sp>
+        <p:nvSpPr>
+          <p:cNvPr id="6" name="Content Placeholder 5"/>
+          <p:cNvSpPr>
+            <a:spLocks noGrp="1"/>
+          </p:cNvSpPr>
+          <p:nvPr>
+            <p:ph sz="quarter" idx="4"/>
+          </p:nvPr>
+        </p:nvSpPr>
+        <p:spPr>
+          <a:xfrm>
+            <a:off x="6525014" y="3305207"/>
+            <a:ext cx="4443984" cy="2562193"/>
+          </a:xfrm>
+        </p:spPr>
+        <p:txBody>
+          <a:bodyPr/>
+          <a:lstStyle>
+            <a:lvl1pPr>
+              <a:defRPr baseline="0">
+                <a:solidFill>
+                  <a:schemeClr val="tx2"/>
+                </a:solidFill>
+              </a:defRPr>
+            </a:lvl1pPr>
+            <a:lvl2pPr>
+              <a:defRPr baseline="0">
+                <a:solidFill>
+                  <a:schemeClr val="tx2"/>
+                </a:solidFill>
+              </a:defRPr>
+            </a:lvl2pPr>
+            <a:lvl3pPr>
+              <a:defRPr baseline="0">
+                <a:solidFill>
+                  <a:schemeClr val="tx2"/>
+                </a:solidFill>
+              </a:defRPr>
+            </a:lvl3pPr>
+            <a:lvl4pPr>
+              <a:defRPr baseline="0">
+                <a:solidFill>
+                  <a:schemeClr val="tx2"/>
+                </a:solidFill>
+              </a:defRPr>
+            </a:lvl4pPr>
+            <a:lvl5pPr>
+              <a:defRPr baseline="0">
+                <a:solidFill>
+                  <a:schemeClr val="tx2"/>
+                </a:solidFill>
+              </a:defRPr>
+            </a:lvl5pPr>
+          </a:lstStyle>
+          <a:p>
+            <a:pPr lvl="0"/>
+            <a:r>
+              <a:rPr lang="ru-RU"/>
+              <a:t>Образец текста</a:t>
+            </a:r>
+          </a:p>
+          <a:p>
+            <a:pPr lvl="1"/>
+            <a:r>
+              <a:rPr lang="ru-RU"/>
+              <a:t>Второй уровень</a:t>
+            </a:r>
+          </a:p>
+          <a:p>
+            <a:pPr lvl="2"/>
+            <a:r>
+              <a:rPr lang="ru-RU"/>
+              <a:t>Третий уровень</a:t>
+            </a:r>
+          </a:p>
+          <a:p>
+            <a:pPr lvl="3"/>
+            <a:r>
+              <a:rPr lang="ru-RU"/>
+              <a:t>Четвертый уровень</a:t>
+            </a:r>
+          </a:p>
+          <a:p>
+            <a:pPr lvl="4"/>
+            <a:r>
+              <a:rPr lang="ru-RU"/>
+              <a:t>Пятый уровень</a:t>
+            </a:r>
+            <a:endParaRPr lang="en-US" dirty="0"/>
+          </a:p>
+        </p:txBody>
+      </p:sp>
+      <p:sp>
+        <p:nvSpPr>
+          <p:cNvPr id="7" name="Date Placeholder 6"/>
+          <p:cNvSpPr>
+            <a:spLocks noGrp="1"/>
+          </p:cNvSpPr>
+          <p:nvPr>
+            <p:ph type="dt" sz="half" idx="10"/>
+          </p:nvPr>
+        </p:nvSpPr>
+        <p:spPr/>
+        <p:txBody>
+          <a:bodyPr/>
+          <a:lstStyle/>
+          <a:p>
+            <a:pPr rtl="0"/>
+            <a:fld id="{0C74DA27-089F-41DB-9018-6804069C0386}" type="datetime1">
+              <a:rPr lang="ru-RU" noProof="0" smtClean="0"/>
+              <a:t>27.02.2021</a:t>
+            </a:fld>
+            <a:endParaRPr lang="ru-RU" noProof="0" dirty="0"/>
+          </a:p>
+        </p:txBody>
+      </p:sp>
+      <p:sp>
+        <p:nvSpPr>
+          <p:cNvPr id="8" name="Footer Placeholder 7"/>
+          <p:cNvSpPr>
+            <a:spLocks noGrp="1"/>
+          </p:cNvSpPr>
+          <p:nvPr>
+            <p:ph type="ftr" sz="quarter" idx="11"/>
+          </p:nvPr>
+        </p:nvSpPr>
+        <p:spPr/>
+        <p:txBody>
+          <a:bodyPr/>
+          <a:lstStyle/>
+          <a:p>
+            <a:pPr rtl="0"/>
+            <a:endParaRPr lang="ru-RU" noProof="0" dirty="0"/>
+          </a:p>
+        </p:txBody>
+      </p:sp>
+      <p:sp>
+        <p:nvSpPr>
+          <p:cNvPr id="9" name="Slide Number Placeholder 8"/>
+          <p:cNvSpPr>
+            <a:spLocks noGrp="1"/>
+          </p:cNvSpPr>
+          <p:nvPr>
+            <p:ph type="sldNum" sz="quarter" idx="12"/>
+          </p:nvPr>
+        </p:nvSpPr>
+        <p:spPr/>
+        <p:txBody>
+          <a:bodyPr/>
+          <a:lstStyle/>
+          <a:p>
+            <a:pPr rtl="0"/>
+            <a:fld id="{3A98EE3D-8CD1-4C3F-BD1C-C98C9596463C}" type="slidenum">
+              <a:rPr lang="ru-RU" noProof="0" smtClean="0"/>
+              <a:t>‹#›</a:t>
+            </a:fld>
+            <a:endParaRPr lang="ru-RU" noProof="0" dirty="0"/>
+          </a:p>
+        </p:txBody>
+      </p:sp>
+      <p:grpSp>
+        <p:nvGrpSpPr>
+          <p:cNvPr id="10" name="Группа 9">
+            <a:extLst>
+              <a:ext uri="{FF2B5EF4-FFF2-40B4-BE49-F238E27FC236}">
+                <a16:creationId xmlns:a16="http://schemas.microsoft.com/office/drawing/2014/main" id="{B5C50A51-9487-074F-BC7F-41495AC915B2}"/>
+              </a:ext>
+            </a:extLst>
+          </p:cNvPr>
+          <p:cNvGrpSpPr/>
+          <p:nvPr userDrawn="1"/>
+        </p:nvGrpSpPr>
+        <p:grpSpPr>
+          <a:xfrm rot="5400000">
+            <a:off x="-21619" y="1088453"/>
+            <a:ext cx="910099" cy="99010"/>
+            <a:chOff x="622418" y="280927"/>
+            <a:chExt cx="2335705" cy="254101"/>
+          </a:xfrm>
+        </p:grpSpPr>
+        <p:sp>
+          <p:nvSpPr>
+            <p:cNvPr id="11" name="Овал 10">
+              <a:extLst>
+                <a:ext uri="{FF2B5EF4-FFF2-40B4-BE49-F238E27FC236}">
+                  <a16:creationId xmlns:a16="http://schemas.microsoft.com/office/drawing/2014/main" id="{95EA2960-5C98-6E4F-B95B-415133EAE8FE}"/>
+                </a:ext>
+              </a:extLst>
+            </p:cNvPr>
+            <p:cNvSpPr/>
+            <p:nvPr userDrawn="1"/>
+          </p:nvSpPr>
+          <p:spPr>
+            <a:xfrm>
+              <a:off x="1038739" y="280927"/>
+              <a:ext cx="254101" cy="254101"/>
+            </a:xfrm>
+            <a:prstGeom prst="ellipse">
+              <a:avLst/>
+            </a:prstGeom>
+            <a:solidFill>
+              <a:schemeClr val="accent2"/>
+            </a:solidFill>
+            <a:ln w="38100">
+              <a:noFill/>
+            </a:ln>
+          </p:spPr>
+          <p:style>
+            <a:lnRef idx="2">
+              <a:schemeClr val="accent1">
+                <a:shade val="50000"/>
+              </a:schemeClr>
+            </a:lnRef>
+            <a:fillRef idx="1">
+              <a:schemeClr val="accent1"/>
+            </a:fillRef>
+            <a:effectRef idx="0">
+              <a:schemeClr val="accent1"/>
+            </a:effectRef>
+            <a:fontRef idx="minor">
+              <a:schemeClr val="lt1"/>
+            </a:fontRef>
+          </p:style>
+          <p:txBody>
+            <a:bodyPr rtlCol="0" anchor="ctr"/>
+            <a:lstStyle/>
+            <a:p>
+              <a:pPr algn="ctr" rtl="0"/>
+              <a:endParaRPr lang="ru-RU" noProof="0" dirty="0"/>
+            </a:p>
+          </p:txBody>
+        </p:sp>
+        <p:sp>
+          <p:nvSpPr>
+            <p:cNvPr id="12" name="Овал 11">
+              <a:extLst>
+                <a:ext uri="{FF2B5EF4-FFF2-40B4-BE49-F238E27FC236}">
+                  <a16:creationId xmlns:a16="http://schemas.microsoft.com/office/drawing/2014/main" id="{3E77580F-4D15-8347-A659-A849C7532844}"/>
+                </a:ext>
+              </a:extLst>
+            </p:cNvPr>
+            <p:cNvSpPr/>
+            <p:nvPr userDrawn="1"/>
+          </p:nvSpPr>
+          <p:spPr>
+            <a:xfrm>
+              <a:off x="1455060" y="280927"/>
+              <a:ext cx="254101" cy="254101"/>
+            </a:xfrm>
+            <a:prstGeom prst="ellipse">
+              <a:avLst/>
+            </a:prstGeom>
+            <a:solidFill>
+              <a:schemeClr val="accent3"/>
+            </a:solidFill>
+            <a:ln w="38100">
+              <a:noFill/>
+            </a:ln>
+          </p:spPr>
+          <p:style>
+            <a:lnRef idx="2">
+              <a:schemeClr val="accent1">
+                <a:shade val="50000"/>
+              </a:schemeClr>
+            </a:lnRef>
+            <a:fillRef idx="1">
+              <a:schemeClr val="accent1"/>
+            </a:fillRef>
+            <a:effectRef idx="0">
+              <a:schemeClr val="accent1"/>
+            </a:effectRef>
+            <a:fontRef idx="minor">
+              <a:schemeClr val="lt1"/>
+            </a:fontRef>
+          </p:style>
+          <p:txBody>
+            <a:bodyPr rtlCol="0" anchor="ctr"/>
+            <a:lstStyle/>
+            <a:p>
+              <a:pPr algn="ctr" rtl="0"/>
+              <a:endParaRPr lang="ru-RU" noProof="0" dirty="0"/>
+            </a:p>
+          </p:txBody>
+        </p:sp>
+        <p:sp>
+          <p:nvSpPr>
+            <p:cNvPr id="13" name="Овал 12">
+              <a:extLst>
+                <a:ext uri="{FF2B5EF4-FFF2-40B4-BE49-F238E27FC236}">
+                  <a16:creationId xmlns:a16="http://schemas.microsoft.com/office/drawing/2014/main" id="{5ACF9FD0-C907-B14A-87BF-0670D241C833}"/>
+                </a:ext>
+              </a:extLst>
+            </p:cNvPr>
+            <p:cNvSpPr/>
+            <p:nvPr userDrawn="1"/>
+          </p:nvSpPr>
+          <p:spPr>
+            <a:xfrm>
+              <a:off x="1871381" y="280927"/>
+              <a:ext cx="254101" cy="254101"/>
+            </a:xfrm>
+            <a:prstGeom prst="ellipse">
+              <a:avLst/>
+            </a:prstGeom>
+            <a:solidFill>
+              <a:schemeClr val="accent4"/>
+            </a:solidFill>
+            <a:ln w="38100">
+              <a:noFill/>
+            </a:ln>
+          </p:spPr>
+          <p:style>
+            <a:lnRef idx="2">
+              <a:schemeClr val="accent1">
+                <a:shade val="50000"/>
+              </a:schemeClr>
+            </a:lnRef>
+            <a:fillRef idx="1">
+              <a:schemeClr val="accent1"/>
+            </a:fillRef>
+            <a:effectRef idx="0">
+              <a:schemeClr val="accent1"/>
+            </a:effectRef>
+            <a:fontRef idx="minor">
+              <a:schemeClr val="lt1"/>
+            </a:fontRef>
+          </p:style>
+          <p:txBody>
+            <a:bodyPr rtlCol="0" anchor="ctr"/>
+            <a:lstStyle/>
+            <a:p>
+              <a:pPr algn="ctr" rtl="0"/>
+              <a:endParaRPr lang="ru-RU" noProof="0" dirty="0"/>
+            </a:p>
+          </p:txBody>
+        </p:sp>
+        <p:sp>
+          <p:nvSpPr>
+            <p:cNvPr id="14" name="Овал 13">
+              <a:extLst>
+                <a:ext uri="{FF2B5EF4-FFF2-40B4-BE49-F238E27FC236}">
+                  <a16:creationId xmlns:a16="http://schemas.microsoft.com/office/drawing/2014/main" id="{3541DFEB-A052-FD4C-8A00-434EA985D947}"/>
+                </a:ext>
+              </a:extLst>
+            </p:cNvPr>
+            <p:cNvSpPr/>
+            <p:nvPr userDrawn="1"/>
+          </p:nvSpPr>
+          <p:spPr>
+            <a:xfrm>
+              <a:off x="2287702" y="280927"/>
+              <a:ext cx="254101" cy="254101"/>
+            </a:xfrm>
+            <a:prstGeom prst="ellipse">
+              <a:avLst/>
+            </a:prstGeom>
+            <a:solidFill>
+              <a:schemeClr val="accent5"/>
+            </a:solidFill>
+            <a:ln w="38100">
+              <a:noFill/>
+            </a:ln>
+          </p:spPr>
+          <p:style>
+            <a:lnRef idx="2">
+              <a:schemeClr val="accent1">
+                <a:shade val="50000"/>
+              </a:schemeClr>
+            </a:lnRef>
+            <a:fillRef idx="1">
+              <a:schemeClr val="accent1"/>
+            </a:fillRef>
+            <a:effectRef idx="0">
+              <a:schemeClr val="accent1"/>
+            </a:effectRef>
+            <a:fontRef idx="minor">
+              <a:schemeClr val="lt1"/>
+            </a:fontRef>
+          </p:style>
+          <p:txBody>
+            <a:bodyPr rtlCol="0" anchor="ctr"/>
+            <a:lstStyle/>
+            <a:p>
+              <a:pPr algn="ctr" rtl="0"/>
+              <a:endParaRPr lang="ru-RU" noProof="0" dirty="0"/>
+            </a:p>
+          </p:txBody>
+        </p:sp>
+        <p:sp>
+          <p:nvSpPr>
+            <p:cNvPr id="15" name="Овал 14">
+              <a:extLst>
+                <a:ext uri="{FF2B5EF4-FFF2-40B4-BE49-F238E27FC236}">
+                  <a16:creationId xmlns:a16="http://schemas.microsoft.com/office/drawing/2014/main" id="{3E47BDA1-8338-AF47-B7E3-45475D40755E}"/>
+                </a:ext>
+              </a:extLst>
+            </p:cNvPr>
+            <p:cNvSpPr/>
+            <p:nvPr userDrawn="1"/>
+          </p:nvSpPr>
+          <p:spPr>
+            <a:xfrm>
+              <a:off x="2704022" y="280927"/>
+              <a:ext cx="254101" cy="254101"/>
+            </a:xfrm>
+            <a:prstGeom prst="ellipse">
+              <a:avLst/>
+            </a:prstGeom>
+            <a:solidFill>
+              <a:schemeClr val="accent6"/>
+            </a:solidFill>
+            <a:ln w="38100">
+              <a:noFill/>
+            </a:ln>
+          </p:spPr>
+          <p:style>
+            <a:lnRef idx="2">
+              <a:schemeClr val="accent1">
+                <a:shade val="50000"/>
+              </a:schemeClr>
+            </a:lnRef>
+            <a:fillRef idx="1">
+              <a:schemeClr val="accent1"/>
+            </a:fillRef>
+            <a:effectRef idx="0">
+              <a:schemeClr val="accent1"/>
+            </a:effectRef>
+            <a:fontRef idx="minor">
+              <a:schemeClr val="lt1"/>
+            </a:fontRef>
+          </p:style>
+          <p:txBody>
+            <a:bodyPr rtlCol="0" anchor="ctr"/>
+            <a:lstStyle/>
+            <a:p>
+              <a:pPr algn="ctr" rtl="0"/>
+              <a:endParaRPr lang="ru-RU" noProof="0" dirty="0"/>
+            </a:p>
+          </p:txBody>
+        </p:sp>
+        <p:sp>
+          <p:nvSpPr>
+            <p:cNvPr id="16" name="Овал 15">
+              <a:extLst>
+                <a:ext uri="{FF2B5EF4-FFF2-40B4-BE49-F238E27FC236}">
+                  <a16:creationId xmlns:a16="http://schemas.microsoft.com/office/drawing/2014/main" id="{2B99E98F-6375-7646-9B81-33813C8E7579}"/>
+                </a:ext>
+              </a:extLst>
+            </p:cNvPr>
+            <p:cNvSpPr/>
+            <p:nvPr userDrawn="1"/>
+          </p:nvSpPr>
+          <p:spPr>
+            <a:xfrm>
+              <a:off x="622418" y="280927"/>
+              <a:ext cx="254101" cy="254101"/>
+            </a:xfrm>
+            <a:prstGeom prst="ellipse">
+              <a:avLst/>
+            </a:prstGeom>
+            <a:solidFill>
+              <a:schemeClr val="accent1"/>
+            </a:solidFill>
+            <a:ln w="38100">
+              <a:noFill/>
+            </a:ln>
+          </p:spPr>
+          <p:style>
+            <a:lnRef idx="2">
+              <a:schemeClr val="accent1">
+                <a:shade val="50000"/>
+              </a:schemeClr>
+            </a:lnRef>
+            <a:fillRef idx="1">
+              <a:schemeClr val="accent1"/>
+            </a:fillRef>
+            <a:effectRef idx="0">
+              <a:schemeClr val="accent1"/>
+            </a:effectRef>
+            <a:fontRef idx="minor">
+              <a:schemeClr val="lt1"/>
+            </a:fontRef>
+          </p:style>
+          <p:txBody>
+            <a:bodyPr rtlCol="0" anchor="ctr"/>
+            <a:lstStyle/>
+            <a:p>
+              <a:pPr algn="ctr" rtl="0"/>
+              <a:endParaRPr lang="ru-RU" noProof="0" dirty="0"/>
+            </a:p>
+          </p:txBody>
+        </p:sp>
+      </p:grpSp>
+      <p:sp>
+        <p:nvSpPr>
+          <p:cNvPr id="17" name="Овал 16">
+            <a:extLst>
+              <a:ext uri="{FF2B5EF4-FFF2-40B4-BE49-F238E27FC236}">
+                <a16:creationId xmlns:a16="http://schemas.microsoft.com/office/drawing/2014/main" id="{F550CBE4-4AA4-0344-A8C4-913FBCB6D394}"/>
+              </a:ext>
+            </a:extLst>
+          </p:cNvPr>
+          <p:cNvSpPr/>
+          <p:nvPr userDrawn="1"/>
+        </p:nvSpPr>
+        <p:spPr>
+          <a:xfrm>
+            <a:off x="10429390" y="360726"/>
+            <a:ext cx="1035859" cy="1035859"/>
+          </a:xfrm>
+          <a:prstGeom prst="ellipse">
+            <a:avLst/>
+          </a:prstGeom>
+          <a:noFill/>
+          <a:ln w="38100">
+            <a:solidFill>
+              <a:schemeClr val="accent3"/>
+            </a:solidFill>
+            <a:prstDash val="dash"/>
+          </a:ln>
+        </p:spPr>
+        <p:style>
+          <a:lnRef idx="2">
+            <a:schemeClr val="accent1">
+              <a:shade val="50000"/>
+            </a:schemeClr>
+          </a:lnRef>
+          <a:fillRef idx="1">
+            <a:schemeClr val="accent1"/>
+          </a:fillRef>
+          <a:effectRef idx="0">
+            <a:schemeClr val="accent1"/>
+          </a:effectRef>
+          <a:fontRef idx="minor">
+            <a:schemeClr val="lt1"/>
+          </a:fontRef>
+        </p:style>
+        <p:txBody>
+          <a:bodyPr rtlCol="0" anchor="ctr"/>
+          <a:lstStyle/>
+          <a:p>
+            <a:pPr algn="ctr" rtl="0"/>
+            <a:endParaRPr lang="ru-RU" noProof="0" dirty="0"/>
+          </a:p>
+        </p:txBody>
+      </p:sp>
+      <p:sp>
+        <p:nvSpPr>
+          <p:cNvPr id="18" name="Овал 17">
+            <a:extLst>
+              <a:ext uri="{FF2B5EF4-FFF2-40B4-BE49-F238E27FC236}">
+                <a16:creationId xmlns:a16="http://schemas.microsoft.com/office/drawing/2014/main" id="{BC0611C4-56C5-EC48-B14E-BF6C5A4AE38E}"/>
+              </a:ext>
+            </a:extLst>
+          </p:cNvPr>
+          <p:cNvSpPr/>
+          <p:nvPr userDrawn="1"/>
+        </p:nvSpPr>
+        <p:spPr>
+          <a:xfrm>
+            <a:off x="458087" y="5430446"/>
+            <a:ext cx="99011" cy="99011"/>
+          </a:xfrm>
+          <a:prstGeom prst="ellipse">
+            <a:avLst/>
+          </a:prstGeom>
+          <a:solidFill>
+            <a:schemeClr val="accent4"/>
+          </a:solidFill>
+          <a:ln w="38100">
+            <a:noFill/>
+          </a:ln>
+        </p:spPr>
+        <p:style>
+          <a:lnRef idx="2">
+            <a:schemeClr val="accent1">
+              <a:shade val="50000"/>
+            </a:schemeClr>
+          </a:lnRef>
+          <a:fillRef idx="1">
+            <a:schemeClr val="accent1"/>
+          </a:fillRef>
+          <a:effectRef idx="0">
+            <a:schemeClr val="accent1"/>
+          </a:effectRef>
+          <a:fontRef idx="minor">
+            <a:schemeClr val="lt1"/>
+          </a:fontRef>
+        </p:style>
+        <p:txBody>
+          <a:bodyPr rtlCol="0" anchor="ctr"/>
+          <a:lstStyle/>
+          <a:p>
+            <a:pPr algn="ctr" rtl="0"/>
+            <a:endParaRPr lang="ru-RU" noProof="0" dirty="0"/>
+          </a:p>
+        </p:txBody>
+      </p:sp>
+      <p:sp>
+        <p:nvSpPr>
+          <p:cNvPr id="19" name="Овал 18">
+            <a:extLst>
+              <a:ext uri="{FF2B5EF4-FFF2-40B4-BE49-F238E27FC236}">
+                <a16:creationId xmlns:a16="http://schemas.microsoft.com/office/drawing/2014/main" id="{B20BC0DE-67C9-2F4F-B74A-3348FF840A86}"/>
+              </a:ext>
+            </a:extLst>
+          </p:cNvPr>
+          <p:cNvSpPr/>
+          <p:nvPr userDrawn="1"/>
+        </p:nvSpPr>
+        <p:spPr>
+          <a:xfrm>
+            <a:off x="5664570" y="125360"/>
+            <a:ext cx="176394" cy="176394"/>
+          </a:xfrm>
+          <a:prstGeom prst="ellipse">
+            <a:avLst/>
+          </a:prstGeom>
+          <a:solidFill>
+            <a:schemeClr val="accent6"/>
+          </a:solidFill>
+          <a:ln w="38100">
+            <a:noFill/>
+          </a:ln>
+        </p:spPr>
+        <p:style>
+          <a:lnRef idx="2">
+            <a:schemeClr val="accent1">
+              <a:shade val="50000"/>
+            </a:schemeClr>
+          </a:lnRef>
+          <a:fillRef idx="1">
+            <a:schemeClr val="accent1"/>
+          </a:fillRef>
+          <a:effectRef idx="0">
+            <a:schemeClr val="accent1"/>
+          </a:effectRef>
+          <a:fontRef idx="minor">
+            <a:schemeClr val="lt1"/>
+          </a:fontRef>
+        </p:style>
+        <p:txBody>
+          <a:bodyPr rtlCol="0" anchor="ctr"/>
+          <a:lstStyle/>
+          <a:p>
+            <a:pPr algn="ctr" rtl="0"/>
+            <a:endParaRPr lang="ru-RU" noProof="0" dirty="0"/>
+          </a:p>
+        </p:txBody>
+      </p:sp>
+      <p:sp>
+        <p:nvSpPr>
+          <p:cNvPr id="20" name="Овал 19">
+            <a:extLst>
+              <a:ext uri="{FF2B5EF4-FFF2-40B4-BE49-F238E27FC236}">
+                <a16:creationId xmlns:a16="http://schemas.microsoft.com/office/drawing/2014/main" id="{5B5F383C-1810-FF44-95F3-9FD818C7F193}"/>
+              </a:ext>
+            </a:extLst>
+          </p:cNvPr>
+          <p:cNvSpPr/>
+          <p:nvPr userDrawn="1"/>
+        </p:nvSpPr>
+        <p:spPr>
+          <a:xfrm>
+            <a:off x="11383587" y="6035040"/>
+            <a:ext cx="776923" cy="776923"/>
+          </a:xfrm>
+          <a:prstGeom prst="ellipse">
+            <a:avLst/>
+          </a:prstGeom>
+          <a:noFill/>
+          <a:ln w="38100">
+            <a:solidFill>
+              <a:schemeClr val="accent1"/>
+            </a:solidFill>
+          </a:ln>
+        </p:spPr>
+        <p:style>
+          <a:lnRef idx="2">
+            <a:schemeClr val="accent1">
+              <a:shade val="50000"/>
+            </a:schemeClr>
+          </a:lnRef>
+          <a:fillRef idx="1">
+            <a:schemeClr val="accent1"/>
+          </a:fillRef>
+          <a:effectRef idx="0">
+            <a:schemeClr val="accent1"/>
+          </a:effectRef>
+          <a:fontRef idx="minor">
+            <a:schemeClr val="lt1"/>
+          </a:fontRef>
+        </p:style>
+        <p:txBody>
+          <a:bodyPr rtlCol="0" anchor="ctr"/>
+          <a:lstStyle/>
+          <a:p>
+            <a:pPr algn="ctr" rtl="0"/>
+            <a:endParaRPr lang="ru-RU" noProof="0" dirty="0"/>
+          </a:p>
+        </p:txBody>
+      </p:sp>
+    </p:spTree>
+    <p:extLst>
+      <p:ext uri="{BB962C8B-B14F-4D97-AF65-F5344CB8AC3E}">
+        <p14:creationId xmlns:p14="http://schemas.microsoft.com/office/powerpoint/2010/main" val="2835550964"/>
+      </p:ext>
+    </p:extLst>
+  </p:cSld>
+  <p:clrMapOvr>
+    <a:masterClrMapping/>
+  </p:clrMapOvr>
+</p:sldLayout>
+</file>
+
+<file path=ppt/slideLayouts/slideLayout6.xml><?xml version="1.0" encoding="utf-8"?>
+<p:sldLayout xmlns:a="http://schemas.openxmlformats.org/drawingml/2006/main" xmlns:r="http://schemas.openxmlformats.org/officeDocument/2006/relationships" xmlns:p="http://schemas.openxmlformats.org/presentationml/2006/main" type="titleOnly" preserve="1">
+  <p:cSld name="Только заголовок">
+    <p:spTree>
+      <p:nvGrpSpPr>
+        <p:cNvPr id="1" name=""/>
+        <p:cNvGrpSpPr/>
+        <p:nvPr/>
+      </p:nvGrpSpPr>
+      <p:grpSpPr>
+        <a:xfrm>
+          <a:off x="0" y="0"/>
+          <a:ext cx="0" cy="0"/>
+          <a:chOff x="0" y="0"/>
+          <a:chExt cx="0" cy="0"/>
+        </a:xfrm>
+      </p:grpSpPr>
+      <p:sp>
+        <p:nvSpPr>
+          <p:cNvPr id="2" name="Title 1"/>
+          <p:cNvSpPr>
+            <a:spLocks noGrp="1"/>
+          </p:cNvSpPr>
+          <p:nvPr>
+            <p:ph type="title"/>
+          </p:nvPr>
+        </p:nvSpPr>
+        <p:spPr/>
+        <p:txBody>
+          <a:bodyPr/>
+          <a:lstStyle/>
+          <a:p>
+            <a:r>
+              <a:rPr lang="ru-RU"/>
+              <a:t>Образец заголовка</a:t>
+            </a:r>
+            <a:endParaRPr lang="en-US" dirty="0"/>
+          </a:p>
+        </p:txBody>
+      </p:sp>
+      <p:sp>
+        <p:nvSpPr>
+          <p:cNvPr id="3" name="Date Placeholder 2"/>
+          <p:cNvSpPr>
+            <a:spLocks noGrp="1"/>
+          </p:cNvSpPr>
+          <p:nvPr>
+            <p:ph type="dt" sz="half" idx="10"/>
+          </p:nvPr>
+        </p:nvSpPr>
+        <p:spPr/>
+        <p:txBody>
+          <a:bodyPr/>
+          <a:lstStyle/>
+          <a:p>
+            <a:pPr rtl="0"/>
+            <a:fld id="{4CF5337F-F302-414C-9999-654EC56929E7}" type="datetime1">
+              <a:rPr lang="ru-RU" noProof="0" smtClean="0"/>
+              <a:t>27.02.2021</a:t>
+            </a:fld>
+            <a:endParaRPr lang="ru-RU" noProof="0" dirty="0"/>
+          </a:p>
+        </p:txBody>
+      </p:sp>
+      <p:sp>
+        <p:nvSpPr>
+          <p:cNvPr id="4" name="Footer Placeholder 3"/>
+          <p:cNvSpPr>
+            <a:spLocks noGrp="1"/>
+          </p:cNvSpPr>
+          <p:nvPr>
+            <p:ph type="ftr" sz="quarter" idx="11"/>
+          </p:nvPr>
+        </p:nvSpPr>
+        <p:spPr/>
+        <p:txBody>
+          <a:bodyPr/>
+          <a:lstStyle/>
+          <a:p>
+            <a:pPr rtl="0"/>
+            <a:endParaRPr lang="ru-RU" noProof="0" dirty="0"/>
+          </a:p>
+        </p:txBody>
+      </p:sp>
+      <p:sp>
+        <p:nvSpPr>
+          <p:cNvPr id="5" name="Slide Number Placeholder 4"/>
+          <p:cNvSpPr>
+            <a:spLocks noGrp="1"/>
+          </p:cNvSpPr>
+          <p:nvPr>
+            <p:ph type="sldNum" sz="quarter" idx="12"/>
+          </p:nvPr>
+        </p:nvSpPr>
+        <p:spPr/>
+        <p:txBody>
+          <a:bodyPr/>
+          <a:lstStyle/>
+          <a:p>
+            <a:pPr rtl="0"/>
+            <a:fld id="{3A98EE3D-8CD1-4C3F-BD1C-C98C9596463C}" type="slidenum">
+              <a:rPr lang="ru-RU" noProof="0" smtClean="0"/>
+              <a:t>‹#›</a:t>
+            </a:fld>
+            <a:endParaRPr lang="ru-RU" noProof="0" dirty="0"/>
+          </a:p>
+        </p:txBody>
+      </p:sp>
+      <p:grpSp>
+        <p:nvGrpSpPr>
+          <p:cNvPr id="6" name="Группа 5">
+            <a:extLst>
+              <a:ext uri="{FF2B5EF4-FFF2-40B4-BE49-F238E27FC236}">
+                <a16:creationId xmlns:a16="http://schemas.microsoft.com/office/drawing/2014/main" id="{6B262E54-DEFB-1D44-98E5-776A7393D07C}"/>
+              </a:ext>
+            </a:extLst>
+          </p:cNvPr>
+          <p:cNvGrpSpPr/>
+          <p:nvPr userDrawn="1"/>
+        </p:nvGrpSpPr>
+        <p:grpSpPr>
+          <a:xfrm rot="5400000">
+            <a:off x="-21619" y="1088453"/>
+            <a:ext cx="910099" cy="99010"/>
+            <a:chOff x="622418" y="280927"/>
+            <a:chExt cx="2335705" cy="254101"/>
+          </a:xfrm>
+        </p:grpSpPr>
+        <p:sp>
+          <p:nvSpPr>
+            <p:cNvPr id="7" name="Овал 6">
+              <a:extLst>
+                <a:ext uri="{FF2B5EF4-FFF2-40B4-BE49-F238E27FC236}">
+                  <a16:creationId xmlns:a16="http://schemas.microsoft.com/office/drawing/2014/main" id="{1B1D4EE3-31F2-EE4D-A6B1-0D2FC774F778}"/>
+                </a:ext>
+              </a:extLst>
+            </p:cNvPr>
+            <p:cNvSpPr/>
+            <p:nvPr userDrawn="1"/>
+          </p:nvSpPr>
+          <p:spPr>
+            <a:xfrm>
+              <a:off x="1038739" y="280927"/>
+              <a:ext cx="254101" cy="254101"/>
+            </a:xfrm>
+            <a:prstGeom prst="ellipse">
+              <a:avLst/>
+            </a:prstGeom>
+            <a:solidFill>
+              <a:schemeClr val="accent2"/>
+            </a:solidFill>
+            <a:ln w="38100">
+              <a:noFill/>
+            </a:ln>
+          </p:spPr>
+          <p:style>
+            <a:lnRef idx="2">
+              <a:schemeClr val="accent1">
+                <a:shade val="50000"/>
+              </a:schemeClr>
+            </a:lnRef>
+            <a:fillRef idx="1">
+              <a:schemeClr val="accent1"/>
+            </a:fillRef>
+            <a:effectRef idx="0">
+              <a:schemeClr val="accent1"/>
+            </a:effectRef>
+            <a:fontRef idx="minor">
+              <a:schemeClr val="lt1"/>
+            </a:fontRef>
+          </p:style>
+          <p:txBody>
+            <a:bodyPr rtlCol="0" anchor="ctr"/>
+            <a:lstStyle/>
+            <a:p>
+              <a:pPr algn="ctr" rtl="0"/>
+              <a:endParaRPr lang="ru-RU" noProof="0" dirty="0"/>
+            </a:p>
+          </p:txBody>
+        </p:sp>
+        <p:sp>
+          <p:nvSpPr>
+            <p:cNvPr id="8" name="Овал 7">
+              <a:extLst>
+                <a:ext uri="{FF2B5EF4-FFF2-40B4-BE49-F238E27FC236}">
+                  <a16:creationId xmlns:a16="http://schemas.microsoft.com/office/drawing/2014/main" id="{672912B1-B984-624C-B632-4F0FCD68B18F}"/>
+                </a:ext>
+              </a:extLst>
+            </p:cNvPr>
+            <p:cNvSpPr/>
+            <p:nvPr userDrawn="1"/>
+          </p:nvSpPr>
+          <p:spPr>
+            <a:xfrm>
+              <a:off x="1455060" y="280927"/>
+              <a:ext cx="254101" cy="254101"/>
+            </a:xfrm>
+            <a:prstGeom prst="ellipse">
+              <a:avLst/>
+            </a:prstGeom>
+            <a:solidFill>
+              <a:schemeClr val="accent3"/>
+            </a:solidFill>
+            <a:ln w="38100">
+              <a:noFill/>
+            </a:ln>
+          </p:spPr>
+          <p:style>
+            <a:lnRef idx="2">
+              <a:schemeClr val="accent1">
+                <a:shade val="50000"/>
+              </a:schemeClr>
+            </a:lnRef>
+            <a:fillRef idx="1">
+              <a:schemeClr val="accent1"/>
+            </a:fillRef>
+            <a:effectRef idx="0">
+              <a:schemeClr val="accent1"/>
+            </a:effectRef>
+            <a:fontRef idx="minor">
+              <a:schemeClr val="lt1"/>
+            </a:fontRef>
+          </p:style>
+          <p:txBody>
+            <a:bodyPr rtlCol="0" anchor="ctr"/>
+            <a:lstStyle/>
+            <a:p>
+              <a:pPr algn="ctr" rtl="0"/>
+              <a:endParaRPr lang="ru-RU" noProof="0" dirty="0"/>
+            </a:p>
+          </p:txBody>
+        </p:sp>
+        <p:sp>
+          <p:nvSpPr>
+            <p:cNvPr id="9" name="Овал 8">
+              <a:extLst>
+                <a:ext uri="{FF2B5EF4-FFF2-40B4-BE49-F238E27FC236}">
+                  <a16:creationId xmlns:a16="http://schemas.microsoft.com/office/drawing/2014/main" id="{34D37B8D-5C65-D94C-A511-861A626F5CCE}"/>
+                </a:ext>
+              </a:extLst>
+            </p:cNvPr>
+            <p:cNvSpPr/>
+            <p:nvPr userDrawn="1"/>
+          </p:nvSpPr>
+          <p:spPr>
+            <a:xfrm>
+              <a:off x="1871381" y="280927"/>
+              <a:ext cx="254101" cy="254101"/>
+            </a:xfrm>
+            <a:prstGeom prst="ellipse">
+              <a:avLst/>
+            </a:prstGeom>
+            <a:solidFill>
+              <a:schemeClr val="accent4"/>
+            </a:solidFill>
+            <a:ln w="38100">
+              <a:noFill/>
+            </a:ln>
+          </p:spPr>
+          <p:style>
+            <a:lnRef idx="2">
+              <a:schemeClr val="accent1">
+                <a:shade val="50000"/>
+              </a:schemeClr>
+            </a:lnRef>
+            <a:fillRef idx="1">
+              <a:schemeClr val="accent1"/>
+            </a:fillRef>
+            <a:effectRef idx="0">
+              <a:schemeClr val="accent1"/>
+            </a:effectRef>
+            <a:fontRef idx="minor">
+              <a:schemeClr val="lt1"/>
+            </a:fontRef>
+          </p:style>
+          <p:txBody>
+            <a:bodyPr rtlCol="0" anchor="ctr"/>
+            <a:lstStyle/>
+            <a:p>
+              <a:pPr algn="ctr" rtl="0"/>
+              <a:endParaRPr lang="ru-RU" noProof="0" dirty="0"/>
+            </a:p>
+          </p:txBody>
+        </p:sp>
+        <p:sp>
+          <p:nvSpPr>
+            <p:cNvPr id="10" name="Овал 9">
+              <a:extLst>
+                <a:ext uri="{FF2B5EF4-FFF2-40B4-BE49-F238E27FC236}">
+                  <a16:creationId xmlns:a16="http://schemas.microsoft.com/office/drawing/2014/main" id="{39515827-211A-CE45-9C09-83873BFD5CAC}"/>
+                </a:ext>
+              </a:extLst>
+            </p:cNvPr>
+            <p:cNvSpPr/>
+            <p:nvPr userDrawn="1"/>
+          </p:nvSpPr>
+          <p:spPr>
+            <a:xfrm>
+              <a:off x="2287702" y="280927"/>
+              <a:ext cx="254101" cy="254101"/>
+            </a:xfrm>
+            <a:prstGeom prst="ellipse">
+              <a:avLst/>
+            </a:prstGeom>
+            <a:solidFill>
+              <a:schemeClr val="accent5"/>
+            </a:solidFill>
+            <a:ln w="38100">
+              <a:noFill/>
+            </a:ln>
+          </p:spPr>
+          <p:style>
+            <a:lnRef idx="2">
+              <a:schemeClr val="accent1">
+                <a:shade val="50000"/>
+              </a:schemeClr>
+            </a:lnRef>
+            <a:fillRef idx="1">
+              <a:schemeClr val="accent1"/>
+            </a:fillRef>
+            <a:effectRef idx="0">
+              <a:schemeClr val="accent1"/>
+            </a:effectRef>
+            <a:fontRef idx="minor">
+              <a:schemeClr val="lt1"/>
+            </a:fontRef>
+          </p:style>
+          <p:txBody>
+            <a:bodyPr rtlCol="0" anchor="ctr"/>
+            <a:lstStyle/>
+            <a:p>
+              <a:pPr algn="ctr" rtl="0"/>
+              <a:endParaRPr lang="ru-RU" noProof="0" dirty="0"/>
+            </a:p>
+          </p:txBody>
+        </p:sp>
+        <p:sp>
+          <p:nvSpPr>
+            <p:cNvPr id="11" name="Овал 10">
+              <a:extLst>
+                <a:ext uri="{FF2B5EF4-FFF2-40B4-BE49-F238E27FC236}">
+                  <a16:creationId xmlns:a16="http://schemas.microsoft.com/office/drawing/2014/main" id="{3CB6978C-92C4-E741-9078-C7F575A0370B}"/>
+                </a:ext>
+              </a:extLst>
+            </p:cNvPr>
+            <p:cNvSpPr/>
+            <p:nvPr userDrawn="1"/>
+          </p:nvSpPr>
+          <p:spPr>
+            <a:xfrm>
+              <a:off x="2704022" y="280927"/>
+              <a:ext cx="254101" cy="254101"/>
+            </a:xfrm>
+            <a:prstGeom prst="ellipse">
+              <a:avLst/>
+            </a:prstGeom>
+            <a:solidFill>
+              <a:schemeClr val="accent6"/>
+            </a:solidFill>
+            <a:ln w="38100">
+              <a:noFill/>
+            </a:ln>
+          </p:spPr>
+          <p:style>
+            <a:lnRef idx="2">
+              <a:schemeClr val="accent1">
+                <a:shade val="50000"/>
+              </a:schemeClr>
+            </a:lnRef>
+            <a:fillRef idx="1">
+              <a:schemeClr val="accent1"/>
+            </a:fillRef>
+            <a:effectRef idx="0">
+              <a:schemeClr val="accent1"/>
+            </a:effectRef>
+            <a:fontRef idx="minor">
+              <a:schemeClr val="lt1"/>
+            </a:fontRef>
+          </p:style>
+          <p:txBody>
+            <a:bodyPr rtlCol="0" anchor="ctr"/>
+            <a:lstStyle/>
+            <a:p>
+              <a:pPr algn="ctr" rtl="0"/>
+              <a:endParaRPr lang="ru-RU" noProof="0" dirty="0"/>
+            </a:p>
+          </p:txBody>
+        </p:sp>
+        <p:sp>
+          <p:nvSpPr>
+            <p:cNvPr id="12" name="Овал 11">
+              <a:extLst>
+                <a:ext uri="{FF2B5EF4-FFF2-40B4-BE49-F238E27FC236}">
+                  <a16:creationId xmlns:a16="http://schemas.microsoft.com/office/drawing/2014/main" id="{6F4D8C99-7A1C-8A40-8A76-E4AE31829C90}"/>
+                </a:ext>
+              </a:extLst>
+            </p:cNvPr>
+            <p:cNvSpPr/>
+            <p:nvPr userDrawn="1"/>
+          </p:nvSpPr>
+          <p:spPr>
+            <a:xfrm>
+              <a:off x="622418" y="280927"/>
+              <a:ext cx="254101" cy="254101"/>
+            </a:xfrm>
+            <a:prstGeom prst="ellipse">
+              <a:avLst/>
+            </a:prstGeom>
+            <a:solidFill>
+              <a:schemeClr val="accent1"/>
+            </a:solidFill>
+            <a:ln w="38100">
+              <a:noFill/>
+            </a:ln>
+          </p:spPr>
+          <p:style>
+            <a:lnRef idx="2">
+              <a:schemeClr val="accent1">
+                <a:shade val="50000"/>
+              </a:schemeClr>
+            </a:lnRef>
+            <a:fillRef idx="1">
+              <a:schemeClr val="accent1"/>
+            </a:fillRef>
+            <a:effectRef idx="0">
+              <a:schemeClr val="accent1"/>
+            </a:effectRef>
+            <a:fontRef idx="minor">
+              <a:schemeClr val="lt1"/>
+            </a:fontRef>
+          </p:style>
+          <p:txBody>
+            <a:bodyPr rtlCol="0" anchor="ctr"/>
+            <a:lstStyle/>
+            <a:p>
+              <a:pPr algn="ctr" rtl="0"/>
+              <a:endParaRPr lang="ru-RU" noProof="0" dirty="0"/>
+            </a:p>
+          </p:txBody>
+        </p:sp>
+      </p:grpSp>
+      <p:sp>
+        <p:nvSpPr>
+          <p:cNvPr id="13" name="Овал 12">
+            <a:extLst>
+              <a:ext uri="{FF2B5EF4-FFF2-40B4-BE49-F238E27FC236}">
+                <a16:creationId xmlns:a16="http://schemas.microsoft.com/office/drawing/2014/main" id="{166F393E-24B3-A34E-9168-FE8C8B873A69}"/>
+              </a:ext>
+            </a:extLst>
+          </p:cNvPr>
+          <p:cNvSpPr/>
+          <p:nvPr userDrawn="1"/>
+        </p:nvSpPr>
+        <p:spPr>
+          <a:xfrm>
+            <a:off x="10429390" y="360726"/>
+            <a:ext cx="1035859" cy="1035859"/>
+          </a:xfrm>
+          <a:prstGeom prst="ellipse">
+            <a:avLst/>
+          </a:prstGeom>
+          <a:noFill/>
+          <a:ln w="38100">
+            <a:solidFill>
+              <a:schemeClr val="accent3"/>
+            </a:solidFill>
+            <a:prstDash val="dash"/>
+          </a:ln>
+        </p:spPr>
+        <p:style>
+          <a:lnRef idx="2">
+            <a:schemeClr val="accent1">
+              <a:shade val="50000"/>
+            </a:schemeClr>
+          </a:lnRef>
+          <a:fillRef idx="1">
+            <a:schemeClr val="accent1"/>
+          </a:fillRef>
+          <a:effectRef idx="0">
+            <a:schemeClr val="accent1"/>
+          </a:effectRef>
+          <a:fontRef idx="minor">
+            <a:schemeClr val="lt1"/>
+          </a:fontRef>
+        </p:style>
+        <p:txBody>
+          <a:bodyPr rtlCol="0" anchor="ctr"/>
+          <a:lstStyle/>
+          <a:p>
+            <a:pPr algn="ctr" rtl="0"/>
+            <a:endParaRPr lang="ru-RU" noProof="0" dirty="0"/>
+          </a:p>
+        </p:txBody>
+      </p:sp>
+      <p:sp>
+        <p:nvSpPr>
+          <p:cNvPr id="14" name="Овал 13">
+            <a:extLst>
+              <a:ext uri="{FF2B5EF4-FFF2-40B4-BE49-F238E27FC236}">
+                <a16:creationId xmlns:a16="http://schemas.microsoft.com/office/drawing/2014/main" id="{61281461-4E33-6949-A68D-469CDA19037E}"/>
+              </a:ext>
+            </a:extLst>
+          </p:cNvPr>
+          <p:cNvSpPr/>
+          <p:nvPr userDrawn="1"/>
+        </p:nvSpPr>
+        <p:spPr>
+          <a:xfrm>
+            <a:off x="458087" y="5430446"/>
+            <a:ext cx="99011" cy="99011"/>
+          </a:xfrm>
+          <a:prstGeom prst="ellipse">
+            <a:avLst/>
+          </a:prstGeom>
+          <a:solidFill>
+            <a:schemeClr val="accent4"/>
+          </a:solidFill>
+          <a:ln w="38100">
+            <a:noFill/>
+          </a:ln>
+        </p:spPr>
+        <p:style>
+          <a:lnRef idx="2">
+            <a:schemeClr val="accent1">
+              <a:shade val="50000"/>
+            </a:schemeClr>
+          </a:lnRef>
+          <a:fillRef idx="1">
+            <a:schemeClr val="accent1"/>
+          </a:fillRef>
+          <a:effectRef idx="0">
+            <a:schemeClr val="accent1"/>
+          </a:effectRef>
+          <a:fontRef idx="minor">
+            <a:schemeClr val="lt1"/>
+          </a:fontRef>
+        </p:style>
+        <p:txBody>
+          <a:bodyPr rtlCol="0" anchor="ctr"/>
+          <a:lstStyle/>
+          <a:p>
+            <a:pPr algn="ctr" rtl="0"/>
+            <a:endParaRPr lang="ru-RU" noProof="0" dirty="0"/>
+          </a:p>
+        </p:txBody>
+      </p:sp>
+      <p:sp>
+        <p:nvSpPr>
+          <p:cNvPr id="15" name="Овал 14">
+            <a:extLst>
+              <a:ext uri="{FF2B5EF4-FFF2-40B4-BE49-F238E27FC236}">
+                <a16:creationId xmlns:a16="http://schemas.microsoft.com/office/drawing/2014/main" id="{B4B264DD-C4D6-8147-900E-E68559593FDD}"/>
+              </a:ext>
+            </a:extLst>
+          </p:cNvPr>
+          <p:cNvSpPr/>
+          <p:nvPr userDrawn="1"/>
+        </p:nvSpPr>
+        <p:spPr>
+          <a:xfrm>
+            <a:off x="5664570" y="125360"/>
+            <a:ext cx="176394" cy="176394"/>
+          </a:xfrm>
+          <a:prstGeom prst="ellipse">
+            <a:avLst/>
+          </a:prstGeom>
+          <a:solidFill>
+            <a:schemeClr val="accent6"/>
+          </a:solidFill>
+          <a:ln w="38100">
+            <a:noFill/>
+          </a:ln>
+        </p:spPr>
+        <p:style>
+          <a:lnRef idx="2">
+            <a:schemeClr val="accent1">
+              <a:shade val="50000"/>
+            </a:schemeClr>
+          </a:lnRef>
+          <a:fillRef idx="1">
+            <a:schemeClr val="accent1"/>
+          </a:fillRef>
+          <a:effectRef idx="0">
+            <a:schemeClr val="accent1"/>
+          </a:effectRef>
+          <a:fontRef idx="minor">
+            <a:schemeClr val="lt1"/>
+          </a:fontRef>
+        </p:style>
+        <p:txBody>
+          <a:bodyPr rtlCol="0" anchor="ctr"/>
+          <a:lstStyle/>
+          <a:p>
+            <a:pPr algn="ctr" rtl="0"/>
+            <a:endParaRPr lang="ru-RU" noProof="0" dirty="0"/>
+          </a:p>
+        </p:txBody>
+      </p:sp>
+      <p:sp>
+        <p:nvSpPr>
+          <p:cNvPr id="16" name="Овал 15">
+            <a:extLst>
+              <a:ext uri="{FF2B5EF4-FFF2-40B4-BE49-F238E27FC236}">
+                <a16:creationId xmlns:a16="http://schemas.microsoft.com/office/drawing/2014/main" id="{F8146806-B3F2-AC47-B2DC-E6970B4602D1}"/>
+              </a:ext>
+            </a:extLst>
+          </p:cNvPr>
+          <p:cNvSpPr/>
+          <p:nvPr userDrawn="1"/>
+        </p:nvSpPr>
+        <p:spPr>
+          <a:xfrm>
+            <a:off x="11383587" y="6035040"/>
+            <a:ext cx="776923" cy="776923"/>
+          </a:xfrm>
+          <a:prstGeom prst="ellipse">
+            <a:avLst/>
+          </a:prstGeom>
+          <a:noFill/>
+          <a:ln w="38100">
+            <a:solidFill>
+              <a:schemeClr val="accent1"/>
+            </a:solidFill>
+          </a:ln>
+        </p:spPr>
+        <p:style>
+          <a:lnRef idx="2">
+            <a:schemeClr val="accent1">
+              <a:shade val="50000"/>
+            </a:schemeClr>
+          </a:lnRef>
+          <a:fillRef idx="1">
+            <a:schemeClr val="accent1"/>
+          </a:fillRef>
+          <a:effectRef idx="0">
+            <a:schemeClr val="accent1"/>
+          </a:effectRef>
+          <a:fontRef idx="minor">
+            <a:schemeClr val="lt1"/>
+          </a:fontRef>
+        </p:style>
+        <p:txBody>
+          <a:bodyPr rtlCol="0" anchor="ctr"/>
+          <a:lstStyle/>
+          <a:p>
+            <a:pPr algn="ctr" rtl="0"/>
+            <a:endParaRPr lang="ru-RU" noProof="0" dirty="0"/>
+          </a:p>
+        </p:txBody>
+      </p:sp>
+    </p:spTree>
+    <p:extLst>
+      <p:ext uri="{BB962C8B-B14F-4D97-AF65-F5344CB8AC3E}">
+        <p14:creationId xmlns:p14="http://schemas.microsoft.com/office/powerpoint/2010/main" val="1886297600"/>
+      </p:ext>
+    </p:extLst>
+  </p:cSld>
+  <p:clrMapOvr>
+    <a:masterClrMapping/>
+  </p:clrMapOvr>
+</p:sldLayout>
+</file>
+
+<file path=ppt/slideLayouts/slideLayout7.xml><?xml version="1.0" encoding="utf-8"?>
+<p:sldLayout xmlns:a="http://schemas.openxmlformats.org/drawingml/2006/main" xmlns:r="http://schemas.openxmlformats.org/officeDocument/2006/relationships" xmlns:p="http://schemas.openxmlformats.org/presentationml/2006/main" type="blank" preserve="1">
+  <p:cSld name="Пустой слайд">
+    <p:spTree>
+      <p:nvGrpSpPr>
+        <p:cNvPr id="1" name=""/>
+        <p:cNvGrpSpPr/>
+        <p:nvPr/>
+      </p:nvGrpSpPr>
+      <p:grpSpPr>
+        <a:xfrm>
+          <a:off x="0" y="0"/>
+          <a:ext cx="0" cy="0"/>
+          <a:chOff x="0" y="0"/>
+          <a:chExt cx="0" cy="0"/>
+        </a:xfrm>
+      </p:grpSpPr>
+      <p:sp>
+        <p:nvSpPr>
+          <p:cNvPr id="2" name="Date Placeholder 1"/>
+          <p:cNvSpPr>
+            <a:spLocks noGrp="1"/>
+          </p:cNvSpPr>
+          <p:nvPr>
+            <p:ph type="dt" sz="half" idx="10"/>
+          </p:nvPr>
+        </p:nvSpPr>
+        <p:spPr/>
+        <p:txBody>
+          <a:bodyPr/>
+          <a:lstStyle/>
+          <a:p>
+            <a:pPr rtl="0"/>
+            <a:fld id="{05F888F6-BA81-4650-96F1-E4BE1E5DDAE1}" type="datetime1">
+              <a:rPr lang="ru-RU" noProof="0" smtClean="0"/>
+              <a:t>27.02.2021</a:t>
+            </a:fld>
+            <a:endParaRPr lang="ru-RU" noProof="0" dirty="0"/>
+          </a:p>
+        </p:txBody>
+      </p:sp>
+      <p:sp>
+        <p:nvSpPr>
+          <p:cNvPr id="3" name="Footer Placeholder 2"/>
+          <p:cNvSpPr>
+            <a:spLocks noGrp="1"/>
+          </p:cNvSpPr>
+          <p:nvPr>
+            <p:ph type="ftr" sz="quarter" idx="11"/>
+          </p:nvPr>
+        </p:nvSpPr>
+        <p:spPr/>
+        <p:txBody>
+          <a:bodyPr/>
+          <a:lstStyle/>
+          <a:p>
+            <a:pPr rtl="0"/>
+            <a:endParaRPr lang="ru-RU" noProof="0" dirty="0"/>
+          </a:p>
+        </p:txBody>
+      </p:sp>
+      <p:sp>
+        <p:nvSpPr>
+          <p:cNvPr id="4" name="Slide Number Placeholder 3"/>
+          <p:cNvSpPr>
+            <a:spLocks noGrp="1"/>
+          </p:cNvSpPr>
+          <p:nvPr>
+            <p:ph type="sldNum" sz="quarter" idx="12"/>
+          </p:nvPr>
+        </p:nvSpPr>
+        <p:spPr/>
+        <p:txBody>
+          <a:bodyPr/>
+          <a:lstStyle/>
+          <a:p>
+            <a:pPr rtl="0"/>
+            <a:fld id="{3A98EE3D-8CD1-4C3F-BD1C-C98C9596463C}" type="slidenum">
+              <a:rPr lang="ru-RU" noProof="0" smtClean="0"/>
+              <a:t>‹#›</a:t>
+            </a:fld>
+            <a:endParaRPr lang="ru-RU" noProof="0" dirty="0"/>
+          </a:p>
+        </p:txBody>
+      </p:sp>
+    </p:spTree>
+    <p:extLst>
+      <p:ext uri="{BB962C8B-B14F-4D97-AF65-F5344CB8AC3E}">
+        <p14:creationId xmlns:p14="http://schemas.microsoft.com/office/powerpoint/2010/main" val="3405843309"/>
+      </p:ext>
+    </p:extLst>
+  </p:cSld>
+  <p:clrMapOvr>
+    <a:masterClrMapping/>
+  </p:clrMapOvr>
+</p:sldLayout>
+</file>
+
+<file path=ppt/slideLayouts/slideLayout8.xml><?xml version="1.0" encoding="utf-8"?>
+<p:sldLayout xmlns:a="http://schemas.openxmlformats.org/drawingml/2006/main" xmlns:r="http://schemas.openxmlformats.org/officeDocument/2006/relationships" xmlns:p="http://schemas.openxmlformats.org/presentationml/2006/main" showMasterSp="0" type="objTx" preserve="1">
+  <p:cSld name="Объект с подписью">
+    <p:spTree>
+      <p:nvGrpSpPr>
+        <p:cNvPr id="1" name=""/>
+        <p:cNvGrpSpPr/>
+        <p:nvPr/>
+      </p:nvGrpSpPr>
+      <p:grpSpPr>
+        <a:xfrm>
+          <a:off x="0" y="0"/>
+          <a:ext cx="0" cy="0"/>
+          <a:chOff x="0" y="0"/>
+          <a:chExt cx="0" cy="0"/>
+        </a:xfrm>
+      </p:grpSpPr>
+      <p:sp>
+        <p:nvSpPr>
+          <p:cNvPr id="8" name="Rectangle 7" title="Background Shape"/>
+          <p:cNvSpPr/>
+          <p:nvPr/>
+        </p:nvSpPr>
+        <p:spPr>
+          <a:xfrm>
+            <a:off x="0" y="376"/>
+            <a:ext cx="5303520" cy="6857624"/>
+          </a:xfrm>
+          <a:prstGeom prst="rect">
+            <a:avLst/>
+          </a:prstGeom>
+          <a:solidFill>
+            <a:schemeClr val="accent1"/>
+          </a:solidFill>
+          <a:ln>
+            <a:noFill/>
+          </a:ln>
+        </p:spPr>
+        <p:style>
+          <a:lnRef idx="2">
+            <a:schemeClr val="accent1">
+              <a:shade val="50000"/>
+            </a:schemeClr>
+          </a:lnRef>
+          <a:fillRef idx="1">
+            <a:schemeClr val="accent1"/>
+          </a:fillRef>
+          <a:effectRef idx="0">
+            <a:schemeClr val="accent1"/>
+          </a:effectRef>
+          <a:fontRef idx="minor">
+            <a:schemeClr val="lt1"/>
+          </a:fontRef>
+        </p:style>
+      </p:sp>
+      <p:sp>
+        <p:nvSpPr>
+          <p:cNvPr id="2" name="Title 1"/>
+          <p:cNvSpPr>
+            <a:spLocks noGrp="1"/>
+          </p:cNvSpPr>
+          <p:nvPr>
+            <p:ph type="title"/>
+          </p:nvPr>
+        </p:nvSpPr>
+        <p:spPr>
+          <a:xfrm>
+            <a:off x="723900" y="685800"/>
+            <a:ext cx="3855720" cy="2157884"/>
+          </a:xfrm>
+        </p:spPr>
+        <p:txBody>
+          <a:bodyPr anchor="t">
+            <a:noAutofit/>
+          </a:bodyPr>
+          <a:lstStyle>
+            <a:lvl1pPr>
+              <a:lnSpc>
+                <a:spcPct val="84000"/>
+              </a:lnSpc>
+              <a:defRPr sz="4800" baseline="0">
+                <a:solidFill>
+                  <a:schemeClr val="tx2"/>
+                </a:solidFill>
+              </a:defRPr>
+            </a:lvl1pPr>
+          </a:lstStyle>
+          <a:p>
+            <a:r>
+              <a:rPr lang="ru-RU"/>
+              <a:t>Образец заголовка</a:t>
+            </a:r>
+            <a:endParaRPr lang="en-US" dirty="0"/>
+          </a:p>
+        </p:txBody>
+      </p:sp>
+      <p:sp>
+        <p:nvSpPr>
+          <p:cNvPr id="3" name="Content Placeholder 2"/>
+          <p:cNvSpPr>
+            <a:spLocks noGrp="1"/>
+          </p:cNvSpPr>
+          <p:nvPr>
+            <p:ph idx="1"/>
+          </p:nvPr>
+        </p:nvSpPr>
+        <p:spPr>
+          <a:xfrm>
+            <a:off x="6256020" y="685801"/>
+            <a:ext cx="5212080" cy="5175250"/>
+          </a:xfrm>
+        </p:spPr>
+        <p:txBody>
+          <a:bodyPr/>
+          <a:lstStyle>
+            <a:lvl1pPr>
+              <a:defRPr sz="2000"/>
+            </a:lvl1pPr>
+            <a:lvl2pPr>
+              <a:defRPr sz="2000"/>
+            </a:lvl2pPr>
+            <a:lvl3pPr>
+              <a:defRPr sz="1800"/>
+            </a:lvl3pPr>
+            <a:lvl4pPr>
+              <a:defRPr sz="1800"/>
+            </a:lvl4pPr>
+            <a:lvl5pPr>
+              <a:defRPr sz="1600"/>
+            </a:lvl5pPr>
+            <a:lvl6pPr>
+              <a:defRPr sz="1600"/>
+            </a:lvl6pPr>
+            <a:lvl7pPr>
+              <a:defRPr sz="1600"/>
+            </a:lvl7pPr>
+            <a:lvl8pPr>
+              <a:defRPr sz="1600"/>
+            </a:lvl8pPr>
+            <a:lvl9pPr>
+              <a:defRPr sz="1600"/>
+            </a:lvl9pPr>
+          </a:lstStyle>
+          <a:p>
+            <a:pPr lvl="0"/>
+            <a:r>
+              <a:rPr lang="ru-RU"/>
+              <a:t>Образец текста</a:t>
+            </a:r>
+          </a:p>
+          <a:p>
+            <a:pPr lvl="1"/>
+            <a:r>
+              <a:rPr lang="ru-RU"/>
+              <a:t>Второй уровень</a:t>
+            </a:r>
+          </a:p>
+          <a:p>
+            <a:pPr lvl="2"/>
+            <a:r>
+              <a:rPr lang="ru-RU"/>
+              <a:t>Третий уровень</a:t>
+            </a:r>
+          </a:p>
+          <a:p>
+            <a:pPr lvl="3"/>
+            <a:r>
+              <a:rPr lang="ru-RU"/>
+              <a:t>Четвертый уровень</a:t>
+            </a:r>
+          </a:p>
+          <a:p>
+            <a:pPr lvl="4"/>
+            <a:r>
+              <a:rPr lang="ru-RU"/>
+              <a:t>Пятый уровень</a:t>
+            </a:r>
+            <a:endParaRPr lang="en-US" dirty="0"/>
+          </a:p>
+        </p:txBody>
+      </p:sp>
+      <p:sp>
+        <p:nvSpPr>
+          <p:cNvPr id="4" name="Text Placeholder 3"/>
+          <p:cNvSpPr>
+            <a:spLocks noGrp="1"/>
+          </p:cNvSpPr>
+          <p:nvPr>
+            <p:ph type="body" sz="half" idx="2"/>
+          </p:nvPr>
+        </p:nvSpPr>
+        <p:spPr>
+          <a:xfrm>
+            <a:off x="723900" y="2856344"/>
+            <a:ext cx="3855720" cy="3011056"/>
+          </a:xfrm>
+        </p:spPr>
+        <p:txBody>
+          <a:bodyPr/>
+          <a:lstStyle>
+            <a:lvl1pPr marL="0" indent="0">
+              <a:lnSpc>
+                <a:spcPct val="113000"/>
+              </a:lnSpc>
+              <a:spcBef>
+                <a:spcPts val="0"/>
+              </a:spcBef>
+              <a:spcAft>
+                <a:spcPts val="1500"/>
+              </a:spcAft>
+              <a:buNone/>
+              <a:defRPr sz="1600"/>
+            </a:lvl1pPr>
+            <a:lvl2pPr marL="457200" indent="0">
+              <a:buNone/>
+              <a:defRPr sz="1400"/>
+            </a:lvl2pPr>
+            <a:lvl3pPr marL="914400" indent="0">
+              <a:buNone/>
+              <a:defRPr sz="1200"/>
+            </a:lvl3pPr>
+            <a:lvl4pPr marL="1371600" indent="0">
+              <a:buNone/>
+              <a:defRPr sz="1000"/>
+            </a:lvl4pPr>
+            <a:lvl5pPr marL="1828800" indent="0">
+              <a:buNone/>
+              <a:defRPr sz="1000"/>
+            </a:lvl5pPr>
+            <a:lvl6pPr marL="2286000" indent="0">
+              <a:buNone/>
+              <a:defRPr sz="1000"/>
+            </a:lvl6pPr>
+            <a:lvl7pPr marL="2743200" indent="0">
+              <a:buNone/>
+              <a:defRPr sz="1000"/>
+            </a:lvl7pPr>
+            <a:lvl8pPr marL="3200400" indent="0">
+              <a:buNone/>
+              <a:defRPr sz="1000"/>
+            </a:lvl8pPr>
+            <a:lvl9pPr marL="3657600" indent="0">
+              <a:buNone/>
+              <a:defRPr sz="1000"/>
+            </a:lvl9pPr>
+          </a:lstStyle>
+          <a:p>
+            <a:pPr lvl="0"/>
+            <a:r>
+              <a:rPr lang="ru-RU"/>
+              <a:t>Образец текста</a:t>
+            </a:r>
+          </a:p>
+        </p:txBody>
+      </p:sp>
+      <p:sp>
+        <p:nvSpPr>
+          <p:cNvPr id="5" name="Date Placeholder 4"/>
+          <p:cNvSpPr>
+            <a:spLocks noGrp="1"/>
+          </p:cNvSpPr>
+          <p:nvPr>
+            <p:ph type="dt" sz="half" idx="10"/>
+          </p:nvPr>
+        </p:nvSpPr>
+        <p:spPr>
+          <a:xfrm>
+            <a:off x="723900" y="6453386"/>
+            <a:ext cx="1204572" cy="404614"/>
+          </a:xfrm>
+        </p:spPr>
+        <p:txBody>
+          <a:bodyPr/>
+          <a:lstStyle>
+            <a:lvl1pPr>
+              <a:defRPr>
+                <a:solidFill>
+                  <a:schemeClr val="tx2"/>
+                </a:solidFill>
+              </a:defRPr>
+            </a:lvl1pPr>
+          </a:lstStyle>
+          <a:p>
+            <a:pPr rtl="0"/>
+            <a:fld id="{AB14CD44-37FB-48CC-A24D-89C3A643DD86}" type="datetime1">
+              <a:rPr lang="ru-RU" noProof="0" smtClean="0"/>
+              <a:t>27.02.2021</a:t>
+            </a:fld>
+            <a:endParaRPr lang="ru-RU" noProof="0" dirty="0"/>
+          </a:p>
+        </p:txBody>
+      </p:sp>
+      <p:sp>
+        <p:nvSpPr>
+          <p:cNvPr id="6" name="Footer Placeholder 5"/>
+          <p:cNvSpPr>
+            <a:spLocks noGrp="1"/>
+          </p:cNvSpPr>
+          <p:nvPr>
+            <p:ph type="ftr" sz="quarter" idx="11"/>
+          </p:nvPr>
+        </p:nvSpPr>
+        <p:spPr>
+          <a:xfrm>
+            <a:off x="2205945" y="6453386"/>
+            <a:ext cx="2373675" cy="404614"/>
+          </a:xfrm>
+        </p:spPr>
+        <p:txBody>
+          <a:bodyPr/>
+          <a:lstStyle>
+            <a:lvl1pPr>
+              <a:defRPr>
+                <a:solidFill>
+                  <a:schemeClr val="tx2"/>
+                </a:solidFill>
+              </a:defRPr>
+            </a:lvl1pPr>
+          </a:lstStyle>
+          <a:p>
+            <a:pPr rtl="0"/>
+            <a:endParaRPr lang="ru-RU" noProof="0" dirty="0"/>
+          </a:p>
+        </p:txBody>
+      </p:sp>
+      <p:sp>
+        <p:nvSpPr>
+          <p:cNvPr id="7" name="Slide Number Placeholder 6"/>
+          <p:cNvSpPr>
+            <a:spLocks noGrp="1"/>
+          </p:cNvSpPr>
+          <p:nvPr>
+            <p:ph type="sldNum" sz="quarter" idx="12"/>
+          </p:nvPr>
+        </p:nvSpPr>
+        <p:spPr>
+          <a:xfrm>
+            <a:off x="9883140" y="6453386"/>
+            <a:ext cx="1596292" cy="404614"/>
+          </a:xfrm>
+        </p:spPr>
+        <p:txBody>
+          <a:bodyPr/>
+          <a:lstStyle>
+            <a:lvl1pPr>
+              <a:defRPr>
+                <a:solidFill>
+                  <a:schemeClr val="tx2"/>
+                </a:solidFill>
+              </a:defRPr>
+            </a:lvl1pPr>
+          </a:lstStyle>
+          <a:p>
+            <a:pPr rtl="0"/>
+            <a:fld id="{3A98EE3D-8CD1-4C3F-BD1C-C98C9596463C}" type="slidenum">
+              <a:rPr lang="ru-RU" noProof="0" smtClean="0"/>
+              <a:t>‹#›</a:t>
+            </a:fld>
+            <a:endParaRPr lang="ru-RU" noProof="0" dirty="0"/>
+          </a:p>
+        </p:txBody>
+      </p:sp>
+      <p:sp>
+        <p:nvSpPr>
+          <p:cNvPr id="9" name="Rectangle 8" title="Divider Bar"/>
+          <p:cNvSpPr/>
+          <p:nvPr/>
+        </p:nvSpPr>
+        <p:spPr>
+          <a:xfrm>
+            <a:off x="5303520" y="376"/>
+            <a:ext cx="228600" cy="6858000"/>
+          </a:xfrm>
+          <a:prstGeom prst="rect">
+            <a:avLst/>
+          </a:prstGeom>
+          <a:solidFill>
+            <a:schemeClr val="tx2"/>
+          </a:solidFill>
+          <a:ln>
+            <a:noFill/>
+          </a:ln>
+        </p:spPr>
+        <p:style>
+          <a:lnRef idx="2">
+            <a:schemeClr val="accent1">
+              <a:shade val="50000"/>
+            </a:schemeClr>
+          </a:lnRef>
+          <a:fillRef idx="1">
+            <a:schemeClr val="accent1"/>
+          </a:fillRef>
+          <a:effectRef idx="0">
+            <a:schemeClr val="accent1"/>
+          </a:effectRef>
+          <a:fontRef idx="minor">
+            <a:schemeClr val="lt1"/>
+          </a:fontRef>
+        </p:style>
+      </p:sp>
+    </p:spTree>
+    <p:extLst>
+      <p:ext uri="{BB962C8B-B14F-4D97-AF65-F5344CB8AC3E}">
+        <p14:creationId xmlns:p14="http://schemas.microsoft.com/office/powerpoint/2010/main" val="1507311848"/>
+      </p:ext>
+    </p:extLst>
+  </p:cSld>
+  <p:clrMapOvr>
+    <a:masterClrMapping/>
+  </p:clrMapOvr>
+  <p:hf sldNum="0" hdr="0" ftr="0" dt="0"/>
+</p:sldLayout>
+</file>
+
+<file path=ppt/slideLayouts/slideLayout9.xml><?xml version="1.0" encoding="utf-8"?>
+<p:sldLayout xmlns:a="http://schemas.openxmlformats.org/drawingml/2006/main" xmlns:r="http://schemas.openxmlformats.org/officeDocument/2006/relationships" xmlns:p="http://schemas.openxmlformats.org/presentationml/2006/main" showMasterSp="0" type="picTx" preserve="1">
+  <p:cSld name="Рисунок с подписью">
+    <p:spTree>
+      <p:nvGrpSpPr>
+        <p:cNvPr id="1" name=""/>
+        <p:cNvGrpSpPr/>
+        <p:nvPr/>
+      </p:nvGrpSpPr>
+      <p:grpSpPr>
+        <a:xfrm>
+          <a:off x="0" y="0"/>
+          <a:ext cx="0" cy="0"/>
+          <a:chOff x="0" y="0"/>
+          <a:chExt cx="0" cy="0"/>
+        </a:xfrm>
+      </p:grpSpPr>
+      <p:sp>
+        <p:nvSpPr>
+          <p:cNvPr id="8" name="Rectangle 7" title="Background Shape"/>
+          <p:cNvSpPr/>
+          <p:nvPr/>
+        </p:nvSpPr>
+        <p:spPr>
+          <a:xfrm>
+            <a:off x="0" y="376"/>
+            <a:ext cx="5303520" cy="6857624"/>
+          </a:xfrm>
+          <a:prstGeom prst="rect">
+            <a:avLst/>
+          </a:prstGeom>
+          <a:solidFill>
+            <a:schemeClr val="accent1"/>
+          </a:solidFill>
+          <a:ln>
+            <a:noFill/>
+          </a:ln>
+        </p:spPr>
+        <p:style>
+          <a:lnRef idx="2">
+            <a:schemeClr val="accent1">
+              <a:shade val="50000"/>
+            </a:schemeClr>
+          </a:lnRef>
+          <a:fillRef idx="1">
+            <a:schemeClr val="accent1"/>
+          </a:fillRef>
+          <a:effectRef idx="0">
+            <a:schemeClr val="accent1"/>
+          </a:effectRef>
+          <a:fontRef idx="minor">
+            <a:schemeClr val="lt1"/>
+          </a:fontRef>
+        </p:style>
+      </p:sp>
+      <p:sp>
+        <p:nvSpPr>
+          <p:cNvPr id="2" name="Title 1"/>
+          <p:cNvSpPr>
+            <a:spLocks noGrp="1"/>
+          </p:cNvSpPr>
+          <p:nvPr>
+            <p:ph type="title"/>
+          </p:nvPr>
+        </p:nvSpPr>
+        <p:spPr>
+          <a:xfrm>
+            <a:off x="723900" y="685800"/>
+            <a:ext cx="3855720" cy="2157884"/>
+          </a:xfrm>
+        </p:spPr>
+        <p:txBody>
+          <a:bodyPr anchor="t">
+            <a:normAutofit/>
+          </a:bodyPr>
+          <a:lstStyle>
+            <a:lvl1pPr>
+              <a:lnSpc>
+                <a:spcPct val="84000"/>
+              </a:lnSpc>
+              <a:defRPr sz="4800" baseline="0"/>
+            </a:lvl1pPr>
+          </a:lstStyle>
+          <a:p>
+            <a:r>
+              <a:rPr lang="ru-RU"/>
+              <a:t>Образец заголовка</a:t>
+            </a:r>
+            <a:endParaRPr lang="en-US" dirty="0"/>
+          </a:p>
+        </p:txBody>
+      </p:sp>
+      <p:sp>
+        <p:nvSpPr>
+          <p:cNvPr id="3" name="Picture Placeholder 2"/>
+          <p:cNvSpPr>
+            <a:spLocks noGrp="1" noChangeAspect="1"/>
+          </p:cNvSpPr>
+          <p:nvPr>
+            <p:ph type="pic" idx="1"/>
+          </p:nvPr>
+        </p:nvSpPr>
+        <p:spPr>
+          <a:xfrm>
+            <a:off x="5532120" y="0"/>
+            <a:ext cx="6659880" cy="6857999"/>
+          </a:xfrm>
+        </p:spPr>
+        <p:txBody>
+          <a:bodyPr anchor="t">
+            <a:normAutofit/>
+          </a:bodyPr>
+          <a:lstStyle>
+            <a:lvl1pPr marL="0" indent="0">
+              <a:buNone/>
+              <a:defRPr sz="2000"/>
+            </a:lvl1pPr>
+            <a:lvl2pPr marL="457200" indent="0">
+              <a:buNone/>
+              <a:defRPr sz="2000"/>
+            </a:lvl2pPr>
+            <a:lvl3pPr marL="914400" indent="0">
+              <a:buNone/>
+              <a:defRPr sz="2000"/>
+            </a:lvl3pPr>
+            <a:lvl4pPr marL="1371600" indent="0">
+              <a:buNone/>
+              <a:defRPr sz="2000"/>
+            </a:lvl4pPr>
+            <a:lvl5pPr marL="1828800" indent="0">
+              <a:buNone/>
+              <a:defRPr sz="2000"/>
+            </a:lvl5pPr>
+            <a:lvl6pPr marL="2286000" indent="0">
+              <a:buNone/>
+              <a:defRPr sz="2000"/>
+            </a:lvl6pPr>
+            <a:lvl7pPr marL="2743200" indent="0">
+              <a:buNone/>
+              <a:defRPr sz="2000"/>
+            </a:lvl7pPr>
+            <a:lvl8pPr marL="3200400" indent="0">
+              <a:buNone/>
+              <a:defRPr sz="2000"/>
+            </a:lvl8pPr>
+            <a:lvl9pPr marL="3657600" indent="0">
+              <a:buNone/>
+              <a:defRPr sz="2000"/>
+            </a:lvl9pPr>
+          </a:lstStyle>
+          <a:p>
+            <a:r>
+              <a:rPr lang="ru-RU"/>
+              <a:t>Вставка рисунка</a:t>
+            </a:r>
+            <a:endParaRPr lang="en-US" dirty="0"/>
+          </a:p>
+        </p:txBody>
+      </p:sp>
+      <p:sp>
+        <p:nvSpPr>
+          <p:cNvPr id="4" name="Text Placeholder 3"/>
+          <p:cNvSpPr>
+            <a:spLocks noGrp="1"/>
+          </p:cNvSpPr>
+          <p:nvPr>
+            <p:ph type="body" sz="half" idx="2"/>
+          </p:nvPr>
+        </p:nvSpPr>
+        <p:spPr>
+          <a:xfrm>
+            <a:off x="723900" y="2855968"/>
+            <a:ext cx="3855720" cy="3011432"/>
+          </a:xfrm>
+        </p:spPr>
+        <p:txBody>
+          <a:bodyPr/>
+          <a:lstStyle>
+            <a:lvl1pPr marL="0" indent="0">
+              <a:lnSpc>
+                <a:spcPct val="113000"/>
+              </a:lnSpc>
+              <a:spcBef>
+                <a:spcPts val="0"/>
+              </a:spcBef>
+              <a:spcAft>
+                <a:spcPts val="1500"/>
+              </a:spcAft>
+              <a:buNone/>
+              <a:defRPr sz="1600"/>
+            </a:lvl1pPr>
+            <a:lvl2pPr marL="457200" indent="0">
+              <a:buNone/>
+              <a:defRPr sz="1400"/>
+            </a:lvl2pPr>
+            <a:lvl3pPr marL="914400" indent="0">
+              <a:buNone/>
+              <a:defRPr sz="1200"/>
+            </a:lvl3pPr>
+            <a:lvl4pPr marL="1371600" indent="0">
+              <a:buNone/>
+              <a:defRPr sz="1000"/>
+            </a:lvl4pPr>
+            <a:lvl5pPr marL="1828800" indent="0">
+              <a:buNone/>
+              <a:defRPr sz="1000"/>
+            </a:lvl5pPr>
+            <a:lvl6pPr marL="2286000" indent="0">
+              <a:buNone/>
+              <a:defRPr sz="1000"/>
+            </a:lvl6pPr>
+            <a:lvl7pPr marL="2743200" indent="0">
+              <a:buNone/>
+              <a:defRPr sz="1000"/>
+            </a:lvl7pPr>
+            <a:lvl8pPr marL="3200400" indent="0">
+              <a:buNone/>
+              <a:defRPr sz="1000"/>
+            </a:lvl8pPr>
+            <a:lvl9pPr marL="3657600" indent="0">
+              <a:buNone/>
+              <a:defRPr sz="1000"/>
+            </a:lvl9pPr>
+          </a:lstStyle>
+          <a:p>
+            <a:pPr lvl="0"/>
+            <a:r>
+              <a:rPr lang="ru-RU"/>
+              <a:t>Образец текста</a:t>
+            </a:r>
+          </a:p>
+        </p:txBody>
+      </p:sp>
+      <p:sp>
+        <p:nvSpPr>
+          <p:cNvPr id="5" name="Date Placeholder 4"/>
+          <p:cNvSpPr>
+            <a:spLocks noGrp="1"/>
+          </p:cNvSpPr>
+          <p:nvPr>
+            <p:ph type="dt" sz="half" idx="10"/>
+          </p:nvPr>
+        </p:nvSpPr>
+        <p:spPr>
+          <a:xfrm>
+            <a:off x="723900" y="6453386"/>
+            <a:ext cx="1204572" cy="404614"/>
+          </a:xfrm>
+        </p:spPr>
+        <p:txBody>
+          <a:bodyPr/>
+          <a:lstStyle>
+            <a:lvl1pPr>
+              <a:defRPr>
+                <a:solidFill>
+                  <a:schemeClr val="tx2"/>
+                </a:solidFill>
+              </a:defRPr>
+            </a:lvl1pPr>
+          </a:lstStyle>
+          <a:p>
+            <a:pPr rtl="0"/>
+            <a:fld id="{AB14CD44-37FB-48CC-A24D-89C3A643DD86}" type="datetime1">
+              <a:rPr lang="ru-RU" noProof="0" smtClean="0"/>
+              <a:t>27.02.2021</a:t>
+            </a:fld>
+            <a:endParaRPr lang="ru-RU" noProof="0" dirty="0"/>
+          </a:p>
+        </p:txBody>
+      </p:sp>
+      <p:sp>
+        <p:nvSpPr>
+          <p:cNvPr id="6" name="Footer Placeholder 5"/>
+          <p:cNvSpPr>
+            <a:spLocks noGrp="1"/>
+          </p:cNvSpPr>
+          <p:nvPr>
+            <p:ph type="ftr" sz="quarter" idx="11"/>
+          </p:nvPr>
+        </p:nvSpPr>
+        <p:spPr>
+          <a:xfrm>
+            <a:off x="2205945" y="6453386"/>
+            <a:ext cx="2373675" cy="404614"/>
+          </a:xfrm>
+        </p:spPr>
+        <p:txBody>
+          <a:bodyPr/>
+          <a:lstStyle>
+            <a:lvl1pPr>
+              <a:defRPr>
+                <a:solidFill>
+                  <a:schemeClr val="tx2"/>
+                </a:solidFill>
+              </a:defRPr>
+            </a:lvl1pPr>
+          </a:lstStyle>
+          <a:p>
+            <a:pPr rtl="0"/>
+            <a:endParaRPr lang="ru-RU" noProof="0" dirty="0"/>
+          </a:p>
+        </p:txBody>
+      </p:sp>
+      <p:sp>
+        <p:nvSpPr>
+          <p:cNvPr id="7" name="Slide Number Placeholder 6"/>
+          <p:cNvSpPr>
+            <a:spLocks noGrp="1"/>
+          </p:cNvSpPr>
+          <p:nvPr>
+            <p:ph type="sldNum" sz="quarter" idx="12"/>
+          </p:nvPr>
+        </p:nvSpPr>
+        <p:spPr>
+          <a:xfrm>
+            <a:off x="9883140" y="6453386"/>
+            <a:ext cx="1596292" cy="404614"/>
+          </a:xfrm>
+        </p:spPr>
+        <p:txBody>
+          <a:bodyPr/>
+          <a:lstStyle>
+            <a:lvl1pPr>
+              <a:defRPr>
+                <a:solidFill>
+                  <a:schemeClr val="tx2"/>
+                </a:solidFill>
+              </a:defRPr>
+            </a:lvl1pPr>
+          </a:lstStyle>
+          <a:p>
+            <a:pPr rtl="0"/>
+            <a:fld id="{3A98EE3D-8CD1-4C3F-BD1C-C98C9596463C}" type="slidenum">
+              <a:rPr lang="ru-RU" noProof="0" smtClean="0"/>
+              <a:t>‹#›</a:t>
+            </a:fld>
+            <a:endParaRPr lang="ru-RU" noProof="0" dirty="0"/>
+          </a:p>
+        </p:txBody>
+      </p:sp>
+      <p:sp>
+        <p:nvSpPr>
+          <p:cNvPr id="9" name="Rectangle 8" title="Divider Bar"/>
+          <p:cNvSpPr/>
+          <p:nvPr/>
+        </p:nvSpPr>
+        <p:spPr>
+          <a:xfrm>
+            <a:off x="5303520" y="376"/>
+            <a:ext cx="228600" cy="6858000"/>
+          </a:xfrm>
+          <a:prstGeom prst="rect">
+            <a:avLst/>
+          </a:prstGeom>
+          <a:solidFill>
+            <a:schemeClr val="tx2"/>
+          </a:solidFill>
+          <a:ln>
+            <a:noFill/>
+          </a:ln>
+        </p:spPr>
+        <p:style>
+          <a:lnRef idx="2">
+            <a:schemeClr val="accent1">
+              <a:shade val="50000"/>
+            </a:schemeClr>
+          </a:lnRef>
+          <a:fillRef idx="1">
+            <a:schemeClr val="accent1"/>
+          </a:fillRef>
+          <a:effectRef idx="0">
+            <a:schemeClr val="accent1"/>
+          </a:effectRef>
+          <a:fontRef idx="minor">
+            <a:schemeClr val="lt1"/>
+          </a:fontRef>
+        </p:style>
+      </p:sp>
+    </p:spTree>
+    <p:extLst>
+      <p:ext uri="{BB962C8B-B14F-4D97-AF65-F5344CB8AC3E}">
+        <p14:creationId xmlns:p14="http://schemas.microsoft.com/office/powerpoint/2010/main" val="386373399"/>
+      </p:ext>
+    </p:extLst>
+  </p:cSld>
+  <p:clrMapOvr>
+    <a:masterClrMapping/>
+  </p:clrMapOvr>
+  <p:hf sldNum="0" hdr="0" ftr="0" dt="0"/>
+</p:sldLayout>
+</file>
+
+<file path=ppt/slideMasters/slideMaster1.xml><?xml version="1.0" encoding="utf-8"?>
+<p:sldMaster xmlns:a="http://schemas.openxmlformats.org/drawingml/2006/main" xmlns:r="http://schemas.openxmlformats.org/officeDocument/2006/relationships" xmlns:p="http://schemas.openxmlformats.org/presentationml/2006/main">
+  <p:cSld>
+    <p:bg>
+      <p:bgPr>
+        <a:solidFill>
+          <a:schemeClr val="bg2"/>
+        </a:solidFill>
+        <a:effectLst/>
+      </p:bgPr>
+    </p:bg>
+    <p:spTree>
+      <p:nvGrpSpPr>
+        <p:cNvPr id="1" name=""/>
+        <p:cNvGrpSpPr/>
+        <p:nvPr/>
+      </p:nvGrpSpPr>
+      <p:grpSpPr>
+        <a:xfrm>
+          <a:off x="0" y="0"/>
+          <a:ext cx="0" cy="0"/>
+          <a:chOff x="0" y="0"/>
+          <a:chExt cx="0" cy="0"/>
+        </a:xfrm>
+      </p:grpSpPr>
+      <p:sp>
+        <p:nvSpPr>
+          <p:cNvPr id="2" name="Title Placeholder 1"/>
+          <p:cNvSpPr>
+            <a:spLocks noGrp="1"/>
+          </p:cNvSpPr>
+          <p:nvPr>
+            <p:ph type="title"/>
+          </p:nvPr>
+        </p:nvSpPr>
+        <p:spPr>
+          <a:xfrm>
+            <a:off x="1371600" y="685800"/>
+            <a:ext cx="9601200" cy="1485900"/>
           </a:xfrm>
           <a:prstGeom prst="rect">
             <a:avLst/>
           </a:prstGeom>
         </p:spPr>
         <p:txBody>
-          <a:bodyPr vert="horz" lIns="0" tIns="45720" rIns="0" bIns="45720" rtlCol="0">
+          <a:bodyPr vert="horz" lIns="91440" tIns="45720" rIns="91440" bIns="45720" rtlCol="0" anchor="t">
             <a:normAutofit/>
           </a:bodyPr>
           <a:lstStyle/>
           <a:p>
-            <a:pPr lvl="0" rtl="0"/>
-            <a:r>
-              <a:rPr lang="ru-RU" noProof="0" dirty="0"/>
-              <a:t>Щелкните, чтобы изменить стили текста образца слайда</a:t>
-            </a:r>
-          </a:p>
-          <a:p>
-            <a:pPr lvl="1" rtl="0"/>
-            <a:r>
-              <a:rPr lang="ru-RU" noProof="0" dirty="0"/>
+            <a:r>
+              <a:rPr lang="ru-RU"/>
+              <a:t>Образец заголовка</a:t>
+            </a:r>
+            <a:endParaRPr lang="en-US" dirty="0"/>
+          </a:p>
+        </p:txBody>
+      </p:sp>
+      <p:sp>
+        <p:nvSpPr>
+          <p:cNvPr id="3" name="Text Placeholder 2"/>
+          <p:cNvSpPr>
+            <a:spLocks noGrp="1"/>
+          </p:cNvSpPr>
+          <p:nvPr>
+            <p:ph type="body" idx="1"/>
+          </p:nvPr>
+        </p:nvSpPr>
+        <p:spPr>
+          <a:xfrm>
+            <a:off x="1371600" y="2286000"/>
+            <a:ext cx="9601200" cy="3581400"/>
+          </a:xfrm>
+          <a:prstGeom prst="rect">
+            <a:avLst/>
+          </a:prstGeom>
+        </p:spPr>
+        <p:txBody>
+          <a:bodyPr vert="horz" lIns="91440" tIns="45720" rIns="91440" bIns="45720" rtlCol="0">
+            <a:normAutofit/>
+          </a:bodyPr>
+          <a:lstStyle/>
+          <a:p>
+            <a:pPr lvl="0"/>
+            <a:r>
+              <a:rPr lang="ru-RU"/>
+              <a:t>Образец текста</a:t>
+            </a:r>
+          </a:p>
+          <a:p>
+            <a:pPr lvl="1"/>
+            <a:r>
+              <a:rPr lang="ru-RU"/>
               <a:t>Второй уровень</a:t>
             </a:r>
           </a:p>
           <a:p>
-            <a:pPr lvl="2" rtl="0"/>
-            <a:r>
-              <a:rPr lang="ru-RU" noProof="0" dirty="0"/>
+            <a:pPr lvl="2"/>
+            <a:r>
+              <a:rPr lang="ru-RU"/>
               <a:t>Третий уровень</a:t>
             </a:r>
           </a:p>
           <a:p>
-            <a:pPr lvl="3" rtl="0"/>
-            <a:r>
-              <a:rPr lang="ru-RU" noProof="0" dirty="0"/>
+            <a:pPr lvl="3"/>
+            <a:r>
+              <a:rPr lang="ru-RU"/>
               <a:t>Четвертый уровень</a:t>
             </a:r>
           </a:p>
           <a:p>
-            <a:pPr lvl="4" rtl="0"/>
-            <a:r>
-              <a:rPr lang="ru-RU" noProof="0" dirty="0"/>
+            <a:pPr lvl="4"/>
+            <a:r>
+              <a:rPr lang="ru-RU"/>
               <a:t>Пятый уровень</a:t>
             </a:r>
-          </a:p>
-        </p:txBody>
-      </p:sp>
-      <p:sp>
-        <p:nvSpPr>
-          <p:cNvPr id="4" name="Дата 3"/>
+            <a:endParaRPr lang="en-US" dirty="0"/>
+          </a:p>
+        </p:txBody>
+      </p:sp>
+      <p:sp>
+        <p:nvSpPr>
+          <p:cNvPr id="4" name="Date Placeholder 3"/>
           <p:cNvSpPr>
             <a:spLocks noGrp="1"/>
           </p:cNvSpPr>
@@ -7262,8 +12746,8 @@
         </p:nvSpPr>
         <p:spPr>
           <a:xfrm>
-            <a:off x="8218426" y="6446838"/>
-            <a:ext cx="2584850" cy="365125"/>
+            <a:off x="1390650" y="6453386"/>
+            <a:ext cx="1204572" cy="404614"/>
           </a:xfrm>
           <a:prstGeom prst="rect">
             <a:avLst/>
@@ -7272,10 +12756,10 @@
         <p:txBody>
           <a:bodyPr vert="horz" lIns="91440" tIns="45720" rIns="91440" bIns="45720" rtlCol="0" anchor="ctr"/>
           <a:lstStyle>
-            <a:lvl1pPr algn="r">
-              <a:defRPr sz="900">
+            <a:lvl1pPr algn="l">
+              <a:defRPr sz="1200" baseline="0">
                 <a:solidFill>
-                  <a:srgbClr val="FFFFFF"/>
+                  <a:schemeClr val="tx2"/>
                 </a:solidFill>
               </a:defRPr>
             </a:lvl1pPr>
@@ -7284,7 +12768,7 @@
             <a:pPr rtl="0"/>
             <a:fld id="{AB14CD44-37FB-48CC-A24D-89C3A643DD86}" type="datetime1">
               <a:rPr lang="ru-RU" noProof="0" smtClean="0"/>
-              <a:t>22.02.2021</a:t>
+              <a:t>27.02.2021</a:t>
             </a:fld>
             <a:endParaRPr lang="ru-RU" noProof="0" dirty="0"/>
           </a:p>
@@ -7292,7 +12776,7 @@
       </p:sp>
       <p:sp>
         <p:nvSpPr>
-          <p:cNvPr id="5" name="Нижний колонтитул 4"/>
+          <p:cNvPr id="5" name="Footer Placeholder 4"/>
           <p:cNvSpPr>
             <a:spLocks noGrp="1"/>
           </p:cNvSpPr>
@@ -7302,8 +12786,8 @@
         </p:nvSpPr>
         <p:spPr>
           <a:xfrm>
-            <a:off x="1097279" y="6446838"/>
-            <a:ext cx="6818262" cy="365125"/>
+            <a:off x="2893564" y="6453386"/>
+            <a:ext cx="6280830" cy="404614"/>
           </a:xfrm>
           <a:prstGeom prst="rect">
             <a:avLst/>
@@ -7313,9 +12797,9 @@
           <a:bodyPr vert="horz" lIns="91440" tIns="45720" rIns="91440" bIns="45720" rtlCol="0" anchor="ctr"/>
           <a:lstStyle>
             <a:lvl1pPr algn="l">
-              <a:defRPr sz="900" cap="all" baseline="0">
+              <a:defRPr sz="1200" baseline="0">
                 <a:solidFill>
-                  <a:srgbClr val="FFFFFF"/>
+                  <a:schemeClr val="tx2"/>
                 </a:solidFill>
               </a:defRPr>
             </a:lvl1pPr>
@@ -7328,7 +12812,7 @@
       </p:sp>
       <p:sp>
         <p:nvSpPr>
-          <p:cNvPr id="6" name="Номер слайда 5"/>
+          <p:cNvPr id="6" name="Slide Number Placeholder 5"/>
           <p:cNvSpPr>
             <a:spLocks noGrp="1"/>
           </p:cNvSpPr>
@@ -7338,8 +12822,8 @@
         </p:nvSpPr>
         <p:spPr>
           <a:xfrm>
-            <a:off x="10993582" y="6446838"/>
-            <a:ext cx="780010" cy="365125"/>
+            <a:off x="9472736" y="6453386"/>
+            <a:ext cx="1596292" cy="404614"/>
           </a:xfrm>
           <a:prstGeom prst="rect">
             <a:avLst/>
@@ -7348,10 +12832,10 @@
         <p:txBody>
           <a:bodyPr vert="horz" lIns="91440" tIns="45720" rIns="91440" bIns="45720" rtlCol="0" anchor="ctr"/>
           <a:lstStyle>
-            <a:lvl1pPr algn="l">
-              <a:defRPr sz="1050">
+            <a:lvl1pPr algn="r">
+              <a:defRPr sz="1200" baseline="0">
                 <a:solidFill>
-                  <a:srgbClr val="FFFFFF"/>
+                  <a:schemeClr val="tx2"/>
                 </a:solidFill>
               </a:defRPr>
             </a:lvl1pPr>
@@ -7366,42 +12850,86 @@
           </a:p>
         </p:txBody>
       </p:sp>
+      <p:sp>
+        <p:nvSpPr>
+          <p:cNvPr id="9" name="Rectangle 8" title="Side bar"/>
+          <p:cNvSpPr/>
+          <p:nvPr/>
+        </p:nvSpPr>
+        <p:spPr>
+          <a:xfrm>
+            <a:off x="478095" y="376"/>
+            <a:ext cx="228600" cy="6858000"/>
+          </a:xfrm>
+          <a:prstGeom prst="rect">
+            <a:avLst/>
+          </a:prstGeom>
+          <a:solidFill>
+            <a:schemeClr val="tx2"/>
+          </a:solidFill>
+          <a:ln>
+            <a:noFill/>
+          </a:ln>
+        </p:spPr>
+        <p:style>
+          <a:lnRef idx="2">
+            <a:schemeClr val="accent1">
+              <a:shade val="50000"/>
+            </a:schemeClr>
+          </a:lnRef>
+          <a:fillRef idx="1">
+            <a:schemeClr val="accent1"/>
+          </a:fillRef>
+          <a:effectRef idx="0">
+            <a:schemeClr val="accent1"/>
+          </a:effectRef>
+          <a:fontRef idx="minor">
+            <a:schemeClr val="lt1"/>
+          </a:fontRef>
+        </p:style>
+      </p:sp>
     </p:spTree>
     <p:extLst>
       <p:ext uri="{BB962C8B-B14F-4D97-AF65-F5344CB8AC3E}">
-        <p14:creationId xmlns:p14="http://schemas.microsoft.com/office/powerpoint/2010/main" val="1690285712"/>
+        <p14:creationId xmlns:p14="http://schemas.microsoft.com/office/powerpoint/2010/main" val="824793988"/>
       </p:ext>
     </p:extLst>
   </p:cSld>
   <p:clrMap bg1="lt1" tx1="dk1" bg2="lt2" tx2="dk2" accent1="accent1" accent2="accent2" accent3="accent3" accent4="accent4" accent5="accent5" accent6="accent6" hlink="hlink" folHlink="folHlink"/>
   <p:sldLayoutIdLst>
-    <p:sldLayoutId id="2147483706" r:id="rId1"/>
-    <p:sldLayoutId id="2147483707" r:id="rId2"/>
-    <p:sldLayoutId id="2147483722" r:id="rId3"/>
-    <p:sldLayoutId id="2147483708" r:id="rId4"/>
-    <p:sldLayoutId id="2147483709" r:id="rId5"/>
-    <p:sldLayoutId id="2147483716" r:id="rId6"/>
-    <p:sldLayoutId id="2147483710" r:id="rId7"/>
-    <p:sldLayoutId id="2147483724" r:id="rId8"/>
-    <p:sldLayoutId id="2147483711" r:id="rId9"/>
+    <p:sldLayoutId id="2147483726" r:id="rId1"/>
+    <p:sldLayoutId id="2147483727" r:id="rId2"/>
+    <p:sldLayoutId id="2147483728" r:id="rId3"/>
+    <p:sldLayoutId id="2147483729" r:id="rId4"/>
+    <p:sldLayoutId id="2147483730" r:id="rId5"/>
+    <p:sldLayoutId id="2147483731" r:id="rId6"/>
+    <p:sldLayoutId id="2147483732" r:id="rId7"/>
+    <p:sldLayoutId id="2147483733" r:id="rId8"/>
+    <p:sldLayoutId id="2147483734" r:id="rId9"/>
+    <p:sldLayoutId id="2147483735" r:id="rId10"/>
+    <p:sldLayoutId id="2147483736" r:id="rId11"/>
+    <p:sldLayoutId id="2147483707" r:id="rId12"/>
+    <p:sldLayoutId id="2147483722" r:id="rId13"/>
+    <p:sldLayoutId id="2147483708" r:id="rId14"/>
+    <p:sldLayoutId id="2147483709" r:id="rId15"/>
+    <p:sldLayoutId id="2147483716" r:id="rId16"/>
+    <p:sldLayoutId id="2147483710" r:id="rId17"/>
+    <p:sldLayoutId id="2147483724" r:id="rId18"/>
   </p:sldLayoutIdLst>
   <p:hf sldNum="0" hdr="0" ftr="0" dt="0"/>
   <p:txStyles>
     <p:titleStyle>
       <a:lvl1pPr algn="l" defTabSz="914400" rtl="0" eaLnBrk="1" latinLnBrk="0" hangingPunct="1">
         <a:lnSpc>
-          <a:spcPct val="90000"/>
+          <a:spcPct val="89000"/>
         </a:lnSpc>
         <a:spcBef>
           <a:spcPct val="0"/>
         </a:spcBef>
         <a:buNone/>
-        <a:defRPr sz="4800" kern="1200" spc="-50" baseline="0">
+        <a:defRPr sz="4400" kern="1200" baseline="0">
           <a:solidFill>
-            <a:schemeClr val="tx1">
-              <a:lumMod val="75000"/>
-              <a:lumOff val="25000"/>
-            </a:schemeClr>
+            <a:schemeClr val="tx2"/>
           </a:solidFill>
           <a:latin typeface="+mj-lt"/>
           <a:ea typeface="+mj-ea"/>
@@ -7410,236 +12938,189 @@
       </a:lvl1pPr>
     </p:titleStyle>
     <p:bodyStyle>
-      <a:lvl1pPr marL="91440" indent="-91440" algn="l" defTabSz="914400" rtl="0" eaLnBrk="1" latinLnBrk="0" hangingPunct="1">
+      <a:lvl1pPr marL="384048" indent="-384048" algn="l" defTabSz="914400" rtl="0" eaLnBrk="1" latinLnBrk="0" hangingPunct="1">
         <a:lnSpc>
-          <a:spcPct val="100000"/>
+          <a:spcPct val="94000"/>
         </a:lnSpc>
         <a:spcBef>
-          <a:spcPts val="1200"/>
+          <a:spcPts val="1000"/>
         </a:spcBef>
         <a:spcAft>
           <a:spcPts val="200"/>
         </a:spcAft>
-        <a:buClr>
-          <a:schemeClr val="accent1"/>
-        </a:buClr>
-        <a:buSzPct val="100000"/>
-        <a:buFont typeface="Calibri" panose="020F0502020204030204" pitchFamily="34" charset="0"/>
-        <a:buChar char=" "/>
-        <a:defRPr sz="2000" kern="1200">
+        <a:buFont typeface="Franklin Gothic Book" panose="020B0503020102020204" pitchFamily="34" charset="0"/>
+        <a:buChar char="■"/>
+        <a:defRPr sz="2000" kern="1200" baseline="0">
           <a:solidFill>
-            <a:schemeClr val="tx1">
-              <a:lumMod val="75000"/>
-              <a:lumOff val="25000"/>
-            </a:schemeClr>
+            <a:schemeClr val="tx2"/>
           </a:solidFill>
           <a:latin typeface="+mn-lt"/>
           <a:ea typeface="+mn-ea"/>
           <a:cs typeface="+mn-cs"/>
         </a:defRPr>
       </a:lvl1pPr>
-      <a:lvl2pPr marL="384048" indent="-182880" algn="l" defTabSz="914400" rtl="0" eaLnBrk="1" latinLnBrk="0" hangingPunct="1">
+      <a:lvl2pPr marL="914400" indent="-384048" algn="l" defTabSz="914400" rtl="0" eaLnBrk="1" latinLnBrk="0" hangingPunct="1">
         <a:lnSpc>
-          <a:spcPct val="100000"/>
+          <a:spcPct val="94000"/>
         </a:lnSpc>
         <a:spcBef>
-          <a:spcPts val="200"/>
+          <a:spcPts val="500"/>
         </a:spcBef>
         <a:spcAft>
-          <a:spcPts val="400"/>
+          <a:spcPts val="200"/>
         </a:spcAft>
-        <a:buClrTx/>
-        <a:buFont typeface="Calibri" pitchFamily="34" charset="0"/>
-        <a:buChar char="◦"/>
-        <a:defRPr sz="1800" kern="1200">
+        <a:buFont typeface="Franklin Gothic Book" panose="020B0503020102020204" pitchFamily="34" charset="0"/>
+        <a:buChar char="–"/>
+        <a:defRPr sz="2000" i="1" kern="1200" baseline="0">
           <a:solidFill>
-            <a:schemeClr val="tx1">
-              <a:lumMod val="75000"/>
-              <a:lumOff val="25000"/>
-            </a:schemeClr>
+            <a:schemeClr val="tx2"/>
           </a:solidFill>
           <a:latin typeface="+mn-lt"/>
           <a:ea typeface="+mn-ea"/>
           <a:cs typeface="+mn-cs"/>
         </a:defRPr>
       </a:lvl2pPr>
-      <a:lvl3pPr marL="566928" indent="-182880" algn="l" defTabSz="914400" rtl="0" eaLnBrk="1" latinLnBrk="0" hangingPunct="1">
+      <a:lvl3pPr marL="1371600" indent="-384048" algn="l" defTabSz="914400" rtl="0" eaLnBrk="1" latinLnBrk="0" hangingPunct="1">
         <a:lnSpc>
-          <a:spcPct val="100000"/>
+          <a:spcPct val="94000"/>
         </a:lnSpc>
         <a:spcBef>
-          <a:spcPts val="200"/>
+          <a:spcPts val="500"/>
         </a:spcBef>
         <a:spcAft>
-          <a:spcPts val="400"/>
+          <a:spcPts val="200"/>
         </a:spcAft>
-        <a:buClrTx/>
-        <a:buFont typeface="Calibri" pitchFamily="34" charset="0"/>
-        <a:buChar char="◦"/>
-        <a:defRPr sz="1400" kern="1200">
+        <a:buFont typeface="Franklin Gothic Book" panose="020B0503020102020204" pitchFamily="34" charset="0"/>
+        <a:buChar char="■"/>
+        <a:defRPr sz="1800" kern="1200" baseline="0">
           <a:solidFill>
-            <a:schemeClr val="tx1">
-              <a:lumMod val="75000"/>
-              <a:lumOff val="25000"/>
-            </a:schemeClr>
+            <a:schemeClr val="tx2"/>
           </a:solidFill>
           <a:latin typeface="+mn-lt"/>
           <a:ea typeface="+mn-ea"/>
           <a:cs typeface="+mn-cs"/>
         </a:defRPr>
       </a:lvl3pPr>
-      <a:lvl4pPr marL="749808" indent="-182880" algn="l" defTabSz="914400" rtl="0" eaLnBrk="1" latinLnBrk="0" hangingPunct="1">
+      <a:lvl4pPr marL="1828800" indent="-384048" algn="l" defTabSz="914400" rtl="0" eaLnBrk="1" latinLnBrk="0" hangingPunct="1">
         <a:lnSpc>
-          <a:spcPct val="100000"/>
+          <a:spcPct val="94000"/>
         </a:lnSpc>
         <a:spcBef>
-          <a:spcPts val="200"/>
+          <a:spcPts val="500"/>
         </a:spcBef>
         <a:spcAft>
-          <a:spcPts val="400"/>
+          <a:spcPts val="200"/>
         </a:spcAft>
-        <a:buClrTx/>
-        <a:buFont typeface="Calibri" pitchFamily="34" charset="0"/>
-        <a:buChar char="◦"/>
-        <a:defRPr sz="1400" kern="1200">
+        <a:buFont typeface="Franklin Gothic Book" panose="020B0503020102020204" pitchFamily="34" charset="0"/>
+        <a:buChar char="–"/>
+        <a:defRPr sz="1800" i="1" kern="1200" baseline="0">
           <a:solidFill>
-            <a:schemeClr val="tx1">
-              <a:lumMod val="75000"/>
-              <a:lumOff val="25000"/>
-            </a:schemeClr>
+            <a:schemeClr val="tx2"/>
           </a:solidFill>
           <a:latin typeface="+mn-lt"/>
           <a:ea typeface="+mn-ea"/>
           <a:cs typeface="+mn-cs"/>
         </a:defRPr>
       </a:lvl4pPr>
-      <a:lvl5pPr marL="932688" indent="-182880" algn="l" defTabSz="914400" rtl="0" eaLnBrk="1" latinLnBrk="0" hangingPunct="1">
+      <a:lvl5pPr marL="2286000" indent="-384048" algn="l" defTabSz="914400" rtl="0" eaLnBrk="1" latinLnBrk="0" hangingPunct="1">
         <a:lnSpc>
-          <a:spcPct val="100000"/>
+          <a:spcPct val="94000"/>
         </a:lnSpc>
         <a:spcBef>
-          <a:spcPts val="200"/>
+          <a:spcPts val="500"/>
         </a:spcBef>
         <a:spcAft>
-          <a:spcPts val="400"/>
+          <a:spcPts val="200"/>
         </a:spcAft>
-        <a:buClrTx/>
-        <a:buFont typeface="Calibri" pitchFamily="34" charset="0"/>
-        <a:buChar char="◦"/>
-        <a:defRPr sz="1400" kern="1200">
+        <a:buFont typeface="Franklin Gothic Book" panose="020B0503020102020204" pitchFamily="34" charset="0"/>
+        <a:buChar char="■"/>
+        <a:defRPr sz="1600" kern="1200" baseline="0">
           <a:solidFill>
-            <a:schemeClr val="tx1">
-              <a:lumMod val="75000"/>
-              <a:lumOff val="25000"/>
-            </a:schemeClr>
+            <a:schemeClr val="tx2"/>
           </a:solidFill>
           <a:latin typeface="+mn-lt"/>
           <a:ea typeface="+mn-ea"/>
           <a:cs typeface="+mn-cs"/>
         </a:defRPr>
       </a:lvl5pPr>
-      <a:lvl6pPr marL="1100000" indent="-228600" algn="l" defTabSz="914400" rtl="0" eaLnBrk="1" latinLnBrk="0" hangingPunct="1">
+      <a:lvl6pPr marL="2743200" indent="-384048" algn="l" defTabSz="914400" rtl="0" eaLnBrk="1" latinLnBrk="0" hangingPunct="1">
         <a:lnSpc>
-          <a:spcPct val="90000"/>
+          <a:spcPct val="94000"/>
         </a:lnSpc>
         <a:spcBef>
-          <a:spcPts val="200"/>
+          <a:spcPts val="500"/>
         </a:spcBef>
         <a:spcAft>
-          <a:spcPts val="400"/>
+          <a:spcPts val="200"/>
         </a:spcAft>
-        <a:buClr>
-          <a:schemeClr val="accent1"/>
-        </a:buClr>
-        <a:buFont typeface="Calibri" pitchFamily="34" charset="0"/>
-        <a:buChar char="◦"/>
-        <a:defRPr sz="1400" kern="1200">
+        <a:buFont typeface="Franklin Gothic Book" panose="020B0503020102020204" pitchFamily="34" charset="0"/>
+        <a:buChar char="–"/>
+        <a:defRPr sz="1600" i="1" kern="1200" baseline="0">
           <a:solidFill>
-            <a:schemeClr val="tx1">
-              <a:lumMod val="75000"/>
-              <a:lumOff val="25000"/>
-            </a:schemeClr>
+            <a:schemeClr val="tx2"/>
           </a:solidFill>
           <a:latin typeface="+mn-lt"/>
           <a:ea typeface="+mn-ea"/>
           <a:cs typeface="+mn-cs"/>
         </a:defRPr>
       </a:lvl6pPr>
-      <a:lvl7pPr marL="1300000" indent="-228600" algn="l" defTabSz="914400" rtl="0" eaLnBrk="1" latinLnBrk="0" hangingPunct="1">
+      <a:lvl7pPr marL="3200400" indent="-384048" algn="l" defTabSz="914400" rtl="0" eaLnBrk="1" latinLnBrk="0" hangingPunct="1">
         <a:lnSpc>
-          <a:spcPct val="90000"/>
+          <a:spcPct val="94000"/>
         </a:lnSpc>
         <a:spcBef>
-          <a:spcPts val="200"/>
+          <a:spcPts val="500"/>
         </a:spcBef>
         <a:spcAft>
-          <a:spcPts val="400"/>
+          <a:spcPts val="200"/>
         </a:spcAft>
-        <a:buClr>
-          <a:schemeClr val="accent1"/>
-        </a:buClr>
-        <a:buFont typeface="Calibri" pitchFamily="34" charset="0"/>
-        <a:buChar char="◦"/>
-        <a:defRPr sz="1400" kern="1200">
+        <a:buFont typeface="Franklin Gothic Book" panose="020B0503020102020204" pitchFamily="34" charset="0"/>
+        <a:buChar char="■"/>
+        <a:defRPr sz="1400" kern="1200" baseline="0">
           <a:solidFill>
-            <a:schemeClr val="tx1">
-              <a:lumMod val="75000"/>
-              <a:lumOff val="25000"/>
-            </a:schemeClr>
+            <a:schemeClr val="tx2"/>
           </a:solidFill>
           <a:latin typeface="+mn-lt"/>
           <a:ea typeface="+mn-ea"/>
           <a:cs typeface="+mn-cs"/>
         </a:defRPr>
       </a:lvl7pPr>
-      <a:lvl8pPr marL="1500000" indent="-228600" algn="l" defTabSz="914400" rtl="0" eaLnBrk="1" latinLnBrk="0" hangingPunct="1">
+      <a:lvl8pPr marL="3657600" indent="-384048" algn="l" defTabSz="914400" rtl="0" eaLnBrk="1" latinLnBrk="0" hangingPunct="1">
         <a:lnSpc>
-          <a:spcPct val="90000"/>
+          <a:spcPct val="94000"/>
         </a:lnSpc>
         <a:spcBef>
-          <a:spcPts val="200"/>
+          <a:spcPts val="500"/>
         </a:spcBef>
         <a:spcAft>
-          <a:spcPts val="400"/>
+          <a:spcPts val="200"/>
         </a:spcAft>
-        <a:buClr>
-          <a:schemeClr val="accent1"/>
-        </a:buClr>
-        <a:buFont typeface="Calibri" pitchFamily="34" charset="0"/>
-        <a:buChar char="◦"/>
-        <a:defRPr sz="1400" kern="1200">
+        <a:buFont typeface="Franklin Gothic Book" panose="020B0503020102020204" pitchFamily="34" charset="0"/>
+        <a:buChar char="–"/>
+        <a:defRPr sz="1400" i="1" kern="1200" baseline="0">
           <a:solidFill>
-            <a:schemeClr val="tx1">
-              <a:lumMod val="75000"/>
-              <a:lumOff val="25000"/>
-            </a:schemeClr>
+            <a:schemeClr val="tx2"/>
           </a:solidFill>
           <a:latin typeface="+mn-lt"/>
           <a:ea typeface="+mn-ea"/>
           <a:cs typeface="+mn-cs"/>
         </a:defRPr>
       </a:lvl8pPr>
-      <a:lvl9pPr marL="1700000" indent="-228600" algn="l" defTabSz="914400" rtl="0" eaLnBrk="1" latinLnBrk="0" hangingPunct="1">
+      <a:lvl9pPr marL="4114800" indent="-384048" algn="l" defTabSz="914400" rtl="0" eaLnBrk="1" latinLnBrk="0" hangingPunct="1">
         <a:lnSpc>
-          <a:spcPct val="90000"/>
+          <a:spcPct val="94000"/>
         </a:lnSpc>
         <a:spcBef>
-          <a:spcPts val="200"/>
+          <a:spcPts val="500"/>
         </a:spcBef>
         <a:spcAft>
-          <a:spcPts val="400"/>
+          <a:spcPts val="200"/>
         </a:spcAft>
-        <a:buClr>
-          <a:schemeClr val="accent1"/>
-        </a:buClr>
-        <a:buFont typeface="Calibri" pitchFamily="34" charset="0"/>
-        <a:buChar char="◦"/>
-        <a:defRPr sz="1400" kern="1200">
+        <a:buFont typeface="Franklin Gothic Book" panose="020B0503020102020204" pitchFamily="34" charset="0"/>
+        <a:buChar char="■"/>
+        <a:defRPr sz="1400" kern="1200" baseline="0">
           <a:solidFill>
-            <a:schemeClr val="tx1">
-              <a:lumMod val="75000"/>
-              <a:lumOff val="25000"/>
-            </a:schemeClr>
+            <a:schemeClr val="tx2"/>
           </a:solidFill>
           <a:latin typeface="+mn-lt"/>
           <a:ea typeface="+mn-ea"/>
@@ -7743,6 +13224,52 @@
       </a:lvl9pPr>
     </p:otherStyle>
   </p:txStyles>
+  <p:extLst>
+    <p:ext uri="{27BBF7A9-308A-43DC-89C8-2F10F3537804}">
+      <p15:sldGuideLst xmlns:p15="http://schemas.microsoft.com/office/powerpoint/2012/main">
+        <p15:guide id="3" orient="horz" pos="1368">
+          <p15:clr>
+            <a:srgbClr val="F26B43"/>
+          </p15:clr>
+        </p15:guide>
+        <p15:guide id="4" orient="horz" pos="1440">
+          <p15:clr>
+            <a:srgbClr val="F26B43"/>
+          </p15:clr>
+        </p15:guide>
+        <p15:guide id="6" orient="horz" pos="3696">
+          <p15:clr>
+            <a:srgbClr val="F26B43"/>
+          </p15:clr>
+        </p15:guide>
+        <p15:guide id="7" orient="horz" pos="432">
+          <p15:clr>
+            <a:srgbClr val="F26B43"/>
+          </p15:clr>
+        </p15:guide>
+        <p15:guide id="8" orient="horz" pos="1512">
+          <p15:clr>
+            <a:srgbClr val="F26B43"/>
+          </p15:clr>
+        </p15:guide>
+        <p15:guide id="9" pos="6912">
+          <p15:clr>
+            <a:srgbClr val="F26B43"/>
+          </p15:clr>
+        </p15:guide>
+        <p15:guide id="10" pos="936">
+          <p15:clr>
+            <a:srgbClr val="F26B43"/>
+          </p15:clr>
+        </p15:guide>
+        <p15:guide id="11" pos="864">
+          <p15:clr>
+            <a:srgbClr val="F26B43"/>
+          </p15:clr>
+        </p15:guide>
+      </p15:sldGuideLst>
+    </p:ext>
+  </p:extLst>
 </p:sldMaster>
 </file>
 
@@ -7786,11 +13313,15 @@
           <a:p>
             <a:pPr rtl="0"/>
             <a:r>
-              <a:rPr lang="ru-RU" dirty="0" err="1"/>
+              <a:rPr lang="ru-RU" dirty="0" err="1">
+                <a:latin typeface="Gabriola" pitchFamily="82" charset="0"/>
+              </a:rPr>
               <a:t>Рабдологічий</a:t>
             </a:r>
             <a:r>
-              <a:rPr lang="ru-RU" dirty="0"/>
+              <a:rPr lang="ru-RU" dirty="0">
+                <a:latin typeface="Gabriola" pitchFamily="82" charset="0"/>
+              </a:rPr>
               <a:t> абак Клода Перо</a:t>
             </a:r>
           </a:p>
@@ -7819,42 +13350,62 @@
           <a:p>
             <a:pPr rtl="0"/>
             <a:r>
-              <a:rPr lang="ru-RU" dirty="0" err="1"/>
+              <a:rPr lang="ru-RU" dirty="0" err="1">
+                <a:latin typeface="Gabriola" pitchFamily="82" charset="0"/>
+              </a:rPr>
               <a:t>Виконали</a:t>
             </a:r>
             <a:r>
-              <a:rPr lang="ru-RU" dirty="0"/>
+              <a:rPr lang="ru-RU" dirty="0">
+                <a:latin typeface="Gabriola" pitchFamily="82" charset="0"/>
+              </a:rPr>
               <a:t>: </a:t>
             </a:r>
             <a:r>
-              <a:rPr lang="ru-RU" dirty="0" err="1"/>
+              <a:rPr lang="ru-RU" dirty="0" err="1">
+                <a:latin typeface="Gabriola" pitchFamily="82" charset="0"/>
+              </a:rPr>
               <a:t>Колдунова</a:t>
             </a:r>
             <a:r>
-              <a:rPr lang="ru-RU" dirty="0"/>
+              <a:rPr lang="ru-RU" dirty="0">
+                <a:latin typeface="Gabriola" pitchFamily="82" charset="0"/>
+              </a:rPr>
               <a:t> </a:t>
             </a:r>
             <a:r>
-              <a:rPr lang="ru-RU" dirty="0" err="1"/>
+              <a:rPr lang="ru-RU" dirty="0" err="1">
+                <a:latin typeface="Gabriola" pitchFamily="82" charset="0"/>
+              </a:rPr>
               <a:t>Анастасія</a:t>
             </a:r>
             <a:r>
-              <a:rPr lang="ru-RU" dirty="0"/>
+              <a:rPr lang="ru-RU" dirty="0">
+                <a:latin typeface="Gabriola" pitchFamily="82" charset="0"/>
+              </a:rPr>
               <a:t> і </a:t>
             </a:r>
             <a:r>
-              <a:rPr lang="ru-RU" dirty="0" err="1"/>
+              <a:rPr lang="ru-RU" dirty="0" err="1">
+                <a:latin typeface="Gabriola" pitchFamily="82" charset="0"/>
+              </a:rPr>
               <a:t>Колдунова</a:t>
             </a:r>
             <a:r>
-              <a:rPr lang="ru-RU" dirty="0"/>
+              <a:rPr lang="ru-RU" dirty="0">
+                <a:latin typeface="Gabriola" pitchFamily="82" charset="0"/>
+              </a:rPr>
               <a:t> </a:t>
             </a:r>
             <a:r>
-              <a:rPr lang="ru-RU" dirty="0" err="1"/>
+              <a:rPr lang="ru-RU" dirty="0" err="1">
+                <a:latin typeface="Gabriola" pitchFamily="82" charset="0"/>
+              </a:rPr>
               <a:t>Тетяна</a:t>
             </a:r>
-            <a:endParaRPr lang="ru-RU" dirty="0"/>
+            <a:endParaRPr lang="ru-RU" dirty="0">
+              <a:latin typeface="Gabriola" pitchFamily="82" charset="0"/>
+            </a:endParaRPr>
           </a:p>
         </p:txBody>
       </p:sp>
@@ -7890,6 +13441,50 @@
       </p:grpSpPr>
       <p:sp>
         <p:nvSpPr>
+          <p:cNvPr id="3" name="Заголовок 2">
+            <a:extLst>
+              <a:ext uri="{FF2B5EF4-FFF2-40B4-BE49-F238E27FC236}">
+                <a16:creationId xmlns:a16="http://schemas.microsoft.com/office/drawing/2014/main" id="{7A55D852-1206-1841-884B-592351A6F3CA}"/>
+              </a:ext>
+            </a:extLst>
+          </p:cNvPr>
+          <p:cNvSpPr>
+            <a:spLocks noGrp="1"/>
+          </p:cNvSpPr>
+          <p:nvPr>
+            <p:ph type="title"/>
+          </p:nvPr>
+        </p:nvSpPr>
+        <p:spPr>
+          <a:xfrm>
+            <a:off x="1769309" y="421816"/>
+            <a:ext cx="10058400" cy="1369074"/>
+          </a:xfrm>
+        </p:spPr>
+        <p:txBody>
+          <a:bodyPr/>
+          <a:lstStyle/>
+          <a:p>
+            <a:r>
+              <a:rPr lang="ru-UA" dirty="0">
+                <a:latin typeface="Gabriola" pitchFamily="82" charset="0"/>
+              </a:rPr>
+              <a:t>Про Устройстов</a:t>
+            </a:r>
+            <a:r>
+              <a:rPr lang="uk-UA" dirty="0">
+                <a:latin typeface="Gabriola" pitchFamily="82" charset="0"/>
+              </a:rPr>
+              <a:t>о</a:t>
+            </a:r>
+            <a:endParaRPr lang="ru-UA" dirty="0">
+              <a:latin typeface="Gabriola" pitchFamily="82" charset="0"/>
+            </a:endParaRPr>
+          </a:p>
+        </p:txBody>
+      </p:sp>
+      <p:sp>
+        <p:nvSpPr>
           <p:cNvPr id="2" name="Объект 1">
             <a:extLst>
               <a:ext uri="{FF2B5EF4-FFF2-40B4-BE49-F238E27FC236}">
@@ -7904,73 +13499,57 @@
             <p:ph idx="1"/>
           </p:nvPr>
         </p:nvSpPr>
-        <p:spPr/>
+        <p:spPr>
+          <a:xfrm>
+            <a:off x="1146944" y="1193937"/>
+            <a:ext cx="5782665" cy="4457253"/>
+          </a:xfrm>
+        </p:spPr>
         <p:txBody>
           <a:bodyPr>
-            <a:normAutofit fontScale="92500"/>
+            <a:normAutofit/>
           </a:bodyPr>
           <a:lstStyle/>
           <a:p>
-            <a:r>
-              <a:rPr lang="ru-RU" dirty="0" err="1"/>
+            <a:pPr marL="0" indent="0" algn="just">
+              <a:buNone/>
+            </a:pPr>
+            <a:r>
+              <a:rPr lang="ru-RU" sz="1700" dirty="0" err="1">
+                <a:latin typeface="Gabriola" pitchFamily="82" charset="0"/>
+              </a:rPr>
               <a:t>Рабдологический</a:t>
             </a:r>
             <a:r>
-              <a:rPr lang="ru-RU" dirty="0"/>
+              <a:rPr lang="ru-RU" sz="1700" dirty="0">
+                <a:latin typeface="Gabriola" pitchFamily="82" charset="0"/>
+              </a:rPr>
               <a:t> абак – суммирующая машина, изобретенная Клодом Перро, братом знаменитого сказочника Шарля Перро. Впервые, упоминание об этом изобретении встречается в 1700 году в книге «Сборник большого числа машин собственного сочинения», изданной Клодом Перро посмертно.</a:t>
             </a:r>
           </a:p>
           <a:p>
-            <a:r>
-              <a:rPr lang="ru-RU" dirty="0"/>
+            <a:pPr marL="0" indent="0" algn="just">
+              <a:buNone/>
+            </a:pPr>
+            <a:r>
+              <a:rPr lang="ru-RU" sz="1700" dirty="0">
+                <a:latin typeface="Gabriola" pitchFamily="82" charset="0"/>
+              </a:rPr>
               <a:t>Счетная машина, действительно, представляла собой пластину в палец толщиной, примерно 30 сантиметров высотой и 14 – шириной. На лицевой стороне машины было вырезано два окошка для отображения результатов. В верхнем окошке показывался результат вычитания, а в нижнем – сложения.</a:t>
             </a:r>
           </a:p>
           <a:p>
-            <a:r>
-              <a:rPr lang="ru-RU" dirty="0"/>
+            <a:pPr marL="0" indent="0" algn="just">
+              <a:buNone/>
+            </a:pPr>
+            <a:r>
+              <a:rPr lang="ru-RU" sz="1700" dirty="0">
+                <a:latin typeface="Gabriola" pitchFamily="82" charset="0"/>
+              </a:rPr>
               <a:t>В нижней части лицевой стороны была выгравирована таблица умножения.</a:t>
             </a:r>
           </a:p>
           <a:p>
-            <a:endParaRPr lang="ru-UA" dirty="0"/>
-          </a:p>
-        </p:txBody>
-      </p:sp>
-      <p:sp>
-        <p:nvSpPr>
-          <p:cNvPr id="3" name="Заголовок 2">
-            <a:extLst>
-              <a:ext uri="{FF2B5EF4-FFF2-40B4-BE49-F238E27FC236}">
-                <a16:creationId xmlns:a16="http://schemas.microsoft.com/office/drawing/2014/main" id="{7A55D852-1206-1841-884B-592351A6F3CA}"/>
-              </a:ext>
-            </a:extLst>
-          </p:cNvPr>
-          <p:cNvSpPr>
-            <a:spLocks noGrp="1"/>
-          </p:cNvSpPr>
-          <p:nvPr>
-            <p:ph type="title"/>
-          </p:nvPr>
-        </p:nvSpPr>
-        <p:spPr>
-          <a:xfrm>
-            <a:off x="1769309" y="421816"/>
-            <a:ext cx="10058400" cy="1369074"/>
-          </a:xfrm>
-        </p:spPr>
-        <p:txBody>
-          <a:bodyPr/>
-          <a:lstStyle/>
-          <a:p>
-            <a:r>
-              <a:rPr lang="ru-UA" dirty="0"/>
-              <a:t>Про Устройстов</a:t>
-            </a:r>
-            <a:r>
-              <a:rPr lang="uk-UA" dirty="0"/>
-              <a:t>о</a:t>
-            </a:r>
             <a:endParaRPr lang="ru-UA" dirty="0"/>
           </a:p>
         </p:txBody>
@@ -8004,8 +13583,8 @@
         </p:blipFill>
         <p:spPr bwMode="auto">
           <a:xfrm>
-            <a:off x="187287" y="165686"/>
-            <a:ext cx="1400994" cy="1881335"/>
+            <a:off x="7103461" y="1200373"/>
+            <a:ext cx="3319230" cy="4457253"/>
           </a:xfrm>
           <a:prstGeom prst="rect">
             <a:avLst/>
@@ -8054,6 +13633,31 @@
       </p:grpSpPr>
       <p:sp>
         <p:nvSpPr>
+          <p:cNvPr id="3" name="Заголовок 2">
+            <a:extLst>
+              <a:ext uri="{FF2B5EF4-FFF2-40B4-BE49-F238E27FC236}">
+                <a16:creationId xmlns:a16="http://schemas.microsoft.com/office/drawing/2014/main" id="{DCB06251-69A7-8A47-88C6-E0A926A3C16A}"/>
+              </a:ext>
+            </a:extLst>
+          </p:cNvPr>
+          <p:cNvSpPr>
+            <a:spLocks noGrp="1"/>
+          </p:cNvSpPr>
+          <p:nvPr>
+            <p:ph type="title"/>
+          </p:nvPr>
+        </p:nvSpPr>
+        <p:spPr/>
+        <p:txBody>
+          <a:bodyPr/>
+          <a:lstStyle/>
+          <a:p>
+            <a:endParaRPr lang="ru-UA" dirty="0"/>
+          </a:p>
+        </p:txBody>
+      </p:sp>
+      <p:sp>
+        <p:nvSpPr>
           <p:cNvPr id="2" name="Объект 1">
             <a:extLst>
               <a:ext uri="{FF2B5EF4-FFF2-40B4-BE49-F238E27FC236}">
@@ -8066,31 +13670,6 @@
           </p:cNvSpPr>
           <p:nvPr>
             <p:ph idx="1"/>
-          </p:nvPr>
-        </p:nvSpPr>
-        <p:spPr/>
-        <p:txBody>
-          <a:bodyPr/>
-          <a:lstStyle/>
-          <a:p>
-            <a:endParaRPr lang="ru-UA" dirty="0"/>
-          </a:p>
-        </p:txBody>
-      </p:sp>
-      <p:sp>
-        <p:nvSpPr>
-          <p:cNvPr id="3" name="Заголовок 2">
-            <a:extLst>
-              <a:ext uri="{FF2B5EF4-FFF2-40B4-BE49-F238E27FC236}">
-                <a16:creationId xmlns:a16="http://schemas.microsoft.com/office/drawing/2014/main" id="{DCB06251-69A7-8A47-88C6-E0A926A3C16A}"/>
-              </a:ext>
-            </a:extLst>
-          </p:cNvPr>
-          <p:cNvSpPr>
-            <a:spLocks noGrp="1"/>
-          </p:cNvSpPr>
-          <p:nvPr>
-            <p:ph type="title"/>
           </p:nvPr>
         </p:nvSpPr>
         <p:spPr/>
@@ -8228,6 +13807,47 @@
       </p:grpSpPr>
       <p:sp>
         <p:nvSpPr>
+          <p:cNvPr id="3" name="Заголовок 2">
+            <a:extLst>
+              <a:ext uri="{FF2B5EF4-FFF2-40B4-BE49-F238E27FC236}">
+                <a16:creationId xmlns:a16="http://schemas.microsoft.com/office/drawing/2014/main" id="{E445C835-2940-5143-8E0A-F37402D98722}"/>
+              </a:ext>
+            </a:extLst>
+          </p:cNvPr>
+          <p:cNvSpPr>
+            <a:spLocks noGrp="1"/>
+          </p:cNvSpPr>
+          <p:nvPr>
+            <p:ph type="title"/>
+          </p:nvPr>
+        </p:nvSpPr>
+        <p:spPr>
+          <a:xfrm>
+            <a:off x="1371599" y="336014"/>
+            <a:ext cx="9601200" cy="1485900"/>
+          </a:xfrm>
+        </p:spPr>
+        <p:txBody>
+          <a:bodyPr/>
+          <a:lstStyle/>
+          <a:p>
+            <a:r>
+              <a:rPr lang="ru-RU" dirty="0">
+                <a:latin typeface="Gabriola" pitchFamily="82" charset="0"/>
+              </a:rPr>
+              <a:t>Принцип </a:t>
+            </a:r>
+            <a:r>
+              <a:rPr lang="ru-UA" dirty="0">
+                <a:latin typeface="Gabriola" pitchFamily="82" charset="0"/>
+              </a:rPr>
+              <a:t>Работы механической ИС</a:t>
+            </a:r>
+          </a:p>
+        </p:txBody>
+      </p:sp>
+      <p:sp>
+        <p:nvSpPr>
           <p:cNvPr id="2" name="Объект 1">
             <a:extLst>
               <a:ext uri="{FF2B5EF4-FFF2-40B4-BE49-F238E27FC236}">
@@ -8242,43 +13862,147 @@
             <p:ph idx="1"/>
           </p:nvPr>
         </p:nvSpPr>
-        <p:spPr/>
-        <p:txBody>
-          <a:bodyPr/>
+        <p:spPr>
+          <a:xfrm>
+            <a:off x="1371599" y="1035586"/>
+            <a:ext cx="9601200" cy="5822414"/>
+          </a:xfrm>
+        </p:spPr>
+        <p:txBody>
+          <a:bodyPr>
+            <a:normAutofit fontScale="92500" lnSpcReduction="10000"/>
+          </a:bodyPr>
           <a:lstStyle/>
           <a:p>
-            <a:r>
-              <a:rPr lang="ru-UA"/>
-              <a:t>Передача данных происходит следущим образом: сначала</a:t>
-            </a:r>
-          </a:p>
-        </p:txBody>
-      </p:sp>
-      <p:sp>
-        <p:nvSpPr>
-          <p:cNvPr id="3" name="Заголовок 2">
-            <a:extLst>
-              <a:ext uri="{FF2B5EF4-FFF2-40B4-BE49-F238E27FC236}">
-                <a16:creationId xmlns:a16="http://schemas.microsoft.com/office/drawing/2014/main" id="{E445C835-2940-5143-8E0A-F37402D98722}"/>
-              </a:ext>
-            </a:extLst>
-          </p:cNvPr>
-          <p:cNvSpPr>
-            <a:spLocks noGrp="1"/>
-          </p:cNvSpPr>
-          <p:nvPr>
-            <p:ph type="title"/>
-          </p:nvPr>
-        </p:nvSpPr>
-        <p:spPr/>
-        <p:txBody>
-          <a:bodyPr/>
-          <a:lstStyle/>
-          <a:p>
-            <a:r>
-              <a:rPr lang="ru-UA" dirty="0"/>
-              <a:t>Работа механической ИС</a:t>
-            </a:r>
+            <a:pPr marL="0" indent="0" algn="just">
+              <a:buNone/>
+            </a:pPr>
+            <a:r>
+              <a:rPr lang="ru-RU" dirty="0">
+                <a:latin typeface="Gabriola" pitchFamily="82" charset="0"/>
+              </a:rPr>
+              <a:t>Передача данных на примере сложения (127+65)</a:t>
+            </a:r>
+          </a:p>
+          <a:p>
+            <a:pPr algn="just"/>
+            <a:r>
+              <a:rPr lang="ru-RU" sz="1800" dirty="0">
+                <a:latin typeface="Gabriola" pitchFamily="82" charset="0"/>
+              </a:rPr>
+              <a:t>Устанавливаем все разряды </a:t>
+            </a:r>
+            <a:r>
+              <a:rPr lang="ru-RU" sz="1800" dirty="0" err="1">
+                <a:latin typeface="Gabriola" pitchFamily="82" charset="0"/>
+              </a:rPr>
+              <a:t>рабдологического</a:t>
+            </a:r>
+            <a:r>
+              <a:rPr lang="ru-RU" sz="1800" dirty="0">
+                <a:latin typeface="Gabriola" pitchFamily="82" charset="0"/>
+              </a:rPr>
+              <a:t> абака в ноль, для чего, с помощью штифта, передвигаем линейки в крайнее верхнее положение.</a:t>
+            </a:r>
+          </a:p>
+          <a:p>
+            <a:pPr algn="just"/>
+            <a:r>
+              <a:rPr lang="ru-RU" sz="1800" dirty="0">
+                <a:latin typeface="Gabriola" pitchFamily="82" charset="0"/>
+              </a:rPr>
+              <a:t>Ставим штифт в паз на риску линейки младшего разряда, находящуюся напротив цифры семь, и сдвигают линейку до тех пор, пока штифт не упрется в нижний торец паза. При этом в окошке результата сложения в младшем разряде отобразится вводимое число (семь). Стоит заметить, что в окошке результата вычитания в младшем разряде будет отображено число, необходимое для дополнения семерки до десяти, то есть три.</a:t>
+            </a:r>
+          </a:p>
+          <a:p>
+            <a:pPr algn="just"/>
+            <a:r>
+              <a:rPr lang="ru-RU" sz="1800" dirty="0">
+                <a:latin typeface="Gabriola" pitchFamily="82" charset="0"/>
+              </a:rPr>
+              <a:t>Аналогичную операцию проделываем и с разрядом десяток, только в этом случае паз устанавливаем напротив цифры 2.</a:t>
+            </a:r>
+          </a:p>
+          <a:p>
+            <a:pPr marL="0" indent="0" algn="just">
+              <a:buNone/>
+            </a:pPr>
+            <a:r>
+              <a:rPr lang="ru-RU" dirty="0">
+                <a:latin typeface="Gabriola" pitchFamily="82" charset="0"/>
+              </a:rPr>
+              <a:t>Передача данных на примере вычитания (68-23)</a:t>
+            </a:r>
+          </a:p>
+          <a:p>
+            <a:pPr algn="just"/>
+            <a:r>
+              <a:rPr lang="ru-RU" sz="1800" dirty="0">
+                <a:latin typeface="Gabriola" pitchFamily="82" charset="0"/>
+              </a:rPr>
+              <a:t>Все разряды </a:t>
+            </a:r>
+            <a:r>
+              <a:rPr lang="ru-RU" sz="1800" dirty="0" err="1">
+                <a:latin typeface="Gabriola" pitchFamily="82" charset="0"/>
+              </a:rPr>
+              <a:t>рабдологического</a:t>
+            </a:r>
+            <a:r>
+              <a:rPr lang="ru-RU" sz="1800" dirty="0">
+                <a:latin typeface="Gabriola" pitchFamily="82" charset="0"/>
+              </a:rPr>
+              <a:t> абака устанавливаются в 0. Для этого с помощью штифта, линейки передвигаются в крайнее верхнее положение.</a:t>
+            </a:r>
+          </a:p>
+          <a:p>
+            <a:pPr algn="just"/>
+            <a:r>
+              <a:rPr lang="ru-RU" sz="1800" dirty="0">
+                <a:latin typeface="Gabriola" pitchFamily="82" charset="0"/>
+              </a:rPr>
+              <a:t>Вводится младший разряд уменьшаемого. Линейка младшего разряда передвигается так, чтобы в окошке результата вычитания в позиции младшего разряда отобразилась цифра 8. Чтобы этого добиться, необходимо поставить штифт в паз на риску, находящуюся напротив цифры 2, и сдвинуть линейку вниз до тех пор, пока штифт не упрется в торец паза</a:t>
+            </a:r>
+          </a:p>
+          <a:p>
+            <a:r>
+              <a:rPr lang="ru-RU" sz="1800" dirty="0">
+                <a:latin typeface="Gabriola" pitchFamily="82" charset="0"/>
+              </a:rPr>
+              <a:t>Далее вводится разряд десяток уменьшаемого, для чего соответствующая линейка передвигается так, чтобы в окошке результата вычитания на второй позиции отобразилась цифра 6. Для этого штифт ставится в паз на риску, находящуюся напротив цифры 4, а линейка сдвигается вниз до тех пор, пока штифт не упрется в торец паза. В итоге, окно результата вычитания отобразит число 68.</a:t>
+            </a:r>
+            <a:br>
+              <a:rPr lang="ru-RU" sz="1800" dirty="0">
+                <a:latin typeface="Gabriola" pitchFamily="82" charset="0"/>
+              </a:rPr>
+            </a:br>
+            <a:endParaRPr lang="ru-RU" sz="1800" dirty="0">
+              <a:latin typeface="Gabriola" pitchFamily="82" charset="0"/>
+            </a:endParaRPr>
+          </a:p>
+          <a:p>
+            <a:pPr marL="0" indent="0">
+              <a:buNone/>
+            </a:pPr>
+            <a:endParaRPr lang="ru-RU" sz="1800" dirty="0"/>
+          </a:p>
+          <a:p>
+            <a:pPr marL="0" indent="0">
+              <a:buNone/>
+            </a:pPr>
+            <a:endParaRPr lang="ru-RU" sz="1800" dirty="0"/>
+          </a:p>
+          <a:p>
+            <a:pPr marL="0" indent="0">
+              <a:buNone/>
+            </a:pPr>
+            <a:endParaRPr lang="ru-RU" sz="1700" dirty="0"/>
+          </a:p>
+          <a:p>
+            <a:pPr marL="0" indent="0">
+              <a:buNone/>
+            </a:pPr>
+            <a:endParaRPr lang="ru-UA" sz="1700" dirty="0"/>
           </a:p>
         </p:txBody>
       </p:sp>
@@ -8295,59 +14019,305 @@
 </p:sld>
 </file>
 
+<file path=ppt/slides/slide5.xml><?xml version="1.0" encoding="utf-8"?>
+<p:sld xmlns:a="http://schemas.openxmlformats.org/drawingml/2006/main" xmlns:r="http://schemas.openxmlformats.org/officeDocument/2006/relationships" xmlns:p="http://schemas.openxmlformats.org/presentationml/2006/main">
+  <p:cSld>
+    <p:spTree>
+      <p:nvGrpSpPr>
+        <p:cNvPr id="1" name=""/>
+        <p:cNvGrpSpPr/>
+        <p:nvPr/>
+      </p:nvGrpSpPr>
+      <p:grpSpPr>
+        <a:xfrm>
+          <a:off x="0" y="0"/>
+          <a:ext cx="0" cy="0"/>
+          <a:chOff x="0" y="0"/>
+          <a:chExt cx="0" cy="0"/>
+        </a:xfrm>
+      </p:grpSpPr>
+      <p:sp>
+        <p:nvSpPr>
+          <p:cNvPr id="3" name="Объект 2">
+            <a:extLst>
+              <a:ext uri="{FF2B5EF4-FFF2-40B4-BE49-F238E27FC236}">
+                <a16:creationId xmlns:a16="http://schemas.microsoft.com/office/drawing/2014/main" id="{EF37B581-6833-2044-8744-DC8606B725DD}"/>
+              </a:ext>
+            </a:extLst>
+          </p:cNvPr>
+          <p:cNvSpPr>
+            <a:spLocks noGrp="1"/>
+          </p:cNvSpPr>
+          <p:nvPr>
+            <p:ph idx="1"/>
+          </p:nvPr>
+        </p:nvSpPr>
+        <p:spPr>
+          <a:xfrm>
+            <a:off x="1295401" y="313981"/>
+            <a:ext cx="9093506" cy="6119870"/>
+          </a:xfrm>
+        </p:spPr>
+        <p:txBody>
+          <a:bodyPr>
+            <a:normAutofit/>
+          </a:bodyPr>
+          <a:lstStyle/>
+          <a:p>
+            <a:pPr marL="0" indent="0" algn="just">
+              <a:buNone/>
+            </a:pPr>
+            <a:r>
+              <a:rPr lang="ru-UA" sz="1900" dirty="0">
+                <a:latin typeface="Gabriola" pitchFamily="82" charset="0"/>
+              </a:rPr>
+              <a:t>Обработка данных </a:t>
+            </a:r>
+            <a:r>
+              <a:rPr lang="ru-RU" sz="1900" dirty="0">
+                <a:latin typeface="Gabriola" pitchFamily="82" charset="0"/>
+              </a:rPr>
+              <a:t>на примере сложения (127+65)</a:t>
+            </a:r>
+            <a:endParaRPr lang="ru-UA" sz="1900" dirty="0">
+              <a:latin typeface="Gabriola" pitchFamily="82" charset="0"/>
+            </a:endParaRPr>
+          </a:p>
+          <a:p>
+            <a:pPr algn="just"/>
+            <a:r>
+              <a:rPr lang="ru-RU" sz="1700" dirty="0">
+                <a:latin typeface="Gabriola" pitchFamily="82" charset="0"/>
+              </a:rPr>
+              <a:t>Следующее действие — ввод второго слагаемого. Штифт устанавливается в паз на риску линейки младшего разряда, находящуюся напротив цифры 5, линейка сдвигается вниз до упора. При этом штифт остановится напротив цифры 2, так как линейка упрется в нижнюю стенку устройства раньше, чем штифт достигнет нижнего торца паза. В тоже время линейка разряда десяток опустится на одно деление вниз, за счет работы механизма переноса переполнения. В окне результата сложения отобразится цифра 130.</a:t>
+            </a:r>
+          </a:p>
+          <a:p>
+            <a:pPr algn="just"/>
+            <a:r>
+              <a:rPr lang="ru-RU" sz="1700" dirty="0">
+                <a:latin typeface="Gabriola" pitchFamily="82" charset="0"/>
+              </a:rPr>
+              <a:t>Для того, чтобы получить верную цифру в разряде единиц — 2, следует, не извлекая штифта из прорези, продвинуть линейку вверх, пока штифт не упрется в торец паза. Таким образом, в окне результата сложения отобразится цифра 132.</a:t>
+            </a:r>
+          </a:p>
+          <a:p>
+            <a:pPr algn="just"/>
+            <a:r>
+              <a:rPr lang="ru-RU" sz="1700" dirty="0">
+                <a:latin typeface="Gabriola" pitchFamily="82" charset="0"/>
+              </a:rPr>
+              <a:t>Завершающий этап — вводится разряд десятков второго слагаемого. Для этого штифт устанавливается в паз на риску линейки разряда десятков, находящуюся напротив цифры 6, линейка сдвигается вниз до упора. На этом вычисления заканчиваются</a:t>
+            </a:r>
+          </a:p>
+          <a:p>
+            <a:pPr marL="0" indent="0" algn="just">
+              <a:buNone/>
+            </a:pPr>
+            <a:r>
+              <a:rPr lang="ru-RU" sz="1900" dirty="0">
+                <a:latin typeface="Gabriola" pitchFamily="82" charset="0"/>
+              </a:rPr>
+              <a:t>Обработка данных на примере вычитания (68-23)</a:t>
+            </a:r>
+          </a:p>
+          <a:p>
+            <a:pPr algn="just"/>
+            <a:r>
+              <a:rPr lang="ru-RU" sz="1900" dirty="0">
+                <a:latin typeface="Gabriola" pitchFamily="82" charset="0"/>
+              </a:rPr>
+              <a:t> Вычитаемое вводится также, как и слагаемое при сложении. Для ввода младшего разряда вычитаемого, штифт устанавливается в паз на риску линейки младшего разряда, напротив цифры 3. Линейка двигается вниз, пока штифт не упрется в торец паза. Далее вводится старший разряд вычитаемого, для чего штифт устанавливается в паз на риску второй слева линейки, напротив цифры 2. Линейка двигается вниз, пока штифт не упрется в торец паза. Разница двух чисел найдена</a:t>
+            </a:r>
+          </a:p>
+          <a:p>
+            <a:pPr marL="0" indent="0">
+              <a:buNone/>
+            </a:pPr>
+            <a:endParaRPr lang="ru-RU" sz="1800" dirty="0">
+              <a:latin typeface="Gabriola" pitchFamily="82" charset="0"/>
+            </a:endParaRPr>
+          </a:p>
+          <a:p>
+            <a:endParaRPr lang="ru-RU" sz="1800" dirty="0">
+              <a:latin typeface="Gabriola" pitchFamily="82" charset="0"/>
+            </a:endParaRPr>
+          </a:p>
+          <a:p>
+            <a:endParaRPr lang="ru-UA" sz="1700" dirty="0">
+              <a:latin typeface="Gabriola" pitchFamily="82" charset="0"/>
+            </a:endParaRPr>
+          </a:p>
+        </p:txBody>
+      </p:sp>
+    </p:spTree>
+    <p:extLst>
+      <p:ext uri="{BB962C8B-B14F-4D97-AF65-F5344CB8AC3E}">
+        <p14:creationId xmlns:p14="http://schemas.microsoft.com/office/powerpoint/2010/main" val="1199432004"/>
+      </p:ext>
+    </p:extLst>
+  </p:cSld>
+  <p:clrMapOvr>
+    <a:masterClrMapping/>
+  </p:clrMapOvr>
+</p:sld>
+</file>
+
+<file path=ppt/slides/slide6.xml><?xml version="1.0" encoding="utf-8"?>
+<p:sld xmlns:a="http://schemas.openxmlformats.org/drawingml/2006/main" xmlns:r="http://schemas.openxmlformats.org/officeDocument/2006/relationships" xmlns:p="http://schemas.openxmlformats.org/presentationml/2006/main">
+  <p:cSld>
+    <p:spTree>
+      <p:nvGrpSpPr>
+        <p:cNvPr id="1" name=""/>
+        <p:cNvGrpSpPr/>
+        <p:nvPr/>
+      </p:nvGrpSpPr>
+      <p:grpSpPr>
+        <a:xfrm>
+          <a:off x="0" y="0"/>
+          <a:ext cx="0" cy="0"/>
+          <a:chOff x="0" y="0"/>
+          <a:chExt cx="0" cy="0"/>
+        </a:xfrm>
+      </p:grpSpPr>
+      <p:sp>
+        <p:nvSpPr>
+          <p:cNvPr id="3" name="Объект 2">
+            <a:extLst>
+              <a:ext uri="{FF2B5EF4-FFF2-40B4-BE49-F238E27FC236}">
+                <a16:creationId xmlns:a16="http://schemas.microsoft.com/office/drawing/2014/main" id="{C71BA48A-0F17-304A-912E-FA3B19C8027A}"/>
+              </a:ext>
+            </a:extLst>
+          </p:cNvPr>
+          <p:cNvSpPr>
+            <a:spLocks noGrp="1"/>
+          </p:cNvSpPr>
+          <p:nvPr>
+            <p:ph idx="1"/>
+          </p:nvPr>
+        </p:nvSpPr>
+        <p:spPr>
+          <a:xfrm>
+            <a:off x="1295400" y="842790"/>
+            <a:ext cx="9601200" cy="3581400"/>
+          </a:xfrm>
+        </p:spPr>
+        <p:txBody>
+          <a:bodyPr>
+            <a:normAutofit/>
+          </a:bodyPr>
+          <a:lstStyle/>
+          <a:p>
+            <a:pPr marL="0" indent="0">
+              <a:buNone/>
+            </a:pPr>
+            <a:r>
+              <a:rPr lang="ru-UA" sz="1900" dirty="0">
+                <a:latin typeface="Gabriola" pitchFamily="82" charset="0"/>
+              </a:rPr>
+              <a:t>Получение данных:</a:t>
+            </a:r>
+          </a:p>
+          <a:p>
+            <a:pPr marL="0" indent="0">
+              <a:buNone/>
+            </a:pPr>
+            <a:endParaRPr lang="ru-UA" sz="1900" dirty="0">
+              <a:latin typeface="Gabriola" pitchFamily="82" charset="0"/>
+            </a:endParaRPr>
+          </a:p>
+          <a:p>
+            <a:r>
+              <a:rPr lang="ru-UA" sz="1700" dirty="0">
+                <a:latin typeface="Gabriola" pitchFamily="82" charset="0"/>
+              </a:rPr>
+              <a:t>В случае сложения данны отображаются в нижнем окошке перед таблицей умножения. При примере  127+65, в окошке отобразится результат 192</a:t>
+            </a:r>
+          </a:p>
+          <a:p>
+            <a:pPr marL="0" indent="0">
+              <a:buNone/>
+            </a:pPr>
+            <a:endParaRPr lang="ru-UA" sz="1700" dirty="0">
+              <a:latin typeface="Gabriola" pitchFamily="82" charset="0"/>
+            </a:endParaRPr>
+          </a:p>
+          <a:p>
+            <a:r>
+              <a:rPr lang="ru-UA" sz="1700" dirty="0">
+                <a:latin typeface="Gabriola" pitchFamily="82" charset="0"/>
+              </a:rPr>
+              <a:t>В случае вычитания, в самом верху после пазов для ввода данных находится еще одно окошко в котором отображается результат обработки ваших данных. При примере 68-23, в окошке отобразится искомый результат 45</a:t>
+            </a:r>
+          </a:p>
+        </p:txBody>
+      </p:sp>
+    </p:spTree>
+    <p:extLst>
+      <p:ext uri="{BB962C8B-B14F-4D97-AF65-F5344CB8AC3E}">
+        <p14:creationId xmlns:p14="http://schemas.microsoft.com/office/powerpoint/2010/main" val="4253523271"/>
+      </p:ext>
+    </p:extLst>
+  </p:cSld>
+  <p:clrMapOvr>
+    <a:masterClrMapping/>
+  </p:clrMapOvr>
+</p:sld>
+</file>
+
 <file path=ppt/theme/theme1.xml><?xml version="1.0" encoding="utf-8"?>
-<a:theme xmlns:a="http://schemas.openxmlformats.org/drawingml/2006/main" name="РетроспективаVTI">
+<a:theme xmlns:a="http://schemas.openxmlformats.org/drawingml/2006/main" name="Уголки">
   <a:themeElements>
-    <a:clrScheme name="Brights">
+    <a:clrScheme name="Уголки">
       <a:dk1>
-        <a:srgbClr val="000000"/>
+        <a:sysClr val="windowText" lastClr="000000"/>
       </a:dk1>
       <a:lt1>
-        <a:srgbClr val="FFFFFF"/>
+        <a:sysClr val="window" lastClr="FFFFFF"/>
       </a:lt1>
       <a:dk2>
-        <a:srgbClr val="5E5E5E"/>
+        <a:srgbClr val="191B0E"/>
       </a:dk2>
       <a:lt2>
-        <a:srgbClr val="D5D5D5"/>
+        <a:srgbClr val="EFEDE3"/>
       </a:lt2>
       <a:accent1>
-        <a:srgbClr val="00A2FF"/>
+        <a:srgbClr val="8C8D86"/>
       </a:accent1>
       <a:accent2>
-        <a:srgbClr val="16E7CF"/>
+        <a:srgbClr val="E6C069"/>
       </a:accent2>
       <a:accent3>
-        <a:srgbClr val="61D836"/>
+        <a:srgbClr val="897B61"/>
       </a:accent3>
       <a:accent4>
-        <a:srgbClr val="FAE232"/>
+        <a:srgbClr val="8DAB8E"/>
       </a:accent4>
       <a:accent5>
-        <a:srgbClr val="FF644E"/>
+        <a:srgbClr val="77A2BB"/>
       </a:accent5>
       <a:accent6>
-        <a:srgbClr val="EF5FA7"/>
+        <a:srgbClr val="E28394"/>
       </a:accent6>
       <a:hlink>
-        <a:srgbClr val="0000FF"/>
+        <a:srgbClr val="77A2BB"/>
       </a:hlink>
       <a:folHlink>
-        <a:srgbClr val="FF00FF"/>
+        <a:srgbClr val="957A99"/>
       </a:folHlink>
     </a:clrScheme>
-    <a:fontScheme name="Consolas-Verdana">
+    <a:fontScheme name="Уголки">
       <a:majorFont>
-        <a:latin typeface="Consolas" panose="020B0609020204030204"/>
+        <a:latin typeface="Franklin Gothic Book" panose="020B0503020102020204"/>
         <a:ea typeface=""/>
         <a:cs typeface=""/>
-        <a:font script="Jpan" typeface="HG丸ｺﾞｼｯｸM-PRO"/>
-        <a:font script="Hang" typeface="HY중고딕"/>
+        <a:font script="Jpan" typeface="メイリオ"/>
+        <a:font script="Hang" typeface="돋움"/>
         <a:font script="Hans" typeface="华文楷体"/>
-        <a:font script="Hant" typeface="新細明體"/>
+        <a:font script="Hant" typeface="微軟正黑體"/>
         <a:font script="Arab" typeface="Tahoma"/>
-        <a:font script="Hebr" typeface="Levenim MT"/>
-        <a:font script="Thai" typeface="DilleniaUPC"/>
+        <a:font script="Hebr" typeface="Aharoni"/>
+        <a:font script="Thai" typeface="LilyUPC"/>
         <a:font script="Ethi" typeface="Nyala"/>
         <a:font script="Beng" typeface="Vrinda"/>
         <a:font script="Gujr" typeface="Shruti"/>
@@ -8373,16 +14343,16 @@
         <a:font script="Geor" typeface="Sylfaen"/>
       </a:majorFont>
       <a:minorFont>
-        <a:latin typeface="Verdana" panose="020B0604030504040204"/>
+        <a:latin typeface="Franklin Gothic Book" panose="020B0503020102020204"/>
         <a:ea typeface=""/>
         <a:cs typeface=""/>
-        <a:font script="Jpan" typeface="ＭＳ ゴシック"/>
-        <a:font script="Hang" typeface="굴림"/>
-        <a:font script="Hans" typeface="微软雅黑"/>
+        <a:font script="Jpan" typeface="メイリオ"/>
+        <a:font script="Hang" typeface="돋움"/>
+        <a:font script="Hans" typeface="华文楷体"/>
         <a:font script="Hant" typeface="微軟正黑體"/>
         <a:font script="Arab" typeface="Tahoma"/>
-        <a:font script="Hebr" typeface="Tahoma"/>
-        <a:font script="Thai" typeface="FreesiaUPC"/>
+        <a:font script="Hebr" typeface="Aharoni"/>
+        <a:font script="Thai" typeface="LilyUPC"/>
         <a:font script="Ethi" typeface="Nyala"/>
         <a:font script="Beng" typeface="Vrinda"/>
         <a:font script="Gujr" typeface="Shruti"/>
@@ -8403,12 +14373,12 @@
         <a:font script="Laoo" typeface="DokChampa"/>
         <a:font script="Sinh" typeface="Iskoola Pota"/>
         <a:font script="Mong" typeface="Mongolian Baiti"/>
-        <a:font script="Viet" typeface="Verdana"/>
+        <a:font script="Viet" typeface="Tahoma"/>
         <a:font script="Uigh" typeface="Microsoft Uighur"/>
         <a:font script="Geor" typeface="Sylfaen"/>
       </a:minorFont>
     </a:fontScheme>
-    <a:fmtScheme name="Retrospect">
+    <a:fmtScheme name="Уголки">
       <a:fillStyleLst>
         <a:solidFill>
           <a:schemeClr val="phClr"/>
@@ -8417,77 +14387,69 @@
           <a:gsLst>
             <a:gs pos="0">
               <a:schemeClr val="phClr">
-                <a:tint val="65000"/>
-                <a:shade val="92000"/>
-                <a:satMod val="130000"/>
+                <a:tint val="67000"/>
+                <a:satMod val="105000"/>
+                <a:lumMod val="110000"/>
               </a:schemeClr>
             </a:gs>
-            <a:gs pos="45000">
+            <a:gs pos="50000">
               <a:schemeClr val="phClr">
-                <a:tint val="60000"/>
-                <a:shade val="99000"/>
-                <a:satMod val="120000"/>
+                <a:tint val="73000"/>
+                <a:satMod val="103000"/>
+                <a:lumMod val="105000"/>
               </a:schemeClr>
             </a:gs>
             <a:gs pos="100000">
               <a:schemeClr val="phClr">
-                <a:tint val="55000"/>
-                <a:satMod val="140000"/>
+                <a:tint val="81000"/>
+                <a:satMod val="109000"/>
+                <a:lumMod val="105000"/>
               </a:schemeClr>
             </a:gs>
           </a:gsLst>
-          <a:path path="circle">
-            <a:fillToRect l="100000" t="100000" r="100000" b="100000"/>
-          </a:path>
+          <a:lin ang="5400000" scaled="0"/>
         </a:gradFill>
         <a:gradFill rotWithShape="1">
           <a:gsLst>
             <a:gs pos="0">
               <a:schemeClr val="phClr">
-                <a:shade val="85000"/>
-                <a:satMod val="130000"/>
+                <a:tint val="94000"/>
+                <a:satMod val="103000"/>
+                <a:lumMod val="102000"/>
               </a:schemeClr>
             </a:gs>
-            <a:gs pos="34000">
+            <a:gs pos="50000">
               <a:schemeClr val="phClr">
-                <a:shade val="87000"/>
-                <a:satMod val="125000"/>
-              </a:schemeClr>
-            </a:gs>
-            <a:gs pos="70000">
-              <a:schemeClr val="phClr">
-                <a:tint val="100000"/>
-                <a:shade val="90000"/>
-                <a:satMod val="130000"/>
+                <a:shade val="100000"/>
+                <a:satMod val="110000"/>
+                <a:lumMod val="100000"/>
               </a:schemeClr>
             </a:gs>
             <a:gs pos="100000">
               <a:schemeClr val="phClr">
-                <a:tint val="100000"/>
-                <a:shade val="100000"/>
-                <a:satMod val="110000"/>
+                <a:shade val="78000"/>
+                <a:satMod val="120000"/>
+                <a:lumMod val="99000"/>
               </a:schemeClr>
             </a:gs>
           </a:gsLst>
-          <a:path path="circle">
-            <a:fillToRect l="100000" t="100000" r="100000" b="100000"/>
-          </a:path>
+          <a:lin ang="5400000" scaled="0"/>
         </a:gradFill>
       </a:fillStyleLst>
       <a:lnStyleLst>
-        <a:ln w="12700" cap="flat" cmpd="sng" algn="ctr">
+        <a:ln w="6350" cap="flat" cmpd="sng" algn="in">
           <a:solidFill>
             <a:schemeClr val="phClr"/>
           </a:solidFill>
           <a:prstDash val="solid"/>
         </a:ln>
-        <a:ln w="15875" cap="flat" cmpd="sng" algn="ctr">
+        <a:ln w="34925" cap="flat" cmpd="sng" algn="in">
           <a:solidFill>
             <a:schemeClr val="phClr"/>
           </a:solidFill>
           <a:prstDash val="solid"/>
         </a:ln>
-        <a:ln w="25400" cap="flat" cmpd="sng" algn="ctr">
+        <a:ln w="19050" cap="flat" cmpd="sng" algn="in">
           <a:solidFill>
             <a:schemeClr val="phClr"/>
           </a:solidFill>
@@ -8499,33 +14461,16 @@
           <a:effectLst/>
         </a:effectStyle>
         <a:effectStyle>
+          <a:effectLst/>
+        </a:effectStyle>
+        <a:effectStyle>
           <a:effectLst>
-            <a:outerShdw blurRad="38100" dist="25400" dir="2700000" algn="br" rotWithShape="0">
+            <a:outerShdw blurRad="57150" dist="19050" dir="5400000" algn="ctr" rotWithShape="0">
               <a:srgbClr val="000000">
-                <a:alpha val="60000"/>
+                <a:alpha val="35000"/>
               </a:srgbClr>
             </a:outerShdw>
           </a:effectLst>
-        </a:effectStyle>
-        <a:effectStyle>
-          <a:effectLst>
-            <a:outerShdw blurRad="44450" dist="25400" dir="2700000" algn="br" rotWithShape="0">
-              <a:srgbClr val="000000">
-                <a:alpha val="60000"/>
-              </a:srgbClr>
-            </a:outerShdw>
-          </a:effectLst>
-          <a:scene3d>
-            <a:camera prst="orthographicFront">
-              <a:rot lat="0" lon="0" rev="0"/>
-            </a:camera>
-            <a:lightRig rig="threePt" dir="t">
-              <a:rot lat="0" lon="0" rev="19800000"/>
-            </a:lightRig>
-          </a:scene3d>
-          <a:sp3d prstMaterial="flat">
-            <a:bevelT w="25400" h="31750"/>
-          </a:sp3d>
         </a:effectStyle>
       </a:effectStyleLst>
       <a:bgFillStyleLst>
@@ -8534,36 +14479,36 @@
         </a:solidFill>
         <a:solidFill>
           <a:schemeClr val="phClr">
-            <a:tint val="90000"/>
-            <a:shade val="97000"/>
-            <a:satMod val="130000"/>
+            <a:tint val="95000"/>
+            <a:satMod val="170000"/>
           </a:schemeClr>
         </a:solidFill>
         <a:gradFill rotWithShape="1">
           <a:gsLst>
             <a:gs pos="0">
               <a:schemeClr val="phClr">
-                <a:tint val="96000"/>
-                <a:shade val="99000"/>
-                <a:satMod val="140000"/>
+                <a:tint val="93000"/>
+                <a:shade val="98000"/>
+                <a:satMod val="150000"/>
+                <a:lumMod val="102000"/>
               </a:schemeClr>
             </a:gs>
-            <a:gs pos="65000">
+            <a:gs pos="50000">
               <a:schemeClr val="phClr">
-                <a:tint val="100000"/>
-                <a:shade val="80000"/>
+                <a:tint val="98000"/>
+                <a:shade val="90000"/>
                 <a:satMod val="130000"/>
+                <a:lumMod val="103000"/>
               </a:schemeClr>
             </a:gs>
             <a:gs pos="100000">
               <a:schemeClr val="phClr">
-                <a:tint val="100000"/>
-                <a:shade val="48000"/>
+                <a:shade val="63000"/>
                 <a:satMod val="120000"/>
               </a:schemeClr>
             </a:gs>
           </a:gsLst>
-          <a:lin ang="16200000" scaled="0"/>
+          <a:lin ang="5400000" scaled="0"/>
         </a:gradFill>
       </a:bgFillStyleLst>
     </a:fmtScheme>
@@ -8572,7 +14517,7 @@
   <a:extraClrSchemeLst/>
   <a:extLst>
     <a:ext uri="{05A4C25C-085E-4340-85A3-A5531E510DB2}">
-      <thm15:themeFamily xmlns:thm15="http://schemas.microsoft.com/office/thememl/2012/main" name="Office_42167610_TF66722518.potx" id="{99535A38-7086-4F19-BA2D-7114A7639216}" vid="{E1E69E6A-375F-4B0F-8CE5-93EFF684DE41}"/>
+      <thm15:themeFamily xmlns:thm15="http://schemas.microsoft.com/office/thememl/2012/main" name="Crop" id="{EC9488ED-E761-4D60-9AC4-764D1FE2C171}" vid="{CE19780C-D67D-4C13-9DE9-A52BC3BA51B4}"/>
     </a:ext>
   </a:extLst>
 </a:theme>
@@ -9101,24 +15046,6 @@
 </file>
 
 <file path=customXml/item1.xml><?xml version="1.0" encoding="utf-8"?>
-<p:properties xmlns:p="http://schemas.microsoft.com/office/2006/metadata/properties" xmlns:xsi="http://www.w3.org/2001/XMLSchema-instance" xmlns:pc="http://schemas.microsoft.com/office/infopath/2007/PartnerControls">
-  <documentManagement>
-    <Status xmlns="71af3243-3dd4-4a8d-8c0d-dd76da1f02a5">Not started</Status>
-    <MediaServiceKeyPoints xmlns="71af3243-3dd4-4a8d-8c0d-dd76da1f02a5" xsi:nil="true"/>
-  </documentManagement>
-</p:properties>
-</file>
-
-<file path=customXml/item2.xml><?xml version="1.0" encoding="utf-8"?>
-<?mso-contentType ?>
-<FormTemplates xmlns="http://schemas.microsoft.com/sharepoint/v3/contenttype/forms">
-  <Display>DocumentLibraryForm</Display>
-  <Edit>DocumentLibraryForm</Edit>
-  <New>DocumentLibraryForm</New>
-</FormTemplates>
-</file>
-
-<file path=customXml/item3.xml><?xml version="1.0" encoding="utf-8"?>
 <ct:contentTypeSchema xmlns:ct="http://schemas.microsoft.com/office/2006/metadata/contentType" xmlns:ma="http://schemas.microsoft.com/office/2006/metadata/properties/metaAttributes" ct:_="" ma:_="" ma:contentTypeName="Document" ma:contentTypeID="0x01010079F111ED35F8CC479449609E8A0923A6" ma:contentTypeVersion="12" ma:contentTypeDescription="Create a new document." ma:contentTypeScope="" ma:versionID="fa6e671f1cd7e4d96ff9652be322dd5e">
   <xsd:schema xmlns:xsd="http://www.w3.org/2001/XMLSchema" xmlns:xs="http://www.w3.org/2001/XMLSchema" xmlns:p="http://schemas.microsoft.com/office/2006/metadata/properties" xmlns:ns2="71af3243-3dd4-4a8d-8c0d-dd76da1f02a5" xmlns:ns3="16c05727-aa75-4e4a-9b5f-8a80a1165891" targetNamespace="http://schemas.microsoft.com/office/2006/metadata/properties" ma:root="true" ma:fieldsID="4e2496f70b101db0b8013f30a071bbf7" ns2:_="" ns3:_="">
     <xsd:import namespace="71af3243-3dd4-4a8d-8c0d-dd76da1f02a5"/>
@@ -9339,25 +15266,25 @@
 </ct:contentTypeSchema>
 </file>
 
-<file path=customXml/itemProps1.xml><?xml version="1.0" encoding="utf-8"?>
-<ds:datastoreItem xmlns:ds="http://schemas.openxmlformats.org/officeDocument/2006/customXml" ds:itemID="{38F4328E-77DF-41E8-952F-124AE19F1F7C}">
-  <ds:schemaRefs>
-    <ds:schemaRef ds:uri="http://schemas.microsoft.com/office/2006/metadata/properties"/>
-    <ds:schemaRef ds:uri="http://schemas.microsoft.com/office/infopath/2007/PartnerControls"/>
-    <ds:schemaRef ds:uri="71af3243-3dd4-4a8d-8c0d-dd76da1f02a5"/>
-  </ds:schemaRefs>
-</ds:datastoreItem>
+<file path=customXml/item2.xml><?xml version="1.0" encoding="utf-8"?>
+<?mso-contentType ?>
+<FormTemplates xmlns="http://schemas.microsoft.com/sharepoint/v3/contenttype/forms">
+  <Display>DocumentLibraryForm</Display>
+  <Edit>DocumentLibraryForm</Edit>
+  <New>DocumentLibraryForm</New>
+</FormTemplates>
 </file>
 
-<file path=customXml/itemProps2.xml><?xml version="1.0" encoding="utf-8"?>
-<ds:datastoreItem xmlns:ds="http://schemas.openxmlformats.org/officeDocument/2006/customXml" ds:itemID="{6A7FA506-1E93-4CA4-B270-1F08FD18C366}">
-  <ds:schemaRefs>
-    <ds:schemaRef ds:uri="http://schemas.microsoft.com/sharepoint/v3/contenttype/forms"/>
-  </ds:schemaRefs>
-</ds:datastoreItem>
+<file path=customXml/item3.xml><?xml version="1.0" encoding="utf-8"?>
+<p:properties xmlns:p="http://schemas.microsoft.com/office/2006/metadata/properties" xmlns:xsi="http://www.w3.org/2001/XMLSchema-instance" xmlns:pc="http://schemas.microsoft.com/office/infopath/2007/PartnerControls">
+  <documentManagement>
+    <Status xmlns="71af3243-3dd4-4a8d-8c0d-dd76da1f02a5">Not started</Status>
+    <MediaServiceKeyPoints xmlns="71af3243-3dd4-4a8d-8c0d-dd76da1f02a5" xsi:nil="true"/>
+  </documentManagement>
+</p:properties>
 </file>
 
-<file path=customXml/itemProps3.xml><?xml version="1.0" encoding="utf-8"?>
+<file path=customXml/itemProps1.xml><?xml version="1.0" encoding="utf-8"?>
 <ds:datastoreItem xmlns:ds="http://schemas.openxmlformats.org/officeDocument/2006/customXml" ds:itemID="{1F2FE978-FCBC-4C90-A410-B547AA706062}">
   <ds:schemaRefs>
     <ds:schemaRef ds:uri="http://schemas.microsoft.com/office/2006/metadata/contentType"/>
@@ -9374,4 +15301,22 @@
     <ds:schemaRef ds:uri="http://schemas.microsoft.com/internal/obd"/>
   </ds:schemaRefs>
 </ds:datastoreItem>
+</file>
+
+<file path=customXml/itemProps2.xml><?xml version="1.0" encoding="utf-8"?>
+<ds:datastoreItem xmlns:ds="http://schemas.openxmlformats.org/officeDocument/2006/customXml" ds:itemID="{6A7FA506-1E93-4CA4-B270-1F08FD18C366}">
+  <ds:schemaRefs>
+    <ds:schemaRef ds:uri="http://schemas.microsoft.com/sharepoint/v3/contenttype/forms"/>
+  </ds:schemaRefs>
+</ds:datastoreItem>
+</file>
+
+<file path=customXml/itemProps3.xml><?xml version="1.0" encoding="utf-8"?>
+<ds:datastoreItem xmlns:ds="http://schemas.openxmlformats.org/officeDocument/2006/customXml" ds:itemID="{38F4328E-77DF-41E8-952F-124AE19F1F7C}">
+  <ds:schemaRefs>
+    <ds:schemaRef ds:uri="http://schemas.microsoft.com/office/2006/metadata/properties"/>
+    <ds:schemaRef ds:uri="http://schemas.microsoft.com/office/infopath/2007/PartnerControls"/>
+    <ds:schemaRef ds:uri="71af3243-3dd4-4a8d-8c0d-dd76da1f02a5"/>
+  </ds:schemaRefs>
+</ds:datastoreItem>
 </file>
--- a/Презентация1.pptx
+++ b/Презентация1.pptx
@@ -5,10 +5,10 @@
     <p:sldMasterId id="2147483725" r:id="rId4"/>
   </p:sldMasterIdLst>
   <p:notesMasterIdLst>
-    <p:notesMasterId r:id="rId11"/>
+    <p:notesMasterId r:id="rId13"/>
   </p:notesMasterIdLst>
   <p:handoutMasterIdLst>
-    <p:handoutMasterId r:id="rId12"/>
+    <p:handoutMasterId r:id="rId14"/>
   </p:handoutMasterIdLst>
   <p:sldIdLst>
     <p:sldId id="348" r:id="rId5"/>
@@ -17,6 +17,8 @@
     <p:sldId id="351" r:id="rId8"/>
     <p:sldId id="352" r:id="rId9"/>
     <p:sldId id="353" r:id="rId10"/>
+    <p:sldId id="354" r:id="rId11"/>
+    <p:sldId id="355" r:id="rId12"/>
   </p:sldIdLst>
   <p:sldSz cx="12192000" cy="6858000"/>
   <p:notesSz cx="6858000" cy="9144000"/>
@@ -210,7 +212,7 @@
             <a:pPr rtl="0"/>
             <a:fld id="{8EB596BA-F330-4785-8461-F74708FFCA50}" type="datetime1">
               <a:rPr lang="ru-RU" smtClean="0"/>
-              <a:t>27.02.2021</a:t>
+              <a:t>28.02.2021</a:t>
             </a:fld>
             <a:endParaRPr lang="ru-RU" dirty="0"/>
           </a:p>
@@ -379,7 +381,7 @@
             <a:fld id="{75E7E9F4-7ED8-495D-B52D-5485A5BC0ACA}" type="datetime1">
               <a:rPr lang="ru-RU" noProof="0" smtClean="0"/>
               <a:pPr/>
-              <a:t>27.02.2021</a:t>
+              <a:t>28.02.2021</a:t>
             </a:fld>
             <a:endParaRPr lang="ru-RU" noProof="0" dirty="0"/>
           </a:p>
@@ -905,7 +907,7 @@
             <a:pPr rtl="0"/>
             <a:fld id="{42F2DED7-F6AC-4866-8138-11B328ED7527}" type="datetime1">
               <a:rPr lang="ru-RU" noProof="0" smtClean="0"/>
-              <a:t>27.02.2021</a:t>
+              <a:t>28.02.2021</a:t>
             </a:fld>
             <a:endParaRPr lang="ru-RU" noProof="0" dirty="0"/>
           </a:p>
@@ -1500,7 +1502,7 @@
             <a:pPr rtl="0"/>
             <a:fld id="{AB14CD44-37FB-48CC-A24D-89C3A643DD86}" type="datetime1">
               <a:rPr lang="ru-RU" noProof="0" smtClean="0"/>
-              <a:t>27.02.2021</a:t>
+              <a:t>28.02.2021</a:t>
             </a:fld>
             <a:endParaRPr lang="ru-RU" noProof="0" dirty="0"/>
           </a:p>
@@ -1684,7 +1686,7 @@
             <a:pPr rtl="0"/>
             <a:fld id="{AB14CD44-37FB-48CC-A24D-89C3A643DD86}" type="datetime1">
               <a:rPr lang="ru-RU" noProof="0" smtClean="0"/>
-              <a:t>27.02.2021</a:t>
+              <a:t>28.02.2021</a:t>
             </a:fld>
             <a:endParaRPr lang="ru-RU" noProof="0" dirty="0"/>
           </a:p>
@@ -1841,7 +1843,7 @@
             <a:pPr rtl="0"/>
             <a:fld id="{2DD0CC0D-F4E8-4EB2-A425-24C0A08BF2ED}" type="datetime1">
               <a:rPr lang="ru-RU" noProof="0" smtClean="0"/>
-              <a:t>27.02.2021</a:t>
+              <a:t>28.02.2021</a:t>
             </a:fld>
             <a:endParaRPr lang="ru-RU" noProof="0" dirty="0"/>
           </a:p>
@@ -2542,7 +2544,7 @@
             <a:pPr rtl="0"/>
             <a:fld id="{11D365CB-744A-4AFA-AFC9-892345BE9421}" type="datetime1">
               <a:rPr lang="ru-RU" noProof="0" smtClean="0"/>
-              <a:t>27.02.2021</a:t>
+              <a:t>28.02.2021</a:t>
             </a:fld>
             <a:endParaRPr lang="ru-RU" noProof="0" dirty="0"/>
           </a:p>
@@ -3629,7 +3631,7 @@
             <a:pPr rtl="0"/>
             <a:fld id="{4B5B89D9-0013-4DF9-B570-27DC755C2F3F}" type="datetime1">
               <a:rPr lang="ru-RU" noProof="0" smtClean="0"/>
-              <a:t>27.02.2021</a:t>
+              <a:t>28.02.2021</a:t>
             </a:fld>
             <a:endParaRPr lang="ru-RU" noProof="0" dirty="0"/>
           </a:p>
@@ -4460,7 +4462,7 @@
             <a:pPr rtl="0"/>
             <a:fld id="{17A79461-147E-4321-BCEB-239C620C895A}" type="datetime1">
               <a:rPr lang="ru-RU" noProof="0" smtClean="0"/>
-              <a:t>27.02.2021</a:t>
+              <a:t>28.02.2021</a:t>
             </a:fld>
             <a:endParaRPr lang="ru-RU" noProof="0" dirty="0"/>
           </a:p>
@@ -5417,7 +5419,7 @@
             <a:pPr rtl="0"/>
             <a:fld id="{0C74DA27-089F-41DB-9018-6804069C0386}" type="datetime1">
               <a:rPr lang="ru-RU" noProof="0" smtClean="0"/>
-              <a:t>27.02.2021</a:t>
+              <a:t>28.02.2021</a:t>
             </a:fld>
             <a:endParaRPr lang="ru-RU" noProof="0" dirty="0"/>
           </a:p>
@@ -6118,7 +6120,7 @@
             <a:pPr rtl="0"/>
             <a:fld id="{4CF5337F-F302-414C-9999-654EC56929E7}" type="datetime1">
               <a:rPr lang="ru-RU" noProof="0" smtClean="0"/>
-              <a:t>27.02.2021</a:t>
+              <a:t>28.02.2021</a:t>
             </a:fld>
             <a:endParaRPr lang="ru-RU" noProof="0" dirty="0"/>
           </a:p>
@@ -6819,7 +6821,7 @@
             <a:pPr rtl="0"/>
             <a:fld id="{FF63DE5C-7286-415E-BD66-0312B5E1AB50}" type="datetime1">
               <a:rPr lang="ru-RU" noProof="0" smtClean="0"/>
-              <a:t>27.02.2021</a:t>
+              <a:t>28.02.2021</a:t>
             </a:fld>
             <a:endParaRPr lang="ru-RU" noProof="0" dirty="0"/>
           </a:p>
@@ -7600,7 +7602,7 @@
             <a:pPr rtl="0"/>
             <a:fld id="{2DD0CC0D-F4E8-4EB2-A425-24C0A08BF2ED}" type="datetime1">
               <a:rPr lang="ru-RU" noProof="0" smtClean="0"/>
-              <a:t>27.02.2021</a:t>
+              <a:t>28.02.2021</a:t>
             </a:fld>
             <a:endParaRPr lang="ru-RU" noProof="0" dirty="0"/>
           </a:p>
@@ -8422,7 +8424,7 @@
             <a:pPr rtl="0"/>
             <a:fld id="{4B5B89D9-0013-4DF9-B570-27DC755C2F3F}" type="datetime1">
               <a:rPr lang="ru-RU" noProof="0" smtClean="0"/>
-              <a:t>27.02.2021</a:t>
+              <a:t>28.02.2021</a:t>
             </a:fld>
             <a:endParaRPr lang="ru-RU" noProof="0" dirty="0"/>
           </a:p>
@@ -9420,7 +9422,7 @@
             <a:pPr rtl="0"/>
             <a:fld id="{17A79461-147E-4321-BCEB-239C620C895A}" type="datetime1">
               <a:rPr lang="ru-RU" noProof="0" smtClean="0"/>
-              <a:t>27.02.2021</a:t>
+              <a:t>28.02.2021</a:t>
             </a:fld>
             <a:endParaRPr lang="ru-RU" noProof="0" dirty="0"/>
           </a:p>
@@ -10442,7 +10444,7 @@
             <a:pPr rtl="0"/>
             <a:fld id="{0C74DA27-089F-41DB-9018-6804069C0386}" type="datetime1">
               <a:rPr lang="ru-RU" noProof="0" smtClean="0"/>
-              <a:t>27.02.2021</a:t>
+              <a:t>28.02.2021</a:t>
             </a:fld>
             <a:endParaRPr lang="ru-RU" noProof="0" dirty="0"/>
           </a:p>
@@ -11105,7 +11107,7 @@
             <a:pPr rtl="0"/>
             <a:fld id="{4CF5337F-F302-414C-9999-654EC56929E7}" type="datetime1">
               <a:rPr lang="ru-RU" noProof="0" smtClean="0"/>
-              <a:t>27.02.2021</a:t>
+              <a:t>28.02.2021</a:t>
             </a:fld>
             <a:endParaRPr lang="ru-RU" noProof="0" dirty="0"/>
           </a:p>
@@ -11745,7 +11747,7 @@
             <a:pPr rtl="0"/>
             <a:fld id="{05F888F6-BA81-4650-96F1-E4BE1E5DDAE1}" type="datetime1">
               <a:rPr lang="ru-RU" noProof="0" smtClean="0"/>
-              <a:t>27.02.2021</a:t>
+              <a:t>28.02.2021</a:t>
             </a:fld>
             <a:endParaRPr lang="ru-RU" noProof="0" dirty="0"/>
           </a:p>
@@ -12094,7 +12096,7 @@
             <a:pPr rtl="0"/>
             <a:fld id="{AB14CD44-37FB-48CC-A24D-89C3A643DD86}" type="datetime1">
               <a:rPr lang="ru-RU" noProof="0" smtClean="0"/>
-              <a:t>27.02.2021</a:t>
+              <a:t>28.02.2021</a:t>
             </a:fld>
             <a:endParaRPr lang="ru-RU" noProof="0" dirty="0"/>
           </a:p>
@@ -12486,7 +12488,7 @@
             <a:pPr rtl="0"/>
             <a:fld id="{AB14CD44-37FB-48CC-A24D-89C3A643DD86}" type="datetime1">
               <a:rPr lang="ru-RU" noProof="0" smtClean="0"/>
-              <a:t>27.02.2021</a:t>
+              <a:t>28.02.2021</a:t>
             </a:fld>
             <a:endParaRPr lang="ru-RU" noProof="0" dirty="0"/>
           </a:p>
@@ -12768,7 +12770,7 @@
             <a:pPr rtl="0"/>
             <a:fld id="{AB14CD44-37FB-48CC-A24D-89C3A643DD86}" type="datetime1">
               <a:rPr lang="ru-RU" noProof="0" smtClean="0"/>
-              <a:t>27.02.2021</a:t>
+              <a:t>28.02.2021</a:t>
             </a:fld>
             <a:endParaRPr lang="ru-RU" noProof="0" dirty="0"/>
           </a:p>
@@ -13419,6 +13421,18 @@
   <p:clrMapOvr>
     <a:masterClrMapping/>
   </p:clrMapOvr>
+  <mc:AlternateContent xmlns:mc="http://schemas.openxmlformats.org/markup-compatibility/2006">
+    <mc:Choice xmlns:p14="http://schemas.microsoft.com/office/powerpoint/2010/main" Requires="p14">
+      <p:transition spd="slow" p14:dur="3400">
+        <p14:reveal/>
+      </p:transition>
+    </mc:Choice>
+    <mc:Fallback>
+      <p:transition spd="slow">
+        <p:fade/>
+      </p:transition>
+    </mc:Fallback>
+  </mc:AlternateContent>
 </p:sld>
 </file>
 
@@ -13611,6 +13625,18 @@
   <p:clrMapOvr>
     <a:masterClrMapping/>
   </p:clrMapOvr>
+  <mc:AlternateContent xmlns:mc="http://schemas.openxmlformats.org/markup-compatibility/2006">
+    <mc:Choice xmlns:p14="http://schemas.microsoft.com/office/powerpoint/2010/main" Requires="p14">
+      <p:transition spd="slow" p14:dur="3400">
+        <p14:reveal/>
+      </p:transition>
+    </mc:Choice>
+    <mc:Fallback>
+      <p:transition spd="slow">
+        <p:fade/>
+      </p:transition>
+    </mc:Fallback>
+  </mc:AlternateContent>
 </p:sld>
 </file>
 
@@ -13785,6 +13811,18 @@
   <p:clrMapOvr>
     <a:masterClrMapping/>
   </p:clrMapOvr>
+  <mc:AlternateContent xmlns:mc="http://schemas.openxmlformats.org/markup-compatibility/2006">
+    <mc:Choice xmlns:p14="http://schemas.microsoft.com/office/powerpoint/2010/main" Requires="p14">
+      <p:transition spd="slow" p14:dur="3400">
+        <p14:reveal/>
+      </p:transition>
+    </mc:Choice>
+    <mc:Fallback>
+      <p:transition spd="slow">
+        <p:fade/>
+      </p:transition>
+    </mc:Fallback>
+  </mc:AlternateContent>
 </p:sld>
 </file>
 
@@ -13824,11 +13862,13 @@
         <p:spPr>
           <a:xfrm>
             <a:off x="1371599" y="336014"/>
-            <a:ext cx="9601200" cy="1485900"/>
+            <a:ext cx="9601200" cy="699572"/>
           </a:xfrm>
         </p:spPr>
         <p:txBody>
-          <a:bodyPr/>
+          <a:bodyPr>
+            <a:normAutofit fontScale="90000"/>
+          </a:bodyPr>
           <a:lstStyle/>
           <a:p>
             <a:r>
@@ -14016,6 +14056,18 @@
   <p:clrMapOvr>
     <a:masterClrMapping/>
   </p:clrMapOvr>
+  <mc:AlternateContent xmlns:mc="http://schemas.openxmlformats.org/markup-compatibility/2006">
+    <mc:Choice xmlns:p14="http://schemas.microsoft.com/office/powerpoint/2010/main" Requires="p14">
+      <p:transition spd="slow" p14:dur="3400">
+        <p14:reveal/>
+      </p:transition>
+    </mc:Choice>
+    <mc:Fallback>
+      <p:transition spd="slow">
+        <p:fade/>
+      </p:transition>
+    </mc:Fallback>
+  </mc:AlternateContent>
 </p:sld>
 </file>
 
@@ -14160,6 +14212,18 @@
   <p:clrMapOvr>
     <a:masterClrMapping/>
   </p:clrMapOvr>
+  <mc:AlternateContent xmlns:mc="http://schemas.openxmlformats.org/markup-compatibility/2006">
+    <mc:Choice xmlns:p14="http://schemas.microsoft.com/office/powerpoint/2010/main" Requires="p14">
+      <p:transition spd="slow" p14:dur="3400">
+        <p14:reveal/>
+      </p:transition>
+    </mc:Choice>
+    <mc:Fallback>
+      <p:transition spd="slow">
+        <p:fade/>
+      </p:transition>
+    </mc:Fallback>
+  </mc:AlternateContent>
 </p:sld>
 </file>
 
@@ -14262,6 +14326,386 @@
   <p:clrMapOvr>
     <a:masterClrMapping/>
   </p:clrMapOvr>
+  <mc:AlternateContent xmlns:mc="http://schemas.openxmlformats.org/markup-compatibility/2006">
+    <mc:Choice xmlns:p14="http://schemas.microsoft.com/office/powerpoint/2010/main" Requires="p14">
+      <p:transition spd="slow" p14:dur="3400">
+        <p14:reveal/>
+      </p:transition>
+    </mc:Choice>
+    <mc:Fallback>
+      <p:transition spd="slow">
+        <p:fade/>
+      </p:transition>
+    </mc:Fallback>
+  </mc:AlternateContent>
+</p:sld>
+</file>
+
+<file path=ppt/slides/slide7.xml><?xml version="1.0" encoding="utf-8"?>
+<p:sld xmlns:a="http://schemas.openxmlformats.org/drawingml/2006/main" xmlns:r="http://schemas.openxmlformats.org/officeDocument/2006/relationships" xmlns:p="http://schemas.openxmlformats.org/presentationml/2006/main">
+  <p:cSld>
+    <p:spTree>
+      <p:nvGrpSpPr>
+        <p:cNvPr id="1" name=""/>
+        <p:cNvGrpSpPr/>
+        <p:nvPr/>
+      </p:nvGrpSpPr>
+      <p:grpSpPr>
+        <a:xfrm>
+          <a:off x="0" y="0"/>
+          <a:ext cx="0" cy="0"/>
+          <a:chOff x="0" y="0"/>
+          <a:chExt cx="0" cy="0"/>
+        </a:xfrm>
+      </p:grpSpPr>
+      <p:sp>
+        <p:nvSpPr>
+          <p:cNvPr id="2" name="Объект 1">
+            <a:extLst>
+              <a:ext uri="{FF2B5EF4-FFF2-40B4-BE49-F238E27FC236}">
+                <a16:creationId xmlns:a16="http://schemas.microsoft.com/office/drawing/2014/main" id="{CC12C760-E668-AE44-9529-182C538F348B}"/>
+              </a:ext>
+            </a:extLst>
+          </p:cNvPr>
+          <p:cNvSpPr>
+            <a:spLocks noGrp="1"/>
+          </p:cNvSpPr>
+          <p:nvPr>
+            <p:ph idx="1"/>
+          </p:nvPr>
+        </p:nvSpPr>
+        <p:spPr>
+          <a:xfrm>
+            <a:off x="1143000" y="1427357"/>
+            <a:ext cx="10058400" cy="4553313"/>
+          </a:xfrm>
+        </p:spPr>
+        <p:txBody>
+          <a:bodyPr/>
+          <a:lstStyle/>
+          <a:p>
+            <a:pPr marL="0" indent="0">
+              <a:buNone/>
+            </a:pPr>
+            <a:r>
+              <a:rPr lang="ru-RU" sz="2400" dirty="0" err="1">
+                <a:latin typeface="Gabriola" pitchFamily="82" charset="0"/>
+              </a:rPr>
+              <a:t>Рабдологический</a:t>
+            </a:r>
+            <a:r>
+              <a:rPr lang="ru-RU" sz="2400" dirty="0">
+                <a:latin typeface="Gabriola" pitchFamily="82" charset="0"/>
+              </a:rPr>
+              <a:t> абак имеет процессы управления, свойственны операционной системе, например:</a:t>
+            </a:r>
+          </a:p>
+          <a:p>
+            <a:pPr>
+              <a:buFont typeface="Arial" panose="020B0604020202020204" pitchFamily="34" charset="0"/>
+              <a:buChar char="•"/>
+            </a:pPr>
+            <a:r>
+              <a:rPr lang="ru-RU" sz="2400" dirty="0">
+                <a:latin typeface="Gabriola" pitchFamily="82" charset="0"/>
+              </a:rPr>
+              <a:t>Устройство разделяет производственный процесс на элементарные операции; </a:t>
+            </a:r>
+          </a:p>
+          <a:p>
+            <a:pPr>
+              <a:buFont typeface="Arial" panose="020B0604020202020204" pitchFamily="34" charset="0"/>
+              <a:buChar char="•"/>
+            </a:pPr>
+            <a:r>
+              <a:rPr lang="ru-RU" sz="2400" dirty="0">
+                <a:latin typeface="Gabriola" pitchFamily="82" charset="0"/>
+              </a:rPr>
+              <a:t>Объединяет результаты операций</a:t>
+            </a:r>
+          </a:p>
+          <a:p>
+            <a:pPr>
+              <a:buFont typeface="Arial" panose="020B0604020202020204" pitchFamily="34" charset="0"/>
+              <a:buChar char="•"/>
+            </a:pPr>
+            <a:r>
+              <a:rPr lang="ru-RU" sz="2400" dirty="0">
+                <a:latin typeface="Gabriola" pitchFamily="82" charset="0"/>
+              </a:rPr>
+              <a:t>автоматизация выполнения операции с использованием </a:t>
+            </a:r>
+            <a:r>
+              <a:rPr lang="ru-RU" sz="2400" dirty="0" err="1">
+                <a:latin typeface="Gabriola" pitchFamily="82" charset="0"/>
+              </a:rPr>
+              <a:t>Рабдологического</a:t>
+            </a:r>
+            <a:r>
+              <a:rPr lang="ru-RU" sz="2400" dirty="0">
+                <a:latin typeface="Gabriola" pitchFamily="82" charset="0"/>
+              </a:rPr>
+              <a:t> абака</a:t>
+            </a:r>
+          </a:p>
+          <a:p>
+            <a:pPr marL="0" indent="0">
+              <a:buNone/>
+            </a:pPr>
+            <a:r>
+              <a:rPr lang="ru-RU" dirty="0">
+                <a:latin typeface="Gabriola" pitchFamily="82" charset="0"/>
+              </a:rPr>
+              <a:t> </a:t>
+            </a:r>
+          </a:p>
+        </p:txBody>
+      </p:sp>
+      <p:sp>
+        <p:nvSpPr>
+          <p:cNvPr id="3" name="Заголовок 2">
+            <a:extLst>
+              <a:ext uri="{FF2B5EF4-FFF2-40B4-BE49-F238E27FC236}">
+                <a16:creationId xmlns:a16="http://schemas.microsoft.com/office/drawing/2014/main" id="{FA34D240-8CF5-4949-8EB6-6F7E1BE39A4C}"/>
+              </a:ext>
+            </a:extLst>
+          </p:cNvPr>
+          <p:cNvSpPr>
+            <a:spLocks noGrp="1"/>
+          </p:cNvSpPr>
+          <p:nvPr>
+            <p:ph type="title"/>
+          </p:nvPr>
+        </p:nvSpPr>
+        <p:spPr>
+          <a:xfrm>
+            <a:off x="1143000" y="321277"/>
+            <a:ext cx="10058400" cy="1106080"/>
+          </a:xfrm>
+        </p:spPr>
+        <p:txBody>
+          <a:bodyPr>
+            <a:normAutofit/>
+          </a:bodyPr>
+          <a:lstStyle/>
+          <a:p>
+            <a:pPr algn="ctr"/>
+            <a:r>
+              <a:rPr lang="ru-RU" sz="2800" dirty="0">
+                <a:latin typeface="Gabriola" pitchFamily="82" charset="0"/>
+              </a:rPr>
+              <a:t>Процессы управления компонентами механического устройства, свойственны ОС</a:t>
+            </a:r>
+          </a:p>
+        </p:txBody>
+      </p:sp>
+    </p:spTree>
+    <p:extLst>
+      <p:ext uri="{BB962C8B-B14F-4D97-AF65-F5344CB8AC3E}">
+        <p14:creationId xmlns:p14="http://schemas.microsoft.com/office/powerpoint/2010/main" val="617051491"/>
+      </p:ext>
+    </p:extLst>
+  </p:cSld>
+  <p:clrMapOvr>
+    <a:masterClrMapping/>
+  </p:clrMapOvr>
+  <mc:AlternateContent xmlns:mc="http://schemas.openxmlformats.org/markup-compatibility/2006">
+    <mc:Choice xmlns:p14="http://schemas.microsoft.com/office/powerpoint/2010/main" Requires="p14">
+      <p:transition spd="slow" p14:dur="3400">
+        <p14:reveal/>
+      </p:transition>
+    </mc:Choice>
+    <mc:Fallback>
+      <p:transition spd="slow">
+        <p:fade/>
+      </p:transition>
+    </mc:Fallback>
+  </mc:AlternateContent>
+</p:sld>
+</file>
+
+<file path=ppt/slides/slide8.xml><?xml version="1.0" encoding="utf-8"?>
+<p:sld xmlns:a="http://schemas.openxmlformats.org/drawingml/2006/main" xmlns:r="http://schemas.openxmlformats.org/officeDocument/2006/relationships" xmlns:p="http://schemas.openxmlformats.org/presentationml/2006/main">
+  <p:cSld>
+    <p:spTree>
+      <p:nvGrpSpPr>
+        <p:cNvPr id="1" name=""/>
+        <p:cNvGrpSpPr/>
+        <p:nvPr/>
+      </p:nvGrpSpPr>
+      <p:grpSpPr>
+        <a:xfrm>
+          <a:off x="0" y="0"/>
+          <a:ext cx="0" cy="0"/>
+          <a:chOff x="0" y="0"/>
+          <a:chExt cx="0" cy="0"/>
+        </a:xfrm>
+      </p:grpSpPr>
+      <p:sp>
+        <p:nvSpPr>
+          <p:cNvPr id="2" name="Объект 1">
+            <a:extLst>
+              <a:ext uri="{FF2B5EF4-FFF2-40B4-BE49-F238E27FC236}">
+                <a16:creationId xmlns:a16="http://schemas.microsoft.com/office/drawing/2014/main" id="{519B5237-BDF3-DF4F-A32C-E09E9C89111F}"/>
+              </a:ext>
+            </a:extLst>
+          </p:cNvPr>
+          <p:cNvSpPr>
+            <a:spLocks noGrp="1"/>
+          </p:cNvSpPr>
+          <p:nvPr>
+            <p:ph idx="1"/>
+          </p:nvPr>
+        </p:nvSpPr>
+        <p:spPr>
+          <a:xfrm>
+            <a:off x="1371600" y="1353786"/>
+            <a:ext cx="9601200" cy="4513613"/>
+          </a:xfrm>
+        </p:spPr>
+        <p:txBody>
+          <a:bodyPr/>
+          <a:lstStyle/>
+          <a:p>
+            <a:pPr marL="0" indent="0">
+              <a:buNone/>
+            </a:pPr>
+            <a:r>
+              <a:rPr lang="ru-RU" dirty="0">
+                <a:latin typeface="Gabriola" pitchFamily="82" charset="0"/>
+              </a:rPr>
+              <a:t>В 1792 году </a:t>
+            </a:r>
+            <a:r>
+              <a:rPr lang="ru-RU" dirty="0" err="1">
+                <a:latin typeface="Gabriola" pitchFamily="82" charset="0"/>
+              </a:rPr>
+              <a:t>Гаспар</a:t>
+            </a:r>
+            <a:r>
+              <a:rPr lang="ru-RU" dirty="0">
+                <a:latin typeface="Gabriola" pitchFamily="82" charset="0"/>
+              </a:rPr>
+              <a:t> де </a:t>
+            </a:r>
+            <a:r>
+              <a:rPr lang="ru-RU" dirty="0" err="1">
+                <a:latin typeface="Gabriola" pitchFamily="82" charset="0"/>
+              </a:rPr>
+              <a:t>Прони</a:t>
+            </a:r>
+            <a:r>
+              <a:rPr lang="ru-RU" dirty="0">
+                <a:latin typeface="Gabriola" pitchFamily="82" charset="0"/>
+              </a:rPr>
+              <a:t> предложил идею создания «Вычислительной фабрики», производящей десятичные логарифмические и тригонометрические таблицы, на 3-х уровнях:</a:t>
+            </a:r>
+            <a:endParaRPr lang="en-US" dirty="0">
+              <a:latin typeface="Gabriola" pitchFamily="82" charset="0"/>
+            </a:endParaRPr>
+          </a:p>
+          <a:p>
+            <a:pPr>
+              <a:buFont typeface="Arial" panose="020B0604020202020204" pitchFamily="34" charset="0"/>
+              <a:buChar char="•"/>
+            </a:pPr>
+            <a:r>
+              <a:rPr lang="ru-RU" dirty="0">
+                <a:latin typeface="Gabriola" pitchFamily="82" charset="0"/>
+              </a:rPr>
+              <a:t>верхний уровень (аналитический): великие математики занимаются выведением математических выражений, пригодных для численных расчетов;</a:t>
+            </a:r>
+            <a:endParaRPr lang="en-US" dirty="0">
+              <a:latin typeface="Gabriola" pitchFamily="82" charset="0"/>
+            </a:endParaRPr>
+          </a:p>
+          <a:p>
+            <a:pPr>
+              <a:buFont typeface="Arial" panose="020B0604020202020204" pitchFamily="34" charset="0"/>
+              <a:buChar char="•"/>
+            </a:pPr>
+            <a:r>
+              <a:rPr lang="ru-RU" dirty="0">
+                <a:latin typeface="Gabriola" pitchFamily="82" charset="0"/>
+              </a:rPr>
+              <a:t>второй уровень (уровень группировки и упрощения): математики-ассистенты вычисляют значения функций для аргументов;</a:t>
+            </a:r>
+            <a:endParaRPr lang="en-US" dirty="0">
+              <a:latin typeface="Gabriola" pitchFamily="82" charset="0"/>
+            </a:endParaRPr>
+          </a:p>
+          <a:p>
+            <a:pPr>
+              <a:buFont typeface="Arial" panose="020B0604020202020204" pitchFamily="34" charset="0"/>
+              <a:buChar char="•"/>
+            </a:pPr>
+            <a:r>
+              <a:rPr lang="ru-RU" dirty="0">
+                <a:latin typeface="Gabriola" pitchFamily="82" charset="0"/>
+              </a:rPr>
+              <a:t>третий уровень (вычислительный): специально обученные рабочие проводят рутинные расчеты</a:t>
+            </a:r>
+          </a:p>
+        </p:txBody>
+      </p:sp>
+      <p:sp>
+        <p:nvSpPr>
+          <p:cNvPr id="3" name="Заголовок 2">
+            <a:extLst>
+              <a:ext uri="{FF2B5EF4-FFF2-40B4-BE49-F238E27FC236}">
+                <a16:creationId xmlns:a16="http://schemas.microsoft.com/office/drawing/2014/main" id="{8438BE4F-B27A-8544-B69A-CDAB071415C5}"/>
+              </a:ext>
+            </a:extLst>
+          </p:cNvPr>
+          <p:cNvSpPr>
+            <a:spLocks noGrp="1"/>
+          </p:cNvSpPr>
+          <p:nvPr>
+            <p:ph type="title"/>
+          </p:nvPr>
+        </p:nvSpPr>
+        <p:spPr>
+          <a:xfrm>
+            <a:off x="1097280" y="421817"/>
+            <a:ext cx="10058400" cy="741965"/>
+          </a:xfrm>
+        </p:spPr>
+        <p:txBody>
+          <a:bodyPr/>
+          <a:lstStyle/>
+          <a:p>
+            <a:pPr algn="ctr"/>
+            <a:r>
+              <a:rPr lang="ru-RU" dirty="0">
+                <a:latin typeface="Gabriola" pitchFamily="82" charset="0"/>
+              </a:rPr>
+              <a:t>Вычислительная фабрика</a:t>
+            </a:r>
+          </a:p>
+        </p:txBody>
+      </p:sp>
+    </p:spTree>
+    <p:extLst>
+      <p:ext uri="{BB962C8B-B14F-4D97-AF65-F5344CB8AC3E}">
+        <p14:creationId xmlns:p14="http://schemas.microsoft.com/office/powerpoint/2010/main" val="994603439"/>
+      </p:ext>
+    </p:extLst>
+  </p:cSld>
+  <p:clrMapOvr>
+    <a:masterClrMapping/>
+  </p:clrMapOvr>
+  <mc:AlternateContent xmlns:mc="http://schemas.openxmlformats.org/markup-compatibility/2006">
+    <mc:Choice xmlns:p14="http://schemas.microsoft.com/office/powerpoint/2010/main" Requires="p14">
+      <p:transition spd="slow" p14:dur="3400">
+        <p14:reveal/>
+      </p:transition>
+    </mc:Choice>
+    <mc:Fallback>
+      <p:transition spd="slow">
+        <p:fade/>
+      </p:transition>
+    </mc:Fallback>
+  </mc:AlternateContent>
 </p:sld>
 </file>
 
@@ -15046,6 +15490,24 @@
 </file>
 
 <file path=customXml/item1.xml><?xml version="1.0" encoding="utf-8"?>
+<p:properties xmlns:p="http://schemas.microsoft.com/office/2006/metadata/properties" xmlns:xsi="http://www.w3.org/2001/XMLSchema-instance" xmlns:pc="http://schemas.microsoft.com/office/infopath/2007/PartnerControls">
+  <documentManagement>
+    <Status xmlns="71af3243-3dd4-4a8d-8c0d-dd76da1f02a5">Not started</Status>
+    <MediaServiceKeyPoints xmlns="71af3243-3dd4-4a8d-8c0d-dd76da1f02a5" xsi:nil="true"/>
+  </documentManagement>
+</p:properties>
+</file>
+
+<file path=customXml/item2.xml><?xml version="1.0" encoding="utf-8"?>
+<?mso-contentType ?>
+<FormTemplates xmlns="http://schemas.microsoft.com/sharepoint/v3/contenttype/forms">
+  <Display>DocumentLibraryForm</Display>
+  <Edit>DocumentLibraryForm</Edit>
+  <New>DocumentLibraryForm</New>
+</FormTemplates>
+</file>
+
+<file path=customXml/item3.xml><?xml version="1.0" encoding="utf-8"?>
 <ct:contentTypeSchema xmlns:ct="http://schemas.microsoft.com/office/2006/metadata/contentType" xmlns:ma="http://schemas.microsoft.com/office/2006/metadata/properties/metaAttributes" ct:_="" ma:_="" ma:contentTypeName="Document" ma:contentTypeID="0x01010079F111ED35F8CC479449609E8A0923A6" ma:contentTypeVersion="12" ma:contentTypeDescription="Create a new document." ma:contentTypeScope="" ma:versionID="fa6e671f1cd7e4d96ff9652be322dd5e">
   <xsd:schema xmlns:xsd="http://www.w3.org/2001/XMLSchema" xmlns:xs="http://www.w3.org/2001/XMLSchema" xmlns:p="http://schemas.microsoft.com/office/2006/metadata/properties" xmlns:ns2="71af3243-3dd4-4a8d-8c0d-dd76da1f02a5" xmlns:ns3="16c05727-aa75-4e4a-9b5f-8a80a1165891" targetNamespace="http://schemas.microsoft.com/office/2006/metadata/properties" ma:root="true" ma:fieldsID="4e2496f70b101db0b8013f30a071bbf7" ns2:_="" ns3:_="">
     <xsd:import namespace="71af3243-3dd4-4a8d-8c0d-dd76da1f02a5"/>
@@ -15266,25 +15728,25 @@
 </ct:contentTypeSchema>
 </file>
 
-<file path=customXml/item2.xml><?xml version="1.0" encoding="utf-8"?>
-<?mso-contentType ?>
-<FormTemplates xmlns="http://schemas.microsoft.com/sharepoint/v3/contenttype/forms">
-  <Display>DocumentLibraryForm</Display>
-  <Edit>DocumentLibraryForm</Edit>
-  <New>DocumentLibraryForm</New>
-</FormTemplates>
+<file path=customXml/itemProps1.xml><?xml version="1.0" encoding="utf-8"?>
+<ds:datastoreItem xmlns:ds="http://schemas.openxmlformats.org/officeDocument/2006/customXml" ds:itemID="{38F4328E-77DF-41E8-952F-124AE19F1F7C}">
+  <ds:schemaRefs>
+    <ds:schemaRef ds:uri="http://schemas.microsoft.com/office/2006/metadata/properties"/>
+    <ds:schemaRef ds:uri="http://schemas.microsoft.com/office/infopath/2007/PartnerControls"/>
+    <ds:schemaRef ds:uri="71af3243-3dd4-4a8d-8c0d-dd76da1f02a5"/>
+  </ds:schemaRefs>
+</ds:datastoreItem>
 </file>
 
-<file path=customXml/item3.xml><?xml version="1.0" encoding="utf-8"?>
-<p:properties xmlns:p="http://schemas.microsoft.com/office/2006/metadata/properties" xmlns:xsi="http://www.w3.org/2001/XMLSchema-instance" xmlns:pc="http://schemas.microsoft.com/office/infopath/2007/PartnerControls">
-  <documentManagement>
-    <Status xmlns="71af3243-3dd4-4a8d-8c0d-dd76da1f02a5">Not started</Status>
-    <MediaServiceKeyPoints xmlns="71af3243-3dd4-4a8d-8c0d-dd76da1f02a5" xsi:nil="true"/>
-  </documentManagement>
-</p:properties>
+<file path=customXml/itemProps2.xml><?xml version="1.0" encoding="utf-8"?>
+<ds:datastoreItem xmlns:ds="http://schemas.openxmlformats.org/officeDocument/2006/customXml" ds:itemID="{6A7FA506-1E93-4CA4-B270-1F08FD18C366}">
+  <ds:schemaRefs>
+    <ds:schemaRef ds:uri="http://schemas.microsoft.com/sharepoint/v3/contenttype/forms"/>
+  </ds:schemaRefs>
+</ds:datastoreItem>
 </file>
 
-<file path=customXml/itemProps1.xml><?xml version="1.0" encoding="utf-8"?>
+<file path=customXml/itemProps3.xml><?xml version="1.0" encoding="utf-8"?>
 <ds:datastoreItem xmlns:ds="http://schemas.openxmlformats.org/officeDocument/2006/customXml" ds:itemID="{1F2FE978-FCBC-4C90-A410-B547AA706062}">
   <ds:schemaRefs>
     <ds:schemaRef ds:uri="http://schemas.microsoft.com/office/2006/metadata/contentType"/>
@@ -15301,22 +15763,4 @@
     <ds:schemaRef ds:uri="http://schemas.microsoft.com/internal/obd"/>
   </ds:schemaRefs>
 </ds:datastoreItem>
-</file>
-
-<file path=customXml/itemProps2.xml><?xml version="1.0" encoding="utf-8"?>
-<ds:datastoreItem xmlns:ds="http://schemas.openxmlformats.org/officeDocument/2006/customXml" ds:itemID="{6A7FA506-1E93-4CA4-B270-1F08FD18C366}">
-  <ds:schemaRefs>
-    <ds:schemaRef ds:uri="http://schemas.microsoft.com/sharepoint/v3/contenttype/forms"/>
-  </ds:schemaRefs>
-</ds:datastoreItem>
-</file>
-
-<file path=customXml/itemProps3.xml><?xml version="1.0" encoding="utf-8"?>
-<ds:datastoreItem xmlns:ds="http://schemas.openxmlformats.org/officeDocument/2006/customXml" ds:itemID="{38F4328E-77DF-41E8-952F-124AE19F1F7C}">
-  <ds:schemaRefs>
-    <ds:schemaRef ds:uri="http://schemas.microsoft.com/office/2006/metadata/properties"/>
-    <ds:schemaRef ds:uri="http://schemas.microsoft.com/office/infopath/2007/PartnerControls"/>
-    <ds:schemaRef ds:uri="71af3243-3dd4-4a8d-8c0d-dd76da1f02a5"/>
-  </ds:schemaRefs>
-</ds:datastoreItem>
 </file>
--- a/Презентация1.pptx
+++ b/Презентация1.pptx
@@ -212,7 +212,7 @@
             <a:pPr rtl="0"/>
             <a:fld id="{8EB596BA-F330-4785-8461-F74708FFCA50}" type="datetime1">
               <a:rPr lang="ru-RU" smtClean="0"/>
-              <a:t>28.02.2021</a:t>
+              <a:t>01.03.2021</a:t>
             </a:fld>
             <a:endParaRPr lang="ru-RU" dirty="0"/>
           </a:p>
@@ -381,7 +381,7 @@
             <a:fld id="{75E7E9F4-7ED8-495D-B52D-5485A5BC0ACA}" type="datetime1">
               <a:rPr lang="ru-RU" noProof="0" smtClean="0"/>
               <a:pPr/>
-              <a:t>28.02.2021</a:t>
+              <a:t>01.03.2021</a:t>
             </a:fld>
             <a:endParaRPr lang="ru-RU" noProof="0" dirty="0"/>
           </a:p>
@@ -907,7 +907,7 @@
             <a:pPr rtl="0"/>
             <a:fld id="{42F2DED7-F6AC-4866-8138-11B328ED7527}" type="datetime1">
               <a:rPr lang="ru-RU" noProof="0" smtClean="0"/>
-              <a:t>28.02.2021</a:t>
+              <a:t>01.03.2021</a:t>
             </a:fld>
             <a:endParaRPr lang="ru-RU" noProof="0" dirty="0"/>
           </a:p>
@@ -1502,7 +1502,7 @@
             <a:pPr rtl="0"/>
             <a:fld id="{AB14CD44-37FB-48CC-A24D-89C3A643DD86}" type="datetime1">
               <a:rPr lang="ru-RU" noProof="0" smtClean="0"/>
-              <a:t>28.02.2021</a:t>
+              <a:t>01.03.2021</a:t>
             </a:fld>
             <a:endParaRPr lang="ru-RU" noProof="0" dirty="0"/>
           </a:p>
@@ -1686,7 +1686,7 @@
             <a:pPr rtl="0"/>
             <a:fld id="{AB14CD44-37FB-48CC-A24D-89C3A643DD86}" type="datetime1">
               <a:rPr lang="ru-RU" noProof="0" smtClean="0"/>
-              <a:t>28.02.2021</a:t>
+              <a:t>01.03.2021</a:t>
             </a:fld>
             <a:endParaRPr lang="ru-RU" noProof="0" dirty="0"/>
           </a:p>
@@ -1843,7 +1843,7 @@
             <a:pPr rtl="0"/>
             <a:fld id="{2DD0CC0D-F4E8-4EB2-A425-24C0A08BF2ED}" type="datetime1">
               <a:rPr lang="ru-RU" noProof="0" smtClean="0"/>
-              <a:t>28.02.2021</a:t>
+              <a:t>01.03.2021</a:t>
             </a:fld>
             <a:endParaRPr lang="ru-RU" noProof="0" dirty="0"/>
           </a:p>
@@ -2544,7 +2544,7 @@
             <a:pPr rtl="0"/>
             <a:fld id="{11D365CB-744A-4AFA-AFC9-892345BE9421}" type="datetime1">
               <a:rPr lang="ru-RU" noProof="0" smtClean="0"/>
-              <a:t>28.02.2021</a:t>
+              <a:t>01.03.2021</a:t>
             </a:fld>
             <a:endParaRPr lang="ru-RU" noProof="0" dirty="0"/>
           </a:p>
@@ -3631,7 +3631,7 @@
             <a:pPr rtl="0"/>
             <a:fld id="{4B5B89D9-0013-4DF9-B570-27DC755C2F3F}" type="datetime1">
               <a:rPr lang="ru-RU" noProof="0" smtClean="0"/>
-              <a:t>28.02.2021</a:t>
+              <a:t>01.03.2021</a:t>
             </a:fld>
             <a:endParaRPr lang="ru-RU" noProof="0" dirty="0"/>
           </a:p>
@@ -4462,7 +4462,7 @@
             <a:pPr rtl="0"/>
             <a:fld id="{17A79461-147E-4321-BCEB-239C620C895A}" type="datetime1">
               <a:rPr lang="ru-RU" noProof="0" smtClean="0"/>
-              <a:t>28.02.2021</a:t>
+              <a:t>01.03.2021</a:t>
             </a:fld>
             <a:endParaRPr lang="ru-RU" noProof="0" dirty="0"/>
           </a:p>
@@ -5419,7 +5419,7 @@
             <a:pPr rtl="0"/>
             <a:fld id="{0C74DA27-089F-41DB-9018-6804069C0386}" type="datetime1">
               <a:rPr lang="ru-RU" noProof="0" smtClean="0"/>
-              <a:t>28.02.2021</a:t>
+              <a:t>01.03.2021</a:t>
             </a:fld>
             <a:endParaRPr lang="ru-RU" noProof="0" dirty="0"/>
           </a:p>
@@ -6120,7 +6120,7 @@
             <a:pPr rtl="0"/>
             <a:fld id="{4CF5337F-F302-414C-9999-654EC56929E7}" type="datetime1">
               <a:rPr lang="ru-RU" noProof="0" smtClean="0"/>
-              <a:t>28.02.2021</a:t>
+              <a:t>01.03.2021</a:t>
             </a:fld>
             <a:endParaRPr lang="ru-RU" noProof="0" dirty="0"/>
           </a:p>
@@ -6821,7 +6821,7 @@
             <a:pPr rtl="0"/>
             <a:fld id="{FF63DE5C-7286-415E-BD66-0312B5E1AB50}" type="datetime1">
               <a:rPr lang="ru-RU" noProof="0" smtClean="0"/>
-              <a:t>28.02.2021</a:t>
+              <a:t>01.03.2021</a:t>
             </a:fld>
             <a:endParaRPr lang="ru-RU" noProof="0" dirty="0"/>
           </a:p>
@@ -7602,7 +7602,7 @@
             <a:pPr rtl="0"/>
             <a:fld id="{2DD0CC0D-F4E8-4EB2-A425-24C0A08BF2ED}" type="datetime1">
               <a:rPr lang="ru-RU" noProof="0" smtClean="0"/>
-              <a:t>28.02.2021</a:t>
+              <a:t>01.03.2021</a:t>
             </a:fld>
             <a:endParaRPr lang="ru-RU" noProof="0" dirty="0"/>
           </a:p>
@@ -8424,7 +8424,7 @@
             <a:pPr rtl="0"/>
             <a:fld id="{4B5B89D9-0013-4DF9-B570-27DC755C2F3F}" type="datetime1">
               <a:rPr lang="ru-RU" noProof="0" smtClean="0"/>
-              <a:t>28.02.2021</a:t>
+              <a:t>01.03.2021</a:t>
             </a:fld>
             <a:endParaRPr lang="ru-RU" noProof="0" dirty="0"/>
           </a:p>
@@ -9422,7 +9422,7 @@
             <a:pPr rtl="0"/>
             <a:fld id="{17A79461-147E-4321-BCEB-239C620C895A}" type="datetime1">
               <a:rPr lang="ru-RU" noProof="0" smtClean="0"/>
-              <a:t>28.02.2021</a:t>
+              <a:t>01.03.2021</a:t>
             </a:fld>
             <a:endParaRPr lang="ru-RU" noProof="0" dirty="0"/>
           </a:p>
@@ -10444,7 +10444,7 @@
             <a:pPr rtl="0"/>
             <a:fld id="{0C74DA27-089F-41DB-9018-6804069C0386}" type="datetime1">
               <a:rPr lang="ru-RU" noProof="0" smtClean="0"/>
-              <a:t>28.02.2021</a:t>
+              <a:t>01.03.2021</a:t>
             </a:fld>
             <a:endParaRPr lang="ru-RU" noProof="0" dirty="0"/>
           </a:p>
@@ -11107,7 +11107,7 @@
             <a:pPr rtl="0"/>
             <a:fld id="{4CF5337F-F302-414C-9999-654EC56929E7}" type="datetime1">
               <a:rPr lang="ru-RU" noProof="0" smtClean="0"/>
-              <a:t>28.02.2021</a:t>
+              <a:t>01.03.2021</a:t>
             </a:fld>
             <a:endParaRPr lang="ru-RU" noProof="0" dirty="0"/>
           </a:p>
@@ -11747,7 +11747,7 @@
             <a:pPr rtl="0"/>
             <a:fld id="{05F888F6-BA81-4650-96F1-E4BE1E5DDAE1}" type="datetime1">
               <a:rPr lang="ru-RU" noProof="0" smtClean="0"/>
-              <a:t>28.02.2021</a:t>
+              <a:t>01.03.2021</a:t>
             </a:fld>
             <a:endParaRPr lang="ru-RU" noProof="0" dirty="0"/>
           </a:p>
@@ -12096,7 +12096,7 @@
             <a:pPr rtl="0"/>
             <a:fld id="{AB14CD44-37FB-48CC-A24D-89C3A643DD86}" type="datetime1">
               <a:rPr lang="ru-RU" noProof="0" smtClean="0"/>
-              <a:t>28.02.2021</a:t>
+              <a:t>01.03.2021</a:t>
             </a:fld>
             <a:endParaRPr lang="ru-RU" noProof="0" dirty="0"/>
           </a:p>
@@ -12488,7 +12488,7 @@
             <a:pPr rtl="0"/>
             <a:fld id="{AB14CD44-37FB-48CC-A24D-89C3A643DD86}" type="datetime1">
               <a:rPr lang="ru-RU" noProof="0" smtClean="0"/>
-              <a:t>28.02.2021</a:t>
+              <a:t>01.03.2021</a:t>
             </a:fld>
             <a:endParaRPr lang="ru-RU" noProof="0" dirty="0"/>
           </a:p>
@@ -12770,7 +12770,7 @@
             <a:pPr rtl="0"/>
             <a:fld id="{AB14CD44-37FB-48CC-A24D-89C3A643DD86}" type="datetime1">
               <a:rPr lang="ru-RU" noProof="0" smtClean="0"/>
-              <a:t>28.02.2021</a:t>
+              <a:t>01.03.2021</a:t>
             </a:fld>
             <a:endParaRPr lang="ru-RU" noProof="0" dirty="0"/>
           </a:p>
@@ -13421,13 +13421,13 @@
   <p:clrMapOvr>
     <a:masterClrMapping/>
   </p:clrMapOvr>
-  <mc:AlternateContent xmlns:mc="http://schemas.openxmlformats.org/markup-compatibility/2006">
-    <mc:Choice xmlns:p14="http://schemas.microsoft.com/office/powerpoint/2010/main" Requires="p14">
+  <mc:AlternateContent xmlns:mc="http://schemas.openxmlformats.org/markup-compatibility/2006" xmlns:p14="http://schemas.microsoft.com/office/powerpoint/2010/main">
+    <mc:Choice Requires="p14">
       <p:transition spd="slow" p14:dur="3400">
         <p14:reveal/>
       </p:transition>
     </mc:Choice>
-    <mc:Fallback>
+    <mc:Fallback xmlns="">
       <p:transition spd="slow">
         <p:fade/>
       </p:transition>
@@ -13483,7 +13483,19 @@
               <a:rPr lang="ru-UA" dirty="0">
                 <a:latin typeface="Gabriola" pitchFamily="82" charset="0"/>
               </a:rPr>
-              <a:t>Про Устройстов</a:t>
+              <a:t>Про Устройс</a:t>
+            </a:r>
+            <a:r>
+              <a:rPr lang="ru-RU">
+                <a:latin typeface="Gabriola" pitchFamily="82" charset="0"/>
+              </a:rPr>
+              <a:t>т</a:t>
+            </a:r>
+            <a:r>
+              <a:rPr lang="ru-UA">
+                <a:latin typeface="Gabriola" pitchFamily="82" charset="0"/>
+              </a:rPr>
+              <a:t>в</a:t>
             </a:r>
             <a:r>
               <a:rPr lang="uk-UA" dirty="0">
@@ -13625,13 +13637,13 @@
   <p:clrMapOvr>
     <a:masterClrMapping/>
   </p:clrMapOvr>
-  <mc:AlternateContent xmlns:mc="http://schemas.openxmlformats.org/markup-compatibility/2006">
-    <mc:Choice xmlns:p14="http://schemas.microsoft.com/office/powerpoint/2010/main" Requires="p14">
+  <mc:AlternateContent xmlns:mc="http://schemas.openxmlformats.org/markup-compatibility/2006" xmlns:p14="http://schemas.microsoft.com/office/powerpoint/2010/main">
+    <mc:Choice Requires="p14">
       <p:transition spd="slow" p14:dur="3400">
         <p14:reveal/>
       </p:transition>
     </mc:Choice>
-    <mc:Fallback>
+    <mc:Fallback xmlns="">
       <p:transition spd="slow">
         <p:fade/>
       </p:transition>
@@ -13811,13 +13823,13 @@
   <p:clrMapOvr>
     <a:masterClrMapping/>
   </p:clrMapOvr>
-  <mc:AlternateContent xmlns:mc="http://schemas.openxmlformats.org/markup-compatibility/2006">
-    <mc:Choice xmlns:p14="http://schemas.microsoft.com/office/powerpoint/2010/main" Requires="p14">
+  <mc:AlternateContent xmlns:mc="http://schemas.openxmlformats.org/markup-compatibility/2006" xmlns:p14="http://schemas.microsoft.com/office/powerpoint/2010/main">
+    <mc:Choice Requires="p14">
       <p:transition spd="slow" p14:dur="3400">
         <p14:reveal/>
       </p:transition>
     </mc:Choice>
-    <mc:Fallback>
+    <mc:Fallback xmlns="">
       <p:transition spd="slow">
         <p:fade/>
       </p:transition>
@@ -14056,13 +14068,13 @@
   <p:clrMapOvr>
     <a:masterClrMapping/>
   </p:clrMapOvr>
-  <mc:AlternateContent xmlns:mc="http://schemas.openxmlformats.org/markup-compatibility/2006">
-    <mc:Choice xmlns:p14="http://schemas.microsoft.com/office/powerpoint/2010/main" Requires="p14">
+  <mc:AlternateContent xmlns:mc="http://schemas.openxmlformats.org/markup-compatibility/2006" xmlns:p14="http://schemas.microsoft.com/office/powerpoint/2010/main">
+    <mc:Choice Requires="p14">
       <p:transition spd="slow" p14:dur="3400">
         <p14:reveal/>
       </p:transition>
     </mc:Choice>
-    <mc:Fallback>
+    <mc:Fallback xmlns="">
       <p:transition spd="slow">
         <p:fade/>
       </p:transition>
@@ -14212,13 +14224,13 @@
   <p:clrMapOvr>
     <a:masterClrMapping/>
   </p:clrMapOvr>
-  <mc:AlternateContent xmlns:mc="http://schemas.openxmlformats.org/markup-compatibility/2006">
-    <mc:Choice xmlns:p14="http://schemas.microsoft.com/office/powerpoint/2010/main" Requires="p14">
+  <mc:AlternateContent xmlns:mc="http://schemas.openxmlformats.org/markup-compatibility/2006" xmlns:p14="http://schemas.microsoft.com/office/powerpoint/2010/main">
+    <mc:Choice Requires="p14">
       <p:transition spd="slow" p14:dur="3400">
         <p14:reveal/>
       </p:transition>
     </mc:Choice>
-    <mc:Fallback>
+    <mc:Fallback xmlns="">
       <p:transition spd="slow">
         <p:fade/>
       </p:transition>
@@ -14326,13 +14338,13 @@
   <p:clrMapOvr>
     <a:masterClrMapping/>
   </p:clrMapOvr>
-  <mc:AlternateContent xmlns:mc="http://schemas.openxmlformats.org/markup-compatibility/2006">
-    <mc:Choice xmlns:p14="http://schemas.microsoft.com/office/powerpoint/2010/main" Requires="p14">
+  <mc:AlternateContent xmlns:mc="http://schemas.openxmlformats.org/markup-compatibility/2006" xmlns:p14="http://schemas.microsoft.com/office/powerpoint/2010/main">
+    <mc:Choice Requires="p14">
       <p:transition spd="slow" p14:dur="3400">
         <p14:reveal/>
       </p:transition>
     </mc:Choice>
-    <mc:Fallback>
+    <mc:Fallback xmlns="">
       <p:transition spd="slow">
         <p:fade/>
       </p:transition>
@@ -14509,13 +14521,13 @@
   <p:clrMapOvr>
     <a:masterClrMapping/>
   </p:clrMapOvr>
-  <mc:AlternateContent xmlns:mc="http://schemas.openxmlformats.org/markup-compatibility/2006">
-    <mc:Choice xmlns:p14="http://schemas.microsoft.com/office/powerpoint/2010/main" Requires="p14">
+  <mc:AlternateContent xmlns:mc="http://schemas.openxmlformats.org/markup-compatibility/2006" xmlns:p14="http://schemas.microsoft.com/office/powerpoint/2010/main">
+    <mc:Choice Requires="p14">
       <p:transition spd="slow" p14:dur="3400">
         <p14:reveal/>
       </p:transition>
     </mc:Choice>
-    <mc:Fallback>
+    <mc:Fallback xmlns="">
       <p:transition spd="slow">
         <p:fade/>
       </p:transition>
@@ -14694,13 +14706,13 @@
   <p:clrMapOvr>
     <a:masterClrMapping/>
   </p:clrMapOvr>
-  <mc:AlternateContent xmlns:mc="http://schemas.openxmlformats.org/markup-compatibility/2006">
-    <mc:Choice xmlns:p14="http://schemas.microsoft.com/office/powerpoint/2010/main" Requires="p14">
+  <mc:AlternateContent xmlns:mc="http://schemas.openxmlformats.org/markup-compatibility/2006" xmlns:p14="http://schemas.microsoft.com/office/powerpoint/2010/main">
+    <mc:Choice Requires="p14">
       <p:transition spd="slow" p14:dur="3400">
         <p14:reveal/>
       </p:transition>
     </mc:Choice>
-    <mc:Fallback>
+    <mc:Fallback xmlns="">
       <p:transition spd="slow">
         <p:fade/>
       </p:transition>
@@ -15490,21 +15502,21 @@
 </file>
 
 <file path=customXml/item1.xml><?xml version="1.0" encoding="utf-8"?>
+<?mso-contentType ?>
+<FormTemplates xmlns="http://schemas.microsoft.com/sharepoint/v3/contenttype/forms">
+  <Display>DocumentLibraryForm</Display>
+  <Edit>DocumentLibraryForm</Edit>
+  <New>DocumentLibraryForm</New>
+</FormTemplates>
+</file>
+
+<file path=customXml/item2.xml><?xml version="1.0" encoding="utf-8"?>
 <p:properties xmlns:p="http://schemas.microsoft.com/office/2006/metadata/properties" xmlns:xsi="http://www.w3.org/2001/XMLSchema-instance" xmlns:pc="http://schemas.microsoft.com/office/infopath/2007/PartnerControls">
   <documentManagement>
     <Status xmlns="71af3243-3dd4-4a8d-8c0d-dd76da1f02a5">Not started</Status>
     <MediaServiceKeyPoints xmlns="71af3243-3dd4-4a8d-8c0d-dd76da1f02a5" xsi:nil="true"/>
   </documentManagement>
 </p:properties>
-</file>
-
-<file path=customXml/item2.xml><?xml version="1.0" encoding="utf-8"?>
-<?mso-contentType ?>
-<FormTemplates xmlns="http://schemas.microsoft.com/sharepoint/v3/contenttype/forms">
-  <Display>DocumentLibraryForm</Display>
-  <Edit>DocumentLibraryForm</Edit>
-  <New>DocumentLibraryForm</New>
-</FormTemplates>
 </file>
 
 <file path=customXml/item3.xml><?xml version="1.0" encoding="utf-8"?>
@@ -15729,19 +15741,19 @@
 </file>
 
 <file path=customXml/itemProps1.xml><?xml version="1.0" encoding="utf-8"?>
+<ds:datastoreItem xmlns:ds="http://schemas.openxmlformats.org/officeDocument/2006/customXml" ds:itemID="{6A7FA506-1E93-4CA4-B270-1F08FD18C366}">
+  <ds:schemaRefs>
+    <ds:schemaRef ds:uri="http://schemas.microsoft.com/sharepoint/v3/contenttype/forms"/>
+  </ds:schemaRefs>
+</ds:datastoreItem>
+</file>
+
+<file path=customXml/itemProps2.xml><?xml version="1.0" encoding="utf-8"?>
 <ds:datastoreItem xmlns:ds="http://schemas.openxmlformats.org/officeDocument/2006/customXml" ds:itemID="{38F4328E-77DF-41E8-952F-124AE19F1F7C}">
   <ds:schemaRefs>
     <ds:schemaRef ds:uri="http://schemas.microsoft.com/office/2006/metadata/properties"/>
     <ds:schemaRef ds:uri="http://schemas.microsoft.com/office/infopath/2007/PartnerControls"/>
     <ds:schemaRef ds:uri="71af3243-3dd4-4a8d-8c0d-dd76da1f02a5"/>
-  </ds:schemaRefs>
-</ds:datastoreItem>
-</file>
-
-<file path=customXml/itemProps2.xml><?xml version="1.0" encoding="utf-8"?>
-<ds:datastoreItem xmlns:ds="http://schemas.openxmlformats.org/officeDocument/2006/customXml" ds:itemID="{6A7FA506-1E93-4CA4-B270-1F08FD18C366}">
-  <ds:schemaRefs>
-    <ds:schemaRef ds:uri="http://schemas.microsoft.com/sharepoint/v3/contenttype/forms"/>
   </ds:schemaRefs>
 </ds:datastoreItem>
 </file>

--- a/Презентация1.pptx
+++ b/Презентация1.pptx
@@ -13318,7 +13318,7 @@
               <a:rPr lang="ru-RU" dirty="0" err="1">
                 <a:latin typeface="Gabriola" pitchFamily="82" charset="0"/>
               </a:rPr>
-              <a:t>Рабдологічий</a:t>
+              <a:t>Рабдологический</a:t>
             </a:r>
             <a:r>
               <a:rPr lang="ru-RU" dirty="0">
@@ -13352,16 +13352,10 @@
           <a:p>
             <a:pPr rtl="0"/>
             <a:r>
-              <a:rPr lang="ru-RU" dirty="0" err="1">
-                <a:latin typeface="Gabriola" pitchFamily="82" charset="0"/>
-              </a:rPr>
-              <a:t>Виконали</a:t>
-            </a:r>
-            <a:r>
               <a:rPr lang="ru-RU" dirty="0">
                 <a:latin typeface="Gabriola" pitchFamily="82" charset="0"/>
               </a:rPr>
-              <a:t>: </a:t>
+              <a:t>Выполнили: </a:t>
             </a:r>
             <a:r>
               <a:rPr lang="ru-RU" dirty="0" err="1">
@@ -13385,7 +13379,7 @@
               <a:rPr lang="ru-RU" dirty="0">
                 <a:latin typeface="Gabriola" pitchFamily="82" charset="0"/>
               </a:rPr>
-              <a:t> і </a:t>
+              <a:t> и </a:t>
             </a:r>
             <a:r>
               <a:rPr lang="ru-RU" dirty="0" err="1">
@@ -13397,17 +13391,8 @@
               <a:rPr lang="ru-RU" dirty="0">
                 <a:latin typeface="Gabriola" pitchFamily="82" charset="0"/>
               </a:rPr>
-              <a:t> </a:t>
-            </a:r>
-            <a:r>
-              <a:rPr lang="ru-RU" dirty="0" err="1">
-                <a:latin typeface="Gabriola" pitchFamily="82" charset="0"/>
-              </a:rPr>
-              <a:t>Тетяна</a:t>
-            </a:r>
-            <a:endParaRPr lang="ru-RU" dirty="0">
-              <a:latin typeface="Gabriola" pitchFamily="82" charset="0"/>
-            </a:endParaRPr>
+              <a:t> Татьяна</a:t>
+            </a:r>
           </a:p>
         </p:txBody>
       </p:sp>
@@ -15502,21 +15487,21 @@
 </file>
 
 <file path=customXml/item1.xml><?xml version="1.0" encoding="utf-8"?>
+<p:properties xmlns:p="http://schemas.microsoft.com/office/2006/metadata/properties" xmlns:xsi="http://www.w3.org/2001/XMLSchema-instance" xmlns:pc="http://schemas.microsoft.com/office/infopath/2007/PartnerControls">
+  <documentManagement>
+    <Status xmlns="71af3243-3dd4-4a8d-8c0d-dd76da1f02a5">Not started</Status>
+    <MediaServiceKeyPoints xmlns="71af3243-3dd4-4a8d-8c0d-dd76da1f02a5" xsi:nil="true"/>
+  </documentManagement>
+</p:properties>
+</file>
+
+<file path=customXml/item2.xml><?xml version="1.0" encoding="utf-8"?>
 <?mso-contentType ?>
 <FormTemplates xmlns="http://schemas.microsoft.com/sharepoint/v3/contenttype/forms">
   <Display>DocumentLibraryForm</Display>
   <Edit>DocumentLibraryForm</Edit>
   <New>DocumentLibraryForm</New>
 </FormTemplates>
-</file>
-
-<file path=customXml/item2.xml><?xml version="1.0" encoding="utf-8"?>
-<p:properties xmlns:p="http://schemas.microsoft.com/office/2006/metadata/properties" xmlns:xsi="http://www.w3.org/2001/XMLSchema-instance" xmlns:pc="http://schemas.microsoft.com/office/infopath/2007/PartnerControls">
-  <documentManagement>
-    <Status xmlns="71af3243-3dd4-4a8d-8c0d-dd76da1f02a5">Not started</Status>
-    <MediaServiceKeyPoints xmlns="71af3243-3dd4-4a8d-8c0d-dd76da1f02a5" xsi:nil="true"/>
-  </documentManagement>
-</p:properties>
 </file>
 
 <file path=customXml/item3.xml><?xml version="1.0" encoding="utf-8"?>
@@ -15741,19 +15726,19 @@
 </file>
 
 <file path=customXml/itemProps1.xml><?xml version="1.0" encoding="utf-8"?>
-<ds:datastoreItem xmlns:ds="http://schemas.openxmlformats.org/officeDocument/2006/customXml" ds:itemID="{6A7FA506-1E93-4CA4-B270-1F08FD18C366}">
+<ds:datastoreItem xmlns:ds="http://schemas.openxmlformats.org/officeDocument/2006/customXml" ds:itemID="{38F4328E-77DF-41E8-952F-124AE19F1F7C}">
   <ds:schemaRefs>
-    <ds:schemaRef ds:uri="http://schemas.microsoft.com/sharepoint/v3/contenttype/forms"/>
+    <ds:schemaRef ds:uri="http://schemas.microsoft.com/office/2006/metadata/properties"/>
+    <ds:schemaRef ds:uri="http://schemas.microsoft.com/office/infopath/2007/PartnerControls"/>
+    <ds:schemaRef ds:uri="71af3243-3dd4-4a8d-8c0d-dd76da1f02a5"/>
   </ds:schemaRefs>
 </ds:datastoreItem>
 </file>
 
 <file path=customXml/itemProps2.xml><?xml version="1.0" encoding="utf-8"?>
-<ds:datastoreItem xmlns:ds="http://schemas.openxmlformats.org/officeDocument/2006/customXml" ds:itemID="{38F4328E-77DF-41E8-952F-124AE19F1F7C}">
+<ds:datastoreItem xmlns:ds="http://schemas.openxmlformats.org/officeDocument/2006/customXml" ds:itemID="{6A7FA506-1E93-4CA4-B270-1F08FD18C366}">
   <ds:schemaRefs>
-    <ds:schemaRef ds:uri="http://schemas.microsoft.com/office/2006/metadata/properties"/>
-    <ds:schemaRef ds:uri="http://schemas.microsoft.com/office/infopath/2007/PartnerControls"/>
-    <ds:schemaRef ds:uri="71af3243-3dd4-4a8d-8c0d-dd76da1f02a5"/>
+    <ds:schemaRef ds:uri="http://schemas.microsoft.com/sharepoint/v3/contenttype/forms"/>
   </ds:schemaRefs>
 </ds:datastoreItem>
 </file>

--- a/Презентация1.pptx
+++ b/Презентация1.pptx
@@ -13518,7 +13518,7 @@
         </p:spPr>
         <p:txBody>
           <a:bodyPr>
-            <a:normAutofit/>
+            <a:normAutofit fontScale="92500" lnSpcReduction="10000"/>
           </a:bodyPr>
           <a:lstStyle/>
           <a:p>
@@ -13526,13 +13526,13 @@
               <a:buNone/>
             </a:pPr>
             <a:r>
-              <a:rPr lang="ru-RU" sz="1700" dirty="0" err="1">
+              <a:rPr lang="ru-RU" sz="2400" dirty="0" err="1">
                 <a:latin typeface="Gabriola" pitchFamily="82" charset="0"/>
               </a:rPr>
               <a:t>Рабдологический</a:t>
             </a:r>
             <a:r>
-              <a:rPr lang="ru-RU" sz="1700" dirty="0">
+              <a:rPr lang="ru-RU" sz="2400" dirty="0">
                 <a:latin typeface="Gabriola" pitchFamily="82" charset="0"/>
               </a:rPr>
               <a:t> абак – суммирующая машина, изобретенная Клодом Перро, братом знаменитого сказочника Шарля Перро. Впервые, упоминание об этом изобретении встречается в 1700 году в книге «Сборник большого числа машин собственного сочинения», изданной Клодом Перро посмертно.</a:t>
@@ -13543,7 +13543,7 @@
               <a:buNone/>
             </a:pPr>
             <a:r>
-              <a:rPr lang="ru-RU" sz="1700" dirty="0">
+              <a:rPr lang="ru-RU" sz="2400" dirty="0">
                 <a:latin typeface="Gabriola" pitchFamily="82" charset="0"/>
               </a:rPr>
               <a:t>Счетная машина, действительно, представляла собой пластину в палец толщиной, примерно 30 сантиметров высотой и 14 – шириной. На лицевой стороне машины было вырезано два окошка для отображения результатов. В верхнем окошке показывался результат вычитания, а в нижнем – сложения.</a:t>
@@ -13554,7 +13554,7 @@
               <a:buNone/>
             </a:pPr>
             <a:r>
-              <a:rPr lang="ru-RU" sz="1700" dirty="0">
+              <a:rPr lang="ru-RU" sz="2400" dirty="0">
                 <a:latin typeface="Gabriola" pitchFamily="82" charset="0"/>
               </a:rPr>
               <a:t>В нижней части лицевой стороны была выгравирована таблица умножения.</a:t>
@@ -14273,7 +14273,7 @@
               <a:buNone/>
             </a:pPr>
             <a:r>
-              <a:rPr lang="ru-UA" sz="1900" dirty="0">
+              <a:rPr lang="ru-UA" sz="2400" dirty="0">
                 <a:latin typeface="Gabriola" pitchFamily="82" charset="0"/>
               </a:rPr>
               <a:t>Получение данных:</a:t>
@@ -14283,13 +14283,13 @@
             <a:pPr marL="0" indent="0">
               <a:buNone/>
             </a:pPr>
-            <a:endParaRPr lang="ru-UA" sz="1900" dirty="0">
+            <a:endParaRPr lang="ru-UA" sz="2400" dirty="0">
               <a:latin typeface="Gabriola" pitchFamily="82" charset="0"/>
             </a:endParaRPr>
           </a:p>
           <a:p>
             <a:r>
-              <a:rPr lang="ru-UA" sz="1700" dirty="0">
+              <a:rPr lang="ru-UA" dirty="0">
                 <a:latin typeface="Gabriola" pitchFamily="82" charset="0"/>
               </a:rPr>
               <a:t>В случае сложения данны отображаются в нижнем окошке перед таблицей умножения. При примере  127+65, в окошке отобразится результат 192</a:t>
@@ -14299,13 +14299,13 @@
             <a:pPr marL="0" indent="0">
               <a:buNone/>
             </a:pPr>
-            <a:endParaRPr lang="ru-UA" sz="1700" dirty="0">
+            <a:endParaRPr lang="ru-UA" dirty="0">
               <a:latin typeface="Gabriola" pitchFamily="82" charset="0"/>
             </a:endParaRPr>
           </a:p>
           <a:p>
             <a:r>
-              <a:rPr lang="ru-UA" sz="1700" dirty="0">
+              <a:rPr lang="ru-UA" dirty="0">
                 <a:latin typeface="Gabriola" pitchFamily="82" charset="0"/>
               </a:rPr>
               <a:t>В случае вычитания, в самом верху после пазов для ввода данных находится еще одно окошко в котором отображается результат обработки ваших данных. При примере 68-23, в окошке отобразится искомый результат 45</a:t>
@@ -14561,43 +14561,45 @@
           </a:xfrm>
         </p:spPr>
         <p:txBody>
-          <a:bodyPr/>
+          <a:bodyPr>
+            <a:normAutofit/>
+          </a:bodyPr>
           <a:lstStyle/>
           <a:p>
             <a:pPr marL="0" indent="0">
               <a:buNone/>
             </a:pPr>
             <a:r>
-              <a:rPr lang="ru-RU" dirty="0">
+              <a:rPr lang="ru-RU" sz="2400" dirty="0">
                 <a:latin typeface="Gabriola" pitchFamily="82" charset="0"/>
               </a:rPr>
               <a:t>В 1792 году </a:t>
             </a:r>
             <a:r>
-              <a:rPr lang="ru-RU" dirty="0" err="1">
+              <a:rPr lang="ru-RU" sz="2400" dirty="0" err="1">
                 <a:latin typeface="Gabriola" pitchFamily="82" charset="0"/>
               </a:rPr>
               <a:t>Гаспар</a:t>
             </a:r>
             <a:r>
-              <a:rPr lang="ru-RU" dirty="0">
+              <a:rPr lang="ru-RU" sz="2400" dirty="0">
                 <a:latin typeface="Gabriola" pitchFamily="82" charset="0"/>
               </a:rPr>
               <a:t> де </a:t>
             </a:r>
             <a:r>
-              <a:rPr lang="ru-RU" dirty="0" err="1">
+              <a:rPr lang="ru-RU" sz="2400" dirty="0" err="1">
                 <a:latin typeface="Gabriola" pitchFamily="82" charset="0"/>
               </a:rPr>
               <a:t>Прони</a:t>
             </a:r>
             <a:r>
-              <a:rPr lang="ru-RU" dirty="0">
+              <a:rPr lang="ru-RU" sz="2400" dirty="0">
                 <a:latin typeface="Gabriola" pitchFamily="82" charset="0"/>
               </a:rPr>
               <a:t> предложил идею создания «Вычислительной фабрики», производящей десятичные логарифмические и тригонометрические таблицы, на 3-х уровнях:</a:t>
             </a:r>
-            <a:endParaRPr lang="en-US" dirty="0">
+            <a:endParaRPr lang="en-US" sz="2400" dirty="0">
               <a:latin typeface="Gabriola" pitchFamily="82" charset="0"/>
             </a:endParaRPr>
           </a:p>
@@ -14607,12 +14609,12 @@
               <a:buChar char="•"/>
             </a:pPr>
             <a:r>
-              <a:rPr lang="ru-RU" dirty="0">
+              <a:rPr lang="ru-RU" sz="2400" dirty="0">
                 <a:latin typeface="Gabriola" pitchFamily="82" charset="0"/>
               </a:rPr>
               <a:t>верхний уровень (аналитический): великие математики занимаются выведением математических выражений, пригодных для численных расчетов;</a:t>
             </a:r>
-            <a:endParaRPr lang="en-US" dirty="0">
+            <a:endParaRPr lang="en-US" sz="2400" dirty="0">
               <a:latin typeface="Gabriola" pitchFamily="82" charset="0"/>
             </a:endParaRPr>
           </a:p>
@@ -14622,12 +14624,12 @@
               <a:buChar char="•"/>
             </a:pPr>
             <a:r>
-              <a:rPr lang="ru-RU" dirty="0">
+              <a:rPr lang="ru-RU" sz="2400" dirty="0">
                 <a:latin typeface="Gabriola" pitchFamily="82" charset="0"/>
               </a:rPr>
               <a:t>второй уровень (уровень группировки и упрощения): математики-ассистенты вычисляют значения функций для аргументов;</a:t>
             </a:r>
-            <a:endParaRPr lang="en-US" dirty="0">
+            <a:endParaRPr lang="en-US" sz="2400" dirty="0">
               <a:latin typeface="Gabriola" pitchFamily="82" charset="0"/>
             </a:endParaRPr>
           </a:p>
@@ -14637,7 +14639,7 @@
               <a:buChar char="•"/>
             </a:pPr>
             <a:r>
-              <a:rPr lang="ru-RU" dirty="0">
+              <a:rPr lang="ru-RU" sz="2400" dirty="0">
                 <a:latin typeface="Gabriola" pitchFamily="82" charset="0"/>
               </a:rPr>
               <a:t>третий уровень (вычислительный): специально обученные рабочие проводят рутинные расчеты</a:t>
